--- a/lectures/CC-04-Maps.pptx
+++ b/lectures/CC-04-Maps.pptx
@@ -8,30 +8,32 @@
     <p:sldId id="256" r:id="rId2"/>
     <p:sldId id="259" r:id="rId3"/>
     <p:sldId id="266" r:id="rId4"/>
-    <p:sldId id="260" r:id="rId5"/>
-    <p:sldId id="261" r:id="rId6"/>
-    <p:sldId id="262" r:id="rId7"/>
-    <p:sldId id="263" r:id="rId8"/>
-    <p:sldId id="264" r:id="rId9"/>
-    <p:sldId id="265" r:id="rId10"/>
-    <p:sldId id="267" r:id="rId11"/>
-    <p:sldId id="268" r:id="rId12"/>
-    <p:sldId id="269" r:id="rId13"/>
-    <p:sldId id="270" r:id="rId14"/>
-    <p:sldId id="271" r:id="rId15"/>
-    <p:sldId id="274" r:id="rId16"/>
-    <p:sldId id="272" r:id="rId17"/>
-    <p:sldId id="273" r:id="rId18"/>
-    <p:sldId id="275" r:id="rId19"/>
-    <p:sldId id="276" r:id="rId20"/>
-    <p:sldId id="278" r:id="rId21"/>
-    <p:sldId id="279" r:id="rId22"/>
-    <p:sldId id="280" r:id="rId23"/>
-    <p:sldId id="281" r:id="rId24"/>
-    <p:sldId id="283" r:id="rId25"/>
-    <p:sldId id="284" r:id="rId26"/>
-    <p:sldId id="285" r:id="rId27"/>
-    <p:sldId id="282" r:id="rId28"/>
+    <p:sldId id="262" r:id="rId5"/>
+    <p:sldId id="260" r:id="rId6"/>
+    <p:sldId id="261" r:id="rId7"/>
+    <p:sldId id="286" r:id="rId8"/>
+    <p:sldId id="287" r:id="rId9"/>
+    <p:sldId id="263" r:id="rId10"/>
+    <p:sldId id="264" r:id="rId11"/>
+    <p:sldId id="265" r:id="rId12"/>
+    <p:sldId id="267" r:id="rId13"/>
+    <p:sldId id="268" r:id="rId14"/>
+    <p:sldId id="269" r:id="rId15"/>
+    <p:sldId id="270" r:id="rId16"/>
+    <p:sldId id="271" r:id="rId17"/>
+    <p:sldId id="274" r:id="rId18"/>
+    <p:sldId id="272" r:id="rId19"/>
+    <p:sldId id="273" r:id="rId20"/>
+    <p:sldId id="275" r:id="rId21"/>
+    <p:sldId id="276" r:id="rId22"/>
+    <p:sldId id="278" r:id="rId23"/>
+    <p:sldId id="279" r:id="rId24"/>
+    <p:sldId id="280" r:id="rId25"/>
+    <p:sldId id="281" r:id="rId26"/>
+    <p:sldId id="283" r:id="rId27"/>
+    <p:sldId id="284" r:id="rId28"/>
+    <p:sldId id="285" r:id="rId29"/>
+    <p:sldId id="282" r:id="rId30"/>
   </p:sldIdLst>
   <p:sldSz cx="12192000" cy="6858000"/>
   <p:notesSz cx="6858000" cy="9144000"/>
@@ -3464,6 +3466,1439 @@
       </p:grpSpPr>
       <p:sp>
         <p:nvSpPr>
+          <p:cNvPr id="4" name="TextBox 3">
+            <a:extLst>
+              <a:ext uri="{FF2B5EF4-FFF2-40B4-BE49-F238E27FC236}">
+                <a16:creationId xmlns:a16="http://schemas.microsoft.com/office/drawing/2014/main" id="{996E046E-ECF6-7340-52D5-5F19C9B73FEF}"/>
+              </a:ext>
+            </a:extLst>
+          </p:cNvPr>
+          <p:cNvSpPr txBox="1"/>
+          <p:nvPr/>
+        </p:nvSpPr>
+        <p:spPr>
+          <a:xfrm>
+            <a:off x="345528" y="450668"/>
+            <a:ext cx="7977857" cy="5478423"/>
+          </a:xfrm>
+          <a:prstGeom prst="rect">
+            <a:avLst/>
+          </a:prstGeom>
+          <a:noFill/>
+        </p:spPr>
+        <p:txBody>
+          <a:bodyPr wrap="square" rtlCol="0">
+            <a:spAutoFit/>
+          </a:bodyPr>
+          <a:lstStyle/>
+          <a:p>
+            <a:r>
+              <a:rPr lang="en-US" sz="1400" b="1" dirty="0">
+                <a:latin typeface="Courier New" panose="02070309020205020404" pitchFamily="49" charset="0"/>
+                <a:cs typeface="Courier New" panose="02070309020205020404" pitchFamily="49" charset="0"/>
+              </a:rPr>
+              <a:t>int main(void)</a:t>
+            </a:r>
+          </a:p>
+          <a:p>
+            <a:r>
+              <a:rPr lang="en-US" sz="1400" b="1" dirty="0">
+                <a:latin typeface="Courier New" panose="02070309020205020404" pitchFamily="49" charset="0"/>
+                <a:cs typeface="Courier New" panose="02070309020205020404" pitchFamily="49" charset="0"/>
+              </a:rPr>
+              <a:t>{</a:t>
+            </a:r>
+          </a:p>
+          <a:p>
+            <a:r>
+              <a:rPr lang="en-US" sz="1400" b="1" dirty="0">
+                <a:latin typeface="Courier New" panose="02070309020205020404" pitchFamily="49" charset="0"/>
+                <a:cs typeface="Courier New" panose="02070309020205020404" pitchFamily="49" charset="0"/>
+              </a:rPr>
+              <a:t>    struct Map * map = </a:t>
+            </a:r>
+            <a:r>
+              <a:rPr lang="en-US" sz="1400" b="1" dirty="0" err="1">
+                <a:latin typeface="Courier New" panose="02070309020205020404" pitchFamily="49" charset="0"/>
+                <a:cs typeface="Courier New" panose="02070309020205020404" pitchFamily="49" charset="0"/>
+              </a:rPr>
+              <a:t>Map_new</a:t>
+            </a:r>
+            <a:r>
+              <a:rPr lang="en-US" sz="1400" b="1" dirty="0">
+                <a:latin typeface="Courier New" panose="02070309020205020404" pitchFamily="49" charset="0"/>
+                <a:cs typeface="Courier New" panose="02070309020205020404" pitchFamily="49" charset="0"/>
+              </a:rPr>
+              <a:t>();</a:t>
+            </a:r>
+          </a:p>
+          <a:p>
+            <a:r>
+              <a:rPr lang="en-US" sz="1400" b="1" dirty="0">
+                <a:latin typeface="Courier New" panose="02070309020205020404" pitchFamily="49" charset="0"/>
+                <a:cs typeface="Courier New" panose="02070309020205020404" pitchFamily="49" charset="0"/>
+              </a:rPr>
+              <a:t>    struct </a:t>
+            </a:r>
+            <a:r>
+              <a:rPr lang="en-US" sz="1400" b="1" dirty="0" err="1">
+                <a:latin typeface="Courier New" panose="02070309020205020404" pitchFamily="49" charset="0"/>
+                <a:cs typeface="Courier New" panose="02070309020205020404" pitchFamily="49" charset="0"/>
+              </a:rPr>
+              <a:t>MapEntry</a:t>
+            </a:r>
+            <a:r>
+              <a:rPr lang="en-US" sz="1400" b="1" dirty="0">
+                <a:latin typeface="Courier New" panose="02070309020205020404" pitchFamily="49" charset="0"/>
+                <a:cs typeface="Courier New" panose="02070309020205020404" pitchFamily="49" charset="0"/>
+              </a:rPr>
+              <a:t> *cur;</a:t>
+            </a:r>
+          </a:p>
+          <a:p>
+            <a:r>
+              <a:rPr lang="en-US" sz="1400" b="1" dirty="0">
+                <a:latin typeface="Courier New" panose="02070309020205020404" pitchFamily="49" charset="0"/>
+                <a:cs typeface="Courier New" panose="02070309020205020404" pitchFamily="49" charset="0"/>
+              </a:rPr>
+              <a:t>    struct </a:t>
+            </a:r>
+            <a:r>
+              <a:rPr lang="en-US" sz="1400" b="1" dirty="0" err="1">
+                <a:latin typeface="Courier New" panose="02070309020205020404" pitchFamily="49" charset="0"/>
+                <a:cs typeface="Courier New" panose="02070309020205020404" pitchFamily="49" charset="0"/>
+              </a:rPr>
+              <a:t>MapIter</a:t>
+            </a:r>
+            <a:r>
+              <a:rPr lang="en-US" sz="1400" b="1" dirty="0">
+                <a:latin typeface="Courier New" panose="02070309020205020404" pitchFamily="49" charset="0"/>
+                <a:cs typeface="Courier New" panose="02070309020205020404" pitchFamily="49" charset="0"/>
+              </a:rPr>
+              <a:t> *</a:t>
+            </a:r>
+            <a:r>
+              <a:rPr lang="en-US" sz="1400" b="1" dirty="0" err="1">
+                <a:latin typeface="Courier New" panose="02070309020205020404" pitchFamily="49" charset="0"/>
+                <a:cs typeface="Courier New" panose="02070309020205020404" pitchFamily="49" charset="0"/>
+              </a:rPr>
+              <a:t>iter</a:t>
+            </a:r>
+            <a:r>
+              <a:rPr lang="en-US" sz="1400" b="1" dirty="0">
+                <a:latin typeface="Courier New" panose="02070309020205020404" pitchFamily="49" charset="0"/>
+                <a:cs typeface="Courier New" panose="02070309020205020404" pitchFamily="49" charset="0"/>
+              </a:rPr>
+              <a:t>;</a:t>
+            </a:r>
+          </a:p>
+          <a:p>
+            <a:endParaRPr lang="en-US" sz="1400" b="1" dirty="0">
+              <a:latin typeface="Courier New" panose="02070309020205020404" pitchFamily="49" charset="0"/>
+              <a:cs typeface="Courier New" panose="02070309020205020404" pitchFamily="49" charset="0"/>
+            </a:endParaRPr>
+          </a:p>
+          <a:p>
+            <a:r>
+              <a:rPr lang="en-US" sz="1400" b="1" dirty="0">
+                <a:latin typeface="Courier New" panose="02070309020205020404" pitchFamily="49" charset="0"/>
+                <a:cs typeface="Courier New" panose="02070309020205020404" pitchFamily="49" charset="0"/>
+              </a:rPr>
+              <a:t>    </a:t>
+            </a:r>
+            <a:r>
+              <a:rPr lang="en-US" sz="1400" b="1" dirty="0" err="1">
+                <a:latin typeface="Courier New" panose="02070309020205020404" pitchFamily="49" charset="0"/>
+                <a:cs typeface="Courier New" panose="02070309020205020404" pitchFamily="49" charset="0"/>
+              </a:rPr>
+              <a:t>printf</a:t>
+            </a:r>
+            <a:r>
+              <a:rPr lang="en-US" sz="1400" b="1" dirty="0">
+                <a:latin typeface="Courier New" panose="02070309020205020404" pitchFamily="49" charset="0"/>
+                <a:cs typeface="Courier New" panose="02070309020205020404" pitchFamily="49" charset="0"/>
+              </a:rPr>
+              <a:t>("Testing Map class\n");</a:t>
+            </a:r>
+          </a:p>
+          <a:p>
+            <a:r>
+              <a:rPr lang="en-US" sz="1400" b="1" dirty="0">
+                <a:latin typeface="Courier New" panose="02070309020205020404" pitchFamily="49" charset="0"/>
+                <a:cs typeface="Courier New" panose="02070309020205020404" pitchFamily="49" charset="0"/>
+              </a:rPr>
+              <a:t>    map-&gt;put(map, "z", 8);</a:t>
+            </a:r>
+          </a:p>
+          <a:p>
+            <a:r>
+              <a:rPr lang="en-US" sz="1400" b="1" dirty="0">
+                <a:latin typeface="Courier New" panose="02070309020205020404" pitchFamily="49" charset="0"/>
+                <a:cs typeface="Courier New" panose="02070309020205020404" pitchFamily="49" charset="0"/>
+              </a:rPr>
+              <a:t>    map-&gt;put(map, "z", 1);</a:t>
+            </a:r>
+          </a:p>
+          <a:p>
+            <a:r>
+              <a:rPr lang="en-US" sz="1400" b="1" dirty="0">
+                <a:latin typeface="Courier New" panose="02070309020205020404" pitchFamily="49" charset="0"/>
+                <a:cs typeface="Courier New" panose="02070309020205020404" pitchFamily="49" charset="0"/>
+              </a:rPr>
+              <a:t>    map-&gt;put(map, "y", 2);</a:t>
+            </a:r>
+          </a:p>
+          <a:p>
+            <a:r>
+              <a:rPr lang="en-US" sz="1400" b="1" dirty="0">
+                <a:latin typeface="Courier New" panose="02070309020205020404" pitchFamily="49" charset="0"/>
+                <a:cs typeface="Courier New" panose="02070309020205020404" pitchFamily="49" charset="0"/>
+              </a:rPr>
+              <a:t>    map-&gt;put(map, "b", 3);</a:t>
+            </a:r>
+          </a:p>
+          <a:p>
+            <a:r>
+              <a:rPr lang="en-US" sz="1400" b="1" dirty="0">
+                <a:latin typeface="Courier New" panose="02070309020205020404" pitchFamily="49" charset="0"/>
+                <a:cs typeface="Courier New" panose="02070309020205020404" pitchFamily="49" charset="0"/>
+              </a:rPr>
+              <a:t>    map-&gt;put(map, "a", 4);</a:t>
+            </a:r>
+          </a:p>
+          <a:p>
+            <a:r>
+              <a:rPr lang="en-US" sz="1400" b="1" dirty="0">
+                <a:latin typeface="Courier New" panose="02070309020205020404" pitchFamily="49" charset="0"/>
+                <a:cs typeface="Courier New" panose="02070309020205020404" pitchFamily="49" charset="0"/>
+              </a:rPr>
+              <a:t>    map-&gt;dump(map);</a:t>
+            </a:r>
+          </a:p>
+          <a:p>
+            <a:endParaRPr lang="en-US" sz="1400" b="1" dirty="0">
+              <a:latin typeface="Courier New" panose="02070309020205020404" pitchFamily="49" charset="0"/>
+              <a:cs typeface="Courier New" panose="02070309020205020404" pitchFamily="49" charset="0"/>
+            </a:endParaRPr>
+          </a:p>
+          <a:p>
+            <a:r>
+              <a:rPr lang="en-US" sz="1400" b="1" dirty="0">
+                <a:latin typeface="Courier New" panose="02070309020205020404" pitchFamily="49" charset="0"/>
+                <a:cs typeface="Courier New" panose="02070309020205020404" pitchFamily="49" charset="0"/>
+              </a:rPr>
+              <a:t>    </a:t>
+            </a:r>
+            <a:r>
+              <a:rPr lang="en-US" sz="1400" b="1" dirty="0" err="1">
+                <a:latin typeface="Courier New" panose="02070309020205020404" pitchFamily="49" charset="0"/>
+                <a:cs typeface="Courier New" panose="02070309020205020404" pitchFamily="49" charset="0"/>
+              </a:rPr>
+              <a:t>printf</a:t>
+            </a:r>
+            <a:r>
+              <a:rPr lang="en-US" sz="1400" b="1" dirty="0">
+                <a:latin typeface="Courier New" panose="02070309020205020404" pitchFamily="49" charset="0"/>
+                <a:cs typeface="Courier New" panose="02070309020205020404" pitchFamily="49" charset="0"/>
+              </a:rPr>
+              <a:t>("z=%d\n", map-&gt;get(map, "z", 42));</a:t>
+            </a:r>
+          </a:p>
+          <a:p>
+            <a:r>
+              <a:rPr lang="en-US" sz="1400" b="1" dirty="0">
+                <a:latin typeface="Courier New" panose="02070309020205020404" pitchFamily="49" charset="0"/>
+                <a:cs typeface="Courier New" panose="02070309020205020404" pitchFamily="49" charset="0"/>
+              </a:rPr>
+              <a:t>    </a:t>
+            </a:r>
+            <a:r>
+              <a:rPr lang="en-US" sz="1400" b="1" dirty="0" err="1">
+                <a:latin typeface="Courier New" panose="02070309020205020404" pitchFamily="49" charset="0"/>
+                <a:cs typeface="Courier New" panose="02070309020205020404" pitchFamily="49" charset="0"/>
+              </a:rPr>
+              <a:t>printf</a:t>
+            </a:r>
+            <a:r>
+              <a:rPr lang="en-US" sz="1400" b="1" dirty="0">
+                <a:latin typeface="Courier New" panose="02070309020205020404" pitchFamily="49" charset="0"/>
+                <a:cs typeface="Courier New" panose="02070309020205020404" pitchFamily="49" charset="0"/>
+              </a:rPr>
+              <a:t>("x=%d\n", map-&gt;get(map, "x", 42));</a:t>
+            </a:r>
+          </a:p>
+          <a:p>
+            <a:endParaRPr lang="en-US" sz="1400" b="1" dirty="0">
+              <a:latin typeface="Courier New" panose="02070309020205020404" pitchFamily="49" charset="0"/>
+              <a:cs typeface="Courier New" panose="02070309020205020404" pitchFamily="49" charset="0"/>
+            </a:endParaRPr>
+          </a:p>
+          <a:p>
+            <a:r>
+              <a:rPr lang="en-US" sz="1400" b="1" dirty="0">
+                <a:latin typeface="Courier New" panose="02070309020205020404" pitchFamily="49" charset="0"/>
+                <a:cs typeface="Courier New" panose="02070309020205020404" pitchFamily="49" charset="0"/>
+              </a:rPr>
+              <a:t>    </a:t>
+            </a:r>
+            <a:r>
+              <a:rPr lang="en-US" sz="1400" b="1" dirty="0" err="1">
+                <a:latin typeface="Courier New" panose="02070309020205020404" pitchFamily="49" charset="0"/>
+                <a:cs typeface="Courier New" panose="02070309020205020404" pitchFamily="49" charset="0"/>
+              </a:rPr>
+              <a:t>printf</a:t>
+            </a:r>
+            <a:r>
+              <a:rPr lang="en-US" sz="1400" b="1" dirty="0">
+                <a:latin typeface="Courier New" panose="02070309020205020404" pitchFamily="49" charset="0"/>
+                <a:cs typeface="Courier New" panose="02070309020205020404" pitchFamily="49" charset="0"/>
+              </a:rPr>
+              <a:t>("\</a:t>
+            </a:r>
+            <a:r>
+              <a:rPr lang="en-US" sz="1400" b="1" dirty="0" err="1">
+                <a:latin typeface="Courier New" panose="02070309020205020404" pitchFamily="49" charset="0"/>
+                <a:cs typeface="Courier New" panose="02070309020205020404" pitchFamily="49" charset="0"/>
+              </a:rPr>
+              <a:t>nIterate</a:t>
+            </a:r>
+            <a:r>
+              <a:rPr lang="en-US" sz="1400" b="1" dirty="0">
+                <a:latin typeface="Courier New" panose="02070309020205020404" pitchFamily="49" charset="0"/>
+                <a:cs typeface="Courier New" panose="02070309020205020404" pitchFamily="49" charset="0"/>
+              </a:rPr>
+              <a:t> forwards\n");</a:t>
+            </a:r>
+          </a:p>
+          <a:p>
+            <a:r>
+              <a:rPr lang="en-US" sz="1400" b="1" dirty="0">
+                <a:latin typeface="Courier New" panose="02070309020205020404" pitchFamily="49" charset="0"/>
+                <a:cs typeface="Courier New" panose="02070309020205020404" pitchFamily="49" charset="0"/>
+              </a:rPr>
+              <a:t>    </a:t>
+            </a:r>
+            <a:r>
+              <a:rPr lang="en-US" sz="1400" b="1" dirty="0" err="1">
+                <a:latin typeface="Courier New" panose="02070309020205020404" pitchFamily="49" charset="0"/>
+                <a:cs typeface="Courier New" panose="02070309020205020404" pitchFamily="49" charset="0"/>
+              </a:rPr>
+              <a:t>iter</a:t>
+            </a:r>
+            <a:r>
+              <a:rPr lang="en-US" sz="1400" b="1" dirty="0">
+                <a:latin typeface="Courier New" panose="02070309020205020404" pitchFamily="49" charset="0"/>
+                <a:cs typeface="Courier New" panose="02070309020205020404" pitchFamily="49" charset="0"/>
+              </a:rPr>
+              <a:t> = map-&gt;first(map);</a:t>
+            </a:r>
+          </a:p>
+          <a:p>
+            <a:r>
+              <a:rPr lang="en-US" sz="1400" b="1" dirty="0">
+                <a:latin typeface="Courier New" panose="02070309020205020404" pitchFamily="49" charset="0"/>
+                <a:cs typeface="Courier New" panose="02070309020205020404" pitchFamily="49" charset="0"/>
+              </a:rPr>
+              <a:t>    while((cur = </a:t>
+            </a:r>
+            <a:r>
+              <a:rPr lang="en-US" sz="1400" b="1" dirty="0" err="1">
+                <a:latin typeface="Courier New" panose="02070309020205020404" pitchFamily="49" charset="0"/>
+                <a:cs typeface="Courier New" panose="02070309020205020404" pitchFamily="49" charset="0"/>
+              </a:rPr>
+              <a:t>iter</a:t>
+            </a:r>
+            <a:r>
+              <a:rPr lang="en-US" sz="1400" b="1" dirty="0">
+                <a:latin typeface="Courier New" panose="02070309020205020404" pitchFamily="49" charset="0"/>
+                <a:cs typeface="Courier New" panose="02070309020205020404" pitchFamily="49" charset="0"/>
+              </a:rPr>
+              <a:t>-&gt;next(</a:t>
+            </a:r>
+            <a:r>
+              <a:rPr lang="en-US" sz="1400" b="1" dirty="0" err="1">
+                <a:latin typeface="Courier New" panose="02070309020205020404" pitchFamily="49" charset="0"/>
+                <a:cs typeface="Courier New" panose="02070309020205020404" pitchFamily="49" charset="0"/>
+              </a:rPr>
+              <a:t>iter</a:t>
+            </a:r>
+            <a:r>
+              <a:rPr lang="en-US" sz="1400" b="1" dirty="0">
+                <a:latin typeface="Courier New" panose="02070309020205020404" pitchFamily="49" charset="0"/>
+                <a:cs typeface="Courier New" panose="02070309020205020404" pitchFamily="49" charset="0"/>
+              </a:rPr>
+              <a:t>)) != NULL ) {</a:t>
+            </a:r>
+          </a:p>
+          <a:p>
+            <a:r>
+              <a:rPr lang="en-US" sz="1400" b="1" dirty="0">
+                <a:latin typeface="Courier New" panose="02070309020205020404" pitchFamily="49" charset="0"/>
+                <a:cs typeface="Courier New" panose="02070309020205020404" pitchFamily="49" charset="0"/>
+              </a:rPr>
+              <a:t>        </a:t>
+            </a:r>
+            <a:r>
+              <a:rPr lang="en-US" sz="1400" b="1" dirty="0" err="1">
+                <a:latin typeface="Courier New" panose="02070309020205020404" pitchFamily="49" charset="0"/>
+                <a:cs typeface="Courier New" panose="02070309020205020404" pitchFamily="49" charset="0"/>
+              </a:rPr>
+              <a:t>printf</a:t>
+            </a:r>
+            <a:r>
+              <a:rPr lang="en-US" sz="1400" b="1" dirty="0">
+                <a:latin typeface="Courier New" panose="02070309020205020404" pitchFamily="49" charset="0"/>
+                <a:cs typeface="Courier New" panose="02070309020205020404" pitchFamily="49" charset="0"/>
+              </a:rPr>
+              <a:t>(" %s=%d\n", cur-&gt;key, cur-&gt;value);</a:t>
+            </a:r>
+          </a:p>
+          <a:p>
+            <a:r>
+              <a:rPr lang="en-US" sz="1400" b="1" dirty="0">
+                <a:latin typeface="Courier New" panose="02070309020205020404" pitchFamily="49" charset="0"/>
+                <a:cs typeface="Courier New" panose="02070309020205020404" pitchFamily="49" charset="0"/>
+              </a:rPr>
+              <a:t>    }</a:t>
+            </a:r>
+          </a:p>
+          <a:p>
+            <a:r>
+              <a:rPr lang="en-US" sz="1400" b="1" dirty="0">
+                <a:latin typeface="Courier New" panose="02070309020205020404" pitchFamily="49" charset="0"/>
+                <a:cs typeface="Courier New" panose="02070309020205020404" pitchFamily="49" charset="0"/>
+              </a:rPr>
+              <a:t>    </a:t>
+            </a:r>
+            <a:r>
+              <a:rPr lang="en-US" sz="1400" b="1" dirty="0" err="1">
+                <a:latin typeface="Courier New" panose="02070309020205020404" pitchFamily="49" charset="0"/>
+                <a:cs typeface="Courier New" panose="02070309020205020404" pitchFamily="49" charset="0"/>
+              </a:rPr>
+              <a:t>iter</a:t>
+            </a:r>
+            <a:r>
+              <a:rPr lang="en-US" sz="1400" b="1" dirty="0">
+                <a:latin typeface="Courier New" panose="02070309020205020404" pitchFamily="49" charset="0"/>
+                <a:cs typeface="Courier New" panose="02070309020205020404" pitchFamily="49" charset="0"/>
+              </a:rPr>
+              <a:t>-&gt;del(</a:t>
+            </a:r>
+            <a:r>
+              <a:rPr lang="en-US" sz="1400" b="1" dirty="0" err="1">
+                <a:latin typeface="Courier New" panose="02070309020205020404" pitchFamily="49" charset="0"/>
+                <a:cs typeface="Courier New" panose="02070309020205020404" pitchFamily="49" charset="0"/>
+              </a:rPr>
+              <a:t>iter</a:t>
+            </a:r>
+            <a:r>
+              <a:rPr lang="en-US" sz="1400" b="1" dirty="0">
+                <a:latin typeface="Courier New" panose="02070309020205020404" pitchFamily="49" charset="0"/>
+                <a:cs typeface="Courier New" panose="02070309020205020404" pitchFamily="49" charset="0"/>
+              </a:rPr>
+              <a:t>);</a:t>
+            </a:r>
+          </a:p>
+          <a:p>
+            <a:endParaRPr lang="en-US" sz="1400" b="1" dirty="0">
+              <a:latin typeface="Courier New" panose="02070309020205020404" pitchFamily="49" charset="0"/>
+              <a:cs typeface="Courier New" panose="02070309020205020404" pitchFamily="49" charset="0"/>
+            </a:endParaRPr>
+          </a:p>
+          <a:p>
+            <a:r>
+              <a:rPr lang="en-US" sz="1400" b="1" dirty="0">
+                <a:latin typeface="Courier New" panose="02070309020205020404" pitchFamily="49" charset="0"/>
+                <a:cs typeface="Courier New" panose="02070309020205020404" pitchFamily="49" charset="0"/>
+              </a:rPr>
+              <a:t>...</a:t>
+            </a:r>
+          </a:p>
+        </p:txBody>
+      </p:sp>
+      <p:sp>
+        <p:nvSpPr>
+          <p:cNvPr id="2" name="TextBox 1">
+            <a:extLst>
+              <a:ext uri="{FF2B5EF4-FFF2-40B4-BE49-F238E27FC236}">
+                <a16:creationId xmlns:a16="http://schemas.microsoft.com/office/drawing/2014/main" id="{5F392106-F0A9-3311-2512-DAE6B700DF70}"/>
+              </a:ext>
+            </a:extLst>
+          </p:cNvPr>
+          <p:cNvSpPr txBox="1"/>
+          <p:nvPr/>
+        </p:nvSpPr>
+        <p:spPr>
+          <a:xfrm>
+            <a:off x="7503412" y="1851051"/>
+            <a:ext cx="3252814" cy="2677656"/>
+          </a:xfrm>
+          <a:prstGeom prst="rect">
+            <a:avLst/>
+          </a:prstGeom>
+          <a:noFill/>
+          <a:ln w="28575">
+            <a:solidFill>
+              <a:schemeClr val="accent1"/>
+            </a:solidFill>
+          </a:ln>
+        </p:spPr>
+        <p:txBody>
+          <a:bodyPr wrap="none" rtlCol="0">
+            <a:spAutoFit/>
+          </a:bodyPr>
+          <a:lstStyle/>
+          <a:p>
+            <a:r>
+              <a:rPr lang="en-US" sz="1200" b="1" dirty="0">
+                <a:latin typeface="Courier New" panose="02070309020205020404" pitchFamily="49" charset="0"/>
+                <a:cs typeface="Courier New" panose="02070309020205020404" pitchFamily="49" charset="0"/>
+              </a:rPr>
+              <a:t>Testing Map class</a:t>
+            </a:r>
+          </a:p>
+          <a:p>
+            <a:r>
+              <a:rPr lang="en-US" sz="1200" b="1" dirty="0">
+                <a:latin typeface="Courier New" panose="02070309020205020404" pitchFamily="49" charset="0"/>
+                <a:cs typeface="Courier New" panose="02070309020205020404" pitchFamily="49" charset="0"/>
+              </a:rPr>
+              <a:t>Object Map@0x600002a3c000 count=4</a:t>
+            </a:r>
+          </a:p>
+          <a:p>
+            <a:r>
+              <a:rPr lang="en-US" sz="1200" b="1" dirty="0">
+                <a:latin typeface="Courier New" panose="02070309020205020404" pitchFamily="49" charset="0"/>
+                <a:cs typeface="Courier New" panose="02070309020205020404" pitchFamily="49" charset="0"/>
+              </a:rPr>
+              <a:t>  z=1</a:t>
+            </a:r>
+          </a:p>
+          <a:p>
+            <a:r>
+              <a:rPr lang="en-US" sz="1200" b="1" dirty="0">
+                <a:latin typeface="Courier New" panose="02070309020205020404" pitchFamily="49" charset="0"/>
+                <a:cs typeface="Courier New" panose="02070309020205020404" pitchFamily="49" charset="0"/>
+              </a:rPr>
+              <a:t>  y=2</a:t>
+            </a:r>
+          </a:p>
+          <a:p>
+            <a:r>
+              <a:rPr lang="en-US" sz="1200" b="1" dirty="0">
+                <a:latin typeface="Courier New" panose="02070309020205020404" pitchFamily="49" charset="0"/>
+                <a:cs typeface="Courier New" panose="02070309020205020404" pitchFamily="49" charset="0"/>
+              </a:rPr>
+              <a:t>  b=3</a:t>
+            </a:r>
+          </a:p>
+          <a:p>
+            <a:r>
+              <a:rPr lang="en-US" sz="1200" b="1" dirty="0">
+                <a:latin typeface="Courier New" panose="02070309020205020404" pitchFamily="49" charset="0"/>
+                <a:cs typeface="Courier New" panose="02070309020205020404" pitchFamily="49" charset="0"/>
+              </a:rPr>
+              <a:t>  a=4</a:t>
+            </a:r>
+          </a:p>
+          <a:p>
+            <a:r>
+              <a:rPr lang="en-US" sz="1200" b="1" dirty="0">
+                <a:latin typeface="Courier New" panose="02070309020205020404" pitchFamily="49" charset="0"/>
+                <a:cs typeface="Courier New" panose="02070309020205020404" pitchFamily="49" charset="0"/>
+              </a:rPr>
+              <a:t>z=1</a:t>
+            </a:r>
+          </a:p>
+          <a:p>
+            <a:r>
+              <a:rPr lang="en-US" sz="1200" b="1" dirty="0">
+                <a:latin typeface="Courier New" panose="02070309020205020404" pitchFamily="49" charset="0"/>
+                <a:cs typeface="Courier New" panose="02070309020205020404" pitchFamily="49" charset="0"/>
+              </a:rPr>
+              <a:t>x=42</a:t>
+            </a:r>
+          </a:p>
+          <a:p>
+            <a:endParaRPr lang="en-US" sz="1200" b="1" dirty="0">
+              <a:latin typeface="Courier New" panose="02070309020205020404" pitchFamily="49" charset="0"/>
+              <a:cs typeface="Courier New" panose="02070309020205020404" pitchFamily="49" charset="0"/>
+            </a:endParaRPr>
+          </a:p>
+          <a:p>
+            <a:r>
+              <a:rPr lang="en-US" sz="1200" b="1" dirty="0">
+                <a:latin typeface="Courier New" panose="02070309020205020404" pitchFamily="49" charset="0"/>
+                <a:cs typeface="Courier New" panose="02070309020205020404" pitchFamily="49" charset="0"/>
+              </a:rPr>
+              <a:t>Iterate forwards</a:t>
+            </a:r>
+          </a:p>
+          <a:p>
+            <a:r>
+              <a:rPr lang="en-US" sz="1200" b="1" dirty="0">
+                <a:latin typeface="Courier New" panose="02070309020205020404" pitchFamily="49" charset="0"/>
+                <a:cs typeface="Courier New" panose="02070309020205020404" pitchFamily="49" charset="0"/>
+              </a:rPr>
+              <a:t> y=2</a:t>
+            </a:r>
+          </a:p>
+          <a:p>
+            <a:r>
+              <a:rPr lang="en-US" sz="1200" b="1" dirty="0">
+                <a:latin typeface="Courier New" panose="02070309020205020404" pitchFamily="49" charset="0"/>
+                <a:cs typeface="Courier New" panose="02070309020205020404" pitchFamily="49" charset="0"/>
+              </a:rPr>
+              <a:t> b=3</a:t>
+            </a:r>
+          </a:p>
+          <a:p>
+            <a:r>
+              <a:rPr lang="en-US" sz="1200" b="1" dirty="0">
+                <a:latin typeface="Courier New" panose="02070309020205020404" pitchFamily="49" charset="0"/>
+                <a:cs typeface="Courier New" panose="02070309020205020404" pitchFamily="49" charset="0"/>
+              </a:rPr>
+              <a:t> a=4</a:t>
+            </a:r>
+          </a:p>
+          <a:p>
+            <a:endParaRPr lang="en-US" sz="1200" b="1" dirty="0">
+              <a:latin typeface="Courier New" panose="02070309020205020404" pitchFamily="49" charset="0"/>
+              <a:cs typeface="Courier New" panose="02070309020205020404" pitchFamily="49" charset="0"/>
+            </a:endParaRPr>
+          </a:p>
+        </p:txBody>
+      </p:sp>
+      <p:sp>
+        <p:nvSpPr>
+          <p:cNvPr id="3" name="TextBox 2">
+            <a:extLst>
+              <a:ext uri="{FF2B5EF4-FFF2-40B4-BE49-F238E27FC236}">
+                <a16:creationId xmlns:a16="http://schemas.microsoft.com/office/drawing/2014/main" id="{60FB070C-6DEF-262C-0A30-0FE29F60430A}"/>
+              </a:ext>
+            </a:extLst>
+          </p:cNvPr>
+          <p:cNvSpPr txBox="1"/>
+          <p:nvPr/>
+        </p:nvSpPr>
+        <p:spPr>
+          <a:xfrm>
+            <a:off x="345528" y="6334780"/>
+            <a:ext cx="1665696" cy="523220"/>
+          </a:xfrm>
+          <a:prstGeom prst="rect">
+            <a:avLst/>
+          </a:prstGeom>
+          <a:noFill/>
+        </p:spPr>
+        <p:txBody>
+          <a:bodyPr wrap="square">
+            <a:spAutoFit/>
+          </a:bodyPr>
+          <a:lstStyle/>
+          <a:p>
+            <a:r>
+              <a:rPr lang="en-US" sz="1400" b="1" dirty="0">
+                <a:solidFill>
+                  <a:srgbClr val="000000"/>
+                </a:solidFill>
+                <a:latin typeface="Menlo" panose="020B0609030804020204" pitchFamily="49" charset="0"/>
+              </a:rPr>
+              <a:t>cc_05_01.c</a:t>
+            </a:r>
+          </a:p>
+          <a:p>
+            <a:endParaRPr lang="en-US" sz="1400" b="1" dirty="0">
+              <a:solidFill>
+                <a:srgbClr val="000000"/>
+              </a:solidFill>
+              <a:latin typeface="Menlo" panose="020B0609030804020204" pitchFamily="49" charset="0"/>
+            </a:endParaRPr>
+          </a:p>
+        </p:txBody>
+      </p:sp>
+    </p:spTree>
+    <p:extLst>
+      <p:ext uri="{BB962C8B-B14F-4D97-AF65-F5344CB8AC3E}">
+        <p14:creationId xmlns:p14="http://schemas.microsoft.com/office/powerpoint/2010/main" val="1960542558"/>
+      </p:ext>
+    </p:extLst>
+  </p:cSld>
+  <p:clrMapOvr>
+    <a:masterClrMapping/>
+  </p:clrMapOvr>
+</p:sld>
+</file>
+
+<file path=ppt/slides/slide11.xml><?xml version="1.0" encoding="utf-8"?>
+<p:sld xmlns:a="http://schemas.openxmlformats.org/drawingml/2006/main" xmlns:r="http://schemas.openxmlformats.org/officeDocument/2006/relationships" xmlns:p="http://schemas.openxmlformats.org/presentationml/2006/main">
+  <p:cSld>
+    <p:spTree>
+      <p:nvGrpSpPr>
+        <p:cNvPr id="1" name=""/>
+        <p:cNvGrpSpPr/>
+        <p:nvPr/>
+      </p:nvGrpSpPr>
+      <p:grpSpPr>
+        <a:xfrm>
+          <a:off x="0" y="0"/>
+          <a:ext cx="0" cy="0"/>
+          <a:chOff x="0" y="0"/>
+          <a:chExt cx="0" cy="0"/>
+        </a:xfrm>
+      </p:grpSpPr>
+      <p:sp>
+        <p:nvSpPr>
+          <p:cNvPr id="4" name="TextBox 3">
+            <a:extLst>
+              <a:ext uri="{FF2B5EF4-FFF2-40B4-BE49-F238E27FC236}">
+                <a16:creationId xmlns:a16="http://schemas.microsoft.com/office/drawing/2014/main" id="{996E046E-ECF6-7340-52D5-5F19C9B73FEF}"/>
+              </a:ext>
+            </a:extLst>
+          </p:cNvPr>
+          <p:cNvSpPr txBox="1"/>
+          <p:nvPr/>
+        </p:nvSpPr>
+        <p:spPr>
+          <a:xfrm>
+            <a:off x="345528" y="450668"/>
+            <a:ext cx="7273145" cy="5478423"/>
+          </a:xfrm>
+          <a:prstGeom prst="rect">
+            <a:avLst/>
+          </a:prstGeom>
+          <a:noFill/>
+        </p:spPr>
+        <p:txBody>
+          <a:bodyPr wrap="none" rtlCol="0">
+            <a:spAutoFit/>
+          </a:bodyPr>
+          <a:lstStyle/>
+          <a:p>
+            <a:r>
+              <a:rPr lang="en-US" sz="1400" b="1" dirty="0">
+                <a:latin typeface="Courier New" panose="02070309020205020404" pitchFamily="49" charset="0"/>
+                <a:cs typeface="Courier New" panose="02070309020205020404" pitchFamily="49" charset="0"/>
+              </a:rPr>
+              <a:t>…</a:t>
+            </a:r>
+          </a:p>
+          <a:p>
+            <a:r>
+              <a:rPr lang="en-US" sz="1400" b="1" dirty="0">
+                <a:latin typeface="Courier New" panose="02070309020205020404" pitchFamily="49" charset="0"/>
+                <a:cs typeface="Courier New" panose="02070309020205020404" pitchFamily="49" charset="0"/>
+              </a:rPr>
+              <a:t>    </a:t>
+            </a:r>
+            <a:r>
+              <a:rPr lang="en-US" sz="1400" b="1" dirty="0" err="1">
+                <a:latin typeface="Courier New" panose="02070309020205020404" pitchFamily="49" charset="0"/>
+                <a:cs typeface="Courier New" panose="02070309020205020404" pitchFamily="49" charset="0"/>
+              </a:rPr>
+              <a:t>printf</a:t>
+            </a:r>
+            <a:r>
+              <a:rPr lang="en-US" sz="1400" b="1" dirty="0">
+                <a:latin typeface="Courier New" panose="02070309020205020404" pitchFamily="49" charset="0"/>
+                <a:cs typeface="Courier New" panose="02070309020205020404" pitchFamily="49" charset="0"/>
+              </a:rPr>
+              <a:t>("\</a:t>
+            </a:r>
+            <a:r>
+              <a:rPr lang="en-US" sz="1400" b="1" dirty="0" err="1">
+                <a:latin typeface="Courier New" panose="02070309020205020404" pitchFamily="49" charset="0"/>
+                <a:cs typeface="Courier New" panose="02070309020205020404" pitchFamily="49" charset="0"/>
+              </a:rPr>
+              <a:t>nIterate</a:t>
+            </a:r>
+            <a:r>
+              <a:rPr lang="en-US" sz="1400" b="1" dirty="0">
+                <a:latin typeface="Courier New" panose="02070309020205020404" pitchFamily="49" charset="0"/>
+                <a:cs typeface="Courier New" panose="02070309020205020404" pitchFamily="49" charset="0"/>
+              </a:rPr>
+              <a:t> backwards\n");</a:t>
+            </a:r>
+          </a:p>
+          <a:p>
+            <a:r>
+              <a:rPr lang="en-US" sz="1400" b="1" dirty="0">
+                <a:latin typeface="Courier New" panose="02070309020205020404" pitchFamily="49" charset="0"/>
+                <a:cs typeface="Courier New" panose="02070309020205020404" pitchFamily="49" charset="0"/>
+              </a:rPr>
+              <a:t>    </a:t>
+            </a:r>
+            <a:r>
+              <a:rPr lang="en-US" sz="1400" b="1" dirty="0" err="1">
+                <a:latin typeface="Courier New" panose="02070309020205020404" pitchFamily="49" charset="0"/>
+                <a:cs typeface="Courier New" panose="02070309020205020404" pitchFamily="49" charset="0"/>
+              </a:rPr>
+              <a:t>iter</a:t>
+            </a:r>
+            <a:r>
+              <a:rPr lang="en-US" sz="1400" b="1" dirty="0">
+                <a:latin typeface="Courier New" panose="02070309020205020404" pitchFamily="49" charset="0"/>
+                <a:cs typeface="Courier New" panose="02070309020205020404" pitchFamily="49" charset="0"/>
+              </a:rPr>
+              <a:t> = map-&gt;last(map);</a:t>
+            </a:r>
+          </a:p>
+          <a:p>
+            <a:r>
+              <a:rPr lang="en-US" sz="1400" b="1" dirty="0">
+                <a:latin typeface="Courier New" panose="02070309020205020404" pitchFamily="49" charset="0"/>
+                <a:cs typeface="Courier New" panose="02070309020205020404" pitchFamily="49" charset="0"/>
+              </a:rPr>
+              <a:t>    while((cur = </a:t>
+            </a:r>
+            <a:r>
+              <a:rPr lang="en-US" sz="1400" b="1" dirty="0" err="1">
+                <a:latin typeface="Courier New" panose="02070309020205020404" pitchFamily="49" charset="0"/>
+                <a:cs typeface="Courier New" panose="02070309020205020404" pitchFamily="49" charset="0"/>
+              </a:rPr>
+              <a:t>iter</a:t>
+            </a:r>
+            <a:r>
+              <a:rPr lang="en-US" sz="1400" b="1" dirty="0">
+                <a:latin typeface="Courier New" panose="02070309020205020404" pitchFamily="49" charset="0"/>
+                <a:cs typeface="Courier New" panose="02070309020205020404" pitchFamily="49" charset="0"/>
+              </a:rPr>
+              <a:t>-&gt;next(</a:t>
+            </a:r>
+            <a:r>
+              <a:rPr lang="en-US" sz="1400" b="1" dirty="0" err="1">
+                <a:latin typeface="Courier New" panose="02070309020205020404" pitchFamily="49" charset="0"/>
+                <a:cs typeface="Courier New" panose="02070309020205020404" pitchFamily="49" charset="0"/>
+              </a:rPr>
+              <a:t>iter</a:t>
+            </a:r>
+            <a:r>
+              <a:rPr lang="en-US" sz="1400" b="1" dirty="0">
+                <a:latin typeface="Courier New" panose="02070309020205020404" pitchFamily="49" charset="0"/>
+                <a:cs typeface="Courier New" panose="02070309020205020404" pitchFamily="49" charset="0"/>
+              </a:rPr>
+              <a:t>)) != NULL ) {</a:t>
+            </a:r>
+          </a:p>
+          <a:p>
+            <a:r>
+              <a:rPr lang="en-US" sz="1400" b="1" dirty="0">
+                <a:latin typeface="Courier New" panose="02070309020205020404" pitchFamily="49" charset="0"/>
+                <a:cs typeface="Courier New" panose="02070309020205020404" pitchFamily="49" charset="0"/>
+              </a:rPr>
+              <a:t>        </a:t>
+            </a:r>
+            <a:r>
+              <a:rPr lang="en-US" sz="1400" b="1" dirty="0" err="1">
+                <a:latin typeface="Courier New" panose="02070309020205020404" pitchFamily="49" charset="0"/>
+                <a:cs typeface="Courier New" panose="02070309020205020404" pitchFamily="49" charset="0"/>
+              </a:rPr>
+              <a:t>printf</a:t>
+            </a:r>
+            <a:r>
+              <a:rPr lang="en-US" sz="1400" b="1" dirty="0">
+                <a:latin typeface="Courier New" panose="02070309020205020404" pitchFamily="49" charset="0"/>
+                <a:cs typeface="Courier New" panose="02070309020205020404" pitchFamily="49" charset="0"/>
+              </a:rPr>
+              <a:t>(" %s=%d\n", cur-&gt;key, cur-&gt;value);</a:t>
+            </a:r>
+          </a:p>
+          <a:p>
+            <a:r>
+              <a:rPr lang="en-US" sz="1400" b="1" dirty="0">
+                <a:latin typeface="Courier New" panose="02070309020205020404" pitchFamily="49" charset="0"/>
+                <a:cs typeface="Courier New" panose="02070309020205020404" pitchFamily="49" charset="0"/>
+              </a:rPr>
+              <a:t>    }</a:t>
+            </a:r>
+          </a:p>
+          <a:p>
+            <a:r>
+              <a:rPr lang="en-US" sz="1400" b="1" dirty="0">
+                <a:latin typeface="Courier New" panose="02070309020205020404" pitchFamily="49" charset="0"/>
+                <a:cs typeface="Courier New" panose="02070309020205020404" pitchFamily="49" charset="0"/>
+              </a:rPr>
+              <a:t>    </a:t>
+            </a:r>
+            <a:r>
+              <a:rPr lang="en-US" sz="1400" b="1" dirty="0" err="1">
+                <a:latin typeface="Courier New" panose="02070309020205020404" pitchFamily="49" charset="0"/>
+                <a:cs typeface="Courier New" panose="02070309020205020404" pitchFamily="49" charset="0"/>
+              </a:rPr>
+              <a:t>iter</a:t>
+            </a:r>
+            <a:r>
+              <a:rPr lang="en-US" sz="1400" b="1" dirty="0">
+                <a:latin typeface="Courier New" panose="02070309020205020404" pitchFamily="49" charset="0"/>
+                <a:cs typeface="Courier New" panose="02070309020205020404" pitchFamily="49" charset="0"/>
+              </a:rPr>
+              <a:t>-&gt;del(</a:t>
+            </a:r>
+            <a:r>
+              <a:rPr lang="en-US" sz="1400" b="1" dirty="0" err="1">
+                <a:latin typeface="Courier New" panose="02070309020205020404" pitchFamily="49" charset="0"/>
+                <a:cs typeface="Courier New" panose="02070309020205020404" pitchFamily="49" charset="0"/>
+              </a:rPr>
+              <a:t>iter</a:t>
+            </a:r>
+            <a:r>
+              <a:rPr lang="en-US" sz="1400" b="1" dirty="0">
+                <a:latin typeface="Courier New" panose="02070309020205020404" pitchFamily="49" charset="0"/>
+                <a:cs typeface="Courier New" panose="02070309020205020404" pitchFamily="49" charset="0"/>
+              </a:rPr>
+              <a:t>);</a:t>
+            </a:r>
+          </a:p>
+          <a:p>
+            <a:endParaRPr lang="en-US" sz="1400" b="1" dirty="0">
+              <a:latin typeface="Courier New" panose="02070309020205020404" pitchFamily="49" charset="0"/>
+              <a:cs typeface="Courier New" panose="02070309020205020404" pitchFamily="49" charset="0"/>
+            </a:endParaRPr>
+          </a:p>
+          <a:p>
+            <a:r>
+              <a:rPr lang="en-US" sz="1400" b="1" dirty="0">
+                <a:latin typeface="Courier New" panose="02070309020205020404" pitchFamily="49" charset="0"/>
+                <a:cs typeface="Courier New" panose="02070309020205020404" pitchFamily="49" charset="0"/>
+              </a:rPr>
+              <a:t>    map-&gt;</a:t>
+            </a:r>
+            <a:r>
+              <a:rPr lang="en-US" sz="1400" b="1" dirty="0" err="1">
+                <a:latin typeface="Courier New" panose="02070309020205020404" pitchFamily="49" charset="0"/>
+                <a:cs typeface="Courier New" panose="02070309020205020404" pitchFamily="49" charset="0"/>
+              </a:rPr>
+              <a:t>ksort</a:t>
+            </a:r>
+            <a:r>
+              <a:rPr lang="en-US" sz="1400" b="1" dirty="0">
+                <a:latin typeface="Courier New" panose="02070309020205020404" pitchFamily="49" charset="0"/>
+                <a:cs typeface="Courier New" panose="02070309020205020404" pitchFamily="49" charset="0"/>
+              </a:rPr>
+              <a:t>(map);</a:t>
+            </a:r>
+          </a:p>
+          <a:p>
+            <a:r>
+              <a:rPr lang="en-US" sz="1400" b="1" dirty="0">
+                <a:latin typeface="Courier New" panose="02070309020205020404" pitchFamily="49" charset="0"/>
+                <a:cs typeface="Courier New" panose="02070309020205020404" pitchFamily="49" charset="0"/>
+              </a:rPr>
+              <a:t>    </a:t>
+            </a:r>
+            <a:r>
+              <a:rPr lang="en-US" sz="1400" b="1" dirty="0" err="1">
+                <a:latin typeface="Courier New" panose="02070309020205020404" pitchFamily="49" charset="0"/>
+                <a:cs typeface="Courier New" panose="02070309020205020404" pitchFamily="49" charset="0"/>
+              </a:rPr>
+              <a:t>printf</a:t>
+            </a:r>
+            <a:r>
+              <a:rPr lang="en-US" sz="1400" b="1" dirty="0">
+                <a:latin typeface="Courier New" panose="02070309020205020404" pitchFamily="49" charset="0"/>
+                <a:cs typeface="Courier New" panose="02070309020205020404" pitchFamily="49" charset="0"/>
+              </a:rPr>
+              <a:t>("\</a:t>
+            </a:r>
+            <a:r>
+              <a:rPr lang="en-US" sz="1400" b="1" dirty="0" err="1">
+                <a:latin typeface="Courier New" panose="02070309020205020404" pitchFamily="49" charset="0"/>
+                <a:cs typeface="Courier New" panose="02070309020205020404" pitchFamily="49" charset="0"/>
+              </a:rPr>
+              <a:t>nSorted</a:t>
+            </a:r>
+            <a:r>
+              <a:rPr lang="en-US" sz="1400" b="1" dirty="0">
+                <a:latin typeface="Courier New" panose="02070309020205020404" pitchFamily="49" charset="0"/>
+                <a:cs typeface="Courier New" panose="02070309020205020404" pitchFamily="49" charset="0"/>
+              </a:rPr>
+              <a:t> by key\n");</a:t>
+            </a:r>
+          </a:p>
+          <a:p>
+            <a:r>
+              <a:rPr lang="en-US" sz="1400" b="1" dirty="0">
+                <a:latin typeface="Courier New" panose="02070309020205020404" pitchFamily="49" charset="0"/>
+                <a:cs typeface="Courier New" panose="02070309020205020404" pitchFamily="49" charset="0"/>
+              </a:rPr>
+              <a:t>    map-&gt;dump(map);</a:t>
+            </a:r>
+          </a:p>
+          <a:p>
+            <a:endParaRPr lang="en-US" sz="1400" b="1" dirty="0">
+              <a:latin typeface="Courier New" panose="02070309020205020404" pitchFamily="49" charset="0"/>
+              <a:cs typeface="Courier New" panose="02070309020205020404" pitchFamily="49" charset="0"/>
+            </a:endParaRPr>
+          </a:p>
+          <a:p>
+            <a:r>
+              <a:rPr lang="en-US" sz="1400" b="1" dirty="0">
+                <a:latin typeface="Courier New" panose="02070309020205020404" pitchFamily="49" charset="0"/>
+                <a:cs typeface="Courier New" panose="02070309020205020404" pitchFamily="49" charset="0"/>
+              </a:rPr>
+              <a:t>    </a:t>
+            </a:r>
+            <a:r>
+              <a:rPr lang="en-US" sz="1400" b="1" dirty="0" err="1">
+                <a:latin typeface="Courier New" panose="02070309020205020404" pitchFamily="49" charset="0"/>
+                <a:cs typeface="Courier New" panose="02070309020205020404" pitchFamily="49" charset="0"/>
+              </a:rPr>
+              <a:t>printf</a:t>
+            </a:r>
+            <a:r>
+              <a:rPr lang="en-US" sz="1400" b="1" dirty="0">
+                <a:latin typeface="Courier New" panose="02070309020205020404" pitchFamily="49" charset="0"/>
+                <a:cs typeface="Courier New" panose="02070309020205020404" pitchFamily="49" charset="0"/>
+              </a:rPr>
+              <a:t>("\</a:t>
+            </a:r>
+            <a:r>
+              <a:rPr lang="en-US" sz="1400" b="1" dirty="0" err="1">
+                <a:latin typeface="Courier New" panose="02070309020205020404" pitchFamily="49" charset="0"/>
+                <a:cs typeface="Courier New" panose="02070309020205020404" pitchFamily="49" charset="0"/>
+              </a:rPr>
+              <a:t>nSorted</a:t>
+            </a:r>
+            <a:r>
+              <a:rPr lang="en-US" sz="1400" b="1" dirty="0">
+                <a:latin typeface="Courier New" panose="02070309020205020404" pitchFamily="49" charset="0"/>
+                <a:cs typeface="Courier New" panose="02070309020205020404" pitchFamily="49" charset="0"/>
+              </a:rPr>
+              <a:t> by value\n");</a:t>
+            </a:r>
+          </a:p>
+          <a:p>
+            <a:r>
+              <a:rPr lang="en-US" sz="1400" b="1" dirty="0">
+                <a:latin typeface="Courier New" panose="02070309020205020404" pitchFamily="49" charset="0"/>
+                <a:cs typeface="Courier New" panose="02070309020205020404" pitchFamily="49" charset="0"/>
+              </a:rPr>
+              <a:t>    map-&gt;</a:t>
+            </a:r>
+            <a:r>
+              <a:rPr lang="en-US" sz="1400" b="1" dirty="0" err="1">
+                <a:latin typeface="Courier New" panose="02070309020205020404" pitchFamily="49" charset="0"/>
+                <a:cs typeface="Courier New" panose="02070309020205020404" pitchFamily="49" charset="0"/>
+              </a:rPr>
+              <a:t>asort</a:t>
+            </a:r>
+            <a:r>
+              <a:rPr lang="en-US" sz="1400" b="1" dirty="0">
+                <a:latin typeface="Courier New" panose="02070309020205020404" pitchFamily="49" charset="0"/>
+                <a:cs typeface="Courier New" panose="02070309020205020404" pitchFamily="49" charset="0"/>
+              </a:rPr>
+              <a:t>(map);</a:t>
+            </a:r>
+          </a:p>
+          <a:p>
+            <a:r>
+              <a:rPr lang="en-US" sz="1400" b="1" dirty="0">
+                <a:latin typeface="Courier New" panose="02070309020205020404" pitchFamily="49" charset="0"/>
+                <a:cs typeface="Courier New" panose="02070309020205020404" pitchFamily="49" charset="0"/>
+              </a:rPr>
+              <a:t>    map-&gt;dump(map);</a:t>
+            </a:r>
+          </a:p>
+          <a:p>
+            <a:endParaRPr lang="en-US" sz="1400" b="1" dirty="0">
+              <a:latin typeface="Courier New" panose="02070309020205020404" pitchFamily="49" charset="0"/>
+              <a:cs typeface="Courier New" panose="02070309020205020404" pitchFamily="49" charset="0"/>
+            </a:endParaRPr>
+          </a:p>
+          <a:p>
+            <a:r>
+              <a:rPr lang="en-US" sz="1400" b="1" dirty="0">
+                <a:latin typeface="Courier New" panose="02070309020205020404" pitchFamily="49" charset="0"/>
+                <a:cs typeface="Courier New" panose="02070309020205020404" pitchFamily="49" charset="0"/>
+              </a:rPr>
+              <a:t>    cur = map-&gt;index(map, 0);</a:t>
+            </a:r>
+          </a:p>
+          <a:p>
+            <a:r>
+              <a:rPr lang="en-US" sz="1400" b="1" dirty="0">
+                <a:latin typeface="Courier New" panose="02070309020205020404" pitchFamily="49" charset="0"/>
+                <a:cs typeface="Courier New" panose="02070309020205020404" pitchFamily="49" charset="0"/>
+              </a:rPr>
+              <a:t>    </a:t>
+            </a:r>
+            <a:r>
+              <a:rPr lang="en-US" sz="1400" b="1" dirty="0" err="1">
+                <a:latin typeface="Courier New" panose="02070309020205020404" pitchFamily="49" charset="0"/>
+                <a:cs typeface="Courier New" panose="02070309020205020404" pitchFamily="49" charset="0"/>
+              </a:rPr>
+              <a:t>printf</a:t>
+            </a:r>
+            <a:r>
+              <a:rPr lang="en-US" sz="1400" b="1" dirty="0">
+                <a:latin typeface="Courier New" panose="02070309020205020404" pitchFamily="49" charset="0"/>
+                <a:cs typeface="Courier New" panose="02070309020205020404" pitchFamily="49" charset="0"/>
+              </a:rPr>
+              <a:t>("The smallest value is %s=%d\n", cur-&gt;key, cur-&gt;value);</a:t>
+            </a:r>
+          </a:p>
+          <a:p>
+            <a:endParaRPr lang="en-US" sz="1400" b="1" dirty="0">
+              <a:latin typeface="Courier New" panose="02070309020205020404" pitchFamily="49" charset="0"/>
+              <a:cs typeface="Courier New" panose="02070309020205020404" pitchFamily="49" charset="0"/>
+            </a:endParaRPr>
+          </a:p>
+          <a:p>
+            <a:r>
+              <a:rPr lang="en-US" sz="1400" b="1" dirty="0">
+                <a:latin typeface="Courier New" panose="02070309020205020404" pitchFamily="49" charset="0"/>
+                <a:cs typeface="Courier New" panose="02070309020205020404" pitchFamily="49" charset="0"/>
+              </a:rPr>
+              <a:t>    int pos = map-&gt;size(map) - 1;</a:t>
+            </a:r>
+          </a:p>
+          <a:p>
+            <a:r>
+              <a:rPr lang="en-US" sz="1400" b="1" dirty="0">
+                <a:latin typeface="Courier New" panose="02070309020205020404" pitchFamily="49" charset="0"/>
+                <a:cs typeface="Courier New" panose="02070309020205020404" pitchFamily="49" charset="0"/>
+              </a:rPr>
+              <a:t>    cur = map-&gt;index(map, pos);</a:t>
+            </a:r>
+          </a:p>
+          <a:p>
+            <a:r>
+              <a:rPr lang="en-US" sz="1400" b="1" dirty="0">
+                <a:latin typeface="Courier New" panose="02070309020205020404" pitchFamily="49" charset="0"/>
+                <a:cs typeface="Courier New" panose="02070309020205020404" pitchFamily="49" charset="0"/>
+              </a:rPr>
+              <a:t>    </a:t>
+            </a:r>
+            <a:r>
+              <a:rPr lang="en-US" sz="1400" b="1" dirty="0" err="1">
+                <a:latin typeface="Courier New" panose="02070309020205020404" pitchFamily="49" charset="0"/>
+                <a:cs typeface="Courier New" panose="02070309020205020404" pitchFamily="49" charset="0"/>
+              </a:rPr>
+              <a:t>printf</a:t>
+            </a:r>
+            <a:r>
+              <a:rPr lang="en-US" sz="1400" b="1" dirty="0">
+                <a:latin typeface="Courier New" panose="02070309020205020404" pitchFamily="49" charset="0"/>
+                <a:cs typeface="Courier New" panose="02070309020205020404" pitchFamily="49" charset="0"/>
+              </a:rPr>
+              <a:t>("The largest value is %s=%d\n", cur-&gt;key, cur-&gt;value);</a:t>
+            </a:r>
+          </a:p>
+          <a:p>
+            <a:endParaRPr lang="en-US" sz="1400" b="1" dirty="0">
+              <a:latin typeface="Courier New" panose="02070309020205020404" pitchFamily="49" charset="0"/>
+              <a:cs typeface="Courier New" panose="02070309020205020404" pitchFamily="49" charset="0"/>
+            </a:endParaRPr>
+          </a:p>
+          <a:p>
+            <a:r>
+              <a:rPr lang="en-US" sz="1400" b="1" dirty="0">
+                <a:latin typeface="Courier New" panose="02070309020205020404" pitchFamily="49" charset="0"/>
+                <a:cs typeface="Courier New" panose="02070309020205020404" pitchFamily="49" charset="0"/>
+              </a:rPr>
+              <a:t>    map-&gt;del(map);</a:t>
+            </a:r>
+          </a:p>
+          <a:p>
+            <a:r>
+              <a:rPr lang="en-US" sz="1400" b="1" dirty="0">
+                <a:latin typeface="Courier New" panose="02070309020205020404" pitchFamily="49" charset="0"/>
+                <a:cs typeface="Courier New" panose="02070309020205020404" pitchFamily="49" charset="0"/>
+              </a:rPr>
+              <a:t>}</a:t>
+            </a:r>
+          </a:p>
+        </p:txBody>
+      </p:sp>
+      <p:sp>
+        <p:nvSpPr>
+          <p:cNvPr id="5" name="TextBox 4">
+            <a:extLst>
+              <a:ext uri="{FF2B5EF4-FFF2-40B4-BE49-F238E27FC236}">
+                <a16:creationId xmlns:a16="http://schemas.microsoft.com/office/drawing/2014/main" id="{0A1F66FC-D917-3925-AED2-B0917D657EE9}"/>
+              </a:ext>
+            </a:extLst>
+          </p:cNvPr>
+          <p:cNvSpPr txBox="1"/>
+          <p:nvPr/>
+        </p:nvSpPr>
+        <p:spPr>
+          <a:xfrm>
+            <a:off x="8265412" y="1536174"/>
+            <a:ext cx="3252814" cy="3785652"/>
+          </a:xfrm>
+          <a:prstGeom prst="rect">
+            <a:avLst/>
+          </a:prstGeom>
+          <a:noFill/>
+          <a:ln w="28575">
+            <a:solidFill>
+              <a:schemeClr val="accent1"/>
+            </a:solidFill>
+          </a:ln>
+        </p:spPr>
+        <p:txBody>
+          <a:bodyPr wrap="none" rtlCol="0">
+            <a:spAutoFit/>
+          </a:bodyPr>
+          <a:lstStyle/>
+          <a:p>
+            <a:r>
+              <a:rPr lang="en-US" sz="1200" b="1" dirty="0">
+                <a:latin typeface="Courier New" panose="02070309020205020404" pitchFamily="49" charset="0"/>
+                <a:cs typeface="Courier New" panose="02070309020205020404" pitchFamily="49" charset="0"/>
+              </a:rPr>
+              <a:t>Iterate backwards</a:t>
+            </a:r>
+          </a:p>
+          <a:p>
+            <a:r>
+              <a:rPr lang="en-US" sz="1200" b="1" dirty="0">
+                <a:latin typeface="Courier New" panose="02070309020205020404" pitchFamily="49" charset="0"/>
+                <a:cs typeface="Courier New" panose="02070309020205020404" pitchFamily="49" charset="0"/>
+              </a:rPr>
+              <a:t> b=3</a:t>
+            </a:r>
+          </a:p>
+          <a:p>
+            <a:r>
+              <a:rPr lang="en-US" sz="1200" b="1" dirty="0">
+                <a:latin typeface="Courier New" panose="02070309020205020404" pitchFamily="49" charset="0"/>
+                <a:cs typeface="Courier New" panose="02070309020205020404" pitchFamily="49" charset="0"/>
+              </a:rPr>
+              <a:t> y=2</a:t>
+            </a:r>
+          </a:p>
+          <a:p>
+            <a:r>
+              <a:rPr lang="en-US" sz="1200" b="1" dirty="0">
+                <a:latin typeface="Courier New" panose="02070309020205020404" pitchFamily="49" charset="0"/>
+                <a:cs typeface="Courier New" panose="02070309020205020404" pitchFamily="49" charset="0"/>
+              </a:rPr>
+              <a:t> z=1</a:t>
+            </a:r>
+          </a:p>
+          <a:p>
+            <a:endParaRPr lang="en-US" sz="1200" b="1" dirty="0">
+              <a:latin typeface="Courier New" panose="02070309020205020404" pitchFamily="49" charset="0"/>
+              <a:cs typeface="Courier New" panose="02070309020205020404" pitchFamily="49" charset="0"/>
+            </a:endParaRPr>
+          </a:p>
+          <a:p>
+            <a:r>
+              <a:rPr lang="en-US" sz="1200" b="1" dirty="0">
+                <a:latin typeface="Courier New" panose="02070309020205020404" pitchFamily="49" charset="0"/>
+                <a:cs typeface="Courier New" panose="02070309020205020404" pitchFamily="49" charset="0"/>
+              </a:rPr>
+              <a:t>Sorted by key</a:t>
+            </a:r>
+          </a:p>
+          <a:p>
+            <a:r>
+              <a:rPr lang="en-US" sz="1200" b="1" dirty="0">
+                <a:latin typeface="Courier New" panose="02070309020205020404" pitchFamily="49" charset="0"/>
+                <a:cs typeface="Courier New" panose="02070309020205020404" pitchFamily="49" charset="0"/>
+              </a:rPr>
+              <a:t>Object Map@0x600002a3c000 count=4</a:t>
+            </a:r>
+          </a:p>
+          <a:p>
+            <a:r>
+              <a:rPr lang="en-US" sz="1200" b="1" dirty="0">
+                <a:latin typeface="Courier New" panose="02070309020205020404" pitchFamily="49" charset="0"/>
+                <a:cs typeface="Courier New" panose="02070309020205020404" pitchFamily="49" charset="0"/>
+              </a:rPr>
+              <a:t>  a=4</a:t>
+            </a:r>
+          </a:p>
+          <a:p>
+            <a:r>
+              <a:rPr lang="en-US" sz="1200" b="1" dirty="0">
+                <a:latin typeface="Courier New" panose="02070309020205020404" pitchFamily="49" charset="0"/>
+                <a:cs typeface="Courier New" panose="02070309020205020404" pitchFamily="49" charset="0"/>
+              </a:rPr>
+              <a:t>  b=3</a:t>
+            </a:r>
+          </a:p>
+          <a:p>
+            <a:r>
+              <a:rPr lang="en-US" sz="1200" b="1" dirty="0">
+                <a:latin typeface="Courier New" panose="02070309020205020404" pitchFamily="49" charset="0"/>
+                <a:cs typeface="Courier New" panose="02070309020205020404" pitchFamily="49" charset="0"/>
+              </a:rPr>
+              <a:t>  y=2</a:t>
+            </a:r>
+          </a:p>
+          <a:p>
+            <a:r>
+              <a:rPr lang="en-US" sz="1200" b="1" dirty="0">
+                <a:latin typeface="Courier New" panose="02070309020205020404" pitchFamily="49" charset="0"/>
+                <a:cs typeface="Courier New" panose="02070309020205020404" pitchFamily="49" charset="0"/>
+              </a:rPr>
+              <a:t>  z=1</a:t>
+            </a:r>
+          </a:p>
+          <a:p>
+            <a:endParaRPr lang="en-US" sz="1200" b="1" dirty="0">
+              <a:latin typeface="Courier New" panose="02070309020205020404" pitchFamily="49" charset="0"/>
+              <a:cs typeface="Courier New" panose="02070309020205020404" pitchFamily="49" charset="0"/>
+            </a:endParaRPr>
+          </a:p>
+          <a:p>
+            <a:r>
+              <a:rPr lang="en-US" sz="1200" b="1" dirty="0">
+                <a:latin typeface="Courier New" panose="02070309020205020404" pitchFamily="49" charset="0"/>
+                <a:cs typeface="Courier New" panose="02070309020205020404" pitchFamily="49" charset="0"/>
+              </a:rPr>
+              <a:t>Sorted by value</a:t>
+            </a:r>
+          </a:p>
+          <a:p>
+            <a:r>
+              <a:rPr lang="en-US" sz="1200" b="1" dirty="0">
+                <a:latin typeface="Courier New" panose="02070309020205020404" pitchFamily="49" charset="0"/>
+                <a:cs typeface="Courier New" panose="02070309020205020404" pitchFamily="49" charset="0"/>
+              </a:rPr>
+              <a:t>Object Map@0x600002a3c000 count=4</a:t>
+            </a:r>
+          </a:p>
+          <a:p>
+            <a:r>
+              <a:rPr lang="en-US" sz="1200" b="1" dirty="0">
+                <a:latin typeface="Courier New" panose="02070309020205020404" pitchFamily="49" charset="0"/>
+                <a:cs typeface="Courier New" panose="02070309020205020404" pitchFamily="49" charset="0"/>
+              </a:rPr>
+              <a:t>  z=1</a:t>
+            </a:r>
+          </a:p>
+          <a:p>
+            <a:r>
+              <a:rPr lang="en-US" sz="1200" b="1" dirty="0">
+                <a:latin typeface="Courier New" panose="02070309020205020404" pitchFamily="49" charset="0"/>
+                <a:cs typeface="Courier New" panose="02070309020205020404" pitchFamily="49" charset="0"/>
+              </a:rPr>
+              <a:t>  y=2</a:t>
+            </a:r>
+          </a:p>
+          <a:p>
+            <a:r>
+              <a:rPr lang="en-US" sz="1200" b="1" dirty="0">
+                <a:latin typeface="Courier New" panose="02070309020205020404" pitchFamily="49" charset="0"/>
+                <a:cs typeface="Courier New" panose="02070309020205020404" pitchFamily="49" charset="0"/>
+              </a:rPr>
+              <a:t>  b=3</a:t>
+            </a:r>
+          </a:p>
+          <a:p>
+            <a:r>
+              <a:rPr lang="en-US" sz="1200" b="1" dirty="0">
+                <a:latin typeface="Courier New" panose="02070309020205020404" pitchFamily="49" charset="0"/>
+                <a:cs typeface="Courier New" panose="02070309020205020404" pitchFamily="49" charset="0"/>
+              </a:rPr>
+              <a:t>  a=4</a:t>
+            </a:r>
+          </a:p>
+          <a:p>
+            <a:r>
+              <a:rPr lang="en-US" sz="1200" b="1" dirty="0">
+                <a:latin typeface="Courier New" panose="02070309020205020404" pitchFamily="49" charset="0"/>
+                <a:cs typeface="Courier New" panose="02070309020205020404" pitchFamily="49" charset="0"/>
+              </a:rPr>
+              <a:t>The smallest value is z=1</a:t>
+            </a:r>
+          </a:p>
+          <a:p>
+            <a:r>
+              <a:rPr lang="en-US" sz="1200" b="1" dirty="0">
+                <a:latin typeface="Courier New" panose="02070309020205020404" pitchFamily="49" charset="0"/>
+                <a:cs typeface="Courier New" panose="02070309020205020404" pitchFamily="49" charset="0"/>
+              </a:rPr>
+              <a:t>The largest value is a=4</a:t>
+            </a:r>
+          </a:p>
+        </p:txBody>
+      </p:sp>
+      <p:sp>
+        <p:nvSpPr>
+          <p:cNvPr id="6" name="TextBox 5">
+            <a:extLst>
+              <a:ext uri="{FF2B5EF4-FFF2-40B4-BE49-F238E27FC236}">
+                <a16:creationId xmlns:a16="http://schemas.microsoft.com/office/drawing/2014/main" id="{6F370932-4D8E-9923-8009-A4771C8364AD}"/>
+              </a:ext>
+            </a:extLst>
+          </p:cNvPr>
+          <p:cNvSpPr txBox="1"/>
+          <p:nvPr/>
+        </p:nvSpPr>
+        <p:spPr>
+          <a:xfrm>
+            <a:off x="345528" y="6334780"/>
+            <a:ext cx="1665696" cy="523220"/>
+          </a:xfrm>
+          <a:prstGeom prst="rect">
+            <a:avLst/>
+          </a:prstGeom>
+          <a:noFill/>
+        </p:spPr>
+        <p:txBody>
+          <a:bodyPr wrap="square">
+            <a:spAutoFit/>
+          </a:bodyPr>
+          <a:lstStyle/>
+          <a:p>
+            <a:r>
+              <a:rPr lang="en-US" sz="1400" b="1" dirty="0">
+                <a:solidFill>
+                  <a:srgbClr val="000000"/>
+                </a:solidFill>
+                <a:latin typeface="Menlo" panose="020B0609030804020204" pitchFamily="49" charset="0"/>
+              </a:rPr>
+              <a:t>cc_05_01.c</a:t>
+            </a:r>
+          </a:p>
+          <a:p>
+            <a:endParaRPr lang="en-US" sz="1400" b="1" dirty="0">
+              <a:solidFill>
+                <a:srgbClr val="000000"/>
+              </a:solidFill>
+              <a:latin typeface="Menlo" panose="020B0609030804020204" pitchFamily="49" charset="0"/>
+            </a:endParaRPr>
+          </a:p>
+        </p:txBody>
+      </p:sp>
+    </p:spTree>
+    <p:extLst>
+      <p:ext uri="{BB962C8B-B14F-4D97-AF65-F5344CB8AC3E}">
+        <p14:creationId xmlns:p14="http://schemas.microsoft.com/office/powerpoint/2010/main" val="1860696273"/>
+      </p:ext>
+    </p:extLst>
+  </p:cSld>
+  <p:clrMapOvr>
+    <a:masterClrMapping/>
+  </p:clrMapOvr>
+</p:sld>
+</file>
+
+<file path=ppt/slides/slide12.xml><?xml version="1.0" encoding="utf-8"?>
+<p:sld xmlns:a="http://schemas.openxmlformats.org/drawingml/2006/main" xmlns:r="http://schemas.openxmlformats.org/officeDocument/2006/relationships" xmlns:p="http://schemas.openxmlformats.org/presentationml/2006/main">
+  <p:cSld>
+    <p:spTree>
+      <p:nvGrpSpPr>
+        <p:cNvPr id="1" name=""/>
+        <p:cNvGrpSpPr/>
+        <p:nvPr/>
+      </p:nvGrpSpPr>
+      <p:grpSpPr>
+        <a:xfrm>
+          <a:off x="0" y="0"/>
+          <a:ext cx="0" cy="0"/>
+          <a:chOff x="0" y="0"/>
+          <a:chExt cx="0" cy="0"/>
+        </a:xfrm>
+      </p:grpSpPr>
+      <p:sp>
+        <p:nvSpPr>
           <p:cNvPr id="2" name="Title 1">
             <a:extLst>
               <a:ext uri="{FF2B5EF4-FFF2-40B4-BE49-F238E27FC236}">
@@ -3528,7 +4963,7 @@
 </p:sld>
 </file>
 
-<file path=ppt/slides/slide11.xml><?xml version="1.0" encoding="utf-8"?>
+<file path=ppt/slides/slide13.xml><?xml version="1.0" encoding="utf-8"?>
 <p:sld xmlns:a="http://schemas.openxmlformats.org/drawingml/2006/main" xmlns:r="http://schemas.openxmlformats.org/officeDocument/2006/relationships" xmlns:p="http://schemas.openxmlformats.org/presentationml/2006/main">
   <p:cSld>
     <p:spTree>
@@ -3842,7 +5277,7 @@
 </p:sld>
 </file>
 
-<file path=ppt/slides/slide12.xml><?xml version="1.0" encoding="utf-8"?>
+<file path=ppt/slides/slide14.xml><?xml version="1.0" encoding="utf-8"?>
 <p:sld xmlns:a="http://schemas.openxmlformats.org/drawingml/2006/main" xmlns:r="http://schemas.openxmlformats.org/officeDocument/2006/relationships" xmlns:p="http://schemas.openxmlformats.org/presentationml/2006/main">
   <p:cSld>
     <p:spTree>
@@ -4274,7 +5709,7 @@
 </p:sld>
 </file>
 
-<file path=ppt/slides/slide13.xml><?xml version="1.0" encoding="utf-8"?>
+<file path=ppt/slides/slide15.xml><?xml version="1.0" encoding="utf-8"?>
 <p:sld xmlns:a="http://schemas.openxmlformats.org/drawingml/2006/main" xmlns:r="http://schemas.openxmlformats.org/officeDocument/2006/relationships" xmlns:p="http://schemas.openxmlformats.org/presentationml/2006/main">
   <p:cSld>
     <p:spTree>
@@ -4757,7 +6192,7 @@
 </p:sld>
 </file>
 
-<file path=ppt/slides/slide14.xml><?xml version="1.0" encoding="utf-8"?>
+<file path=ppt/slides/slide16.xml><?xml version="1.0" encoding="utf-8"?>
 <p:sld xmlns:a="http://schemas.openxmlformats.org/drawingml/2006/main" xmlns:r="http://schemas.openxmlformats.org/officeDocument/2006/relationships" xmlns:p="http://schemas.openxmlformats.org/presentationml/2006/main">
   <p:cSld>
     <p:spTree>
@@ -5098,7 +6533,7 @@
 </p:sld>
 </file>
 
-<file path=ppt/slides/slide15.xml><?xml version="1.0" encoding="utf-8"?>
+<file path=ppt/slides/slide17.xml><?xml version="1.0" encoding="utf-8"?>
 <p:sld xmlns:a="http://schemas.openxmlformats.org/drawingml/2006/main" xmlns:r="http://schemas.openxmlformats.org/officeDocument/2006/relationships" xmlns:p="http://schemas.openxmlformats.org/presentationml/2006/main">
   <p:cSld>
     <p:spTree>
@@ -5455,7 +6890,7 @@
 </p:sld>
 </file>
 
-<file path=ppt/slides/slide16.xml><?xml version="1.0" encoding="utf-8"?>
+<file path=ppt/slides/slide18.xml><?xml version="1.0" encoding="utf-8"?>
 <p:sld xmlns:a="http://schemas.openxmlformats.org/drawingml/2006/main" xmlns:r="http://schemas.openxmlformats.org/officeDocument/2006/relationships" xmlns:p="http://schemas.openxmlformats.org/presentationml/2006/main">
   <p:cSld>
     <p:spTree>
@@ -5934,7 +7369,7 @@
 </p:sld>
 </file>
 
-<file path=ppt/slides/slide17.xml><?xml version="1.0" encoding="utf-8"?>
+<file path=ppt/slides/slide19.xml><?xml version="1.0" encoding="utf-8"?>
 <p:sld xmlns:a="http://schemas.openxmlformats.org/drawingml/2006/main" xmlns:r="http://schemas.openxmlformats.org/officeDocument/2006/relationships" xmlns:p="http://schemas.openxmlformats.org/presentationml/2006/main">
   <p:cSld>
     <p:spTree>
@@ -6293,482 +7728,6 @@
     <p:extLst>
       <p:ext uri="{BB962C8B-B14F-4D97-AF65-F5344CB8AC3E}">
         <p14:creationId xmlns:p14="http://schemas.microsoft.com/office/powerpoint/2010/main" val="4147279264"/>
-      </p:ext>
-    </p:extLst>
-  </p:cSld>
-  <p:clrMapOvr>
-    <a:masterClrMapping/>
-  </p:clrMapOvr>
-</p:sld>
-</file>
-
-<file path=ppt/slides/slide18.xml><?xml version="1.0" encoding="utf-8"?>
-<p:sld xmlns:a="http://schemas.openxmlformats.org/drawingml/2006/main" xmlns:r="http://schemas.openxmlformats.org/officeDocument/2006/relationships" xmlns:p="http://schemas.openxmlformats.org/presentationml/2006/main">
-  <p:cSld>
-    <p:spTree>
-      <p:nvGrpSpPr>
-        <p:cNvPr id="1" name=""/>
-        <p:cNvGrpSpPr/>
-        <p:nvPr/>
-      </p:nvGrpSpPr>
-      <p:grpSpPr>
-        <a:xfrm>
-          <a:off x="0" y="0"/>
-          <a:ext cx="0" cy="0"/>
-          <a:chOff x="0" y="0"/>
-          <a:chExt cx="0" cy="0"/>
-        </a:xfrm>
-      </p:grpSpPr>
-      <p:sp>
-        <p:nvSpPr>
-          <p:cNvPr id="2" name="TextBox 1">
-            <a:extLst>
-              <a:ext uri="{FF2B5EF4-FFF2-40B4-BE49-F238E27FC236}">
-                <a16:creationId xmlns:a16="http://schemas.microsoft.com/office/drawing/2014/main" id="{FEEE943B-F994-FF91-EC9C-3774C1CD2051}"/>
-              </a:ext>
-            </a:extLst>
-          </p:cNvPr>
-          <p:cNvSpPr txBox="1"/>
-          <p:nvPr/>
-        </p:nvSpPr>
-        <p:spPr>
-          <a:xfrm>
-            <a:off x="5260428" y="1072674"/>
-            <a:ext cx="5984331" cy="4185761"/>
-          </a:xfrm>
-          <a:prstGeom prst="rect">
-            <a:avLst/>
-          </a:prstGeom>
-          <a:noFill/>
-        </p:spPr>
-        <p:txBody>
-          <a:bodyPr wrap="none" rtlCol="0">
-            <a:spAutoFit/>
-          </a:bodyPr>
-          <a:lstStyle/>
-          <a:p>
-            <a:r>
-              <a:rPr lang="en-US" sz="1400" b="1" dirty="0">
-                <a:latin typeface="Courier New" panose="02070309020205020404" pitchFamily="49" charset="0"/>
-                <a:cs typeface="Courier New" panose="02070309020205020404" pitchFamily="49" charset="0"/>
-              </a:rPr>
-              <a:t>/**</a:t>
-            </a:r>
-          </a:p>
-          <a:p>
-            <a:r>
-              <a:rPr lang="en-US" sz="1400" b="1" dirty="0">
-                <a:latin typeface="Courier New" panose="02070309020205020404" pitchFamily="49" charset="0"/>
-                <a:cs typeface="Courier New" panose="02070309020205020404" pitchFamily="49" charset="0"/>
-              </a:rPr>
-              <a:t> * </a:t>
-            </a:r>
-            <a:r>
-              <a:rPr lang="en-US" sz="1400" b="1" dirty="0" err="1">
-                <a:latin typeface="Courier New" panose="02070309020205020404" pitchFamily="49" charset="0"/>
-                <a:cs typeface="Courier New" panose="02070309020205020404" pitchFamily="49" charset="0"/>
-              </a:rPr>
-              <a:t>Map_get</a:t>
-            </a:r>
-            <a:r>
-              <a:rPr lang="en-US" sz="1400" b="1" dirty="0">
-                <a:latin typeface="Courier New" panose="02070309020205020404" pitchFamily="49" charset="0"/>
-                <a:cs typeface="Courier New" panose="02070309020205020404" pitchFamily="49" charset="0"/>
-              </a:rPr>
-              <a:t> - Locate and return the value for the</a:t>
-            </a:r>
-          </a:p>
-          <a:p>
-            <a:r>
-              <a:rPr lang="en-US" sz="1400" b="1" dirty="0">
-                <a:latin typeface="Courier New" panose="02070309020205020404" pitchFamily="49" charset="0"/>
-                <a:cs typeface="Courier New" panose="02070309020205020404" pitchFamily="49" charset="0"/>
-              </a:rPr>
-              <a:t> * corresponding key or a default value</a:t>
-            </a:r>
-          </a:p>
-          <a:p>
-            <a:r>
-              <a:rPr lang="en-US" sz="1400" b="1" dirty="0">
-                <a:latin typeface="Courier New" panose="02070309020205020404" pitchFamily="49" charset="0"/>
-                <a:cs typeface="Courier New" panose="02070309020205020404" pitchFamily="49" charset="0"/>
-              </a:rPr>
-              <a:t> *</a:t>
-            </a:r>
-          </a:p>
-          <a:p>
-            <a:r>
-              <a:rPr lang="en-US" sz="1400" b="1" dirty="0">
-                <a:latin typeface="Courier New" panose="02070309020205020404" pitchFamily="49" charset="0"/>
-                <a:cs typeface="Courier New" panose="02070309020205020404" pitchFamily="49" charset="0"/>
-              </a:rPr>
-              <a:t> * self - The pointer to the instance of this class.</a:t>
-            </a:r>
-          </a:p>
-          <a:p>
-            <a:r>
-              <a:rPr lang="en-US" sz="1400" b="1" dirty="0">
-                <a:latin typeface="Courier New" panose="02070309020205020404" pitchFamily="49" charset="0"/>
-                <a:cs typeface="Courier New" panose="02070309020205020404" pitchFamily="49" charset="0"/>
-              </a:rPr>
-              <a:t> * key - A character pointer to the key value</a:t>
-            </a:r>
-          </a:p>
-          <a:p>
-            <a:r>
-              <a:rPr lang="en-US" sz="1400" b="1" dirty="0">
-                <a:latin typeface="Courier New" panose="02070309020205020404" pitchFamily="49" charset="0"/>
-                <a:cs typeface="Courier New" panose="02070309020205020404" pitchFamily="49" charset="0"/>
-              </a:rPr>
-              <a:t> * def - A default value to return if the key</a:t>
-            </a:r>
-          </a:p>
-          <a:p>
-            <a:r>
-              <a:rPr lang="en-US" sz="1400" b="1" dirty="0">
-                <a:latin typeface="Courier New" panose="02070309020205020404" pitchFamily="49" charset="0"/>
-                <a:cs typeface="Courier New" panose="02070309020205020404" pitchFamily="49" charset="0"/>
-              </a:rPr>
-              <a:t> *       is not in the Map</a:t>
-            </a:r>
-          </a:p>
-          <a:p>
-            <a:r>
-              <a:rPr lang="en-US" sz="1400" b="1" dirty="0">
-                <a:latin typeface="Courier New" panose="02070309020205020404" pitchFamily="49" charset="0"/>
-                <a:cs typeface="Courier New" panose="02070309020205020404" pitchFamily="49" charset="0"/>
-              </a:rPr>
-              <a:t> *</a:t>
-            </a:r>
-          </a:p>
-          <a:p>
-            <a:r>
-              <a:rPr lang="en-US" sz="1400" b="1" dirty="0">
-                <a:latin typeface="Courier New" panose="02070309020205020404" pitchFamily="49" charset="0"/>
-                <a:cs typeface="Courier New" panose="02070309020205020404" pitchFamily="49" charset="0"/>
-              </a:rPr>
-              <a:t> * Returns an integer</a:t>
-            </a:r>
-          </a:p>
-          <a:p>
-            <a:r>
-              <a:rPr lang="en-US" sz="1400" b="1" dirty="0">
-                <a:latin typeface="Courier New" panose="02070309020205020404" pitchFamily="49" charset="0"/>
-                <a:cs typeface="Courier New" panose="02070309020205020404" pitchFamily="49" charset="0"/>
-              </a:rPr>
-              <a:t> *</a:t>
-            </a:r>
-          </a:p>
-          <a:p>
-            <a:r>
-              <a:rPr lang="en-US" sz="1400" b="1" dirty="0">
-                <a:latin typeface="Courier New" panose="02070309020205020404" pitchFamily="49" charset="0"/>
-                <a:cs typeface="Courier New" panose="02070309020205020404" pitchFamily="49" charset="0"/>
-              </a:rPr>
-              <a:t> * This method takes inspiration from the Python code:</a:t>
-            </a:r>
-          </a:p>
-          <a:p>
-            <a:r>
-              <a:rPr lang="en-US" sz="1400" b="1" dirty="0">
-                <a:latin typeface="Courier New" panose="02070309020205020404" pitchFamily="49" charset="0"/>
-                <a:cs typeface="Courier New" panose="02070309020205020404" pitchFamily="49" charset="0"/>
-              </a:rPr>
-              <a:t> *</a:t>
-            </a:r>
-          </a:p>
-          <a:p>
-            <a:r>
-              <a:rPr lang="en-US" sz="1400" b="1" dirty="0">
-                <a:latin typeface="Courier New" panose="02070309020205020404" pitchFamily="49" charset="0"/>
-                <a:cs typeface="Courier New" panose="02070309020205020404" pitchFamily="49" charset="0"/>
-              </a:rPr>
-              <a:t> *   value = </a:t>
-            </a:r>
-            <a:r>
-              <a:rPr lang="en-US" sz="1400" b="1" dirty="0" err="1">
-                <a:latin typeface="Courier New" panose="02070309020205020404" pitchFamily="49" charset="0"/>
-                <a:cs typeface="Courier New" panose="02070309020205020404" pitchFamily="49" charset="0"/>
-              </a:rPr>
-              <a:t>map.get</a:t>
-            </a:r>
-            <a:r>
-              <a:rPr lang="en-US" sz="1400" b="1" dirty="0">
-                <a:latin typeface="Courier New" panose="02070309020205020404" pitchFamily="49" charset="0"/>
-                <a:cs typeface="Courier New" panose="02070309020205020404" pitchFamily="49" charset="0"/>
-              </a:rPr>
-              <a:t>("key", 42)</a:t>
-            </a:r>
-          </a:p>
-          <a:p>
-            <a:r>
-              <a:rPr lang="en-US" sz="1400" b="1" dirty="0">
-                <a:latin typeface="Courier New" panose="02070309020205020404" pitchFamily="49" charset="0"/>
-                <a:cs typeface="Courier New" panose="02070309020205020404" pitchFamily="49" charset="0"/>
-              </a:rPr>
-              <a:t> */</a:t>
-            </a:r>
-          </a:p>
-          <a:p>
-            <a:r>
-              <a:rPr lang="en-US" sz="1400" b="1" dirty="0">
-                <a:latin typeface="Courier New" panose="02070309020205020404" pitchFamily="49" charset="0"/>
-                <a:cs typeface="Courier New" panose="02070309020205020404" pitchFamily="49" charset="0"/>
-              </a:rPr>
-              <a:t>int </a:t>
-            </a:r>
-            <a:r>
-              <a:rPr lang="en-US" sz="1400" b="1" dirty="0" err="1">
-                <a:latin typeface="Courier New" panose="02070309020205020404" pitchFamily="49" charset="0"/>
-                <a:cs typeface="Courier New" panose="02070309020205020404" pitchFamily="49" charset="0"/>
-              </a:rPr>
-              <a:t>Map_get</a:t>
-            </a:r>
-            <a:r>
-              <a:rPr lang="en-US" sz="1400" b="1" dirty="0">
-                <a:latin typeface="Courier New" panose="02070309020205020404" pitchFamily="49" charset="0"/>
-                <a:cs typeface="Courier New" panose="02070309020205020404" pitchFamily="49" charset="0"/>
-              </a:rPr>
-              <a:t>(struct Map* self, char *key, int def)</a:t>
-            </a:r>
-          </a:p>
-          <a:p>
-            <a:r>
-              <a:rPr lang="en-US" sz="1400" b="1" dirty="0">
-                <a:latin typeface="Courier New" panose="02070309020205020404" pitchFamily="49" charset="0"/>
-                <a:cs typeface="Courier New" panose="02070309020205020404" pitchFamily="49" charset="0"/>
-              </a:rPr>
-              <a:t>{</a:t>
-            </a:r>
-          </a:p>
-          <a:p>
-            <a:r>
-              <a:rPr lang="en-US" sz="1400" b="1" dirty="0">
-                <a:latin typeface="Courier New" panose="02070309020205020404" pitchFamily="49" charset="0"/>
-                <a:cs typeface="Courier New" panose="02070309020205020404" pitchFamily="49" charset="0"/>
-              </a:rPr>
-              <a:t>    ...</a:t>
-            </a:r>
-          </a:p>
-          <a:p>
-            <a:r>
-              <a:rPr lang="en-US" sz="1400" b="1" dirty="0">
-                <a:latin typeface="Courier New" panose="02070309020205020404" pitchFamily="49" charset="0"/>
-                <a:cs typeface="Courier New" panose="02070309020205020404" pitchFamily="49" charset="0"/>
-              </a:rPr>
-              <a:t>}</a:t>
-            </a:r>
-          </a:p>
-        </p:txBody>
-      </p:sp>
-      <p:sp>
-        <p:nvSpPr>
-          <p:cNvPr id="6" name="Title 5">
-            <a:extLst>
-              <a:ext uri="{FF2B5EF4-FFF2-40B4-BE49-F238E27FC236}">
-                <a16:creationId xmlns:a16="http://schemas.microsoft.com/office/drawing/2014/main" id="{E4A81157-F1D0-5130-371D-BA8DD965B654}"/>
-              </a:ext>
-            </a:extLst>
-          </p:cNvPr>
-          <p:cNvSpPr>
-            <a:spLocks noGrp="1"/>
-          </p:cNvSpPr>
-          <p:nvPr>
-            <p:ph type="title"/>
-          </p:nvPr>
-        </p:nvSpPr>
-        <p:spPr>
-          <a:xfrm>
-            <a:off x="838200" y="365125"/>
-            <a:ext cx="5257800" cy="1325563"/>
-          </a:xfrm>
-        </p:spPr>
-        <p:txBody>
-          <a:bodyPr/>
-          <a:lstStyle/>
-          <a:p>
-            <a:r>
-              <a:rPr lang="en-US" dirty="0" err="1"/>
-              <a:t>Map_get</a:t>
-            </a:r>
-            <a:r>
-              <a:rPr lang="en-US" dirty="0"/>
-              <a:t>()</a:t>
-            </a:r>
-          </a:p>
-        </p:txBody>
-      </p:sp>
-      <p:sp>
-        <p:nvSpPr>
-          <p:cNvPr id="7" name="Content Placeholder 6">
-            <a:extLst>
-              <a:ext uri="{FF2B5EF4-FFF2-40B4-BE49-F238E27FC236}">
-                <a16:creationId xmlns:a16="http://schemas.microsoft.com/office/drawing/2014/main" id="{4D372547-AA0B-35AD-4AD8-30763CE5DF56}"/>
-              </a:ext>
-            </a:extLst>
-          </p:cNvPr>
-          <p:cNvSpPr>
-            <a:spLocks noGrp="1"/>
-          </p:cNvSpPr>
-          <p:nvPr>
-            <p:ph idx="1"/>
-          </p:nvPr>
-        </p:nvSpPr>
-        <p:spPr>
-          <a:xfrm>
-            <a:off x="838200" y="1825625"/>
-            <a:ext cx="3990474" cy="4351338"/>
-          </a:xfrm>
-        </p:spPr>
-        <p:txBody>
-          <a:bodyPr>
-            <a:normAutofit/>
-          </a:bodyPr>
-          <a:lstStyle/>
-          <a:p>
-            <a:r>
-              <a:rPr lang="en-US" dirty="0"/>
-              <a:t>This is not used by main() – it is just for in-class use – that is the definition of "private" in OO-speak</a:t>
-            </a:r>
-          </a:p>
-          <a:p>
-            <a:r>
-              <a:rPr lang="en-US" dirty="0"/>
-              <a:t>Uses </a:t>
-            </a:r>
-            <a:r>
-              <a:rPr lang="en-US" dirty="0" err="1"/>
-              <a:t>Map_find</a:t>
-            </a:r>
-            <a:r>
-              <a:rPr lang="en-US" dirty="0"/>
-              <a:t>() to check if the key is already in the map to make sure</a:t>
-            </a:r>
-          </a:p>
-        </p:txBody>
-      </p:sp>
-    </p:spTree>
-    <p:extLst>
-      <p:ext uri="{BB962C8B-B14F-4D97-AF65-F5344CB8AC3E}">
-        <p14:creationId xmlns:p14="http://schemas.microsoft.com/office/powerpoint/2010/main" val="1103854716"/>
-      </p:ext>
-    </p:extLst>
-  </p:cSld>
-  <p:clrMapOvr>
-    <a:masterClrMapping/>
-  </p:clrMapOvr>
-</p:sld>
-</file>
-
-<file path=ppt/slides/slide19.xml><?xml version="1.0" encoding="utf-8"?>
-<p:sld xmlns:a="http://schemas.openxmlformats.org/drawingml/2006/main" xmlns:r="http://schemas.openxmlformats.org/officeDocument/2006/relationships" xmlns:p="http://schemas.openxmlformats.org/presentationml/2006/main">
-  <p:cSld>
-    <p:spTree>
-      <p:nvGrpSpPr>
-        <p:cNvPr id="1" name=""/>
-        <p:cNvGrpSpPr/>
-        <p:nvPr/>
-      </p:nvGrpSpPr>
-      <p:grpSpPr>
-        <a:xfrm>
-          <a:off x="0" y="0"/>
-          <a:ext cx="0" cy="0"/>
-          <a:chOff x="0" y="0"/>
-          <a:chExt cx="0" cy="0"/>
-        </a:xfrm>
-      </p:grpSpPr>
-      <p:sp>
-        <p:nvSpPr>
-          <p:cNvPr id="4" name="Title 3">
-            <a:extLst>
-              <a:ext uri="{FF2B5EF4-FFF2-40B4-BE49-F238E27FC236}">
-                <a16:creationId xmlns:a16="http://schemas.microsoft.com/office/drawing/2014/main" id="{4130B565-6B06-CD5E-E79C-82E8B157164E}"/>
-              </a:ext>
-            </a:extLst>
-          </p:cNvPr>
-          <p:cNvSpPr>
-            <a:spLocks noGrp="1"/>
-          </p:cNvSpPr>
-          <p:nvPr>
-            <p:ph type="title"/>
-          </p:nvPr>
-        </p:nvSpPr>
-        <p:spPr/>
-        <p:txBody>
-          <a:bodyPr/>
-          <a:lstStyle/>
-          <a:p>
-            <a:r>
-              <a:rPr lang="en-US" dirty="0"/>
-              <a:t>Iterators</a:t>
-            </a:r>
-          </a:p>
-        </p:txBody>
-      </p:sp>
-      <p:sp>
-        <p:nvSpPr>
-          <p:cNvPr id="5" name="Text Placeholder 4">
-            <a:extLst>
-              <a:ext uri="{FF2B5EF4-FFF2-40B4-BE49-F238E27FC236}">
-                <a16:creationId xmlns:a16="http://schemas.microsoft.com/office/drawing/2014/main" id="{57797BAF-31B2-B4EB-44E0-BA635485D5BB}"/>
-              </a:ext>
-            </a:extLst>
-          </p:cNvPr>
-          <p:cNvSpPr>
-            <a:spLocks noGrp="1"/>
-          </p:cNvSpPr>
-          <p:nvPr>
-            <p:ph type="body" idx="1"/>
-          </p:nvPr>
-        </p:nvSpPr>
-        <p:spPr>
-          <a:xfrm>
-            <a:off x="831850" y="4589463"/>
-            <a:ext cx="6254750" cy="1500187"/>
-          </a:xfrm>
-        </p:spPr>
-        <p:txBody>
-          <a:bodyPr/>
-          <a:lstStyle/>
-          <a:p>
-            <a:endParaRPr lang="en-US" dirty="0"/>
-          </a:p>
-        </p:txBody>
-      </p:sp>
-      <p:pic>
-        <p:nvPicPr>
-          <p:cNvPr id="7" name="Picture 6" descr="A picture containing person, hand, holding, indoor&#10;&#10;Description automatically generated">
-            <a:extLst>
-              <a:ext uri="{FF2B5EF4-FFF2-40B4-BE49-F238E27FC236}">
-                <a16:creationId xmlns:a16="http://schemas.microsoft.com/office/drawing/2014/main" id="{EB1D15DD-46EC-BD0A-0F58-7E1CF15E5A02}"/>
-              </a:ext>
-            </a:extLst>
-          </p:cNvPr>
-          <p:cNvPicPr>
-            <a:picLocks noChangeAspect="1"/>
-          </p:cNvPicPr>
-          <p:nvPr/>
-        </p:nvPicPr>
-        <p:blipFill>
-          <a:blip r:embed="rId2"/>
-          <a:stretch>
-            <a:fillRect/>
-          </a:stretch>
-        </p:blipFill>
-        <p:spPr>
-          <a:xfrm>
-            <a:off x="9100030" y="3615871"/>
-            <a:ext cx="2247420" cy="2473779"/>
-          </a:xfrm>
-          <a:prstGeom prst="rect">
-            <a:avLst/>
-          </a:prstGeom>
-        </p:spPr>
-      </p:pic>
-    </p:spTree>
-    <p:extLst>
-      <p:ext uri="{BB962C8B-B14F-4D97-AF65-F5344CB8AC3E}">
-        <p14:creationId xmlns:p14="http://schemas.microsoft.com/office/powerpoint/2010/main" val="3020554051"/>
       </p:ext>
     </p:extLst>
   </p:cSld>
@@ -6946,6 +7905,482 @@
       </p:grpSpPr>
       <p:sp>
         <p:nvSpPr>
+          <p:cNvPr id="2" name="TextBox 1">
+            <a:extLst>
+              <a:ext uri="{FF2B5EF4-FFF2-40B4-BE49-F238E27FC236}">
+                <a16:creationId xmlns:a16="http://schemas.microsoft.com/office/drawing/2014/main" id="{FEEE943B-F994-FF91-EC9C-3774C1CD2051}"/>
+              </a:ext>
+            </a:extLst>
+          </p:cNvPr>
+          <p:cNvSpPr txBox="1"/>
+          <p:nvPr/>
+        </p:nvSpPr>
+        <p:spPr>
+          <a:xfrm>
+            <a:off x="5260428" y="1072674"/>
+            <a:ext cx="5984331" cy="4185761"/>
+          </a:xfrm>
+          <a:prstGeom prst="rect">
+            <a:avLst/>
+          </a:prstGeom>
+          <a:noFill/>
+        </p:spPr>
+        <p:txBody>
+          <a:bodyPr wrap="none" rtlCol="0">
+            <a:spAutoFit/>
+          </a:bodyPr>
+          <a:lstStyle/>
+          <a:p>
+            <a:r>
+              <a:rPr lang="en-US" sz="1400" b="1" dirty="0">
+                <a:latin typeface="Courier New" panose="02070309020205020404" pitchFamily="49" charset="0"/>
+                <a:cs typeface="Courier New" panose="02070309020205020404" pitchFamily="49" charset="0"/>
+              </a:rPr>
+              <a:t>/**</a:t>
+            </a:r>
+          </a:p>
+          <a:p>
+            <a:r>
+              <a:rPr lang="en-US" sz="1400" b="1" dirty="0">
+                <a:latin typeface="Courier New" panose="02070309020205020404" pitchFamily="49" charset="0"/>
+                <a:cs typeface="Courier New" panose="02070309020205020404" pitchFamily="49" charset="0"/>
+              </a:rPr>
+              <a:t> * </a:t>
+            </a:r>
+            <a:r>
+              <a:rPr lang="en-US" sz="1400" b="1" dirty="0" err="1">
+                <a:latin typeface="Courier New" panose="02070309020205020404" pitchFamily="49" charset="0"/>
+                <a:cs typeface="Courier New" panose="02070309020205020404" pitchFamily="49" charset="0"/>
+              </a:rPr>
+              <a:t>Map_get</a:t>
+            </a:r>
+            <a:r>
+              <a:rPr lang="en-US" sz="1400" b="1" dirty="0">
+                <a:latin typeface="Courier New" panose="02070309020205020404" pitchFamily="49" charset="0"/>
+                <a:cs typeface="Courier New" panose="02070309020205020404" pitchFamily="49" charset="0"/>
+              </a:rPr>
+              <a:t> - Locate and return the value for the</a:t>
+            </a:r>
+          </a:p>
+          <a:p>
+            <a:r>
+              <a:rPr lang="en-US" sz="1400" b="1" dirty="0">
+                <a:latin typeface="Courier New" panose="02070309020205020404" pitchFamily="49" charset="0"/>
+                <a:cs typeface="Courier New" panose="02070309020205020404" pitchFamily="49" charset="0"/>
+              </a:rPr>
+              <a:t> * corresponding key or a default value</a:t>
+            </a:r>
+          </a:p>
+          <a:p>
+            <a:r>
+              <a:rPr lang="en-US" sz="1400" b="1" dirty="0">
+                <a:latin typeface="Courier New" panose="02070309020205020404" pitchFamily="49" charset="0"/>
+                <a:cs typeface="Courier New" panose="02070309020205020404" pitchFamily="49" charset="0"/>
+              </a:rPr>
+              <a:t> *</a:t>
+            </a:r>
+          </a:p>
+          <a:p>
+            <a:r>
+              <a:rPr lang="en-US" sz="1400" b="1" dirty="0">
+                <a:latin typeface="Courier New" panose="02070309020205020404" pitchFamily="49" charset="0"/>
+                <a:cs typeface="Courier New" panose="02070309020205020404" pitchFamily="49" charset="0"/>
+              </a:rPr>
+              <a:t> * self - The pointer to the instance of this class.</a:t>
+            </a:r>
+          </a:p>
+          <a:p>
+            <a:r>
+              <a:rPr lang="en-US" sz="1400" b="1" dirty="0">
+                <a:latin typeface="Courier New" panose="02070309020205020404" pitchFamily="49" charset="0"/>
+                <a:cs typeface="Courier New" panose="02070309020205020404" pitchFamily="49" charset="0"/>
+              </a:rPr>
+              <a:t> * key - A character pointer to the key value</a:t>
+            </a:r>
+          </a:p>
+          <a:p>
+            <a:r>
+              <a:rPr lang="en-US" sz="1400" b="1" dirty="0">
+                <a:latin typeface="Courier New" panose="02070309020205020404" pitchFamily="49" charset="0"/>
+                <a:cs typeface="Courier New" panose="02070309020205020404" pitchFamily="49" charset="0"/>
+              </a:rPr>
+              <a:t> * def - A default value to return if the key</a:t>
+            </a:r>
+          </a:p>
+          <a:p>
+            <a:r>
+              <a:rPr lang="en-US" sz="1400" b="1" dirty="0">
+                <a:latin typeface="Courier New" panose="02070309020205020404" pitchFamily="49" charset="0"/>
+                <a:cs typeface="Courier New" panose="02070309020205020404" pitchFamily="49" charset="0"/>
+              </a:rPr>
+              <a:t> *       is not in the Map</a:t>
+            </a:r>
+          </a:p>
+          <a:p>
+            <a:r>
+              <a:rPr lang="en-US" sz="1400" b="1" dirty="0">
+                <a:latin typeface="Courier New" panose="02070309020205020404" pitchFamily="49" charset="0"/>
+                <a:cs typeface="Courier New" panose="02070309020205020404" pitchFamily="49" charset="0"/>
+              </a:rPr>
+              <a:t> *</a:t>
+            </a:r>
+          </a:p>
+          <a:p>
+            <a:r>
+              <a:rPr lang="en-US" sz="1400" b="1" dirty="0">
+                <a:latin typeface="Courier New" panose="02070309020205020404" pitchFamily="49" charset="0"/>
+                <a:cs typeface="Courier New" panose="02070309020205020404" pitchFamily="49" charset="0"/>
+              </a:rPr>
+              <a:t> * Returns an integer</a:t>
+            </a:r>
+          </a:p>
+          <a:p>
+            <a:r>
+              <a:rPr lang="en-US" sz="1400" b="1" dirty="0">
+                <a:latin typeface="Courier New" panose="02070309020205020404" pitchFamily="49" charset="0"/>
+                <a:cs typeface="Courier New" panose="02070309020205020404" pitchFamily="49" charset="0"/>
+              </a:rPr>
+              <a:t> *</a:t>
+            </a:r>
+          </a:p>
+          <a:p>
+            <a:r>
+              <a:rPr lang="en-US" sz="1400" b="1" dirty="0">
+                <a:latin typeface="Courier New" panose="02070309020205020404" pitchFamily="49" charset="0"/>
+                <a:cs typeface="Courier New" panose="02070309020205020404" pitchFamily="49" charset="0"/>
+              </a:rPr>
+              <a:t> * This method takes inspiration from the Python code:</a:t>
+            </a:r>
+          </a:p>
+          <a:p>
+            <a:r>
+              <a:rPr lang="en-US" sz="1400" b="1" dirty="0">
+                <a:latin typeface="Courier New" panose="02070309020205020404" pitchFamily="49" charset="0"/>
+                <a:cs typeface="Courier New" panose="02070309020205020404" pitchFamily="49" charset="0"/>
+              </a:rPr>
+              <a:t> *</a:t>
+            </a:r>
+          </a:p>
+          <a:p>
+            <a:r>
+              <a:rPr lang="en-US" sz="1400" b="1" dirty="0">
+                <a:latin typeface="Courier New" panose="02070309020205020404" pitchFamily="49" charset="0"/>
+                <a:cs typeface="Courier New" panose="02070309020205020404" pitchFamily="49" charset="0"/>
+              </a:rPr>
+              <a:t> *   value = </a:t>
+            </a:r>
+            <a:r>
+              <a:rPr lang="en-US" sz="1400" b="1" dirty="0" err="1">
+                <a:latin typeface="Courier New" panose="02070309020205020404" pitchFamily="49" charset="0"/>
+                <a:cs typeface="Courier New" panose="02070309020205020404" pitchFamily="49" charset="0"/>
+              </a:rPr>
+              <a:t>map.get</a:t>
+            </a:r>
+            <a:r>
+              <a:rPr lang="en-US" sz="1400" b="1" dirty="0">
+                <a:latin typeface="Courier New" panose="02070309020205020404" pitchFamily="49" charset="0"/>
+                <a:cs typeface="Courier New" panose="02070309020205020404" pitchFamily="49" charset="0"/>
+              </a:rPr>
+              <a:t>("key", 42)</a:t>
+            </a:r>
+          </a:p>
+          <a:p>
+            <a:r>
+              <a:rPr lang="en-US" sz="1400" b="1" dirty="0">
+                <a:latin typeface="Courier New" panose="02070309020205020404" pitchFamily="49" charset="0"/>
+                <a:cs typeface="Courier New" panose="02070309020205020404" pitchFamily="49" charset="0"/>
+              </a:rPr>
+              <a:t> */</a:t>
+            </a:r>
+          </a:p>
+          <a:p>
+            <a:r>
+              <a:rPr lang="en-US" sz="1400" b="1" dirty="0">
+                <a:latin typeface="Courier New" panose="02070309020205020404" pitchFamily="49" charset="0"/>
+                <a:cs typeface="Courier New" panose="02070309020205020404" pitchFamily="49" charset="0"/>
+              </a:rPr>
+              <a:t>int </a:t>
+            </a:r>
+            <a:r>
+              <a:rPr lang="en-US" sz="1400" b="1" dirty="0" err="1">
+                <a:latin typeface="Courier New" panose="02070309020205020404" pitchFamily="49" charset="0"/>
+                <a:cs typeface="Courier New" panose="02070309020205020404" pitchFamily="49" charset="0"/>
+              </a:rPr>
+              <a:t>Map_get</a:t>
+            </a:r>
+            <a:r>
+              <a:rPr lang="en-US" sz="1400" b="1" dirty="0">
+                <a:latin typeface="Courier New" panose="02070309020205020404" pitchFamily="49" charset="0"/>
+                <a:cs typeface="Courier New" panose="02070309020205020404" pitchFamily="49" charset="0"/>
+              </a:rPr>
+              <a:t>(struct Map* self, char *key, int def)</a:t>
+            </a:r>
+          </a:p>
+          <a:p>
+            <a:r>
+              <a:rPr lang="en-US" sz="1400" b="1" dirty="0">
+                <a:latin typeface="Courier New" panose="02070309020205020404" pitchFamily="49" charset="0"/>
+                <a:cs typeface="Courier New" panose="02070309020205020404" pitchFamily="49" charset="0"/>
+              </a:rPr>
+              <a:t>{</a:t>
+            </a:r>
+          </a:p>
+          <a:p>
+            <a:r>
+              <a:rPr lang="en-US" sz="1400" b="1" dirty="0">
+                <a:latin typeface="Courier New" panose="02070309020205020404" pitchFamily="49" charset="0"/>
+                <a:cs typeface="Courier New" panose="02070309020205020404" pitchFamily="49" charset="0"/>
+              </a:rPr>
+              <a:t>    ...</a:t>
+            </a:r>
+          </a:p>
+          <a:p>
+            <a:r>
+              <a:rPr lang="en-US" sz="1400" b="1" dirty="0">
+                <a:latin typeface="Courier New" panose="02070309020205020404" pitchFamily="49" charset="0"/>
+                <a:cs typeface="Courier New" panose="02070309020205020404" pitchFamily="49" charset="0"/>
+              </a:rPr>
+              <a:t>}</a:t>
+            </a:r>
+          </a:p>
+        </p:txBody>
+      </p:sp>
+      <p:sp>
+        <p:nvSpPr>
+          <p:cNvPr id="6" name="Title 5">
+            <a:extLst>
+              <a:ext uri="{FF2B5EF4-FFF2-40B4-BE49-F238E27FC236}">
+                <a16:creationId xmlns:a16="http://schemas.microsoft.com/office/drawing/2014/main" id="{E4A81157-F1D0-5130-371D-BA8DD965B654}"/>
+              </a:ext>
+            </a:extLst>
+          </p:cNvPr>
+          <p:cNvSpPr>
+            <a:spLocks noGrp="1"/>
+          </p:cNvSpPr>
+          <p:nvPr>
+            <p:ph type="title"/>
+          </p:nvPr>
+        </p:nvSpPr>
+        <p:spPr>
+          <a:xfrm>
+            <a:off x="838200" y="365125"/>
+            <a:ext cx="5257800" cy="1325563"/>
+          </a:xfrm>
+        </p:spPr>
+        <p:txBody>
+          <a:bodyPr/>
+          <a:lstStyle/>
+          <a:p>
+            <a:r>
+              <a:rPr lang="en-US" dirty="0" err="1"/>
+              <a:t>Map_get</a:t>
+            </a:r>
+            <a:r>
+              <a:rPr lang="en-US" dirty="0"/>
+              <a:t>()</a:t>
+            </a:r>
+          </a:p>
+        </p:txBody>
+      </p:sp>
+      <p:sp>
+        <p:nvSpPr>
+          <p:cNvPr id="7" name="Content Placeholder 6">
+            <a:extLst>
+              <a:ext uri="{FF2B5EF4-FFF2-40B4-BE49-F238E27FC236}">
+                <a16:creationId xmlns:a16="http://schemas.microsoft.com/office/drawing/2014/main" id="{4D372547-AA0B-35AD-4AD8-30763CE5DF56}"/>
+              </a:ext>
+            </a:extLst>
+          </p:cNvPr>
+          <p:cNvSpPr>
+            <a:spLocks noGrp="1"/>
+          </p:cNvSpPr>
+          <p:nvPr>
+            <p:ph idx="1"/>
+          </p:nvPr>
+        </p:nvSpPr>
+        <p:spPr>
+          <a:xfrm>
+            <a:off x="838200" y="1825625"/>
+            <a:ext cx="3990474" cy="4351338"/>
+          </a:xfrm>
+        </p:spPr>
+        <p:txBody>
+          <a:bodyPr>
+            <a:normAutofit/>
+          </a:bodyPr>
+          <a:lstStyle/>
+          <a:p>
+            <a:r>
+              <a:rPr lang="en-US" dirty="0"/>
+              <a:t>This is not used by main() – it is just for in-class use – that is the definition of "private" in OO-speak</a:t>
+            </a:r>
+          </a:p>
+          <a:p>
+            <a:r>
+              <a:rPr lang="en-US" dirty="0"/>
+              <a:t>Uses </a:t>
+            </a:r>
+            <a:r>
+              <a:rPr lang="en-US" dirty="0" err="1"/>
+              <a:t>Map_find</a:t>
+            </a:r>
+            <a:r>
+              <a:rPr lang="en-US" dirty="0"/>
+              <a:t>() to check if the key is already in the map to make sure</a:t>
+            </a:r>
+          </a:p>
+        </p:txBody>
+      </p:sp>
+    </p:spTree>
+    <p:extLst>
+      <p:ext uri="{BB962C8B-B14F-4D97-AF65-F5344CB8AC3E}">
+        <p14:creationId xmlns:p14="http://schemas.microsoft.com/office/powerpoint/2010/main" val="1103854716"/>
+      </p:ext>
+    </p:extLst>
+  </p:cSld>
+  <p:clrMapOvr>
+    <a:masterClrMapping/>
+  </p:clrMapOvr>
+</p:sld>
+</file>
+
+<file path=ppt/slides/slide21.xml><?xml version="1.0" encoding="utf-8"?>
+<p:sld xmlns:a="http://schemas.openxmlformats.org/drawingml/2006/main" xmlns:r="http://schemas.openxmlformats.org/officeDocument/2006/relationships" xmlns:p="http://schemas.openxmlformats.org/presentationml/2006/main">
+  <p:cSld>
+    <p:spTree>
+      <p:nvGrpSpPr>
+        <p:cNvPr id="1" name=""/>
+        <p:cNvGrpSpPr/>
+        <p:nvPr/>
+      </p:nvGrpSpPr>
+      <p:grpSpPr>
+        <a:xfrm>
+          <a:off x="0" y="0"/>
+          <a:ext cx="0" cy="0"/>
+          <a:chOff x="0" y="0"/>
+          <a:chExt cx="0" cy="0"/>
+        </a:xfrm>
+      </p:grpSpPr>
+      <p:sp>
+        <p:nvSpPr>
+          <p:cNvPr id="4" name="Title 3">
+            <a:extLst>
+              <a:ext uri="{FF2B5EF4-FFF2-40B4-BE49-F238E27FC236}">
+                <a16:creationId xmlns:a16="http://schemas.microsoft.com/office/drawing/2014/main" id="{4130B565-6B06-CD5E-E79C-82E8B157164E}"/>
+              </a:ext>
+            </a:extLst>
+          </p:cNvPr>
+          <p:cNvSpPr>
+            <a:spLocks noGrp="1"/>
+          </p:cNvSpPr>
+          <p:nvPr>
+            <p:ph type="title"/>
+          </p:nvPr>
+        </p:nvSpPr>
+        <p:spPr/>
+        <p:txBody>
+          <a:bodyPr/>
+          <a:lstStyle/>
+          <a:p>
+            <a:r>
+              <a:rPr lang="en-US" dirty="0"/>
+              <a:t>Iterators</a:t>
+            </a:r>
+          </a:p>
+        </p:txBody>
+      </p:sp>
+      <p:sp>
+        <p:nvSpPr>
+          <p:cNvPr id="5" name="Text Placeholder 4">
+            <a:extLst>
+              <a:ext uri="{FF2B5EF4-FFF2-40B4-BE49-F238E27FC236}">
+                <a16:creationId xmlns:a16="http://schemas.microsoft.com/office/drawing/2014/main" id="{57797BAF-31B2-B4EB-44E0-BA635485D5BB}"/>
+              </a:ext>
+            </a:extLst>
+          </p:cNvPr>
+          <p:cNvSpPr>
+            <a:spLocks noGrp="1"/>
+          </p:cNvSpPr>
+          <p:nvPr>
+            <p:ph type="body" idx="1"/>
+          </p:nvPr>
+        </p:nvSpPr>
+        <p:spPr>
+          <a:xfrm>
+            <a:off x="831850" y="4589463"/>
+            <a:ext cx="6254750" cy="1500187"/>
+          </a:xfrm>
+        </p:spPr>
+        <p:txBody>
+          <a:bodyPr/>
+          <a:lstStyle/>
+          <a:p>
+            <a:endParaRPr lang="en-US" dirty="0"/>
+          </a:p>
+        </p:txBody>
+      </p:sp>
+      <p:pic>
+        <p:nvPicPr>
+          <p:cNvPr id="7" name="Picture 6" descr="A picture containing person, hand, holding, indoor&#10;&#10;Description automatically generated">
+            <a:extLst>
+              <a:ext uri="{FF2B5EF4-FFF2-40B4-BE49-F238E27FC236}">
+                <a16:creationId xmlns:a16="http://schemas.microsoft.com/office/drawing/2014/main" id="{EB1D15DD-46EC-BD0A-0F58-7E1CF15E5A02}"/>
+              </a:ext>
+            </a:extLst>
+          </p:cNvPr>
+          <p:cNvPicPr>
+            <a:picLocks noChangeAspect="1"/>
+          </p:cNvPicPr>
+          <p:nvPr/>
+        </p:nvPicPr>
+        <p:blipFill>
+          <a:blip r:embed="rId2"/>
+          <a:stretch>
+            <a:fillRect/>
+          </a:stretch>
+        </p:blipFill>
+        <p:spPr>
+          <a:xfrm>
+            <a:off x="9100030" y="3615871"/>
+            <a:ext cx="2247420" cy="2473779"/>
+          </a:xfrm>
+          <a:prstGeom prst="rect">
+            <a:avLst/>
+          </a:prstGeom>
+        </p:spPr>
+      </p:pic>
+    </p:spTree>
+    <p:extLst>
+      <p:ext uri="{BB962C8B-B14F-4D97-AF65-F5344CB8AC3E}">
+        <p14:creationId xmlns:p14="http://schemas.microsoft.com/office/powerpoint/2010/main" val="3020554051"/>
+      </p:ext>
+    </p:extLst>
+  </p:cSld>
+  <p:clrMapOvr>
+    <a:masterClrMapping/>
+  </p:clrMapOvr>
+</p:sld>
+</file>
+
+<file path=ppt/slides/slide22.xml><?xml version="1.0" encoding="utf-8"?>
+<p:sld xmlns:a="http://schemas.openxmlformats.org/drawingml/2006/main" xmlns:r="http://schemas.openxmlformats.org/officeDocument/2006/relationships" xmlns:p="http://schemas.openxmlformats.org/presentationml/2006/main">
+  <p:cSld>
+    <p:spTree>
+      <p:nvGrpSpPr>
+        <p:cNvPr id="1" name=""/>
+        <p:cNvGrpSpPr/>
+        <p:nvPr/>
+      </p:nvGrpSpPr>
+      <p:grpSpPr>
+        <a:xfrm>
+          <a:off x="0" y="0"/>
+          <a:ext cx="0" cy="0"/>
+          <a:chOff x="0" y="0"/>
+          <a:chExt cx="0" cy="0"/>
+        </a:xfrm>
+      </p:grpSpPr>
+      <p:sp>
+        <p:nvSpPr>
           <p:cNvPr id="6" name="Title 5">
             <a:extLst>
               <a:ext uri="{FF2B5EF4-FFF2-40B4-BE49-F238E27FC236}">
@@ -7296,7 +8731,7 @@
 </p:sld>
 </file>
 
-<file path=ppt/slides/slide21.xml><?xml version="1.0" encoding="utf-8"?>
+<file path=ppt/slides/slide23.xml><?xml version="1.0" encoding="utf-8"?>
 <p:sld xmlns:a="http://schemas.openxmlformats.org/drawingml/2006/main" xmlns:r="http://schemas.openxmlformats.org/officeDocument/2006/relationships" xmlns:p="http://schemas.openxmlformats.org/presentationml/2006/main">
   <p:cSld>
     <p:spTree>
@@ -7951,7 +9386,7 @@
 </p:sld>
 </file>
 
-<file path=ppt/slides/slide22.xml><?xml version="1.0" encoding="utf-8"?>
+<file path=ppt/slides/slide24.xml><?xml version="1.0" encoding="utf-8"?>
 <p:sld xmlns:a="http://schemas.openxmlformats.org/drawingml/2006/main" xmlns:r="http://schemas.openxmlformats.org/officeDocument/2006/relationships" xmlns:p="http://schemas.openxmlformats.org/presentationml/2006/main">
   <p:cSld>
     <p:spTree>
@@ -8264,7 +9699,7 @@
 </p:sld>
 </file>
 
-<file path=ppt/slides/slide23.xml><?xml version="1.0" encoding="utf-8"?>
+<file path=ppt/slides/slide25.xml><?xml version="1.0" encoding="utf-8"?>
 <p:sld xmlns:a="http://schemas.openxmlformats.org/drawingml/2006/main" xmlns:r="http://schemas.openxmlformats.org/officeDocument/2006/relationships" xmlns:p="http://schemas.openxmlformats.org/presentationml/2006/main">
   <p:cSld>
     <p:spTree>
@@ -8819,7 +10254,7 @@
 </p:sld>
 </file>
 
-<file path=ppt/slides/slide24.xml><?xml version="1.0" encoding="utf-8"?>
+<file path=ppt/slides/slide26.xml><?xml version="1.0" encoding="utf-8"?>
 <p:sld xmlns:a="http://schemas.openxmlformats.org/drawingml/2006/main" xmlns:r="http://schemas.openxmlformats.org/officeDocument/2006/relationships" xmlns:p="http://schemas.openxmlformats.org/presentationml/2006/main">
   <p:cSld>
     <p:spTree>
@@ -9224,7 +10659,7 @@
 </p:sld>
 </file>
 
-<file path=ppt/slides/slide25.xml><?xml version="1.0" encoding="utf-8"?>
+<file path=ppt/slides/slide27.xml><?xml version="1.0" encoding="utf-8"?>
 <p:sld xmlns:a="http://schemas.openxmlformats.org/drawingml/2006/main" xmlns:r="http://schemas.openxmlformats.org/officeDocument/2006/relationships" xmlns:p="http://schemas.openxmlformats.org/presentationml/2006/main">
   <p:cSld>
     <p:spTree>
@@ -9684,7 +11119,7 @@
 </p:sld>
 </file>
 
-<file path=ppt/slides/slide26.xml><?xml version="1.0" encoding="utf-8"?>
+<file path=ppt/slides/slide28.xml><?xml version="1.0" encoding="utf-8"?>
 <p:sld xmlns:a="http://schemas.openxmlformats.org/drawingml/2006/main" xmlns:r="http://schemas.openxmlformats.org/officeDocument/2006/relationships" xmlns:p="http://schemas.openxmlformats.org/presentationml/2006/main">
   <p:cSld>
     <p:spTree>
@@ -10245,7 +11680,7 @@
 </p:sld>
 </file>
 
-<file path=ppt/slides/slide27.xml><?xml version="1.0" encoding="utf-8"?>
+<file path=ppt/slides/slide29.xml><?xml version="1.0" encoding="utf-8"?>
 <p:sld xmlns:a="http://schemas.openxmlformats.org/drawingml/2006/main" xmlns:r="http://schemas.openxmlformats.org/officeDocument/2006/relationships" xmlns:p="http://schemas.openxmlformats.org/presentationml/2006/main">
   <p:cSld>
     <p:spTree>
@@ -10941,6 +12376,854 @@
       </p:grpSpPr>
       <p:sp>
         <p:nvSpPr>
+          <p:cNvPr id="4" name="TextBox 3">
+            <a:extLst>
+              <a:ext uri="{FF2B5EF4-FFF2-40B4-BE49-F238E27FC236}">
+                <a16:creationId xmlns:a16="http://schemas.microsoft.com/office/drawing/2014/main" id="{996E046E-ECF6-7340-52D5-5F19C9B73FEF}"/>
+              </a:ext>
+            </a:extLst>
+          </p:cNvPr>
+          <p:cNvSpPr txBox="1"/>
+          <p:nvPr/>
+        </p:nvSpPr>
+        <p:spPr>
+          <a:xfrm>
+            <a:off x="1005917" y="316197"/>
+            <a:ext cx="4910319" cy="6124754"/>
+          </a:xfrm>
+          <a:prstGeom prst="rect">
+            <a:avLst/>
+          </a:prstGeom>
+          <a:noFill/>
+        </p:spPr>
+        <p:txBody>
+          <a:bodyPr wrap="none" rtlCol="0">
+            <a:spAutoFit/>
+          </a:bodyPr>
+          <a:lstStyle/>
+          <a:p>
+            <a:r>
+              <a:rPr lang="en-US" sz="1400" b="1" dirty="0">
+                <a:latin typeface="Courier New" panose="02070309020205020404" pitchFamily="49" charset="0"/>
+                <a:cs typeface="Courier New" panose="02070309020205020404" pitchFamily="49" charset="0"/>
+              </a:rPr>
+              <a:t>$a = array();</a:t>
+            </a:r>
+          </a:p>
+          <a:p>
+            <a:endParaRPr lang="en-US" sz="1400" b="1" dirty="0">
+              <a:latin typeface="Courier New" panose="02070309020205020404" pitchFamily="49" charset="0"/>
+              <a:cs typeface="Courier New" panose="02070309020205020404" pitchFamily="49" charset="0"/>
+            </a:endParaRPr>
+          </a:p>
+          <a:p>
+            <a:r>
+              <a:rPr lang="en-US" sz="1400" b="1" dirty="0">
+                <a:latin typeface="Courier New" panose="02070309020205020404" pitchFamily="49" charset="0"/>
+                <a:cs typeface="Courier New" panose="02070309020205020404" pitchFamily="49" charset="0"/>
+              </a:rPr>
+              <a:t>print("Testing </a:t>
+            </a:r>
+            <a:r>
+              <a:rPr lang="en-US" sz="1400" b="1" dirty="0" err="1">
+                <a:latin typeface="Courier New" panose="02070309020205020404" pitchFamily="49" charset="0"/>
+                <a:cs typeface="Courier New" panose="02070309020205020404" pitchFamily="49" charset="0"/>
+              </a:rPr>
+              <a:t>php</a:t>
+            </a:r>
+            <a:r>
+              <a:rPr lang="en-US" sz="1400" b="1" dirty="0">
+                <a:latin typeface="Courier New" panose="02070309020205020404" pitchFamily="49" charset="0"/>
+                <a:cs typeface="Courier New" panose="02070309020205020404" pitchFamily="49" charset="0"/>
+              </a:rPr>
+              <a:t> arrays\n");</a:t>
+            </a:r>
+          </a:p>
+          <a:p>
+            <a:r>
+              <a:rPr lang="en-US" sz="1400" b="1" dirty="0">
+                <a:latin typeface="Courier New" panose="02070309020205020404" pitchFamily="49" charset="0"/>
+                <a:cs typeface="Courier New" panose="02070309020205020404" pitchFamily="49" charset="0"/>
+              </a:rPr>
+              <a:t>$a["z"] = 8;</a:t>
+            </a:r>
+          </a:p>
+          <a:p>
+            <a:r>
+              <a:rPr lang="en-US" sz="1400" b="1" dirty="0">
+                <a:latin typeface="Courier New" panose="02070309020205020404" pitchFamily="49" charset="0"/>
+                <a:cs typeface="Courier New" panose="02070309020205020404" pitchFamily="49" charset="0"/>
+              </a:rPr>
+              <a:t>$a["z"] = 1;</a:t>
+            </a:r>
+          </a:p>
+          <a:p>
+            <a:r>
+              <a:rPr lang="en-US" sz="1400" b="1" dirty="0">
+                <a:latin typeface="Courier New" panose="02070309020205020404" pitchFamily="49" charset="0"/>
+                <a:cs typeface="Courier New" panose="02070309020205020404" pitchFamily="49" charset="0"/>
+              </a:rPr>
+              <a:t>$a["y"] = 9;</a:t>
+            </a:r>
+          </a:p>
+          <a:p>
+            <a:r>
+              <a:rPr lang="en-US" sz="1400" b="1" dirty="0">
+                <a:latin typeface="Courier New" panose="02070309020205020404" pitchFamily="49" charset="0"/>
+                <a:cs typeface="Courier New" panose="02070309020205020404" pitchFamily="49" charset="0"/>
+              </a:rPr>
+              <a:t>$a["b"] = 3;</a:t>
+            </a:r>
+          </a:p>
+          <a:p>
+            <a:r>
+              <a:rPr lang="en-US" sz="1400" b="1" dirty="0">
+                <a:latin typeface="Courier New" panose="02070309020205020404" pitchFamily="49" charset="0"/>
+                <a:cs typeface="Courier New" panose="02070309020205020404" pitchFamily="49" charset="0"/>
+              </a:rPr>
+              <a:t>$a["a"] = 4;</a:t>
+            </a:r>
+          </a:p>
+          <a:p>
+            <a:r>
+              <a:rPr lang="en-US" sz="1400" b="1" dirty="0" err="1">
+                <a:latin typeface="Courier New" panose="02070309020205020404" pitchFamily="49" charset="0"/>
+                <a:cs typeface="Courier New" panose="02070309020205020404" pitchFamily="49" charset="0"/>
+              </a:rPr>
+              <a:t>print_r</a:t>
+            </a:r>
+            <a:r>
+              <a:rPr lang="en-US" sz="1400" b="1" dirty="0">
+                <a:latin typeface="Courier New" panose="02070309020205020404" pitchFamily="49" charset="0"/>
+                <a:cs typeface="Courier New" panose="02070309020205020404" pitchFamily="49" charset="0"/>
+              </a:rPr>
+              <a:t>($a);</a:t>
+            </a:r>
+          </a:p>
+          <a:p>
+            <a:endParaRPr lang="en-US" sz="1400" b="1" dirty="0">
+              <a:latin typeface="Courier New" panose="02070309020205020404" pitchFamily="49" charset="0"/>
+              <a:cs typeface="Courier New" panose="02070309020205020404" pitchFamily="49" charset="0"/>
+            </a:endParaRPr>
+          </a:p>
+          <a:p>
+            <a:r>
+              <a:rPr lang="en-US" sz="1400" b="1" dirty="0" err="1">
+                <a:latin typeface="Courier New" panose="02070309020205020404" pitchFamily="49" charset="0"/>
+                <a:cs typeface="Courier New" panose="02070309020205020404" pitchFamily="49" charset="0"/>
+              </a:rPr>
+              <a:t>printf</a:t>
+            </a:r>
+            <a:r>
+              <a:rPr lang="en-US" sz="1400" b="1" dirty="0">
+                <a:latin typeface="Courier New" panose="02070309020205020404" pitchFamily="49" charset="0"/>
+                <a:cs typeface="Courier New" panose="02070309020205020404" pitchFamily="49" charset="0"/>
+              </a:rPr>
+              <a:t>("z=%d\n", $a["z"] ?? 42);</a:t>
+            </a:r>
+          </a:p>
+          <a:p>
+            <a:r>
+              <a:rPr lang="en-US" sz="1400" b="1" dirty="0" err="1">
+                <a:latin typeface="Courier New" panose="02070309020205020404" pitchFamily="49" charset="0"/>
+                <a:cs typeface="Courier New" panose="02070309020205020404" pitchFamily="49" charset="0"/>
+              </a:rPr>
+              <a:t>printf</a:t>
+            </a:r>
+            <a:r>
+              <a:rPr lang="en-US" sz="1400" b="1" dirty="0">
+                <a:latin typeface="Courier New" panose="02070309020205020404" pitchFamily="49" charset="0"/>
+                <a:cs typeface="Courier New" panose="02070309020205020404" pitchFamily="49" charset="0"/>
+              </a:rPr>
+              <a:t>("x=%d\n", $a["x"] ?? 42);</a:t>
+            </a:r>
+          </a:p>
+          <a:p>
+            <a:endParaRPr lang="en-US" sz="1400" b="1" dirty="0">
+              <a:latin typeface="Courier New" panose="02070309020205020404" pitchFamily="49" charset="0"/>
+              <a:cs typeface="Courier New" panose="02070309020205020404" pitchFamily="49" charset="0"/>
+            </a:endParaRPr>
+          </a:p>
+          <a:p>
+            <a:r>
+              <a:rPr lang="en-US" sz="1400" b="1" dirty="0" err="1">
+                <a:latin typeface="Courier New" panose="02070309020205020404" pitchFamily="49" charset="0"/>
+                <a:cs typeface="Courier New" panose="02070309020205020404" pitchFamily="49" charset="0"/>
+              </a:rPr>
+              <a:t>printf</a:t>
+            </a:r>
+            <a:r>
+              <a:rPr lang="en-US" sz="1400" b="1" dirty="0">
+                <a:latin typeface="Courier New" panose="02070309020205020404" pitchFamily="49" charset="0"/>
+                <a:cs typeface="Courier New" panose="02070309020205020404" pitchFamily="49" charset="0"/>
+              </a:rPr>
+              <a:t>("\</a:t>
+            </a:r>
+            <a:r>
+              <a:rPr lang="en-US" sz="1400" b="1" dirty="0" err="1">
+                <a:latin typeface="Courier New" panose="02070309020205020404" pitchFamily="49" charset="0"/>
+                <a:cs typeface="Courier New" panose="02070309020205020404" pitchFamily="49" charset="0"/>
+              </a:rPr>
+              <a:t>nIterate</a:t>
+            </a:r>
+            <a:r>
+              <a:rPr lang="en-US" sz="1400" b="1" dirty="0">
+                <a:latin typeface="Courier New" panose="02070309020205020404" pitchFamily="49" charset="0"/>
+                <a:cs typeface="Courier New" panose="02070309020205020404" pitchFamily="49" charset="0"/>
+              </a:rPr>
+              <a:t>\n");</a:t>
+            </a:r>
+          </a:p>
+          <a:p>
+            <a:r>
+              <a:rPr lang="en-US" sz="1400" b="1" dirty="0">
+                <a:latin typeface="Courier New" panose="02070309020205020404" pitchFamily="49" charset="0"/>
+                <a:cs typeface="Courier New" panose="02070309020205020404" pitchFamily="49" charset="0"/>
+              </a:rPr>
+              <a:t>foreach( $a as $k =&gt; $v ) {</a:t>
+            </a:r>
+          </a:p>
+          <a:p>
+            <a:r>
+              <a:rPr lang="en-US" sz="1400" b="1" dirty="0">
+                <a:latin typeface="Courier New" panose="02070309020205020404" pitchFamily="49" charset="0"/>
+                <a:cs typeface="Courier New" panose="02070309020205020404" pitchFamily="49" charset="0"/>
+              </a:rPr>
+              <a:t>    </a:t>
+            </a:r>
+            <a:r>
+              <a:rPr lang="en-US" sz="1400" b="1" dirty="0" err="1">
+                <a:latin typeface="Courier New" panose="02070309020205020404" pitchFamily="49" charset="0"/>
+                <a:cs typeface="Courier New" panose="02070309020205020404" pitchFamily="49" charset="0"/>
+              </a:rPr>
+              <a:t>printf</a:t>
+            </a:r>
+            <a:r>
+              <a:rPr lang="en-US" sz="1400" b="1" dirty="0">
+                <a:latin typeface="Courier New" panose="02070309020205020404" pitchFamily="49" charset="0"/>
+                <a:cs typeface="Courier New" panose="02070309020205020404" pitchFamily="49" charset="0"/>
+              </a:rPr>
+              <a:t>(" %s=%d\n", $k, $v);</a:t>
+            </a:r>
+          </a:p>
+          <a:p>
+            <a:r>
+              <a:rPr lang="en-US" sz="1400" b="1" dirty="0">
+                <a:latin typeface="Courier New" panose="02070309020205020404" pitchFamily="49" charset="0"/>
+                <a:cs typeface="Courier New" panose="02070309020205020404" pitchFamily="49" charset="0"/>
+              </a:rPr>
+              <a:t>}</a:t>
+            </a:r>
+          </a:p>
+          <a:p>
+            <a:endParaRPr lang="en-US" sz="1400" b="1" dirty="0">
+              <a:latin typeface="Courier New" panose="02070309020205020404" pitchFamily="49" charset="0"/>
+              <a:cs typeface="Courier New" panose="02070309020205020404" pitchFamily="49" charset="0"/>
+            </a:endParaRPr>
+          </a:p>
+          <a:p>
+            <a:r>
+              <a:rPr lang="en-US" sz="1400" b="1" dirty="0" err="1">
+                <a:latin typeface="Courier New" panose="02070309020205020404" pitchFamily="49" charset="0"/>
+                <a:cs typeface="Courier New" panose="02070309020205020404" pitchFamily="49" charset="0"/>
+              </a:rPr>
+              <a:t>ksort</a:t>
+            </a:r>
+            <a:r>
+              <a:rPr lang="en-US" sz="1400" b="1" dirty="0">
+                <a:latin typeface="Courier New" panose="02070309020205020404" pitchFamily="49" charset="0"/>
+                <a:cs typeface="Courier New" panose="02070309020205020404" pitchFamily="49" charset="0"/>
+              </a:rPr>
+              <a:t>($a);</a:t>
+            </a:r>
+          </a:p>
+          <a:p>
+            <a:r>
+              <a:rPr lang="en-US" sz="1400" b="1" dirty="0" err="1">
+                <a:latin typeface="Courier New" panose="02070309020205020404" pitchFamily="49" charset="0"/>
+                <a:cs typeface="Courier New" panose="02070309020205020404" pitchFamily="49" charset="0"/>
+              </a:rPr>
+              <a:t>printf</a:t>
+            </a:r>
+            <a:r>
+              <a:rPr lang="en-US" sz="1400" b="1" dirty="0">
+                <a:latin typeface="Courier New" panose="02070309020205020404" pitchFamily="49" charset="0"/>
+                <a:cs typeface="Courier New" panose="02070309020205020404" pitchFamily="49" charset="0"/>
+              </a:rPr>
+              <a:t>("\</a:t>
+            </a:r>
+            <a:r>
+              <a:rPr lang="en-US" sz="1400" b="1" dirty="0" err="1">
+                <a:latin typeface="Courier New" panose="02070309020205020404" pitchFamily="49" charset="0"/>
+                <a:cs typeface="Courier New" panose="02070309020205020404" pitchFamily="49" charset="0"/>
+              </a:rPr>
+              <a:t>nSort</a:t>
+            </a:r>
+            <a:r>
+              <a:rPr lang="en-US" sz="1400" b="1" dirty="0">
+                <a:latin typeface="Courier New" panose="02070309020205020404" pitchFamily="49" charset="0"/>
+                <a:cs typeface="Courier New" panose="02070309020205020404" pitchFamily="49" charset="0"/>
+              </a:rPr>
+              <a:t> by key\n");</a:t>
+            </a:r>
+          </a:p>
+          <a:p>
+            <a:r>
+              <a:rPr lang="en-US" sz="1400" b="1" dirty="0" err="1">
+                <a:latin typeface="Courier New" panose="02070309020205020404" pitchFamily="49" charset="0"/>
+                <a:cs typeface="Courier New" panose="02070309020205020404" pitchFamily="49" charset="0"/>
+              </a:rPr>
+              <a:t>print_r</a:t>
+            </a:r>
+            <a:r>
+              <a:rPr lang="en-US" sz="1400" b="1" dirty="0">
+                <a:latin typeface="Courier New" panose="02070309020205020404" pitchFamily="49" charset="0"/>
+                <a:cs typeface="Courier New" panose="02070309020205020404" pitchFamily="49" charset="0"/>
+              </a:rPr>
+              <a:t>($a);</a:t>
+            </a:r>
+          </a:p>
+          <a:p>
+            <a:endParaRPr lang="en-US" sz="1400" b="1" dirty="0">
+              <a:latin typeface="Courier New" panose="02070309020205020404" pitchFamily="49" charset="0"/>
+              <a:cs typeface="Courier New" panose="02070309020205020404" pitchFamily="49" charset="0"/>
+            </a:endParaRPr>
+          </a:p>
+          <a:p>
+            <a:r>
+              <a:rPr lang="en-US" sz="1400" b="1" dirty="0" err="1">
+                <a:latin typeface="Courier New" panose="02070309020205020404" pitchFamily="49" charset="0"/>
+                <a:cs typeface="Courier New" panose="02070309020205020404" pitchFamily="49" charset="0"/>
+              </a:rPr>
+              <a:t>arsort</a:t>
+            </a:r>
+            <a:r>
+              <a:rPr lang="en-US" sz="1400" b="1" dirty="0">
+                <a:latin typeface="Courier New" panose="02070309020205020404" pitchFamily="49" charset="0"/>
+                <a:cs typeface="Courier New" panose="02070309020205020404" pitchFamily="49" charset="0"/>
+              </a:rPr>
+              <a:t>($a);</a:t>
+            </a:r>
+          </a:p>
+          <a:p>
+            <a:r>
+              <a:rPr lang="en-US" sz="1400" b="1" dirty="0" err="1">
+                <a:latin typeface="Courier New" panose="02070309020205020404" pitchFamily="49" charset="0"/>
+                <a:cs typeface="Courier New" panose="02070309020205020404" pitchFamily="49" charset="0"/>
+              </a:rPr>
+              <a:t>printf</a:t>
+            </a:r>
+            <a:r>
+              <a:rPr lang="en-US" sz="1400" b="1" dirty="0">
+                <a:latin typeface="Courier New" panose="02070309020205020404" pitchFamily="49" charset="0"/>
+                <a:cs typeface="Courier New" panose="02070309020205020404" pitchFamily="49" charset="0"/>
+              </a:rPr>
+              <a:t>("\</a:t>
+            </a:r>
+            <a:r>
+              <a:rPr lang="en-US" sz="1400" b="1" dirty="0" err="1">
+                <a:latin typeface="Courier New" panose="02070309020205020404" pitchFamily="49" charset="0"/>
+                <a:cs typeface="Courier New" panose="02070309020205020404" pitchFamily="49" charset="0"/>
+              </a:rPr>
+              <a:t>nSort</a:t>
+            </a:r>
+            <a:r>
+              <a:rPr lang="en-US" sz="1400" b="1" dirty="0">
+                <a:latin typeface="Courier New" panose="02070309020205020404" pitchFamily="49" charset="0"/>
+                <a:cs typeface="Courier New" panose="02070309020205020404" pitchFamily="49" charset="0"/>
+              </a:rPr>
+              <a:t> by value in reverse\n");</a:t>
+            </a:r>
+          </a:p>
+          <a:p>
+            <a:r>
+              <a:rPr lang="en-US" sz="1400" b="1" dirty="0" err="1">
+                <a:latin typeface="Courier New" panose="02070309020205020404" pitchFamily="49" charset="0"/>
+                <a:cs typeface="Courier New" panose="02070309020205020404" pitchFamily="49" charset="0"/>
+              </a:rPr>
+              <a:t>print_r</a:t>
+            </a:r>
+            <a:r>
+              <a:rPr lang="en-US" sz="1400" b="1" dirty="0">
+                <a:latin typeface="Courier New" panose="02070309020205020404" pitchFamily="49" charset="0"/>
+                <a:cs typeface="Courier New" panose="02070309020205020404" pitchFamily="49" charset="0"/>
+              </a:rPr>
+              <a:t>($a);</a:t>
+            </a:r>
+          </a:p>
+          <a:p>
+            <a:endParaRPr lang="en-US" sz="1400" b="1" dirty="0">
+              <a:latin typeface="Courier New" panose="02070309020205020404" pitchFamily="49" charset="0"/>
+              <a:cs typeface="Courier New" panose="02070309020205020404" pitchFamily="49" charset="0"/>
+            </a:endParaRPr>
+          </a:p>
+          <a:p>
+            <a:r>
+              <a:rPr lang="en-US" sz="1400" b="1" dirty="0">
+                <a:latin typeface="Courier New" panose="02070309020205020404" pitchFamily="49" charset="0"/>
+                <a:cs typeface="Courier New" panose="02070309020205020404" pitchFamily="49" charset="0"/>
+              </a:rPr>
+              <a:t>$k = </a:t>
+            </a:r>
+            <a:r>
+              <a:rPr lang="en-US" sz="1400" b="1" dirty="0" err="1">
+                <a:latin typeface="Courier New" panose="02070309020205020404" pitchFamily="49" charset="0"/>
+                <a:cs typeface="Courier New" panose="02070309020205020404" pitchFamily="49" charset="0"/>
+              </a:rPr>
+              <a:t>array_key_first</a:t>
+            </a:r>
+            <a:r>
+              <a:rPr lang="en-US" sz="1400" b="1" dirty="0">
+                <a:latin typeface="Courier New" panose="02070309020205020404" pitchFamily="49" charset="0"/>
+                <a:cs typeface="Courier New" panose="02070309020205020404" pitchFamily="49" charset="0"/>
+              </a:rPr>
+              <a:t>($a);</a:t>
+            </a:r>
+          </a:p>
+          <a:p>
+            <a:r>
+              <a:rPr lang="en-US" sz="1400" b="1" dirty="0" err="1">
+                <a:latin typeface="Courier New" panose="02070309020205020404" pitchFamily="49" charset="0"/>
+                <a:cs typeface="Courier New" panose="02070309020205020404" pitchFamily="49" charset="0"/>
+              </a:rPr>
+              <a:t>printf</a:t>
+            </a:r>
+            <a:r>
+              <a:rPr lang="en-US" sz="1400" b="1" dirty="0">
+                <a:latin typeface="Courier New" panose="02070309020205020404" pitchFamily="49" charset="0"/>
+                <a:cs typeface="Courier New" panose="02070309020205020404" pitchFamily="49" charset="0"/>
+              </a:rPr>
+              <a:t>("Largest value %s=%d\n", $k, $a[$k]);</a:t>
+            </a:r>
+          </a:p>
+        </p:txBody>
+      </p:sp>
+      <p:sp>
+        <p:nvSpPr>
+          <p:cNvPr id="5" name="TextBox 4">
+            <a:extLst>
+              <a:ext uri="{FF2B5EF4-FFF2-40B4-BE49-F238E27FC236}">
+                <a16:creationId xmlns:a16="http://schemas.microsoft.com/office/drawing/2014/main" id="{0A1F66FC-D917-3925-AED2-B0917D657EE9}"/>
+              </a:ext>
+            </a:extLst>
+          </p:cNvPr>
+          <p:cNvSpPr txBox="1"/>
+          <p:nvPr/>
+        </p:nvSpPr>
+        <p:spPr>
+          <a:xfrm>
+            <a:off x="7416616" y="144429"/>
+            <a:ext cx="2416046" cy="6555641"/>
+          </a:xfrm>
+          <a:prstGeom prst="rect">
+            <a:avLst/>
+          </a:prstGeom>
+          <a:noFill/>
+          <a:ln w="28575">
+            <a:solidFill>
+              <a:schemeClr val="accent1"/>
+            </a:solidFill>
+          </a:ln>
+        </p:spPr>
+        <p:txBody>
+          <a:bodyPr wrap="none" rtlCol="0">
+            <a:spAutoFit/>
+          </a:bodyPr>
+          <a:lstStyle/>
+          <a:p>
+            <a:r>
+              <a:rPr lang="en-US" sz="1200" b="1" dirty="0">
+                <a:latin typeface="Courier New" panose="02070309020205020404" pitchFamily="49" charset="0"/>
+                <a:cs typeface="Courier New" panose="02070309020205020404" pitchFamily="49" charset="0"/>
+              </a:rPr>
+              <a:t>Testing </a:t>
+            </a:r>
+            <a:r>
+              <a:rPr lang="en-US" sz="1200" b="1" dirty="0" err="1">
+                <a:latin typeface="Courier New" panose="02070309020205020404" pitchFamily="49" charset="0"/>
+                <a:cs typeface="Courier New" panose="02070309020205020404" pitchFamily="49" charset="0"/>
+              </a:rPr>
+              <a:t>dict</a:t>
+            </a:r>
+            <a:r>
+              <a:rPr lang="en-US" sz="1200" b="1" dirty="0">
+                <a:latin typeface="Courier New" panose="02070309020205020404" pitchFamily="49" charset="0"/>
+                <a:cs typeface="Courier New" panose="02070309020205020404" pitchFamily="49" charset="0"/>
+              </a:rPr>
+              <a:t> class</a:t>
+            </a:r>
+          </a:p>
+          <a:p>
+            <a:r>
+              <a:rPr lang="en-US" sz="1200" b="1" dirty="0">
+                <a:latin typeface="Courier New" panose="02070309020205020404" pitchFamily="49" charset="0"/>
+                <a:cs typeface="Courier New" panose="02070309020205020404" pitchFamily="49" charset="0"/>
+              </a:rPr>
+              <a:t>Array</a:t>
+            </a:r>
+          </a:p>
+          <a:p>
+            <a:r>
+              <a:rPr lang="en-US" sz="1200" b="1" dirty="0">
+                <a:latin typeface="Courier New" panose="02070309020205020404" pitchFamily="49" charset="0"/>
+                <a:cs typeface="Courier New" panose="02070309020205020404" pitchFamily="49" charset="0"/>
+              </a:rPr>
+              <a:t>(</a:t>
+            </a:r>
+          </a:p>
+          <a:p>
+            <a:r>
+              <a:rPr lang="en-US" sz="1200" b="1" dirty="0">
+                <a:latin typeface="Courier New" panose="02070309020205020404" pitchFamily="49" charset="0"/>
+                <a:cs typeface="Courier New" panose="02070309020205020404" pitchFamily="49" charset="0"/>
+              </a:rPr>
+              <a:t>    [z] =&gt; 1</a:t>
+            </a:r>
+          </a:p>
+          <a:p>
+            <a:r>
+              <a:rPr lang="en-US" sz="1200" b="1" dirty="0">
+                <a:latin typeface="Courier New" panose="02070309020205020404" pitchFamily="49" charset="0"/>
+                <a:cs typeface="Courier New" panose="02070309020205020404" pitchFamily="49" charset="0"/>
+              </a:rPr>
+              <a:t>    [y] =&gt; 9</a:t>
+            </a:r>
+          </a:p>
+          <a:p>
+            <a:r>
+              <a:rPr lang="en-US" sz="1200" b="1" dirty="0">
+                <a:latin typeface="Courier New" panose="02070309020205020404" pitchFamily="49" charset="0"/>
+                <a:cs typeface="Courier New" panose="02070309020205020404" pitchFamily="49" charset="0"/>
+              </a:rPr>
+              <a:t>    [b] =&gt; 3</a:t>
+            </a:r>
+          </a:p>
+          <a:p>
+            <a:r>
+              <a:rPr lang="en-US" sz="1200" b="1" dirty="0">
+                <a:latin typeface="Courier New" panose="02070309020205020404" pitchFamily="49" charset="0"/>
+                <a:cs typeface="Courier New" panose="02070309020205020404" pitchFamily="49" charset="0"/>
+              </a:rPr>
+              <a:t>    [a] =&gt; 4</a:t>
+            </a:r>
+          </a:p>
+          <a:p>
+            <a:r>
+              <a:rPr lang="en-US" sz="1200" b="1" dirty="0">
+                <a:latin typeface="Courier New" panose="02070309020205020404" pitchFamily="49" charset="0"/>
+                <a:cs typeface="Courier New" panose="02070309020205020404" pitchFamily="49" charset="0"/>
+              </a:rPr>
+              <a:t>)</a:t>
+            </a:r>
+          </a:p>
+          <a:p>
+            <a:r>
+              <a:rPr lang="en-US" sz="1200" b="1" dirty="0">
+                <a:latin typeface="Courier New" panose="02070309020205020404" pitchFamily="49" charset="0"/>
+                <a:cs typeface="Courier New" panose="02070309020205020404" pitchFamily="49" charset="0"/>
+              </a:rPr>
+              <a:t>z=1</a:t>
+            </a:r>
+          </a:p>
+          <a:p>
+            <a:r>
+              <a:rPr lang="en-US" sz="1200" b="1" dirty="0">
+                <a:latin typeface="Courier New" panose="02070309020205020404" pitchFamily="49" charset="0"/>
+                <a:cs typeface="Courier New" panose="02070309020205020404" pitchFamily="49" charset="0"/>
+              </a:rPr>
+              <a:t>x=42</a:t>
+            </a:r>
+          </a:p>
+          <a:p>
+            <a:endParaRPr lang="en-US" sz="1200" b="1" dirty="0">
+              <a:latin typeface="Courier New" panose="02070309020205020404" pitchFamily="49" charset="0"/>
+              <a:cs typeface="Courier New" panose="02070309020205020404" pitchFamily="49" charset="0"/>
+            </a:endParaRPr>
+          </a:p>
+          <a:p>
+            <a:r>
+              <a:rPr lang="en-US" sz="1200" b="1" dirty="0">
+                <a:latin typeface="Courier New" panose="02070309020205020404" pitchFamily="49" charset="0"/>
+                <a:cs typeface="Courier New" panose="02070309020205020404" pitchFamily="49" charset="0"/>
+              </a:rPr>
+              <a:t>Iterate</a:t>
+            </a:r>
+          </a:p>
+          <a:p>
+            <a:r>
+              <a:rPr lang="en-US" sz="1200" b="1" dirty="0">
+                <a:latin typeface="Courier New" panose="02070309020205020404" pitchFamily="49" charset="0"/>
+                <a:cs typeface="Courier New" panose="02070309020205020404" pitchFamily="49" charset="0"/>
+              </a:rPr>
+              <a:t> z=1</a:t>
+            </a:r>
+          </a:p>
+          <a:p>
+            <a:r>
+              <a:rPr lang="en-US" sz="1200" b="1" dirty="0">
+                <a:latin typeface="Courier New" panose="02070309020205020404" pitchFamily="49" charset="0"/>
+                <a:cs typeface="Courier New" panose="02070309020205020404" pitchFamily="49" charset="0"/>
+              </a:rPr>
+              <a:t> y=9</a:t>
+            </a:r>
+          </a:p>
+          <a:p>
+            <a:r>
+              <a:rPr lang="en-US" sz="1200" b="1" dirty="0">
+                <a:latin typeface="Courier New" panose="02070309020205020404" pitchFamily="49" charset="0"/>
+                <a:cs typeface="Courier New" panose="02070309020205020404" pitchFamily="49" charset="0"/>
+              </a:rPr>
+              <a:t> b=3</a:t>
+            </a:r>
+          </a:p>
+          <a:p>
+            <a:r>
+              <a:rPr lang="en-US" sz="1200" b="1" dirty="0">
+                <a:latin typeface="Courier New" panose="02070309020205020404" pitchFamily="49" charset="0"/>
+                <a:cs typeface="Courier New" panose="02070309020205020404" pitchFamily="49" charset="0"/>
+              </a:rPr>
+              <a:t> a=4</a:t>
+            </a:r>
+          </a:p>
+          <a:p>
+            <a:endParaRPr lang="en-US" sz="1200" b="1" dirty="0">
+              <a:latin typeface="Courier New" panose="02070309020205020404" pitchFamily="49" charset="0"/>
+              <a:cs typeface="Courier New" panose="02070309020205020404" pitchFamily="49" charset="0"/>
+            </a:endParaRPr>
+          </a:p>
+          <a:p>
+            <a:r>
+              <a:rPr lang="en-US" sz="1200" b="1" dirty="0">
+                <a:latin typeface="Courier New" panose="02070309020205020404" pitchFamily="49" charset="0"/>
+                <a:cs typeface="Courier New" panose="02070309020205020404" pitchFamily="49" charset="0"/>
+              </a:rPr>
+              <a:t>Sort by key</a:t>
+            </a:r>
+          </a:p>
+          <a:p>
+            <a:r>
+              <a:rPr lang="en-US" sz="1200" b="1" dirty="0">
+                <a:latin typeface="Courier New" panose="02070309020205020404" pitchFamily="49" charset="0"/>
+                <a:cs typeface="Courier New" panose="02070309020205020404" pitchFamily="49" charset="0"/>
+              </a:rPr>
+              <a:t>Array</a:t>
+            </a:r>
+          </a:p>
+          <a:p>
+            <a:r>
+              <a:rPr lang="en-US" sz="1200" b="1" dirty="0">
+                <a:latin typeface="Courier New" panose="02070309020205020404" pitchFamily="49" charset="0"/>
+                <a:cs typeface="Courier New" panose="02070309020205020404" pitchFamily="49" charset="0"/>
+              </a:rPr>
+              <a:t>(</a:t>
+            </a:r>
+          </a:p>
+          <a:p>
+            <a:r>
+              <a:rPr lang="en-US" sz="1200" b="1" dirty="0">
+                <a:latin typeface="Courier New" panose="02070309020205020404" pitchFamily="49" charset="0"/>
+                <a:cs typeface="Courier New" panose="02070309020205020404" pitchFamily="49" charset="0"/>
+              </a:rPr>
+              <a:t>    [a] =&gt; 4</a:t>
+            </a:r>
+          </a:p>
+          <a:p>
+            <a:r>
+              <a:rPr lang="en-US" sz="1200" b="1" dirty="0">
+                <a:latin typeface="Courier New" panose="02070309020205020404" pitchFamily="49" charset="0"/>
+                <a:cs typeface="Courier New" panose="02070309020205020404" pitchFamily="49" charset="0"/>
+              </a:rPr>
+              <a:t>    [b] =&gt; 3</a:t>
+            </a:r>
+          </a:p>
+          <a:p>
+            <a:r>
+              <a:rPr lang="en-US" sz="1200" b="1" dirty="0">
+                <a:latin typeface="Courier New" panose="02070309020205020404" pitchFamily="49" charset="0"/>
+                <a:cs typeface="Courier New" panose="02070309020205020404" pitchFamily="49" charset="0"/>
+              </a:rPr>
+              <a:t>    [y] =&gt; 9</a:t>
+            </a:r>
+          </a:p>
+          <a:p>
+            <a:r>
+              <a:rPr lang="en-US" sz="1200" b="1" dirty="0">
+                <a:latin typeface="Courier New" panose="02070309020205020404" pitchFamily="49" charset="0"/>
+                <a:cs typeface="Courier New" panose="02070309020205020404" pitchFamily="49" charset="0"/>
+              </a:rPr>
+              <a:t>    [z] =&gt; 1</a:t>
+            </a:r>
+          </a:p>
+          <a:p>
+            <a:r>
+              <a:rPr lang="en-US" sz="1200" b="1" dirty="0">
+                <a:latin typeface="Courier New" panose="02070309020205020404" pitchFamily="49" charset="0"/>
+                <a:cs typeface="Courier New" panose="02070309020205020404" pitchFamily="49" charset="0"/>
+              </a:rPr>
+              <a:t>)</a:t>
+            </a:r>
+          </a:p>
+          <a:p>
+            <a:endParaRPr lang="en-US" sz="1200" b="1" dirty="0">
+              <a:latin typeface="Courier New" panose="02070309020205020404" pitchFamily="49" charset="0"/>
+              <a:cs typeface="Courier New" panose="02070309020205020404" pitchFamily="49" charset="0"/>
+            </a:endParaRPr>
+          </a:p>
+          <a:p>
+            <a:r>
+              <a:rPr lang="en-US" sz="1200" b="1" dirty="0">
+                <a:latin typeface="Courier New" panose="02070309020205020404" pitchFamily="49" charset="0"/>
+                <a:cs typeface="Courier New" panose="02070309020205020404" pitchFamily="49" charset="0"/>
+              </a:rPr>
+              <a:t>Sort by value in reverse</a:t>
+            </a:r>
+          </a:p>
+          <a:p>
+            <a:r>
+              <a:rPr lang="en-US" sz="1200" b="1" dirty="0">
+                <a:latin typeface="Courier New" panose="02070309020205020404" pitchFamily="49" charset="0"/>
+                <a:cs typeface="Courier New" panose="02070309020205020404" pitchFamily="49" charset="0"/>
+              </a:rPr>
+              <a:t>Array</a:t>
+            </a:r>
+          </a:p>
+          <a:p>
+            <a:r>
+              <a:rPr lang="en-US" sz="1200" b="1" dirty="0">
+                <a:latin typeface="Courier New" panose="02070309020205020404" pitchFamily="49" charset="0"/>
+                <a:cs typeface="Courier New" panose="02070309020205020404" pitchFamily="49" charset="0"/>
+              </a:rPr>
+              <a:t>(</a:t>
+            </a:r>
+          </a:p>
+          <a:p>
+            <a:r>
+              <a:rPr lang="en-US" sz="1200" b="1" dirty="0">
+                <a:latin typeface="Courier New" panose="02070309020205020404" pitchFamily="49" charset="0"/>
+                <a:cs typeface="Courier New" panose="02070309020205020404" pitchFamily="49" charset="0"/>
+              </a:rPr>
+              <a:t>    [y] =&gt; 9</a:t>
+            </a:r>
+          </a:p>
+          <a:p>
+            <a:r>
+              <a:rPr lang="en-US" sz="1200" b="1" dirty="0">
+                <a:latin typeface="Courier New" panose="02070309020205020404" pitchFamily="49" charset="0"/>
+                <a:cs typeface="Courier New" panose="02070309020205020404" pitchFamily="49" charset="0"/>
+              </a:rPr>
+              <a:t>    [a] =&gt; 4</a:t>
+            </a:r>
+          </a:p>
+          <a:p>
+            <a:r>
+              <a:rPr lang="en-US" sz="1200" b="1" dirty="0">
+                <a:latin typeface="Courier New" panose="02070309020205020404" pitchFamily="49" charset="0"/>
+                <a:cs typeface="Courier New" panose="02070309020205020404" pitchFamily="49" charset="0"/>
+              </a:rPr>
+              <a:t>    [b] =&gt; 3</a:t>
+            </a:r>
+          </a:p>
+          <a:p>
+            <a:r>
+              <a:rPr lang="en-US" sz="1200" b="1" dirty="0">
+                <a:latin typeface="Courier New" panose="02070309020205020404" pitchFamily="49" charset="0"/>
+                <a:cs typeface="Courier New" panose="02070309020205020404" pitchFamily="49" charset="0"/>
+              </a:rPr>
+              <a:t>    [z] =&gt; 1</a:t>
+            </a:r>
+          </a:p>
+          <a:p>
+            <a:r>
+              <a:rPr lang="en-US" sz="1200" b="1" dirty="0">
+                <a:latin typeface="Courier New" panose="02070309020205020404" pitchFamily="49" charset="0"/>
+                <a:cs typeface="Courier New" panose="02070309020205020404" pitchFamily="49" charset="0"/>
+              </a:rPr>
+              <a:t>)</a:t>
+            </a:r>
+          </a:p>
+          <a:p>
+            <a:r>
+              <a:rPr lang="en-US" sz="1200" b="1" dirty="0">
+                <a:latin typeface="Courier New" panose="02070309020205020404" pitchFamily="49" charset="0"/>
+                <a:cs typeface="Courier New" panose="02070309020205020404" pitchFamily="49" charset="0"/>
+              </a:rPr>
+              <a:t>Largest value y=9</a:t>
+            </a:r>
+          </a:p>
+        </p:txBody>
+      </p:sp>
+      <p:sp>
+        <p:nvSpPr>
+          <p:cNvPr id="6" name="TextBox 5">
+            <a:extLst>
+              <a:ext uri="{FF2B5EF4-FFF2-40B4-BE49-F238E27FC236}">
+                <a16:creationId xmlns:a16="http://schemas.microsoft.com/office/drawing/2014/main" id="{6F370932-4D8E-9923-8009-A4771C8364AD}"/>
+              </a:ext>
+            </a:extLst>
+          </p:cNvPr>
+          <p:cNvSpPr txBox="1"/>
+          <p:nvPr/>
+        </p:nvSpPr>
+        <p:spPr>
+          <a:xfrm>
+            <a:off x="10463350" y="6338986"/>
+            <a:ext cx="1665696" cy="307777"/>
+          </a:xfrm>
+          <a:prstGeom prst="rect">
+            <a:avLst/>
+          </a:prstGeom>
+          <a:noFill/>
+        </p:spPr>
+        <p:txBody>
+          <a:bodyPr wrap="square">
+            <a:spAutoFit/>
+          </a:bodyPr>
+          <a:lstStyle/>
+          <a:p>
+            <a:r>
+              <a:rPr lang="en-US" sz="1400" b="1" dirty="0">
+                <a:solidFill>
+                  <a:srgbClr val="000000"/>
+                </a:solidFill>
+                <a:latin typeface="Menlo" panose="020B0609030804020204" pitchFamily="49" charset="0"/>
+              </a:rPr>
+              <a:t>cc_05_01.php</a:t>
+            </a:r>
+          </a:p>
+        </p:txBody>
+      </p:sp>
+    </p:spTree>
+    <p:extLst>
+      <p:ext uri="{BB962C8B-B14F-4D97-AF65-F5344CB8AC3E}">
+        <p14:creationId xmlns:p14="http://schemas.microsoft.com/office/powerpoint/2010/main" val="703497678"/>
+      </p:ext>
+    </p:extLst>
+  </p:cSld>
+  <p:clrMapOvr>
+    <a:masterClrMapping/>
+  </p:clrMapOvr>
+</p:sld>
+</file>
+
+<file path=ppt/slides/slide5.xml><?xml version="1.0" encoding="utf-8"?>
+<p:sld xmlns:a="http://schemas.openxmlformats.org/drawingml/2006/main" xmlns:r="http://schemas.openxmlformats.org/officeDocument/2006/relationships" xmlns:p="http://schemas.openxmlformats.org/presentationml/2006/main">
+  <p:cSld>
+    <p:spTree>
+      <p:nvGrpSpPr>
+        <p:cNvPr id="1" name=""/>
+        <p:cNvGrpSpPr/>
+        <p:nvPr/>
+      </p:nvGrpSpPr>
+      <p:grpSpPr>
+        <a:xfrm>
+          <a:off x="0" y="0"/>
+          <a:ext cx="0" cy="0"/>
+          <a:chOff x="0" y="0"/>
+          <a:chExt cx="0" cy="0"/>
+        </a:xfrm>
+      </p:grpSpPr>
+      <p:sp>
+        <p:nvSpPr>
           <p:cNvPr id="2" name="Title 1">
             <a:extLst>
               <a:ext uri="{FF2B5EF4-FFF2-40B4-BE49-F238E27FC236}">
@@ -11073,7 +13356,7 @@
 </p:sld>
 </file>
 
-<file path=ppt/slides/slide5.xml><?xml version="1.0" encoding="utf-8"?>
+<file path=ppt/slides/slide6.xml><?xml version="1.0" encoding="utf-8"?>
 <p:sld xmlns:a="http://schemas.openxmlformats.org/drawingml/2006/main" xmlns:r="http://schemas.openxmlformats.org/officeDocument/2006/relationships" xmlns:p="http://schemas.openxmlformats.org/presentationml/2006/main">
   <p:cSld>
     <p:spTree>
@@ -12085,7 +14368,138 @@
 </p:sld>
 </file>
 
-<file path=ppt/slides/slide6.xml><?xml version="1.0" encoding="utf-8"?>
+<file path=ppt/slides/slide7.xml><?xml version="1.0" encoding="utf-8"?>
+<p:sld xmlns:a="http://schemas.openxmlformats.org/drawingml/2006/main" xmlns:r="http://schemas.openxmlformats.org/officeDocument/2006/relationships" xmlns:p="http://schemas.openxmlformats.org/presentationml/2006/main">
+  <p:cSld>
+    <p:spTree>
+      <p:nvGrpSpPr>
+        <p:cNvPr id="1" name=""/>
+        <p:cNvGrpSpPr/>
+        <p:nvPr/>
+      </p:nvGrpSpPr>
+      <p:grpSpPr>
+        <a:xfrm>
+          <a:off x="0" y="0"/>
+          <a:ext cx="0" cy="0"/>
+          <a:chOff x="0" y="0"/>
+          <a:chExt cx="0" cy="0"/>
+        </a:xfrm>
+      </p:grpSpPr>
+      <p:sp>
+        <p:nvSpPr>
+          <p:cNvPr id="2" name="Title 1">
+            <a:extLst>
+              <a:ext uri="{FF2B5EF4-FFF2-40B4-BE49-F238E27FC236}">
+                <a16:creationId xmlns:a16="http://schemas.microsoft.com/office/drawing/2014/main" id="{8479F607-1B8F-F245-F40F-DA746BF5AB60}"/>
+              </a:ext>
+            </a:extLst>
+          </p:cNvPr>
+          <p:cNvSpPr>
+            <a:spLocks noGrp="1"/>
+          </p:cNvSpPr>
+          <p:nvPr>
+            <p:ph type="title"/>
+          </p:nvPr>
+        </p:nvSpPr>
+        <p:spPr/>
+        <p:txBody>
+          <a:bodyPr/>
+          <a:lstStyle/>
+          <a:p>
+            <a:r>
+              <a:rPr lang="en-US" dirty="0"/>
+              <a:t>C++</a:t>
+            </a:r>
+          </a:p>
+        </p:txBody>
+      </p:sp>
+      <p:sp>
+        <p:nvSpPr>
+          <p:cNvPr id="5" name="TextBox 4">
+            <a:extLst>
+              <a:ext uri="{FF2B5EF4-FFF2-40B4-BE49-F238E27FC236}">
+                <a16:creationId xmlns:a16="http://schemas.microsoft.com/office/drawing/2014/main" id="{7430B9AD-25B0-E6C0-A9E0-E05FB58DAFF1}"/>
+              </a:ext>
+            </a:extLst>
+          </p:cNvPr>
+          <p:cNvSpPr txBox="1"/>
+          <p:nvPr/>
+        </p:nvSpPr>
+        <p:spPr>
+          <a:xfrm>
+            <a:off x="2905760" y="6311900"/>
+            <a:ext cx="6096000" cy="369332"/>
+          </a:xfrm>
+          <a:prstGeom prst="rect">
+            <a:avLst/>
+          </a:prstGeom>
+          <a:noFill/>
+        </p:spPr>
+        <p:txBody>
+          <a:bodyPr wrap="square">
+            <a:spAutoFit/>
+          </a:bodyPr>
+          <a:lstStyle/>
+          <a:p>
+            <a:r>
+              <a:rPr lang="en-US" dirty="0"/>
+              <a:t>https://</a:t>
+            </a:r>
+            <a:r>
+              <a:rPr lang="en-US" dirty="0" err="1"/>
+              <a:t>cplusplus.com</a:t>
+            </a:r>
+            <a:r>
+              <a:rPr lang="en-US" dirty="0"/>
+              <a:t>/reference/map/map/</a:t>
+            </a:r>
+          </a:p>
+        </p:txBody>
+      </p:sp>
+      <p:pic>
+        <p:nvPicPr>
+          <p:cNvPr id="8" name="Picture 7" descr="Graphical user interface, text, application, email&#10;&#10;Description automatically generated">
+            <a:extLst>
+              <a:ext uri="{FF2B5EF4-FFF2-40B4-BE49-F238E27FC236}">
+                <a16:creationId xmlns:a16="http://schemas.microsoft.com/office/drawing/2014/main" id="{D6DB56F8-B4C0-4EB5-9699-1EFCFAF51006}"/>
+              </a:ext>
+            </a:extLst>
+          </p:cNvPr>
+          <p:cNvPicPr>
+            <a:picLocks noChangeAspect="1"/>
+          </p:cNvPicPr>
+          <p:nvPr/>
+        </p:nvPicPr>
+        <p:blipFill>
+          <a:blip r:embed="rId2"/>
+          <a:stretch>
+            <a:fillRect/>
+          </a:stretch>
+        </p:blipFill>
+        <p:spPr>
+          <a:xfrm>
+            <a:off x="2424012" y="365125"/>
+            <a:ext cx="8929788" cy="5778098"/>
+          </a:xfrm>
+          <a:prstGeom prst="rect">
+            <a:avLst/>
+          </a:prstGeom>
+        </p:spPr>
+      </p:pic>
+    </p:spTree>
+    <p:extLst>
+      <p:ext uri="{BB962C8B-B14F-4D97-AF65-F5344CB8AC3E}">
+        <p14:creationId xmlns:p14="http://schemas.microsoft.com/office/powerpoint/2010/main" val="1806036628"/>
+      </p:ext>
+    </p:extLst>
+  </p:cSld>
+  <p:clrMapOvr>
+    <a:masterClrMapping/>
+  </p:clrMapOvr>
+</p:sld>
+</file>
+
+<file path=ppt/slides/slide8.xml><?xml version="1.0" encoding="utf-8"?>
 <p:sld xmlns:a="http://schemas.openxmlformats.org/drawingml/2006/main" xmlns:r="http://schemas.openxmlformats.org/officeDocument/2006/relationships" xmlns:p="http://schemas.openxmlformats.org/presentationml/2006/main">
   <p:cSld>
     <p:spTree>
@@ -12116,8 +14530,8 @@
         </p:nvSpPr>
         <p:spPr>
           <a:xfrm>
-            <a:off x="1005917" y="316197"/>
-            <a:ext cx="4910319" cy="6124754"/>
+            <a:off x="579132" y="689788"/>
+            <a:ext cx="8132354" cy="5478423"/>
           </a:xfrm>
           <a:prstGeom prst="rect">
             <a:avLst/>
@@ -12135,7 +14549,25 @@
                 <a:latin typeface="Courier New" panose="02070309020205020404" pitchFamily="49" charset="0"/>
                 <a:cs typeface="Courier New" panose="02070309020205020404" pitchFamily="49" charset="0"/>
               </a:rPr>
-              <a:t>$a = array();</a:t>
+              <a:t>#include &lt;iostream&gt;</a:t>
+            </a:r>
+          </a:p>
+          <a:p>
+            <a:r>
+              <a:rPr lang="en-US" sz="1400" b="1" dirty="0">
+                <a:latin typeface="Courier New" panose="02070309020205020404" pitchFamily="49" charset="0"/>
+                <a:cs typeface="Courier New" panose="02070309020205020404" pitchFamily="49" charset="0"/>
+              </a:rPr>
+              <a:t>#include &lt;map&gt;</a:t>
+            </a:r>
+          </a:p>
+          <a:p>
+            <a:r>
+              <a:rPr lang="en-US" sz="1400" b="1" dirty="0">
+                <a:latin typeface="Courier New" panose="02070309020205020404" pitchFamily="49" charset="0"/>
+                <a:cs typeface="Courier New" panose="02070309020205020404" pitchFamily="49" charset="0"/>
+              </a:rPr>
+              <a:t>using namespace std;</a:t>
             </a:r>
           </a:p>
           <a:p>
@@ -12150,142 +14582,487 @@
                 <a:latin typeface="Courier New" panose="02070309020205020404" pitchFamily="49" charset="0"/>
                 <a:cs typeface="Courier New" panose="02070309020205020404" pitchFamily="49" charset="0"/>
               </a:rPr>
-              <a:t>print("Testing </a:t>
-            </a:r>
-            <a:r>
-              <a:rPr lang="en-US" sz="1400" b="1" dirty="0" err="1">
-                <a:latin typeface="Courier New" panose="02070309020205020404" pitchFamily="49" charset="0"/>
-                <a:cs typeface="Courier New" panose="02070309020205020404" pitchFamily="49" charset="0"/>
-              </a:rPr>
-              <a:t>php</a:t>
-            </a:r>
-            <a:r>
-              <a:rPr lang="en-US" sz="1400" b="1" dirty="0">
-                <a:latin typeface="Courier New" panose="02070309020205020404" pitchFamily="49" charset="0"/>
-                <a:cs typeface="Courier New" panose="02070309020205020404" pitchFamily="49" charset="0"/>
-              </a:rPr>
-              <a:t> arrays\n");</a:t>
-            </a:r>
-          </a:p>
-          <a:p>
-            <a:r>
-              <a:rPr lang="en-US" sz="1400" b="1" dirty="0">
-                <a:latin typeface="Courier New" panose="02070309020205020404" pitchFamily="49" charset="0"/>
-                <a:cs typeface="Courier New" panose="02070309020205020404" pitchFamily="49" charset="0"/>
-              </a:rPr>
-              <a:t>$a["z"] = 8;</a:t>
-            </a:r>
-          </a:p>
-          <a:p>
-            <a:r>
-              <a:rPr lang="en-US" sz="1400" b="1" dirty="0">
-                <a:latin typeface="Courier New" panose="02070309020205020404" pitchFamily="49" charset="0"/>
-                <a:cs typeface="Courier New" panose="02070309020205020404" pitchFamily="49" charset="0"/>
-              </a:rPr>
-              <a:t>$a["z"] = 1;</a:t>
-            </a:r>
-          </a:p>
-          <a:p>
-            <a:r>
-              <a:rPr lang="en-US" sz="1400" b="1" dirty="0">
-                <a:latin typeface="Courier New" panose="02070309020205020404" pitchFamily="49" charset="0"/>
-                <a:cs typeface="Courier New" panose="02070309020205020404" pitchFamily="49" charset="0"/>
-              </a:rPr>
-              <a:t>$a["y"] = 9;</a:t>
-            </a:r>
-          </a:p>
-          <a:p>
-            <a:r>
-              <a:rPr lang="en-US" sz="1400" b="1" dirty="0">
-                <a:latin typeface="Courier New" panose="02070309020205020404" pitchFamily="49" charset="0"/>
-                <a:cs typeface="Courier New" panose="02070309020205020404" pitchFamily="49" charset="0"/>
-              </a:rPr>
-              <a:t>$a["b"] = 3;</a:t>
-            </a:r>
-          </a:p>
-          <a:p>
-            <a:r>
-              <a:rPr lang="en-US" sz="1400" b="1" dirty="0">
-                <a:latin typeface="Courier New" panose="02070309020205020404" pitchFamily="49" charset="0"/>
-                <a:cs typeface="Courier New" panose="02070309020205020404" pitchFamily="49" charset="0"/>
-              </a:rPr>
-              <a:t>$a["a"] = 4;</a:t>
-            </a:r>
-          </a:p>
-          <a:p>
-            <a:r>
-              <a:rPr lang="en-US" sz="1400" b="1" dirty="0" err="1">
-                <a:latin typeface="Courier New" panose="02070309020205020404" pitchFamily="49" charset="0"/>
-                <a:cs typeface="Courier New" panose="02070309020205020404" pitchFamily="49" charset="0"/>
-              </a:rPr>
-              <a:t>print_r</a:t>
-            </a:r>
-            <a:r>
-              <a:rPr lang="en-US" sz="1400" b="1" dirty="0">
-                <a:latin typeface="Courier New" panose="02070309020205020404" pitchFamily="49" charset="0"/>
-                <a:cs typeface="Courier New" panose="02070309020205020404" pitchFamily="49" charset="0"/>
-              </a:rPr>
-              <a:t>($a);</a:t>
-            </a:r>
-          </a:p>
-          <a:p>
-            <a:endParaRPr lang="en-US" sz="1400" b="1" dirty="0">
-              <a:latin typeface="Courier New" panose="02070309020205020404" pitchFamily="49" charset="0"/>
-              <a:cs typeface="Courier New" panose="02070309020205020404" pitchFamily="49" charset="0"/>
-            </a:endParaRPr>
-          </a:p>
-          <a:p>
-            <a:r>
-              <a:rPr lang="en-US" sz="1400" b="1" dirty="0" err="1">
-                <a:latin typeface="Courier New" panose="02070309020205020404" pitchFamily="49" charset="0"/>
-                <a:cs typeface="Courier New" panose="02070309020205020404" pitchFamily="49" charset="0"/>
-              </a:rPr>
-              <a:t>printf</a:t>
-            </a:r>
-            <a:r>
-              <a:rPr lang="en-US" sz="1400" b="1" dirty="0">
-                <a:latin typeface="Courier New" panose="02070309020205020404" pitchFamily="49" charset="0"/>
-                <a:cs typeface="Courier New" panose="02070309020205020404" pitchFamily="49" charset="0"/>
-              </a:rPr>
-              <a:t>("z=%d\n", $a["z"] ?? 42);</a:t>
-            </a:r>
-          </a:p>
-          <a:p>
-            <a:r>
-              <a:rPr lang="en-US" sz="1400" b="1" dirty="0" err="1">
-                <a:latin typeface="Courier New" panose="02070309020205020404" pitchFamily="49" charset="0"/>
-                <a:cs typeface="Courier New" panose="02070309020205020404" pitchFamily="49" charset="0"/>
-              </a:rPr>
-              <a:t>printf</a:t>
-            </a:r>
-            <a:r>
-              <a:rPr lang="en-US" sz="1400" b="1" dirty="0">
-                <a:latin typeface="Courier New" panose="02070309020205020404" pitchFamily="49" charset="0"/>
-                <a:cs typeface="Courier New" panose="02070309020205020404" pitchFamily="49" charset="0"/>
-              </a:rPr>
-              <a:t>("x=%d\n", $a["x"] ?? 42);</a:t>
-            </a:r>
-          </a:p>
-          <a:p>
-            <a:endParaRPr lang="en-US" sz="1400" b="1" dirty="0">
-              <a:latin typeface="Courier New" panose="02070309020205020404" pitchFamily="49" charset="0"/>
-              <a:cs typeface="Courier New" panose="02070309020205020404" pitchFamily="49" charset="0"/>
-            </a:endParaRPr>
-          </a:p>
-          <a:p>
-            <a:r>
-              <a:rPr lang="en-US" sz="1400" b="1" dirty="0" err="1">
-                <a:latin typeface="Courier New" panose="02070309020205020404" pitchFamily="49" charset="0"/>
-                <a:cs typeface="Courier New" panose="02070309020205020404" pitchFamily="49" charset="0"/>
-              </a:rPr>
-              <a:t>printf</a:t>
-            </a:r>
-            <a:r>
-              <a:rPr lang="en-US" sz="1400" b="1" dirty="0">
-                <a:latin typeface="Courier New" panose="02070309020205020404" pitchFamily="49" charset="0"/>
-                <a:cs typeface="Courier New" panose="02070309020205020404" pitchFamily="49" charset="0"/>
-              </a:rPr>
-              <a:t>("\</a:t>
+              <a:t>int main() {</a:t>
+            </a:r>
+          </a:p>
+          <a:p>
+            <a:r>
+              <a:rPr lang="en-US" sz="1400" b="1" dirty="0">
+                <a:latin typeface="Courier New" panose="02070309020205020404" pitchFamily="49" charset="0"/>
+                <a:cs typeface="Courier New" panose="02070309020205020404" pitchFamily="49" charset="0"/>
+              </a:rPr>
+              <a:t>    map&lt;string, int&gt; </a:t>
+            </a:r>
+            <a:r>
+              <a:rPr lang="en-US" sz="1400" b="1" dirty="0" err="1">
+                <a:latin typeface="Courier New" panose="02070309020205020404" pitchFamily="49" charset="0"/>
+                <a:cs typeface="Courier New" panose="02070309020205020404" pitchFamily="49" charset="0"/>
+              </a:rPr>
+              <a:t>mp</a:t>
+            </a:r>
+            <a:r>
+              <a:rPr lang="en-US" sz="1400" b="1" dirty="0">
+                <a:latin typeface="Courier New" panose="02070309020205020404" pitchFamily="49" charset="0"/>
+                <a:cs typeface="Courier New" panose="02070309020205020404" pitchFamily="49" charset="0"/>
+              </a:rPr>
+              <a:t>;</a:t>
+            </a:r>
+          </a:p>
+          <a:p>
+            <a:r>
+              <a:rPr lang="en-US" sz="1400" b="1" dirty="0">
+                <a:latin typeface="Courier New" panose="02070309020205020404" pitchFamily="49" charset="0"/>
+                <a:cs typeface="Courier New" panose="02070309020205020404" pitchFamily="49" charset="0"/>
+              </a:rPr>
+              <a:t>    </a:t>
+            </a:r>
+          </a:p>
+          <a:p>
+            <a:r>
+              <a:rPr lang="en-US" sz="1400" b="1" dirty="0">
+                <a:latin typeface="Courier New" panose="02070309020205020404" pitchFamily="49" charset="0"/>
+                <a:cs typeface="Courier New" panose="02070309020205020404" pitchFamily="49" charset="0"/>
+              </a:rPr>
+              <a:t>    </a:t>
+            </a:r>
+            <a:r>
+              <a:rPr lang="en-US" sz="1400" b="1" dirty="0" err="1">
+                <a:latin typeface="Courier New" panose="02070309020205020404" pitchFamily="49" charset="0"/>
+                <a:cs typeface="Courier New" panose="02070309020205020404" pitchFamily="49" charset="0"/>
+              </a:rPr>
+              <a:t>cout</a:t>
+            </a:r>
+            <a:r>
+              <a:rPr lang="en-US" sz="1400" b="1" dirty="0">
+                <a:latin typeface="Courier New" panose="02070309020205020404" pitchFamily="49" charset="0"/>
+                <a:cs typeface="Courier New" panose="02070309020205020404" pitchFamily="49" charset="0"/>
+              </a:rPr>
+              <a:t> &lt;&lt; "Testing map class\n";</a:t>
+            </a:r>
+          </a:p>
+          <a:p>
+            <a:r>
+              <a:rPr lang="en-US" sz="1400" b="1" dirty="0">
+                <a:latin typeface="Courier New" panose="02070309020205020404" pitchFamily="49" charset="0"/>
+                <a:cs typeface="Courier New" panose="02070309020205020404" pitchFamily="49" charset="0"/>
+              </a:rPr>
+              <a:t>    </a:t>
+            </a:r>
+            <a:r>
+              <a:rPr lang="en-US" sz="1400" b="1" dirty="0" err="1">
+                <a:latin typeface="Courier New" panose="02070309020205020404" pitchFamily="49" charset="0"/>
+                <a:cs typeface="Courier New" panose="02070309020205020404" pitchFamily="49" charset="0"/>
+              </a:rPr>
+              <a:t>mp</a:t>
+            </a:r>
+            <a:r>
+              <a:rPr lang="en-US" sz="1400" b="1" dirty="0">
+                <a:latin typeface="Courier New" panose="02070309020205020404" pitchFamily="49" charset="0"/>
+                <a:cs typeface="Courier New" panose="02070309020205020404" pitchFamily="49" charset="0"/>
+              </a:rPr>
+              <a:t>["z"] = 8;</a:t>
+            </a:r>
+          </a:p>
+          <a:p>
+            <a:r>
+              <a:rPr lang="en-US" sz="1400" b="1" dirty="0">
+                <a:latin typeface="Courier New" panose="02070309020205020404" pitchFamily="49" charset="0"/>
+                <a:cs typeface="Courier New" panose="02070309020205020404" pitchFamily="49" charset="0"/>
+              </a:rPr>
+              <a:t>    </a:t>
+            </a:r>
+            <a:r>
+              <a:rPr lang="en-US" sz="1400" b="1" dirty="0" err="1">
+                <a:latin typeface="Courier New" panose="02070309020205020404" pitchFamily="49" charset="0"/>
+                <a:cs typeface="Courier New" panose="02070309020205020404" pitchFamily="49" charset="0"/>
+              </a:rPr>
+              <a:t>mp</a:t>
+            </a:r>
+            <a:r>
+              <a:rPr lang="en-US" sz="1400" b="1" dirty="0">
+                <a:latin typeface="Courier New" panose="02070309020205020404" pitchFamily="49" charset="0"/>
+                <a:cs typeface="Courier New" panose="02070309020205020404" pitchFamily="49" charset="0"/>
+              </a:rPr>
+              <a:t>["z"] = 1;</a:t>
+            </a:r>
+          </a:p>
+          <a:p>
+            <a:r>
+              <a:rPr lang="en-US" sz="1400" b="1" dirty="0">
+                <a:latin typeface="Courier New" panose="02070309020205020404" pitchFamily="49" charset="0"/>
+                <a:cs typeface="Courier New" panose="02070309020205020404" pitchFamily="49" charset="0"/>
+              </a:rPr>
+              <a:t>    </a:t>
+            </a:r>
+            <a:r>
+              <a:rPr lang="en-US" sz="1400" b="1" dirty="0" err="1">
+                <a:latin typeface="Courier New" panose="02070309020205020404" pitchFamily="49" charset="0"/>
+                <a:cs typeface="Courier New" panose="02070309020205020404" pitchFamily="49" charset="0"/>
+              </a:rPr>
+              <a:t>mp</a:t>
+            </a:r>
+            <a:r>
+              <a:rPr lang="en-US" sz="1400" b="1" dirty="0">
+                <a:latin typeface="Courier New" panose="02070309020205020404" pitchFamily="49" charset="0"/>
+                <a:cs typeface="Courier New" panose="02070309020205020404" pitchFamily="49" charset="0"/>
+              </a:rPr>
+              <a:t>["y"] = 2;</a:t>
+            </a:r>
+          </a:p>
+          <a:p>
+            <a:r>
+              <a:rPr lang="en-US" sz="1400" b="1" dirty="0">
+                <a:latin typeface="Courier New" panose="02070309020205020404" pitchFamily="49" charset="0"/>
+                <a:cs typeface="Courier New" panose="02070309020205020404" pitchFamily="49" charset="0"/>
+              </a:rPr>
+              <a:t>    </a:t>
+            </a:r>
+            <a:r>
+              <a:rPr lang="en-US" sz="1400" b="1" dirty="0" err="1">
+                <a:latin typeface="Courier New" panose="02070309020205020404" pitchFamily="49" charset="0"/>
+                <a:cs typeface="Courier New" panose="02070309020205020404" pitchFamily="49" charset="0"/>
+              </a:rPr>
+              <a:t>mp</a:t>
+            </a:r>
+            <a:r>
+              <a:rPr lang="en-US" sz="1400" b="1" dirty="0">
+                <a:latin typeface="Courier New" panose="02070309020205020404" pitchFamily="49" charset="0"/>
+                <a:cs typeface="Courier New" panose="02070309020205020404" pitchFamily="49" charset="0"/>
+              </a:rPr>
+              <a:t>["b"] = 3;</a:t>
+            </a:r>
+          </a:p>
+          <a:p>
+            <a:r>
+              <a:rPr lang="en-US" sz="1400" b="1" dirty="0">
+                <a:latin typeface="Courier New" panose="02070309020205020404" pitchFamily="49" charset="0"/>
+                <a:cs typeface="Courier New" panose="02070309020205020404" pitchFamily="49" charset="0"/>
+              </a:rPr>
+              <a:t>    </a:t>
+            </a:r>
+            <a:r>
+              <a:rPr lang="en-US" sz="1400" b="1" dirty="0" err="1">
+                <a:latin typeface="Courier New" panose="02070309020205020404" pitchFamily="49" charset="0"/>
+                <a:cs typeface="Courier New" panose="02070309020205020404" pitchFamily="49" charset="0"/>
+              </a:rPr>
+              <a:t>mp</a:t>
+            </a:r>
+            <a:r>
+              <a:rPr lang="en-US" sz="1400" b="1" dirty="0">
+                <a:latin typeface="Courier New" panose="02070309020205020404" pitchFamily="49" charset="0"/>
+                <a:cs typeface="Courier New" panose="02070309020205020404" pitchFamily="49" charset="0"/>
+              </a:rPr>
+              <a:t>["a"] = 4;</a:t>
+            </a:r>
+          </a:p>
+          <a:p>
+            <a:r>
+              <a:rPr lang="en-US" sz="1400" b="1" dirty="0">
+                <a:latin typeface="Courier New" panose="02070309020205020404" pitchFamily="49" charset="0"/>
+                <a:cs typeface="Courier New" panose="02070309020205020404" pitchFamily="49" charset="0"/>
+              </a:rPr>
+              <a:t>    for (auto </a:t>
+            </a:r>
+            <a:r>
+              <a:rPr lang="en-US" sz="1400" b="1" dirty="0" err="1">
+                <a:latin typeface="Courier New" panose="02070309020205020404" pitchFamily="49" charset="0"/>
+                <a:cs typeface="Courier New" panose="02070309020205020404" pitchFamily="49" charset="0"/>
+              </a:rPr>
+              <a:t>i</a:t>
+            </a:r>
+            <a:r>
+              <a:rPr lang="en-US" sz="1400" b="1" dirty="0">
+                <a:latin typeface="Courier New" panose="02070309020205020404" pitchFamily="49" charset="0"/>
+                <a:cs typeface="Courier New" panose="02070309020205020404" pitchFamily="49" charset="0"/>
+              </a:rPr>
+              <a:t> = </a:t>
+            </a:r>
+            <a:r>
+              <a:rPr lang="en-US" sz="1400" b="1" dirty="0" err="1">
+                <a:latin typeface="Courier New" panose="02070309020205020404" pitchFamily="49" charset="0"/>
+                <a:cs typeface="Courier New" panose="02070309020205020404" pitchFamily="49" charset="0"/>
+              </a:rPr>
+              <a:t>mp.begin</a:t>
+            </a:r>
+            <a:r>
+              <a:rPr lang="en-US" sz="1400" b="1" dirty="0">
+                <a:latin typeface="Courier New" panose="02070309020205020404" pitchFamily="49" charset="0"/>
+                <a:cs typeface="Courier New" panose="02070309020205020404" pitchFamily="49" charset="0"/>
+              </a:rPr>
+              <a:t>(); </a:t>
+            </a:r>
+            <a:r>
+              <a:rPr lang="en-US" sz="1400" b="1" dirty="0" err="1">
+                <a:latin typeface="Courier New" panose="02070309020205020404" pitchFamily="49" charset="0"/>
+                <a:cs typeface="Courier New" panose="02070309020205020404" pitchFamily="49" charset="0"/>
+              </a:rPr>
+              <a:t>i</a:t>
+            </a:r>
+            <a:r>
+              <a:rPr lang="en-US" sz="1400" b="1" dirty="0">
+                <a:latin typeface="Courier New" panose="02070309020205020404" pitchFamily="49" charset="0"/>
+                <a:cs typeface="Courier New" panose="02070309020205020404" pitchFamily="49" charset="0"/>
+              </a:rPr>
+              <a:t> != </a:t>
+            </a:r>
+            <a:r>
+              <a:rPr lang="en-US" sz="1400" b="1" dirty="0" err="1">
+                <a:latin typeface="Courier New" panose="02070309020205020404" pitchFamily="49" charset="0"/>
+                <a:cs typeface="Courier New" panose="02070309020205020404" pitchFamily="49" charset="0"/>
+              </a:rPr>
+              <a:t>mp.end</a:t>
+            </a:r>
+            <a:r>
+              <a:rPr lang="en-US" sz="1400" b="1" dirty="0">
+                <a:latin typeface="Courier New" panose="02070309020205020404" pitchFamily="49" charset="0"/>
+                <a:cs typeface="Courier New" panose="02070309020205020404" pitchFamily="49" charset="0"/>
+              </a:rPr>
+              <a:t>(); ++</a:t>
+            </a:r>
+            <a:r>
+              <a:rPr lang="en-US" sz="1400" b="1" dirty="0" err="1">
+                <a:latin typeface="Courier New" panose="02070309020205020404" pitchFamily="49" charset="0"/>
+                <a:cs typeface="Courier New" panose="02070309020205020404" pitchFamily="49" charset="0"/>
+              </a:rPr>
+              <a:t>i</a:t>
+            </a:r>
+            <a:r>
+              <a:rPr lang="en-US" sz="1400" b="1" dirty="0">
+                <a:latin typeface="Courier New" panose="02070309020205020404" pitchFamily="49" charset="0"/>
+                <a:cs typeface="Courier New" panose="02070309020205020404" pitchFamily="49" charset="0"/>
+              </a:rPr>
+              <a:t>) {</a:t>
+            </a:r>
+          </a:p>
+          <a:p>
+            <a:r>
+              <a:rPr lang="en-US" sz="1400" b="1" dirty="0">
+                <a:latin typeface="Courier New" panose="02070309020205020404" pitchFamily="49" charset="0"/>
+                <a:cs typeface="Courier New" panose="02070309020205020404" pitchFamily="49" charset="0"/>
+              </a:rPr>
+              <a:t>        </a:t>
+            </a:r>
+            <a:r>
+              <a:rPr lang="en-US" sz="1400" b="1" dirty="0" err="1">
+                <a:latin typeface="Courier New" panose="02070309020205020404" pitchFamily="49" charset="0"/>
+                <a:cs typeface="Courier New" panose="02070309020205020404" pitchFamily="49" charset="0"/>
+              </a:rPr>
+              <a:t>cout</a:t>
+            </a:r>
+            <a:r>
+              <a:rPr lang="en-US" sz="1400" b="1" dirty="0">
+                <a:latin typeface="Courier New" panose="02070309020205020404" pitchFamily="49" charset="0"/>
+                <a:cs typeface="Courier New" panose="02070309020205020404" pitchFamily="49" charset="0"/>
+              </a:rPr>
+              <a:t> &lt;&lt; </a:t>
+            </a:r>
+            <a:r>
+              <a:rPr lang="en-US" sz="1400" b="1" dirty="0" err="1">
+                <a:latin typeface="Courier New" panose="02070309020205020404" pitchFamily="49" charset="0"/>
+                <a:cs typeface="Courier New" panose="02070309020205020404" pitchFamily="49" charset="0"/>
+              </a:rPr>
+              <a:t>i</a:t>
+            </a:r>
+            <a:r>
+              <a:rPr lang="en-US" sz="1400" b="1" dirty="0">
+                <a:latin typeface="Courier New" panose="02070309020205020404" pitchFamily="49" charset="0"/>
+                <a:cs typeface="Courier New" panose="02070309020205020404" pitchFamily="49" charset="0"/>
+              </a:rPr>
+              <a:t>-&gt;first &lt;&lt; " " &lt;&lt; </a:t>
+            </a:r>
+            <a:r>
+              <a:rPr lang="en-US" sz="1400" b="1" dirty="0" err="1">
+                <a:latin typeface="Courier New" panose="02070309020205020404" pitchFamily="49" charset="0"/>
+                <a:cs typeface="Courier New" panose="02070309020205020404" pitchFamily="49" charset="0"/>
+              </a:rPr>
+              <a:t>i</a:t>
+            </a:r>
+            <a:r>
+              <a:rPr lang="en-US" sz="1400" b="1" dirty="0">
+                <a:latin typeface="Courier New" panose="02070309020205020404" pitchFamily="49" charset="0"/>
+                <a:cs typeface="Courier New" panose="02070309020205020404" pitchFamily="49" charset="0"/>
+              </a:rPr>
+              <a:t>-&gt;second &lt;&lt; "\n";</a:t>
+            </a:r>
+          </a:p>
+          <a:p>
+            <a:r>
+              <a:rPr lang="en-US" sz="1400" b="1" dirty="0">
+                <a:latin typeface="Courier New" panose="02070309020205020404" pitchFamily="49" charset="0"/>
+                <a:cs typeface="Courier New" panose="02070309020205020404" pitchFamily="49" charset="0"/>
+              </a:rPr>
+              <a:t>    }</a:t>
+            </a:r>
+          </a:p>
+          <a:p>
+            <a:r>
+              <a:rPr lang="en-US" sz="1400" b="1" dirty="0">
+                <a:latin typeface="Courier New" panose="02070309020205020404" pitchFamily="49" charset="0"/>
+                <a:cs typeface="Courier New" panose="02070309020205020404" pitchFamily="49" charset="0"/>
+              </a:rPr>
+              <a:t>    </a:t>
+            </a:r>
+          </a:p>
+          <a:p>
+            <a:r>
+              <a:rPr lang="en-US" sz="1400" b="1" dirty="0">
+                <a:latin typeface="Courier New" panose="02070309020205020404" pitchFamily="49" charset="0"/>
+                <a:cs typeface="Courier New" panose="02070309020205020404" pitchFamily="49" charset="0"/>
+              </a:rPr>
+              <a:t>    </a:t>
+            </a:r>
+            <a:r>
+              <a:rPr lang="en-US" sz="1400" b="1" dirty="0" err="1">
+                <a:latin typeface="Courier New" panose="02070309020205020404" pitchFamily="49" charset="0"/>
+                <a:cs typeface="Courier New" panose="02070309020205020404" pitchFamily="49" charset="0"/>
+              </a:rPr>
+              <a:t>cout</a:t>
+            </a:r>
+            <a:r>
+              <a:rPr lang="en-US" sz="1400" b="1" dirty="0">
+                <a:latin typeface="Courier New" panose="02070309020205020404" pitchFamily="49" charset="0"/>
+                <a:cs typeface="Courier New" panose="02070309020205020404" pitchFamily="49" charset="0"/>
+              </a:rPr>
+              <a:t> &lt;&lt; "z=" &lt;&lt; (</a:t>
+            </a:r>
+            <a:r>
+              <a:rPr lang="en-US" sz="1400" b="1" dirty="0" err="1">
+                <a:latin typeface="Courier New" panose="02070309020205020404" pitchFamily="49" charset="0"/>
+                <a:cs typeface="Courier New" panose="02070309020205020404" pitchFamily="49" charset="0"/>
+              </a:rPr>
+              <a:t>mp.count</a:t>
+            </a:r>
+            <a:r>
+              <a:rPr lang="en-US" sz="1400" b="1" dirty="0">
+                <a:latin typeface="Courier New" panose="02070309020205020404" pitchFamily="49" charset="0"/>
+                <a:cs typeface="Courier New" panose="02070309020205020404" pitchFamily="49" charset="0"/>
+              </a:rPr>
+              <a:t>("z") ? </a:t>
+            </a:r>
+            <a:r>
+              <a:rPr lang="en-US" sz="1400" b="1" dirty="0" err="1">
+                <a:latin typeface="Courier New" panose="02070309020205020404" pitchFamily="49" charset="0"/>
+                <a:cs typeface="Courier New" panose="02070309020205020404" pitchFamily="49" charset="0"/>
+              </a:rPr>
+              <a:t>mp</a:t>
+            </a:r>
+            <a:r>
+              <a:rPr lang="en-US" sz="1400" b="1" dirty="0">
+                <a:latin typeface="Courier New" panose="02070309020205020404" pitchFamily="49" charset="0"/>
+                <a:cs typeface="Courier New" panose="02070309020205020404" pitchFamily="49" charset="0"/>
+              </a:rPr>
+              <a:t>["z"] : 42) &lt;&lt; </a:t>
+            </a:r>
+            <a:r>
+              <a:rPr lang="en-US" sz="1400" b="1" dirty="0" err="1">
+                <a:latin typeface="Courier New" panose="02070309020205020404" pitchFamily="49" charset="0"/>
+                <a:cs typeface="Courier New" panose="02070309020205020404" pitchFamily="49" charset="0"/>
+              </a:rPr>
+              <a:t>endl</a:t>
+            </a:r>
+            <a:r>
+              <a:rPr lang="en-US" sz="1400" b="1" dirty="0">
+                <a:latin typeface="Courier New" panose="02070309020205020404" pitchFamily="49" charset="0"/>
+                <a:cs typeface="Courier New" panose="02070309020205020404" pitchFamily="49" charset="0"/>
+              </a:rPr>
+              <a:t>;</a:t>
+            </a:r>
+          </a:p>
+          <a:p>
+            <a:r>
+              <a:rPr lang="en-US" sz="1400" b="1" dirty="0">
+                <a:latin typeface="Courier New" panose="02070309020205020404" pitchFamily="49" charset="0"/>
+                <a:cs typeface="Courier New" panose="02070309020205020404" pitchFamily="49" charset="0"/>
+              </a:rPr>
+              <a:t>    </a:t>
+            </a:r>
+            <a:r>
+              <a:rPr lang="en-US" sz="1400" b="1" dirty="0" err="1">
+                <a:latin typeface="Courier New" panose="02070309020205020404" pitchFamily="49" charset="0"/>
+                <a:cs typeface="Courier New" panose="02070309020205020404" pitchFamily="49" charset="0"/>
+              </a:rPr>
+              <a:t>cout</a:t>
+            </a:r>
+            <a:r>
+              <a:rPr lang="en-US" sz="1400" b="1" dirty="0">
+                <a:latin typeface="Courier New" panose="02070309020205020404" pitchFamily="49" charset="0"/>
+                <a:cs typeface="Courier New" panose="02070309020205020404" pitchFamily="49" charset="0"/>
+              </a:rPr>
+              <a:t> &lt;&lt; "x=" &lt;&lt; (</a:t>
+            </a:r>
+            <a:r>
+              <a:rPr lang="en-US" sz="1400" b="1" dirty="0" err="1">
+                <a:latin typeface="Courier New" panose="02070309020205020404" pitchFamily="49" charset="0"/>
+                <a:cs typeface="Courier New" panose="02070309020205020404" pitchFamily="49" charset="0"/>
+              </a:rPr>
+              <a:t>mp.count</a:t>
+            </a:r>
+            <a:r>
+              <a:rPr lang="en-US" sz="1400" b="1" dirty="0">
+                <a:latin typeface="Courier New" panose="02070309020205020404" pitchFamily="49" charset="0"/>
+                <a:cs typeface="Courier New" panose="02070309020205020404" pitchFamily="49" charset="0"/>
+              </a:rPr>
+              <a:t>("x") ? </a:t>
+            </a:r>
+            <a:r>
+              <a:rPr lang="en-US" sz="1400" b="1" dirty="0" err="1">
+                <a:latin typeface="Courier New" panose="02070309020205020404" pitchFamily="49" charset="0"/>
+                <a:cs typeface="Courier New" panose="02070309020205020404" pitchFamily="49" charset="0"/>
+              </a:rPr>
+              <a:t>mp</a:t>
+            </a:r>
+            <a:r>
+              <a:rPr lang="en-US" sz="1400" b="1" dirty="0">
+                <a:latin typeface="Courier New" panose="02070309020205020404" pitchFamily="49" charset="0"/>
+                <a:cs typeface="Courier New" panose="02070309020205020404" pitchFamily="49" charset="0"/>
+              </a:rPr>
+              <a:t>["x"] : 42) &lt;&lt; </a:t>
+            </a:r>
+            <a:r>
+              <a:rPr lang="en-US" sz="1400" b="1" dirty="0" err="1">
+                <a:latin typeface="Courier New" panose="02070309020205020404" pitchFamily="49" charset="0"/>
+                <a:cs typeface="Courier New" panose="02070309020205020404" pitchFamily="49" charset="0"/>
+              </a:rPr>
+              <a:t>endl</a:t>
+            </a:r>
+            <a:r>
+              <a:rPr lang="en-US" sz="1400" b="1" dirty="0">
+                <a:latin typeface="Courier New" panose="02070309020205020404" pitchFamily="49" charset="0"/>
+                <a:cs typeface="Courier New" panose="02070309020205020404" pitchFamily="49" charset="0"/>
+              </a:rPr>
+              <a:t>;</a:t>
+            </a:r>
+          </a:p>
+          <a:p>
+            <a:r>
+              <a:rPr lang="en-US" sz="1400" b="1" dirty="0">
+                <a:latin typeface="Courier New" panose="02070309020205020404" pitchFamily="49" charset="0"/>
+                <a:cs typeface="Courier New" panose="02070309020205020404" pitchFamily="49" charset="0"/>
+              </a:rPr>
+              <a:t>    </a:t>
+            </a:r>
+          </a:p>
+          <a:p>
+            <a:r>
+              <a:rPr lang="en-US" sz="1400" b="1" dirty="0">
+                <a:latin typeface="Courier New" panose="02070309020205020404" pitchFamily="49" charset="0"/>
+                <a:cs typeface="Courier New" panose="02070309020205020404" pitchFamily="49" charset="0"/>
+              </a:rPr>
+              <a:t>    </a:t>
+            </a:r>
+            <a:r>
+              <a:rPr lang="en-US" sz="1400" b="1" dirty="0" err="1">
+                <a:latin typeface="Courier New" panose="02070309020205020404" pitchFamily="49" charset="0"/>
+                <a:cs typeface="Courier New" panose="02070309020205020404" pitchFamily="49" charset="0"/>
+              </a:rPr>
+              <a:t>cout</a:t>
+            </a:r>
+            <a:r>
+              <a:rPr lang="en-US" sz="1400" b="1" dirty="0">
+                <a:latin typeface="Courier New" panose="02070309020205020404" pitchFamily="49" charset="0"/>
+                <a:cs typeface="Courier New" panose="02070309020205020404" pitchFamily="49" charset="0"/>
+              </a:rPr>
+              <a:t> &lt;&lt; "\</a:t>
             </a:r>
             <a:r>
               <a:rPr lang="en-US" sz="1400" b="1" dirty="0" err="1">
@@ -12299,39 +15076,160 @@
                 <a:latin typeface="Courier New" panose="02070309020205020404" pitchFamily="49" charset="0"/>
                 <a:cs typeface="Courier New" panose="02070309020205020404" pitchFamily="49" charset="0"/>
               </a:rPr>
-              <a:t>\n");</a:t>
-            </a:r>
-          </a:p>
-          <a:p>
-            <a:r>
-              <a:rPr lang="en-US" sz="1400" b="1" dirty="0">
-                <a:latin typeface="Courier New" panose="02070309020205020404" pitchFamily="49" charset="0"/>
-                <a:cs typeface="Courier New" panose="02070309020205020404" pitchFamily="49" charset="0"/>
-              </a:rPr>
-              <a:t>foreach( $a as $k =&gt; $v ) {</a:t>
-            </a:r>
-          </a:p>
-          <a:p>
-            <a:r>
-              <a:rPr lang="en-US" sz="1400" b="1" dirty="0">
-                <a:latin typeface="Courier New" panose="02070309020205020404" pitchFamily="49" charset="0"/>
-                <a:cs typeface="Courier New" panose="02070309020205020404" pitchFamily="49" charset="0"/>
-              </a:rPr>
-              <a:t>    </a:t>
-            </a:r>
-            <a:r>
-              <a:rPr lang="en-US" sz="1400" b="1" dirty="0" err="1">
-                <a:latin typeface="Courier New" panose="02070309020205020404" pitchFamily="49" charset="0"/>
-                <a:cs typeface="Courier New" panose="02070309020205020404" pitchFamily="49" charset="0"/>
-              </a:rPr>
-              <a:t>printf</a:t>
-            </a:r>
-            <a:r>
-              <a:rPr lang="en-US" sz="1400" b="1" dirty="0">
-                <a:latin typeface="Courier New" panose="02070309020205020404" pitchFamily="49" charset="0"/>
-                <a:cs typeface="Courier New" panose="02070309020205020404" pitchFamily="49" charset="0"/>
-              </a:rPr>
-              <a:t>(" %s=%d\n", $k, $v);</a:t>
+              <a:t> forwards\n";</a:t>
+            </a:r>
+          </a:p>
+          <a:p>
+            <a:r>
+              <a:rPr lang="en-US" sz="1400" b="1" dirty="0">
+                <a:latin typeface="Courier New" panose="02070309020205020404" pitchFamily="49" charset="0"/>
+                <a:cs typeface="Courier New" panose="02070309020205020404" pitchFamily="49" charset="0"/>
+              </a:rPr>
+              <a:t>    for (auto </a:t>
+            </a:r>
+            <a:r>
+              <a:rPr lang="en-US" sz="1400" b="1" dirty="0" err="1">
+                <a:latin typeface="Courier New" panose="02070309020205020404" pitchFamily="49" charset="0"/>
+                <a:cs typeface="Courier New" panose="02070309020205020404" pitchFamily="49" charset="0"/>
+              </a:rPr>
+              <a:t>i</a:t>
+            </a:r>
+            <a:r>
+              <a:rPr lang="en-US" sz="1400" b="1" dirty="0">
+                <a:latin typeface="Courier New" panose="02070309020205020404" pitchFamily="49" charset="0"/>
+                <a:cs typeface="Courier New" panose="02070309020205020404" pitchFamily="49" charset="0"/>
+              </a:rPr>
+              <a:t> = </a:t>
+            </a:r>
+            <a:r>
+              <a:rPr lang="en-US" sz="1400" b="1" dirty="0" err="1">
+                <a:latin typeface="Courier New" panose="02070309020205020404" pitchFamily="49" charset="0"/>
+                <a:cs typeface="Courier New" panose="02070309020205020404" pitchFamily="49" charset="0"/>
+              </a:rPr>
+              <a:t>mp.begin</a:t>
+            </a:r>
+            <a:r>
+              <a:rPr lang="en-US" sz="1400" b="1" dirty="0">
+                <a:latin typeface="Courier New" panose="02070309020205020404" pitchFamily="49" charset="0"/>
+                <a:cs typeface="Courier New" panose="02070309020205020404" pitchFamily="49" charset="0"/>
+              </a:rPr>
+              <a:t>(); </a:t>
+            </a:r>
+            <a:r>
+              <a:rPr lang="en-US" sz="1400" b="1" dirty="0" err="1">
+                <a:latin typeface="Courier New" panose="02070309020205020404" pitchFamily="49" charset="0"/>
+                <a:cs typeface="Courier New" panose="02070309020205020404" pitchFamily="49" charset="0"/>
+              </a:rPr>
+              <a:t>i</a:t>
+            </a:r>
+            <a:r>
+              <a:rPr lang="en-US" sz="1400" b="1" dirty="0">
+                <a:latin typeface="Courier New" panose="02070309020205020404" pitchFamily="49" charset="0"/>
+                <a:cs typeface="Courier New" panose="02070309020205020404" pitchFamily="49" charset="0"/>
+              </a:rPr>
+              <a:t> != </a:t>
+            </a:r>
+            <a:r>
+              <a:rPr lang="en-US" sz="1400" b="1" dirty="0" err="1">
+                <a:latin typeface="Courier New" panose="02070309020205020404" pitchFamily="49" charset="0"/>
+                <a:cs typeface="Courier New" panose="02070309020205020404" pitchFamily="49" charset="0"/>
+              </a:rPr>
+              <a:t>mp.end</a:t>
+            </a:r>
+            <a:r>
+              <a:rPr lang="en-US" sz="1400" b="1" dirty="0">
+                <a:latin typeface="Courier New" panose="02070309020205020404" pitchFamily="49" charset="0"/>
+                <a:cs typeface="Courier New" panose="02070309020205020404" pitchFamily="49" charset="0"/>
+              </a:rPr>
+              <a:t>(); ++</a:t>
+            </a:r>
+            <a:r>
+              <a:rPr lang="en-US" sz="1400" b="1" dirty="0" err="1">
+                <a:latin typeface="Courier New" panose="02070309020205020404" pitchFamily="49" charset="0"/>
+                <a:cs typeface="Courier New" panose="02070309020205020404" pitchFamily="49" charset="0"/>
+              </a:rPr>
+              <a:t>i</a:t>
+            </a:r>
+            <a:r>
+              <a:rPr lang="en-US" sz="1400" b="1" dirty="0">
+                <a:latin typeface="Courier New" panose="02070309020205020404" pitchFamily="49" charset="0"/>
+                <a:cs typeface="Courier New" panose="02070309020205020404" pitchFamily="49" charset="0"/>
+              </a:rPr>
+              <a:t>) {</a:t>
+            </a:r>
+          </a:p>
+          <a:p>
+            <a:r>
+              <a:rPr lang="en-US" sz="1400" b="1" dirty="0">
+                <a:latin typeface="Courier New" panose="02070309020205020404" pitchFamily="49" charset="0"/>
+                <a:cs typeface="Courier New" panose="02070309020205020404" pitchFamily="49" charset="0"/>
+              </a:rPr>
+              <a:t>        </a:t>
+            </a:r>
+            <a:r>
+              <a:rPr lang="en-US" sz="1400" b="1" dirty="0" err="1">
+                <a:latin typeface="Courier New" panose="02070309020205020404" pitchFamily="49" charset="0"/>
+                <a:cs typeface="Courier New" panose="02070309020205020404" pitchFamily="49" charset="0"/>
+              </a:rPr>
+              <a:t>cout</a:t>
+            </a:r>
+            <a:r>
+              <a:rPr lang="en-US" sz="1400" b="1" dirty="0">
+                <a:latin typeface="Courier New" panose="02070309020205020404" pitchFamily="49" charset="0"/>
+                <a:cs typeface="Courier New" panose="02070309020205020404" pitchFamily="49" charset="0"/>
+              </a:rPr>
+              <a:t> &lt;&lt; "Key = " &lt;&lt; </a:t>
+            </a:r>
+            <a:r>
+              <a:rPr lang="en-US" sz="1400" b="1" dirty="0" err="1">
+                <a:latin typeface="Courier New" panose="02070309020205020404" pitchFamily="49" charset="0"/>
+                <a:cs typeface="Courier New" panose="02070309020205020404" pitchFamily="49" charset="0"/>
+              </a:rPr>
+              <a:t>i</a:t>
+            </a:r>
+            <a:r>
+              <a:rPr lang="en-US" sz="1400" b="1" dirty="0">
+                <a:latin typeface="Courier New" panose="02070309020205020404" pitchFamily="49" charset="0"/>
+                <a:cs typeface="Courier New" panose="02070309020205020404" pitchFamily="49" charset="0"/>
+              </a:rPr>
+              <a:t>-&gt;first &lt;&lt; ", Value = " &lt;&lt; </a:t>
+            </a:r>
+            <a:r>
+              <a:rPr lang="en-US" sz="1400" b="1" dirty="0" err="1">
+                <a:latin typeface="Courier New" panose="02070309020205020404" pitchFamily="49" charset="0"/>
+                <a:cs typeface="Courier New" panose="02070309020205020404" pitchFamily="49" charset="0"/>
+              </a:rPr>
+              <a:t>i</a:t>
+            </a:r>
+            <a:r>
+              <a:rPr lang="en-US" sz="1400" b="1" dirty="0">
+                <a:latin typeface="Courier New" panose="02070309020205020404" pitchFamily="49" charset="0"/>
+                <a:cs typeface="Courier New" panose="02070309020205020404" pitchFamily="49" charset="0"/>
+              </a:rPr>
+              <a:t>-&gt;second &lt;&lt; </a:t>
+            </a:r>
+            <a:r>
+              <a:rPr lang="en-US" sz="1400" b="1" dirty="0" err="1">
+                <a:latin typeface="Courier New" panose="02070309020205020404" pitchFamily="49" charset="0"/>
+                <a:cs typeface="Courier New" panose="02070309020205020404" pitchFamily="49" charset="0"/>
+              </a:rPr>
+              <a:t>endl</a:t>
+            </a:r>
+            <a:r>
+              <a:rPr lang="en-US" sz="1400" b="1" dirty="0">
+                <a:latin typeface="Courier New" panose="02070309020205020404" pitchFamily="49" charset="0"/>
+                <a:cs typeface="Courier New" panose="02070309020205020404" pitchFamily="49" charset="0"/>
+              </a:rPr>
+              <a:t>;</a:t>
+            </a:r>
+          </a:p>
+          <a:p>
+            <a:r>
+              <a:rPr lang="en-US" sz="1400" b="1" dirty="0">
+                <a:latin typeface="Courier New" panose="02070309020205020404" pitchFamily="49" charset="0"/>
+                <a:cs typeface="Courier New" panose="02070309020205020404" pitchFamily="49" charset="0"/>
+              </a:rPr>
+              <a:t>    }</a:t>
             </a:r>
           </a:p>
           <a:p>
@@ -12341,187 +15239,6 @@
                 <a:cs typeface="Courier New" panose="02070309020205020404" pitchFamily="49" charset="0"/>
               </a:rPr>
               <a:t>}</a:t>
-            </a:r>
-          </a:p>
-          <a:p>
-            <a:endParaRPr lang="en-US" sz="1400" b="1" dirty="0">
-              <a:latin typeface="Courier New" panose="02070309020205020404" pitchFamily="49" charset="0"/>
-              <a:cs typeface="Courier New" panose="02070309020205020404" pitchFamily="49" charset="0"/>
-            </a:endParaRPr>
-          </a:p>
-          <a:p>
-            <a:r>
-              <a:rPr lang="en-US" sz="1400" b="1" dirty="0" err="1">
-                <a:latin typeface="Courier New" panose="02070309020205020404" pitchFamily="49" charset="0"/>
-                <a:cs typeface="Courier New" panose="02070309020205020404" pitchFamily="49" charset="0"/>
-              </a:rPr>
-              <a:t>ksort</a:t>
-            </a:r>
-            <a:r>
-              <a:rPr lang="en-US" sz="1400" b="1" dirty="0">
-                <a:latin typeface="Courier New" panose="02070309020205020404" pitchFamily="49" charset="0"/>
-                <a:cs typeface="Courier New" panose="02070309020205020404" pitchFamily="49" charset="0"/>
-              </a:rPr>
-              <a:t>($a);</a:t>
-            </a:r>
-          </a:p>
-          <a:p>
-            <a:r>
-              <a:rPr lang="en-US" sz="1400" b="1" dirty="0" err="1">
-                <a:latin typeface="Courier New" panose="02070309020205020404" pitchFamily="49" charset="0"/>
-                <a:cs typeface="Courier New" panose="02070309020205020404" pitchFamily="49" charset="0"/>
-              </a:rPr>
-              <a:t>printf</a:t>
-            </a:r>
-            <a:r>
-              <a:rPr lang="en-US" sz="1400" b="1" dirty="0">
-                <a:latin typeface="Courier New" panose="02070309020205020404" pitchFamily="49" charset="0"/>
-                <a:cs typeface="Courier New" panose="02070309020205020404" pitchFamily="49" charset="0"/>
-              </a:rPr>
-              <a:t>("\</a:t>
-            </a:r>
-            <a:r>
-              <a:rPr lang="en-US" sz="1400" b="1" dirty="0" err="1">
-                <a:latin typeface="Courier New" panose="02070309020205020404" pitchFamily="49" charset="0"/>
-                <a:cs typeface="Courier New" panose="02070309020205020404" pitchFamily="49" charset="0"/>
-              </a:rPr>
-              <a:t>nSort</a:t>
-            </a:r>
-            <a:r>
-              <a:rPr lang="en-US" sz="1400" b="1" dirty="0">
-                <a:latin typeface="Courier New" panose="02070309020205020404" pitchFamily="49" charset="0"/>
-                <a:cs typeface="Courier New" panose="02070309020205020404" pitchFamily="49" charset="0"/>
-              </a:rPr>
-              <a:t> by key\n");</a:t>
-            </a:r>
-          </a:p>
-          <a:p>
-            <a:r>
-              <a:rPr lang="en-US" sz="1400" b="1" dirty="0" err="1">
-                <a:latin typeface="Courier New" panose="02070309020205020404" pitchFamily="49" charset="0"/>
-                <a:cs typeface="Courier New" panose="02070309020205020404" pitchFamily="49" charset="0"/>
-              </a:rPr>
-              <a:t>print_r</a:t>
-            </a:r>
-            <a:r>
-              <a:rPr lang="en-US" sz="1400" b="1" dirty="0">
-                <a:latin typeface="Courier New" panose="02070309020205020404" pitchFamily="49" charset="0"/>
-                <a:cs typeface="Courier New" panose="02070309020205020404" pitchFamily="49" charset="0"/>
-              </a:rPr>
-              <a:t>($a);</a:t>
-            </a:r>
-          </a:p>
-          <a:p>
-            <a:endParaRPr lang="en-US" sz="1400" b="1" dirty="0">
-              <a:latin typeface="Courier New" panose="02070309020205020404" pitchFamily="49" charset="0"/>
-              <a:cs typeface="Courier New" panose="02070309020205020404" pitchFamily="49" charset="0"/>
-            </a:endParaRPr>
-          </a:p>
-          <a:p>
-            <a:r>
-              <a:rPr lang="en-US" sz="1400" b="1" dirty="0" err="1">
-                <a:latin typeface="Courier New" panose="02070309020205020404" pitchFamily="49" charset="0"/>
-                <a:cs typeface="Courier New" panose="02070309020205020404" pitchFamily="49" charset="0"/>
-              </a:rPr>
-              <a:t>arsort</a:t>
-            </a:r>
-            <a:r>
-              <a:rPr lang="en-US" sz="1400" b="1" dirty="0">
-                <a:latin typeface="Courier New" panose="02070309020205020404" pitchFamily="49" charset="0"/>
-                <a:cs typeface="Courier New" panose="02070309020205020404" pitchFamily="49" charset="0"/>
-              </a:rPr>
-              <a:t>($a);</a:t>
-            </a:r>
-          </a:p>
-          <a:p>
-            <a:r>
-              <a:rPr lang="en-US" sz="1400" b="1" dirty="0" err="1">
-                <a:latin typeface="Courier New" panose="02070309020205020404" pitchFamily="49" charset="0"/>
-                <a:cs typeface="Courier New" panose="02070309020205020404" pitchFamily="49" charset="0"/>
-              </a:rPr>
-              <a:t>printf</a:t>
-            </a:r>
-            <a:r>
-              <a:rPr lang="en-US" sz="1400" b="1" dirty="0">
-                <a:latin typeface="Courier New" panose="02070309020205020404" pitchFamily="49" charset="0"/>
-                <a:cs typeface="Courier New" panose="02070309020205020404" pitchFamily="49" charset="0"/>
-              </a:rPr>
-              <a:t>("\</a:t>
-            </a:r>
-            <a:r>
-              <a:rPr lang="en-US" sz="1400" b="1" dirty="0" err="1">
-                <a:latin typeface="Courier New" panose="02070309020205020404" pitchFamily="49" charset="0"/>
-                <a:cs typeface="Courier New" panose="02070309020205020404" pitchFamily="49" charset="0"/>
-              </a:rPr>
-              <a:t>nSort</a:t>
-            </a:r>
-            <a:r>
-              <a:rPr lang="en-US" sz="1400" b="1" dirty="0">
-                <a:latin typeface="Courier New" panose="02070309020205020404" pitchFamily="49" charset="0"/>
-                <a:cs typeface="Courier New" panose="02070309020205020404" pitchFamily="49" charset="0"/>
-              </a:rPr>
-              <a:t> by value in reverse\n");</a:t>
-            </a:r>
-          </a:p>
-          <a:p>
-            <a:r>
-              <a:rPr lang="en-US" sz="1400" b="1" dirty="0" err="1">
-                <a:latin typeface="Courier New" panose="02070309020205020404" pitchFamily="49" charset="0"/>
-                <a:cs typeface="Courier New" panose="02070309020205020404" pitchFamily="49" charset="0"/>
-              </a:rPr>
-              <a:t>print_r</a:t>
-            </a:r>
-            <a:r>
-              <a:rPr lang="en-US" sz="1400" b="1" dirty="0">
-                <a:latin typeface="Courier New" panose="02070309020205020404" pitchFamily="49" charset="0"/>
-                <a:cs typeface="Courier New" panose="02070309020205020404" pitchFamily="49" charset="0"/>
-              </a:rPr>
-              <a:t>($a);</a:t>
-            </a:r>
-          </a:p>
-          <a:p>
-            <a:endParaRPr lang="en-US" sz="1400" b="1" dirty="0">
-              <a:latin typeface="Courier New" panose="02070309020205020404" pitchFamily="49" charset="0"/>
-              <a:cs typeface="Courier New" panose="02070309020205020404" pitchFamily="49" charset="0"/>
-            </a:endParaRPr>
-          </a:p>
-          <a:p>
-            <a:r>
-              <a:rPr lang="en-US" sz="1400" b="1" dirty="0">
-                <a:latin typeface="Courier New" panose="02070309020205020404" pitchFamily="49" charset="0"/>
-                <a:cs typeface="Courier New" panose="02070309020205020404" pitchFamily="49" charset="0"/>
-              </a:rPr>
-              <a:t>$k = </a:t>
-            </a:r>
-            <a:r>
-              <a:rPr lang="en-US" sz="1400" b="1" dirty="0" err="1">
-                <a:latin typeface="Courier New" panose="02070309020205020404" pitchFamily="49" charset="0"/>
-                <a:cs typeface="Courier New" panose="02070309020205020404" pitchFamily="49" charset="0"/>
-              </a:rPr>
-              <a:t>array_key_first</a:t>
-            </a:r>
-            <a:r>
-              <a:rPr lang="en-US" sz="1400" b="1" dirty="0">
-                <a:latin typeface="Courier New" panose="02070309020205020404" pitchFamily="49" charset="0"/>
-                <a:cs typeface="Courier New" panose="02070309020205020404" pitchFamily="49" charset="0"/>
-              </a:rPr>
-              <a:t>($a);</a:t>
-            </a:r>
-          </a:p>
-          <a:p>
-            <a:r>
-              <a:rPr lang="en-US" sz="1400" b="1" dirty="0" err="1">
-                <a:latin typeface="Courier New" panose="02070309020205020404" pitchFamily="49" charset="0"/>
-                <a:cs typeface="Courier New" panose="02070309020205020404" pitchFamily="49" charset="0"/>
-              </a:rPr>
-              <a:t>printf</a:t>
-            </a:r>
-            <a:r>
-              <a:rPr lang="en-US" sz="1400" b="1" dirty="0">
-                <a:latin typeface="Courier New" panose="02070309020205020404" pitchFamily="49" charset="0"/>
-                <a:cs typeface="Courier New" panose="02070309020205020404" pitchFamily="49" charset="0"/>
-              </a:rPr>
-              <a:t>("Largest value %s=%d\n", $k, $a[$k]);</a:t>
             </a:r>
           </a:p>
         </p:txBody>
@@ -12540,8 +15257,8 @@
         </p:nvSpPr>
         <p:spPr>
           <a:xfrm>
-            <a:off x="7416616" y="144429"/>
-            <a:ext cx="2416046" cy="6555641"/>
+            <a:off x="9146555" y="868908"/>
+            <a:ext cx="2117887" cy="2893100"/>
           </a:xfrm>
           <a:prstGeom prst="rect">
             <a:avLst/>
@@ -12560,93 +15277,52 @@
           <a:lstStyle/>
           <a:p>
             <a:r>
-              <a:rPr lang="en-US" sz="1200" b="1" dirty="0">
-                <a:latin typeface="Courier New" panose="02070309020205020404" pitchFamily="49" charset="0"/>
-                <a:cs typeface="Courier New" panose="02070309020205020404" pitchFamily="49" charset="0"/>
-              </a:rPr>
-              <a:t>Testing </a:t>
-            </a:r>
-            <a:r>
-              <a:rPr lang="en-US" sz="1200" b="1" dirty="0" err="1">
-                <a:latin typeface="Courier New" panose="02070309020205020404" pitchFamily="49" charset="0"/>
-                <a:cs typeface="Courier New" panose="02070309020205020404" pitchFamily="49" charset="0"/>
-              </a:rPr>
-              <a:t>dict</a:t>
-            </a:r>
-            <a:r>
-              <a:rPr lang="en-US" sz="1200" b="1" dirty="0">
-                <a:latin typeface="Courier New" panose="02070309020205020404" pitchFamily="49" charset="0"/>
-                <a:cs typeface="Courier New" panose="02070309020205020404" pitchFamily="49" charset="0"/>
-              </a:rPr>
-              <a:t> class</a:t>
-            </a:r>
-          </a:p>
-          <a:p>
-            <a:r>
-              <a:rPr lang="en-US" sz="1200" b="1" dirty="0">
-                <a:latin typeface="Courier New" panose="02070309020205020404" pitchFamily="49" charset="0"/>
-                <a:cs typeface="Courier New" panose="02070309020205020404" pitchFamily="49" charset="0"/>
-              </a:rPr>
-              <a:t>Array</a:t>
-            </a:r>
-          </a:p>
-          <a:p>
-            <a:r>
-              <a:rPr lang="en-US" sz="1200" b="1" dirty="0">
-                <a:latin typeface="Courier New" panose="02070309020205020404" pitchFamily="49" charset="0"/>
-                <a:cs typeface="Courier New" panose="02070309020205020404" pitchFamily="49" charset="0"/>
-              </a:rPr>
-              <a:t>(</a:t>
-            </a:r>
-          </a:p>
-          <a:p>
-            <a:r>
-              <a:rPr lang="en-US" sz="1200" b="1" dirty="0">
-                <a:latin typeface="Courier New" panose="02070309020205020404" pitchFamily="49" charset="0"/>
-                <a:cs typeface="Courier New" panose="02070309020205020404" pitchFamily="49" charset="0"/>
-              </a:rPr>
-              <a:t>    [z] =&gt; 1</a:t>
-            </a:r>
-          </a:p>
-          <a:p>
-            <a:r>
-              <a:rPr lang="en-US" sz="1200" b="1" dirty="0">
-                <a:latin typeface="Courier New" panose="02070309020205020404" pitchFamily="49" charset="0"/>
-                <a:cs typeface="Courier New" panose="02070309020205020404" pitchFamily="49" charset="0"/>
-              </a:rPr>
-              <a:t>    [y] =&gt; 9</a:t>
-            </a:r>
-          </a:p>
-          <a:p>
-            <a:r>
-              <a:rPr lang="en-US" sz="1200" b="1" dirty="0">
-                <a:latin typeface="Courier New" panose="02070309020205020404" pitchFamily="49" charset="0"/>
-                <a:cs typeface="Courier New" panose="02070309020205020404" pitchFamily="49" charset="0"/>
-              </a:rPr>
-              <a:t>    [b] =&gt; 3</a:t>
-            </a:r>
-          </a:p>
-          <a:p>
-            <a:r>
-              <a:rPr lang="en-US" sz="1200" b="1" dirty="0">
-                <a:latin typeface="Courier New" panose="02070309020205020404" pitchFamily="49" charset="0"/>
-                <a:cs typeface="Courier New" panose="02070309020205020404" pitchFamily="49" charset="0"/>
-              </a:rPr>
-              <a:t>    [a] =&gt; 4</a:t>
-            </a:r>
-          </a:p>
-          <a:p>
-            <a:r>
-              <a:rPr lang="en-US" sz="1200" b="1" dirty="0">
-                <a:latin typeface="Courier New" panose="02070309020205020404" pitchFamily="49" charset="0"/>
-                <a:cs typeface="Courier New" panose="02070309020205020404" pitchFamily="49" charset="0"/>
-              </a:rPr>
-              <a:t>)</a:t>
-            </a:r>
-          </a:p>
-          <a:p>
-            <a:r>
-              <a:rPr lang="en-US" sz="1200" b="1" dirty="0">
+              <a:rPr lang="en-US" sz="1400" b="1" dirty="0">
+                <a:latin typeface="Courier New" panose="02070309020205020404" pitchFamily="49" charset="0"/>
+                <a:cs typeface="Courier New" panose="02070309020205020404" pitchFamily="49" charset="0"/>
+              </a:rPr>
+              <a:t>Testing map class</a:t>
+            </a:r>
+          </a:p>
+          <a:p>
+            <a:r>
+              <a:rPr lang="en-US" sz="1400" b="1" dirty="0">
+                <a:latin typeface="Courier New" panose="02070309020205020404" pitchFamily="49" charset="0"/>
+                <a:cs typeface="Courier New" panose="02070309020205020404" pitchFamily="49" charset="0"/>
+              </a:rPr>
+              <a:t>a 4</a:t>
+            </a:r>
+          </a:p>
+          <a:p>
+            <a:r>
+              <a:rPr lang="en-US" sz="1400" b="1" dirty="0">
+                <a:latin typeface="Courier New" panose="02070309020205020404" pitchFamily="49" charset="0"/>
+                <a:cs typeface="Courier New" panose="02070309020205020404" pitchFamily="49" charset="0"/>
+              </a:rPr>
+              <a:t>b 3</a:t>
+            </a:r>
+          </a:p>
+          <a:p>
+            <a:r>
+              <a:rPr lang="en-US" sz="1400" b="1" dirty="0">
+                <a:latin typeface="Courier New" panose="02070309020205020404" pitchFamily="49" charset="0"/>
+                <a:cs typeface="Courier New" panose="02070309020205020404" pitchFamily="49" charset="0"/>
+              </a:rPr>
+              <a:t>y 2</a:t>
+            </a:r>
+          </a:p>
+          <a:p>
+            <a:r>
+              <a:rPr lang="en-US" sz="1400" b="1" dirty="0">
+                <a:latin typeface="Courier New" panose="02070309020205020404" pitchFamily="49" charset="0"/>
+                <a:cs typeface="Courier New" panose="02070309020205020404" pitchFamily="49" charset="0"/>
+              </a:rPr>
+              <a:t>z 1</a:t>
+            </a:r>
+          </a:p>
+          <a:p>
+            <a:r>
+              <a:rPr lang="en-US" sz="1400" b="1" dirty="0">
                 <a:latin typeface="Courier New" panose="02070309020205020404" pitchFamily="49" charset="0"/>
                 <a:cs typeface="Courier New" panose="02070309020205020404" pitchFamily="49" charset="0"/>
               </a:rPr>
@@ -12655,7 +15331,7 @@
           </a:p>
           <a:p>
             <a:r>
-              <a:rPr lang="en-US" sz="1200" b="1" dirty="0">
+              <a:rPr lang="en-US" sz="1400" b="1" dirty="0">
                 <a:latin typeface="Courier New" panose="02070309020205020404" pitchFamily="49" charset="0"/>
                 <a:cs typeface="Courier New" panose="02070309020205020404" pitchFamily="49" charset="0"/>
               </a:rPr>
@@ -12663,219 +15339,54 @@
             </a:r>
           </a:p>
           <a:p>
-            <a:endParaRPr lang="en-US" sz="1200" b="1" dirty="0">
+            <a:endParaRPr lang="en-US" sz="1400" b="1" dirty="0">
               <a:latin typeface="Courier New" panose="02070309020205020404" pitchFamily="49" charset="0"/>
               <a:cs typeface="Courier New" panose="02070309020205020404" pitchFamily="49" charset="0"/>
             </a:endParaRPr>
           </a:p>
           <a:p>
             <a:r>
-              <a:rPr lang="en-US" sz="1200" b="1" dirty="0">
-                <a:latin typeface="Courier New" panose="02070309020205020404" pitchFamily="49" charset="0"/>
-                <a:cs typeface="Courier New" panose="02070309020205020404" pitchFamily="49" charset="0"/>
-              </a:rPr>
-              <a:t>Iterate</a:t>
-            </a:r>
-          </a:p>
-          <a:p>
-            <a:r>
-              <a:rPr lang="en-US" sz="1200" b="1" dirty="0">
-                <a:latin typeface="Courier New" panose="02070309020205020404" pitchFamily="49" charset="0"/>
-                <a:cs typeface="Courier New" panose="02070309020205020404" pitchFamily="49" charset="0"/>
-              </a:rPr>
-              <a:t> z=1</a:t>
-            </a:r>
-          </a:p>
-          <a:p>
-            <a:r>
-              <a:rPr lang="en-US" sz="1200" b="1" dirty="0">
-                <a:latin typeface="Courier New" panose="02070309020205020404" pitchFamily="49" charset="0"/>
-                <a:cs typeface="Courier New" panose="02070309020205020404" pitchFamily="49" charset="0"/>
-              </a:rPr>
-              <a:t> y=9</a:t>
-            </a:r>
-          </a:p>
-          <a:p>
-            <a:r>
-              <a:rPr lang="en-US" sz="1200" b="1" dirty="0">
-                <a:latin typeface="Courier New" panose="02070309020205020404" pitchFamily="49" charset="0"/>
-                <a:cs typeface="Courier New" panose="02070309020205020404" pitchFamily="49" charset="0"/>
-              </a:rPr>
-              <a:t> b=3</a:t>
-            </a:r>
-          </a:p>
-          <a:p>
-            <a:r>
-              <a:rPr lang="en-US" sz="1200" b="1" dirty="0">
-                <a:latin typeface="Courier New" panose="02070309020205020404" pitchFamily="49" charset="0"/>
-                <a:cs typeface="Courier New" panose="02070309020205020404" pitchFamily="49" charset="0"/>
-              </a:rPr>
-              <a:t> a=4</a:t>
-            </a:r>
-          </a:p>
-          <a:p>
-            <a:endParaRPr lang="en-US" sz="1200" b="1" dirty="0">
-              <a:latin typeface="Courier New" panose="02070309020205020404" pitchFamily="49" charset="0"/>
-              <a:cs typeface="Courier New" panose="02070309020205020404" pitchFamily="49" charset="0"/>
-            </a:endParaRPr>
-          </a:p>
-          <a:p>
-            <a:r>
-              <a:rPr lang="en-US" sz="1200" b="1" dirty="0">
-                <a:latin typeface="Courier New" panose="02070309020205020404" pitchFamily="49" charset="0"/>
-                <a:cs typeface="Courier New" panose="02070309020205020404" pitchFamily="49" charset="0"/>
-              </a:rPr>
-              <a:t>Sort by key</a:t>
-            </a:r>
-          </a:p>
-          <a:p>
-            <a:r>
-              <a:rPr lang="en-US" sz="1200" b="1" dirty="0">
-                <a:latin typeface="Courier New" panose="02070309020205020404" pitchFamily="49" charset="0"/>
-                <a:cs typeface="Courier New" panose="02070309020205020404" pitchFamily="49" charset="0"/>
-              </a:rPr>
-              <a:t>Array</a:t>
-            </a:r>
-          </a:p>
-          <a:p>
-            <a:r>
-              <a:rPr lang="en-US" sz="1200" b="1" dirty="0">
-                <a:latin typeface="Courier New" panose="02070309020205020404" pitchFamily="49" charset="0"/>
-                <a:cs typeface="Courier New" panose="02070309020205020404" pitchFamily="49" charset="0"/>
-              </a:rPr>
-              <a:t>(</a:t>
-            </a:r>
-          </a:p>
-          <a:p>
-            <a:r>
-              <a:rPr lang="en-US" sz="1200" b="1" dirty="0">
-                <a:latin typeface="Courier New" panose="02070309020205020404" pitchFamily="49" charset="0"/>
-                <a:cs typeface="Courier New" panose="02070309020205020404" pitchFamily="49" charset="0"/>
-              </a:rPr>
-              <a:t>    [a] =&gt; 4</a:t>
-            </a:r>
-          </a:p>
-          <a:p>
-            <a:r>
-              <a:rPr lang="en-US" sz="1200" b="1" dirty="0">
-                <a:latin typeface="Courier New" panose="02070309020205020404" pitchFamily="49" charset="0"/>
-                <a:cs typeface="Courier New" panose="02070309020205020404" pitchFamily="49" charset="0"/>
-              </a:rPr>
-              <a:t>    [b] =&gt; 3</a:t>
-            </a:r>
-          </a:p>
-          <a:p>
-            <a:r>
-              <a:rPr lang="en-US" sz="1200" b="1" dirty="0">
-                <a:latin typeface="Courier New" panose="02070309020205020404" pitchFamily="49" charset="0"/>
-                <a:cs typeface="Courier New" panose="02070309020205020404" pitchFamily="49" charset="0"/>
-              </a:rPr>
-              <a:t>    [y] =&gt; 9</a:t>
-            </a:r>
-          </a:p>
-          <a:p>
-            <a:r>
-              <a:rPr lang="en-US" sz="1200" b="1" dirty="0">
-                <a:latin typeface="Courier New" panose="02070309020205020404" pitchFamily="49" charset="0"/>
-                <a:cs typeface="Courier New" panose="02070309020205020404" pitchFamily="49" charset="0"/>
-              </a:rPr>
-              <a:t>    [z] =&gt; 1</a:t>
-            </a:r>
-          </a:p>
-          <a:p>
-            <a:r>
-              <a:rPr lang="en-US" sz="1200" b="1" dirty="0">
-                <a:latin typeface="Courier New" panose="02070309020205020404" pitchFamily="49" charset="0"/>
-                <a:cs typeface="Courier New" panose="02070309020205020404" pitchFamily="49" charset="0"/>
-              </a:rPr>
-              <a:t>)</a:t>
-            </a:r>
-          </a:p>
-          <a:p>
-            <a:endParaRPr lang="en-US" sz="1200" b="1" dirty="0">
-              <a:latin typeface="Courier New" panose="02070309020205020404" pitchFamily="49" charset="0"/>
-              <a:cs typeface="Courier New" panose="02070309020205020404" pitchFamily="49" charset="0"/>
-            </a:endParaRPr>
-          </a:p>
-          <a:p>
-            <a:r>
-              <a:rPr lang="en-US" sz="1200" b="1" dirty="0">
-                <a:latin typeface="Courier New" panose="02070309020205020404" pitchFamily="49" charset="0"/>
-                <a:cs typeface="Courier New" panose="02070309020205020404" pitchFamily="49" charset="0"/>
-              </a:rPr>
-              <a:t>Sort by value in reverse</a:t>
-            </a:r>
-          </a:p>
-          <a:p>
-            <a:r>
-              <a:rPr lang="en-US" sz="1200" b="1" dirty="0">
-                <a:latin typeface="Courier New" panose="02070309020205020404" pitchFamily="49" charset="0"/>
-                <a:cs typeface="Courier New" panose="02070309020205020404" pitchFamily="49" charset="0"/>
-              </a:rPr>
-              <a:t>Array</a:t>
-            </a:r>
-          </a:p>
-          <a:p>
-            <a:r>
-              <a:rPr lang="en-US" sz="1200" b="1" dirty="0">
-                <a:latin typeface="Courier New" panose="02070309020205020404" pitchFamily="49" charset="0"/>
-                <a:cs typeface="Courier New" panose="02070309020205020404" pitchFamily="49" charset="0"/>
-              </a:rPr>
-              <a:t>(</a:t>
-            </a:r>
-          </a:p>
-          <a:p>
-            <a:r>
-              <a:rPr lang="en-US" sz="1200" b="1" dirty="0">
-                <a:latin typeface="Courier New" panose="02070309020205020404" pitchFamily="49" charset="0"/>
-                <a:cs typeface="Courier New" panose="02070309020205020404" pitchFamily="49" charset="0"/>
-              </a:rPr>
-              <a:t>    [y] =&gt; 9</a:t>
-            </a:r>
-          </a:p>
-          <a:p>
-            <a:r>
-              <a:rPr lang="en-US" sz="1200" b="1" dirty="0">
-                <a:latin typeface="Courier New" panose="02070309020205020404" pitchFamily="49" charset="0"/>
-                <a:cs typeface="Courier New" panose="02070309020205020404" pitchFamily="49" charset="0"/>
-              </a:rPr>
-              <a:t>    [a] =&gt; 4</a:t>
-            </a:r>
-          </a:p>
-          <a:p>
-            <a:r>
-              <a:rPr lang="en-US" sz="1200" b="1" dirty="0">
-                <a:latin typeface="Courier New" panose="02070309020205020404" pitchFamily="49" charset="0"/>
-                <a:cs typeface="Courier New" panose="02070309020205020404" pitchFamily="49" charset="0"/>
-              </a:rPr>
-              <a:t>    [b] =&gt; 3</a:t>
-            </a:r>
-          </a:p>
-          <a:p>
-            <a:r>
-              <a:rPr lang="en-US" sz="1200" b="1" dirty="0">
-                <a:latin typeface="Courier New" panose="02070309020205020404" pitchFamily="49" charset="0"/>
-                <a:cs typeface="Courier New" panose="02070309020205020404" pitchFamily="49" charset="0"/>
-              </a:rPr>
-              <a:t>    [z] =&gt; 1</a:t>
-            </a:r>
-          </a:p>
-          <a:p>
-            <a:r>
-              <a:rPr lang="en-US" sz="1200" b="1" dirty="0">
-                <a:latin typeface="Courier New" panose="02070309020205020404" pitchFamily="49" charset="0"/>
-                <a:cs typeface="Courier New" panose="02070309020205020404" pitchFamily="49" charset="0"/>
-              </a:rPr>
-              <a:t>)</a:t>
-            </a:r>
-          </a:p>
-          <a:p>
-            <a:r>
-              <a:rPr lang="en-US" sz="1200" b="1" dirty="0">
-                <a:latin typeface="Courier New" panose="02070309020205020404" pitchFamily="49" charset="0"/>
-                <a:cs typeface="Courier New" panose="02070309020205020404" pitchFamily="49" charset="0"/>
-              </a:rPr>
-              <a:t>Largest value y=9</a:t>
+              <a:rPr lang="en-US" sz="1400" b="1" dirty="0">
+                <a:latin typeface="Courier New" panose="02070309020205020404" pitchFamily="49" charset="0"/>
+                <a:cs typeface="Courier New" panose="02070309020205020404" pitchFamily="49" charset="0"/>
+              </a:rPr>
+              <a:t>Iterate forwards</a:t>
+            </a:r>
+          </a:p>
+          <a:p>
+            <a:r>
+              <a:rPr lang="en-US" sz="1400" b="1" dirty="0">
+                <a:latin typeface="Courier New" panose="02070309020205020404" pitchFamily="49" charset="0"/>
+                <a:cs typeface="Courier New" panose="02070309020205020404" pitchFamily="49" charset="0"/>
+              </a:rPr>
+              <a:t>Key = a, Value = 4</a:t>
+            </a:r>
+          </a:p>
+          <a:p>
+            <a:r>
+              <a:rPr lang="en-US" sz="1400" b="1" dirty="0">
+                <a:latin typeface="Courier New" panose="02070309020205020404" pitchFamily="49" charset="0"/>
+                <a:cs typeface="Courier New" panose="02070309020205020404" pitchFamily="49" charset="0"/>
+              </a:rPr>
+              <a:t>Key = b, Value = 3</a:t>
+            </a:r>
+          </a:p>
+          <a:p>
+            <a:r>
+              <a:rPr lang="en-US" sz="1400" b="1" dirty="0">
+                <a:latin typeface="Courier New" panose="02070309020205020404" pitchFamily="49" charset="0"/>
+                <a:cs typeface="Courier New" panose="02070309020205020404" pitchFamily="49" charset="0"/>
+              </a:rPr>
+              <a:t>Key = y, Value = 2</a:t>
+            </a:r>
+          </a:p>
+          <a:p>
+            <a:r>
+              <a:rPr lang="en-US" sz="1400" b="1" dirty="0">
+                <a:latin typeface="Courier New" panose="02070309020205020404" pitchFamily="49" charset="0"/>
+                <a:cs typeface="Courier New" panose="02070309020205020404" pitchFamily="49" charset="0"/>
+              </a:rPr>
+              <a:t>Key = z, Value = 1</a:t>
             </a:r>
           </a:p>
         </p:txBody>
@@ -12915,7 +15426,7 @@
                 </a:solidFill>
                 <a:latin typeface="Menlo" panose="020B0609030804020204" pitchFamily="49" charset="0"/>
               </a:rPr>
-              <a:t>cc_05_01.php</a:t>
+              <a:t>cc_05_01.cpp</a:t>
             </a:r>
           </a:p>
         </p:txBody>
@@ -12923,7 +15434,7 @@
     </p:spTree>
     <p:extLst>
       <p:ext uri="{BB962C8B-B14F-4D97-AF65-F5344CB8AC3E}">
-        <p14:creationId xmlns:p14="http://schemas.microsoft.com/office/powerpoint/2010/main" val="703497678"/>
+        <p14:creationId xmlns:p14="http://schemas.microsoft.com/office/powerpoint/2010/main" val="685600595"/>
       </p:ext>
     </p:extLst>
   </p:cSld>
@@ -12933,7 +15444,7 @@
 </p:sld>
 </file>
 
-<file path=ppt/slides/slide7.xml><?xml version="1.0" encoding="utf-8"?>
+<file path=ppt/slides/slide9.xml><?xml version="1.0" encoding="utf-8"?>
 <p:sld xmlns:a="http://schemas.openxmlformats.org/drawingml/2006/main" xmlns:r="http://schemas.openxmlformats.org/officeDocument/2006/relationships" xmlns:p="http://schemas.openxmlformats.org/presentationml/2006/main">
   <p:cSld>
     <p:spTree>
@@ -13521,1439 +16032,6 @@
     <p:extLst>
       <p:ext uri="{BB962C8B-B14F-4D97-AF65-F5344CB8AC3E}">
         <p14:creationId xmlns:p14="http://schemas.microsoft.com/office/powerpoint/2010/main" val="4227642358"/>
-      </p:ext>
-    </p:extLst>
-  </p:cSld>
-  <p:clrMapOvr>
-    <a:masterClrMapping/>
-  </p:clrMapOvr>
-</p:sld>
-</file>
-
-<file path=ppt/slides/slide8.xml><?xml version="1.0" encoding="utf-8"?>
-<p:sld xmlns:a="http://schemas.openxmlformats.org/drawingml/2006/main" xmlns:r="http://schemas.openxmlformats.org/officeDocument/2006/relationships" xmlns:p="http://schemas.openxmlformats.org/presentationml/2006/main">
-  <p:cSld>
-    <p:spTree>
-      <p:nvGrpSpPr>
-        <p:cNvPr id="1" name=""/>
-        <p:cNvGrpSpPr/>
-        <p:nvPr/>
-      </p:nvGrpSpPr>
-      <p:grpSpPr>
-        <a:xfrm>
-          <a:off x="0" y="0"/>
-          <a:ext cx="0" cy="0"/>
-          <a:chOff x="0" y="0"/>
-          <a:chExt cx="0" cy="0"/>
-        </a:xfrm>
-      </p:grpSpPr>
-      <p:sp>
-        <p:nvSpPr>
-          <p:cNvPr id="4" name="TextBox 3">
-            <a:extLst>
-              <a:ext uri="{FF2B5EF4-FFF2-40B4-BE49-F238E27FC236}">
-                <a16:creationId xmlns:a16="http://schemas.microsoft.com/office/drawing/2014/main" id="{996E046E-ECF6-7340-52D5-5F19C9B73FEF}"/>
-              </a:ext>
-            </a:extLst>
-          </p:cNvPr>
-          <p:cNvSpPr txBox="1"/>
-          <p:nvPr/>
-        </p:nvSpPr>
-        <p:spPr>
-          <a:xfrm>
-            <a:off x="345528" y="450668"/>
-            <a:ext cx="7977857" cy="5478423"/>
-          </a:xfrm>
-          <a:prstGeom prst="rect">
-            <a:avLst/>
-          </a:prstGeom>
-          <a:noFill/>
-        </p:spPr>
-        <p:txBody>
-          <a:bodyPr wrap="square" rtlCol="0">
-            <a:spAutoFit/>
-          </a:bodyPr>
-          <a:lstStyle/>
-          <a:p>
-            <a:r>
-              <a:rPr lang="en-US" sz="1400" b="1" dirty="0">
-                <a:latin typeface="Courier New" panose="02070309020205020404" pitchFamily="49" charset="0"/>
-                <a:cs typeface="Courier New" panose="02070309020205020404" pitchFamily="49" charset="0"/>
-              </a:rPr>
-              <a:t>int main(void)</a:t>
-            </a:r>
-          </a:p>
-          <a:p>
-            <a:r>
-              <a:rPr lang="en-US" sz="1400" b="1" dirty="0">
-                <a:latin typeface="Courier New" panose="02070309020205020404" pitchFamily="49" charset="0"/>
-                <a:cs typeface="Courier New" panose="02070309020205020404" pitchFamily="49" charset="0"/>
-              </a:rPr>
-              <a:t>{</a:t>
-            </a:r>
-          </a:p>
-          <a:p>
-            <a:r>
-              <a:rPr lang="en-US" sz="1400" b="1" dirty="0">
-                <a:latin typeface="Courier New" panose="02070309020205020404" pitchFamily="49" charset="0"/>
-                <a:cs typeface="Courier New" panose="02070309020205020404" pitchFamily="49" charset="0"/>
-              </a:rPr>
-              <a:t>    struct Map * map = </a:t>
-            </a:r>
-            <a:r>
-              <a:rPr lang="en-US" sz="1400" b="1" dirty="0" err="1">
-                <a:latin typeface="Courier New" panose="02070309020205020404" pitchFamily="49" charset="0"/>
-                <a:cs typeface="Courier New" panose="02070309020205020404" pitchFamily="49" charset="0"/>
-              </a:rPr>
-              <a:t>Map_new</a:t>
-            </a:r>
-            <a:r>
-              <a:rPr lang="en-US" sz="1400" b="1" dirty="0">
-                <a:latin typeface="Courier New" panose="02070309020205020404" pitchFamily="49" charset="0"/>
-                <a:cs typeface="Courier New" panose="02070309020205020404" pitchFamily="49" charset="0"/>
-              </a:rPr>
-              <a:t>();</a:t>
-            </a:r>
-          </a:p>
-          <a:p>
-            <a:r>
-              <a:rPr lang="en-US" sz="1400" b="1" dirty="0">
-                <a:latin typeface="Courier New" panose="02070309020205020404" pitchFamily="49" charset="0"/>
-                <a:cs typeface="Courier New" panose="02070309020205020404" pitchFamily="49" charset="0"/>
-              </a:rPr>
-              <a:t>    struct </a:t>
-            </a:r>
-            <a:r>
-              <a:rPr lang="en-US" sz="1400" b="1" dirty="0" err="1">
-                <a:latin typeface="Courier New" panose="02070309020205020404" pitchFamily="49" charset="0"/>
-                <a:cs typeface="Courier New" panose="02070309020205020404" pitchFamily="49" charset="0"/>
-              </a:rPr>
-              <a:t>MapEntry</a:t>
-            </a:r>
-            <a:r>
-              <a:rPr lang="en-US" sz="1400" b="1" dirty="0">
-                <a:latin typeface="Courier New" panose="02070309020205020404" pitchFamily="49" charset="0"/>
-                <a:cs typeface="Courier New" panose="02070309020205020404" pitchFamily="49" charset="0"/>
-              </a:rPr>
-              <a:t> *cur;</a:t>
-            </a:r>
-          </a:p>
-          <a:p>
-            <a:r>
-              <a:rPr lang="en-US" sz="1400" b="1" dirty="0">
-                <a:latin typeface="Courier New" panose="02070309020205020404" pitchFamily="49" charset="0"/>
-                <a:cs typeface="Courier New" panose="02070309020205020404" pitchFamily="49" charset="0"/>
-              </a:rPr>
-              <a:t>    struct </a:t>
-            </a:r>
-            <a:r>
-              <a:rPr lang="en-US" sz="1400" b="1" dirty="0" err="1">
-                <a:latin typeface="Courier New" panose="02070309020205020404" pitchFamily="49" charset="0"/>
-                <a:cs typeface="Courier New" panose="02070309020205020404" pitchFamily="49" charset="0"/>
-              </a:rPr>
-              <a:t>MapIter</a:t>
-            </a:r>
-            <a:r>
-              <a:rPr lang="en-US" sz="1400" b="1" dirty="0">
-                <a:latin typeface="Courier New" panose="02070309020205020404" pitchFamily="49" charset="0"/>
-                <a:cs typeface="Courier New" panose="02070309020205020404" pitchFamily="49" charset="0"/>
-              </a:rPr>
-              <a:t> *</a:t>
-            </a:r>
-            <a:r>
-              <a:rPr lang="en-US" sz="1400" b="1" dirty="0" err="1">
-                <a:latin typeface="Courier New" panose="02070309020205020404" pitchFamily="49" charset="0"/>
-                <a:cs typeface="Courier New" panose="02070309020205020404" pitchFamily="49" charset="0"/>
-              </a:rPr>
-              <a:t>iter</a:t>
-            </a:r>
-            <a:r>
-              <a:rPr lang="en-US" sz="1400" b="1" dirty="0">
-                <a:latin typeface="Courier New" panose="02070309020205020404" pitchFamily="49" charset="0"/>
-                <a:cs typeface="Courier New" panose="02070309020205020404" pitchFamily="49" charset="0"/>
-              </a:rPr>
-              <a:t>;</a:t>
-            </a:r>
-          </a:p>
-          <a:p>
-            <a:endParaRPr lang="en-US" sz="1400" b="1" dirty="0">
-              <a:latin typeface="Courier New" panose="02070309020205020404" pitchFamily="49" charset="0"/>
-              <a:cs typeface="Courier New" panose="02070309020205020404" pitchFamily="49" charset="0"/>
-            </a:endParaRPr>
-          </a:p>
-          <a:p>
-            <a:r>
-              <a:rPr lang="en-US" sz="1400" b="1" dirty="0">
-                <a:latin typeface="Courier New" panose="02070309020205020404" pitchFamily="49" charset="0"/>
-                <a:cs typeface="Courier New" panose="02070309020205020404" pitchFamily="49" charset="0"/>
-              </a:rPr>
-              <a:t>    </a:t>
-            </a:r>
-            <a:r>
-              <a:rPr lang="en-US" sz="1400" b="1" dirty="0" err="1">
-                <a:latin typeface="Courier New" panose="02070309020205020404" pitchFamily="49" charset="0"/>
-                <a:cs typeface="Courier New" panose="02070309020205020404" pitchFamily="49" charset="0"/>
-              </a:rPr>
-              <a:t>printf</a:t>
-            </a:r>
-            <a:r>
-              <a:rPr lang="en-US" sz="1400" b="1" dirty="0">
-                <a:latin typeface="Courier New" panose="02070309020205020404" pitchFamily="49" charset="0"/>
-                <a:cs typeface="Courier New" panose="02070309020205020404" pitchFamily="49" charset="0"/>
-              </a:rPr>
-              <a:t>("Testing Map class\n");</a:t>
-            </a:r>
-          </a:p>
-          <a:p>
-            <a:r>
-              <a:rPr lang="en-US" sz="1400" b="1" dirty="0">
-                <a:latin typeface="Courier New" panose="02070309020205020404" pitchFamily="49" charset="0"/>
-                <a:cs typeface="Courier New" panose="02070309020205020404" pitchFamily="49" charset="0"/>
-              </a:rPr>
-              <a:t>    map-&gt;put(map, "z", 8);</a:t>
-            </a:r>
-          </a:p>
-          <a:p>
-            <a:r>
-              <a:rPr lang="en-US" sz="1400" b="1" dirty="0">
-                <a:latin typeface="Courier New" panose="02070309020205020404" pitchFamily="49" charset="0"/>
-                <a:cs typeface="Courier New" panose="02070309020205020404" pitchFamily="49" charset="0"/>
-              </a:rPr>
-              <a:t>    map-&gt;put(map, "z", 1);</a:t>
-            </a:r>
-          </a:p>
-          <a:p>
-            <a:r>
-              <a:rPr lang="en-US" sz="1400" b="1" dirty="0">
-                <a:latin typeface="Courier New" panose="02070309020205020404" pitchFamily="49" charset="0"/>
-                <a:cs typeface="Courier New" panose="02070309020205020404" pitchFamily="49" charset="0"/>
-              </a:rPr>
-              <a:t>    map-&gt;put(map, "y", 2);</a:t>
-            </a:r>
-          </a:p>
-          <a:p>
-            <a:r>
-              <a:rPr lang="en-US" sz="1400" b="1" dirty="0">
-                <a:latin typeface="Courier New" panose="02070309020205020404" pitchFamily="49" charset="0"/>
-                <a:cs typeface="Courier New" panose="02070309020205020404" pitchFamily="49" charset="0"/>
-              </a:rPr>
-              <a:t>    map-&gt;put(map, "b", 3);</a:t>
-            </a:r>
-          </a:p>
-          <a:p>
-            <a:r>
-              <a:rPr lang="en-US" sz="1400" b="1" dirty="0">
-                <a:latin typeface="Courier New" panose="02070309020205020404" pitchFamily="49" charset="0"/>
-                <a:cs typeface="Courier New" panose="02070309020205020404" pitchFamily="49" charset="0"/>
-              </a:rPr>
-              <a:t>    map-&gt;put(map, "a", 4);</a:t>
-            </a:r>
-          </a:p>
-          <a:p>
-            <a:r>
-              <a:rPr lang="en-US" sz="1400" b="1" dirty="0">
-                <a:latin typeface="Courier New" panose="02070309020205020404" pitchFamily="49" charset="0"/>
-                <a:cs typeface="Courier New" panose="02070309020205020404" pitchFamily="49" charset="0"/>
-              </a:rPr>
-              <a:t>    map-&gt;dump(map);</a:t>
-            </a:r>
-          </a:p>
-          <a:p>
-            <a:endParaRPr lang="en-US" sz="1400" b="1" dirty="0">
-              <a:latin typeface="Courier New" panose="02070309020205020404" pitchFamily="49" charset="0"/>
-              <a:cs typeface="Courier New" panose="02070309020205020404" pitchFamily="49" charset="0"/>
-            </a:endParaRPr>
-          </a:p>
-          <a:p>
-            <a:r>
-              <a:rPr lang="en-US" sz="1400" b="1" dirty="0">
-                <a:latin typeface="Courier New" panose="02070309020205020404" pitchFamily="49" charset="0"/>
-                <a:cs typeface="Courier New" panose="02070309020205020404" pitchFamily="49" charset="0"/>
-              </a:rPr>
-              <a:t>    </a:t>
-            </a:r>
-            <a:r>
-              <a:rPr lang="en-US" sz="1400" b="1" dirty="0" err="1">
-                <a:latin typeface="Courier New" panose="02070309020205020404" pitchFamily="49" charset="0"/>
-                <a:cs typeface="Courier New" panose="02070309020205020404" pitchFamily="49" charset="0"/>
-              </a:rPr>
-              <a:t>printf</a:t>
-            </a:r>
-            <a:r>
-              <a:rPr lang="en-US" sz="1400" b="1" dirty="0">
-                <a:latin typeface="Courier New" panose="02070309020205020404" pitchFamily="49" charset="0"/>
-                <a:cs typeface="Courier New" panose="02070309020205020404" pitchFamily="49" charset="0"/>
-              </a:rPr>
-              <a:t>("z=%d\n", map-&gt;get(map, "z", 42));</a:t>
-            </a:r>
-          </a:p>
-          <a:p>
-            <a:r>
-              <a:rPr lang="en-US" sz="1400" b="1" dirty="0">
-                <a:latin typeface="Courier New" panose="02070309020205020404" pitchFamily="49" charset="0"/>
-                <a:cs typeface="Courier New" panose="02070309020205020404" pitchFamily="49" charset="0"/>
-              </a:rPr>
-              <a:t>    </a:t>
-            </a:r>
-            <a:r>
-              <a:rPr lang="en-US" sz="1400" b="1" dirty="0" err="1">
-                <a:latin typeface="Courier New" panose="02070309020205020404" pitchFamily="49" charset="0"/>
-                <a:cs typeface="Courier New" panose="02070309020205020404" pitchFamily="49" charset="0"/>
-              </a:rPr>
-              <a:t>printf</a:t>
-            </a:r>
-            <a:r>
-              <a:rPr lang="en-US" sz="1400" b="1" dirty="0">
-                <a:latin typeface="Courier New" panose="02070309020205020404" pitchFamily="49" charset="0"/>
-                <a:cs typeface="Courier New" panose="02070309020205020404" pitchFamily="49" charset="0"/>
-              </a:rPr>
-              <a:t>("x=%d\n", map-&gt;get(map, "x", 42));</a:t>
-            </a:r>
-          </a:p>
-          <a:p>
-            <a:endParaRPr lang="en-US" sz="1400" b="1" dirty="0">
-              <a:latin typeface="Courier New" panose="02070309020205020404" pitchFamily="49" charset="0"/>
-              <a:cs typeface="Courier New" panose="02070309020205020404" pitchFamily="49" charset="0"/>
-            </a:endParaRPr>
-          </a:p>
-          <a:p>
-            <a:r>
-              <a:rPr lang="en-US" sz="1400" b="1" dirty="0">
-                <a:latin typeface="Courier New" panose="02070309020205020404" pitchFamily="49" charset="0"/>
-                <a:cs typeface="Courier New" panose="02070309020205020404" pitchFamily="49" charset="0"/>
-              </a:rPr>
-              <a:t>    </a:t>
-            </a:r>
-            <a:r>
-              <a:rPr lang="en-US" sz="1400" b="1" dirty="0" err="1">
-                <a:latin typeface="Courier New" panose="02070309020205020404" pitchFamily="49" charset="0"/>
-                <a:cs typeface="Courier New" panose="02070309020205020404" pitchFamily="49" charset="0"/>
-              </a:rPr>
-              <a:t>printf</a:t>
-            </a:r>
-            <a:r>
-              <a:rPr lang="en-US" sz="1400" b="1" dirty="0">
-                <a:latin typeface="Courier New" panose="02070309020205020404" pitchFamily="49" charset="0"/>
-                <a:cs typeface="Courier New" panose="02070309020205020404" pitchFamily="49" charset="0"/>
-              </a:rPr>
-              <a:t>("\</a:t>
-            </a:r>
-            <a:r>
-              <a:rPr lang="en-US" sz="1400" b="1" dirty="0" err="1">
-                <a:latin typeface="Courier New" panose="02070309020205020404" pitchFamily="49" charset="0"/>
-                <a:cs typeface="Courier New" panose="02070309020205020404" pitchFamily="49" charset="0"/>
-              </a:rPr>
-              <a:t>nIterate</a:t>
-            </a:r>
-            <a:r>
-              <a:rPr lang="en-US" sz="1400" b="1" dirty="0">
-                <a:latin typeface="Courier New" panose="02070309020205020404" pitchFamily="49" charset="0"/>
-                <a:cs typeface="Courier New" panose="02070309020205020404" pitchFamily="49" charset="0"/>
-              </a:rPr>
-              <a:t> forwards\n");</a:t>
-            </a:r>
-          </a:p>
-          <a:p>
-            <a:r>
-              <a:rPr lang="en-US" sz="1400" b="1" dirty="0">
-                <a:latin typeface="Courier New" panose="02070309020205020404" pitchFamily="49" charset="0"/>
-                <a:cs typeface="Courier New" panose="02070309020205020404" pitchFamily="49" charset="0"/>
-              </a:rPr>
-              <a:t>    </a:t>
-            </a:r>
-            <a:r>
-              <a:rPr lang="en-US" sz="1400" b="1" dirty="0" err="1">
-                <a:latin typeface="Courier New" panose="02070309020205020404" pitchFamily="49" charset="0"/>
-                <a:cs typeface="Courier New" panose="02070309020205020404" pitchFamily="49" charset="0"/>
-              </a:rPr>
-              <a:t>iter</a:t>
-            </a:r>
-            <a:r>
-              <a:rPr lang="en-US" sz="1400" b="1" dirty="0">
-                <a:latin typeface="Courier New" panose="02070309020205020404" pitchFamily="49" charset="0"/>
-                <a:cs typeface="Courier New" panose="02070309020205020404" pitchFamily="49" charset="0"/>
-              </a:rPr>
-              <a:t> = map-&gt;first(map);</a:t>
-            </a:r>
-          </a:p>
-          <a:p>
-            <a:r>
-              <a:rPr lang="en-US" sz="1400" b="1" dirty="0">
-                <a:latin typeface="Courier New" panose="02070309020205020404" pitchFamily="49" charset="0"/>
-                <a:cs typeface="Courier New" panose="02070309020205020404" pitchFamily="49" charset="0"/>
-              </a:rPr>
-              <a:t>    while((cur = </a:t>
-            </a:r>
-            <a:r>
-              <a:rPr lang="en-US" sz="1400" b="1" dirty="0" err="1">
-                <a:latin typeface="Courier New" panose="02070309020205020404" pitchFamily="49" charset="0"/>
-                <a:cs typeface="Courier New" panose="02070309020205020404" pitchFamily="49" charset="0"/>
-              </a:rPr>
-              <a:t>iter</a:t>
-            </a:r>
-            <a:r>
-              <a:rPr lang="en-US" sz="1400" b="1" dirty="0">
-                <a:latin typeface="Courier New" panose="02070309020205020404" pitchFamily="49" charset="0"/>
-                <a:cs typeface="Courier New" panose="02070309020205020404" pitchFamily="49" charset="0"/>
-              </a:rPr>
-              <a:t>-&gt;next(</a:t>
-            </a:r>
-            <a:r>
-              <a:rPr lang="en-US" sz="1400" b="1" dirty="0" err="1">
-                <a:latin typeface="Courier New" panose="02070309020205020404" pitchFamily="49" charset="0"/>
-                <a:cs typeface="Courier New" panose="02070309020205020404" pitchFamily="49" charset="0"/>
-              </a:rPr>
-              <a:t>iter</a:t>
-            </a:r>
-            <a:r>
-              <a:rPr lang="en-US" sz="1400" b="1" dirty="0">
-                <a:latin typeface="Courier New" panose="02070309020205020404" pitchFamily="49" charset="0"/>
-                <a:cs typeface="Courier New" panose="02070309020205020404" pitchFamily="49" charset="0"/>
-              </a:rPr>
-              <a:t>)) != NULL ) {</a:t>
-            </a:r>
-          </a:p>
-          <a:p>
-            <a:r>
-              <a:rPr lang="en-US" sz="1400" b="1" dirty="0">
-                <a:latin typeface="Courier New" panose="02070309020205020404" pitchFamily="49" charset="0"/>
-                <a:cs typeface="Courier New" panose="02070309020205020404" pitchFamily="49" charset="0"/>
-              </a:rPr>
-              <a:t>        </a:t>
-            </a:r>
-            <a:r>
-              <a:rPr lang="en-US" sz="1400" b="1" dirty="0" err="1">
-                <a:latin typeface="Courier New" panose="02070309020205020404" pitchFamily="49" charset="0"/>
-                <a:cs typeface="Courier New" panose="02070309020205020404" pitchFamily="49" charset="0"/>
-              </a:rPr>
-              <a:t>printf</a:t>
-            </a:r>
-            <a:r>
-              <a:rPr lang="en-US" sz="1400" b="1" dirty="0">
-                <a:latin typeface="Courier New" panose="02070309020205020404" pitchFamily="49" charset="0"/>
-                <a:cs typeface="Courier New" panose="02070309020205020404" pitchFamily="49" charset="0"/>
-              </a:rPr>
-              <a:t>(" %s=%d\n", cur-&gt;key, cur-&gt;value);</a:t>
-            </a:r>
-          </a:p>
-          <a:p>
-            <a:r>
-              <a:rPr lang="en-US" sz="1400" b="1" dirty="0">
-                <a:latin typeface="Courier New" panose="02070309020205020404" pitchFamily="49" charset="0"/>
-                <a:cs typeface="Courier New" panose="02070309020205020404" pitchFamily="49" charset="0"/>
-              </a:rPr>
-              <a:t>    }</a:t>
-            </a:r>
-          </a:p>
-          <a:p>
-            <a:r>
-              <a:rPr lang="en-US" sz="1400" b="1" dirty="0">
-                <a:latin typeface="Courier New" panose="02070309020205020404" pitchFamily="49" charset="0"/>
-                <a:cs typeface="Courier New" panose="02070309020205020404" pitchFamily="49" charset="0"/>
-              </a:rPr>
-              <a:t>    </a:t>
-            </a:r>
-            <a:r>
-              <a:rPr lang="en-US" sz="1400" b="1" dirty="0" err="1">
-                <a:latin typeface="Courier New" panose="02070309020205020404" pitchFamily="49" charset="0"/>
-                <a:cs typeface="Courier New" panose="02070309020205020404" pitchFamily="49" charset="0"/>
-              </a:rPr>
-              <a:t>iter</a:t>
-            </a:r>
-            <a:r>
-              <a:rPr lang="en-US" sz="1400" b="1" dirty="0">
-                <a:latin typeface="Courier New" panose="02070309020205020404" pitchFamily="49" charset="0"/>
-                <a:cs typeface="Courier New" panose="02070309020205020404" pitchFamily="49" charset="0"/>
-              </a:rPr>
-              <a:t>-&gt;del(</a:t>
-            </a:r>
-            <a:r>
-              <a:rPr lang="en-US" sz="1400" b="1" dirty="0" err="1">
-                <a:latin typeface="Courier New" panose="02070309020205020404" pitchFamily="49" charset="0"/>
-                <a:cs typeface="Courier New" panose="02070309020205020404" pitchFamily="49" charset="0"/>
-              </a:rPr>
-              <a:t>iter</a:t>
-            </a:r>
-            <a:r>
-              <a:rPr lang="en-US" sz="1400" b="1" dirty="0">
-                <a:latin typeface="Courier New" panose="02070309020205020404" pitchFamily="49" charset="0"/>
-                <a:cs typeface="Courier New" panose="02070309020205020404" pitchFamily="49" charset="0"/>
-              </a:rPr>
-              <a:t>);</a:t>
-            </a:r>
-          </a:p>
-          <a:p>
-            <a:endParaRPr lang="en-US" sz="1400" b="1" dirty="0">
-              <a:latin typeface="Courier New" panose="02070309020205020404" pitchFamily="49" charset="0"/>
-              <a:cs typeface="Courier New" panose="02070309020205020404" pitchFamily="49" charset="0"/>
-            </a:endParaRPr>
-          </a:p>
-          <a:p>
-            <a:r>
-              <a:rPr lang="en-US" sz="1400" b="1" dirty="0">
-                <a:latin typeface="Courier New" panose="02070309020205020404" pitchFamily="49" charset="0"/>
-                <a:cs typeface="Courier New" panose="02070309020205020404" pitchFamily="49" charset="0"/>
-              </a:rPr>
-              <a:t>...</a:t>
-            </a:r>
-          </a:p>
-        </p:txBody>
-      </p:sp>
-      <p:sp>
-        <p:nvSpPr>
-          <p:cNvPr id="2" name="TextBox 1">
-            <a:extLst>
-              <a:ext uri="{FF2B5EF4-FFF2-40B4-BE49-F238E27FC236}">
-                <a16:creationId xmlns:a16="http://schemas.microsoft.com/office/drawing/2014/main" id="{5F392106-F0A9-3311-2512-DAE6B700DF70}"/>
-              </a:ext>
-            </a:extLst>
-          </p:cNvPr>
-          <p:cNvSpPr txBox="1"/>
-          <p:nvPr/>
-        </p:nvSpPr>
-        <p:spPr>
-          <a:xfrm>
-            <a:off x="7503412" y="1851051"/>
-            <a:ext cx="3252814" cy="2677656"/>
-          </a:xfrm>
-          <a:prstGeom prst="rect">
-            <a:avLst/>
-          </a:prstGeom>
-          <a:noFill/>
-          <a:ln w="28575">
-            <a:solidFill>
-              <a:schemeClr val="accent1"/>
-            </a:solidFill>
-          </a:ln>
-        </p:spPr>
-        <p:txBody>
-          <a:bodyPr wrap="none" rtlCol="0">
-            <a:spAutoFit/>
-          </a:bodyPr>
-          <a:lstStyle/>
-          <a:p>
-            <a:r>
-              <a:rPr lang="en-US" sz="1200" b="1" dirty="0">
-                <a:latin typeface="Courier New" panose="02070309020205020404" pitchFamily="49" charset="0"/>
-                <a:cs typeface="Courier New" panose="02070309020205020404" pitchFamily="49" charset="0"/>
-              </a:rPr>
-              <a:t>Testing Map class</a:t>
-            </a:r>
-          </a:p>
-          <a:p>
-            <a:r>
-              <a:rPr lang="en-US" sz="1200" b="1" dirty="0">
-                <a:latin typeface="Courier New" panose="02070309020205020404" pitchFamily="49" charset="0"/>
-                <a:cs typeface="Courier New" panose="02070309020205020404" pitchFamily="49" charset="0"/>
-              </a:rPr>
-              <a:t>Object Map@0x600002a3c000 count=4</a:t>
-            </a:r>
-          </a:p>
-          <a:p>
-            <a:r>
-              <a:rPr lang="en-US" sz="1200" b="1" dirty="0">
-                <a:latin typeface="Courier New" panose="02070309020205020404" pitchFamily="49" charset="0"/>
-                <a:cs typeface="Courier New" panose="02070309020205020404" pitchFamily="49" charset="0"/>
-              </a:rPr>
-              <a:t>  z=1</a:t>
-            </a:r>
-          </a:p>
-          <a:p>
-            <a:r>
-              <a:rPr lang="en-US" sz="1200" b="1" dirty="0">
-                <a:latin typeface="Courier New" panose="02070309020205020404" pitchFamily="49" charset="0"/>
-                <a:cs typeface="Courier New" panose="02070309020205020404" pitchFamily="49" charset="0"/>
-              </a:rPr>
-              <a:t>  y=2</a:t>
-            </a:r>
-          </a:p>
-          <a:p>
-            <a:r>
-              <a:rPr lang="en-US" sz="1200" b="1" dirty="0">
-                <a:latin typeface="Courier New" panose="02070309020205020404" pitchFamily="49" charset="0"/>
-                <a:cs typeface="Courier New" panose="02070309020205020404" pitchFamily="49" charset="0"/>
-              </a:rPr>
-              <a:t>  b=3</a:t>
-            </a:r>
-          </a:p>
-          <a:p>
-            <a:r>
-              <a:rPr lang="en-US" sz="1200" b="1" dirty="0">
-                <a:latin typeface="Courier New" panose="02070309020205020404" pitchFamily="49" charset="0"/>
-                <a:cs typeface="Courier New" panose="02070309020205020404" pitchFamily="49" charset="0"/>
-              </a:rPr>
-              <a:t>  a=4</a:t>
-            </a:r>
-          </a:p>
-          <a:p>
-            <a:r>
-              <a:rPr lang="en-US" sz="1200" b="1" dirty="0">
-                <a:latin typeface="Courier New" panose="02070309020205020404" pitchFamily="49" charset="0"/>
-                <a:cs typeface="Courier New" panose="02070309020205020404" pitchFamily="49" charset="0"/>
-              </a:rPr>
-              <a:t>z=1</a:t>
-            </a:r>
-          </a:p>
-          <a:p>
-            <a:r>
-              <a:rPr lang="en-US" sz="1200" b="1" dirty="0">
-                <a:latin typeface="Courier New" panose="02070309020205020404" pitchFamily="49" charset="0"/>
-                <a:cs typeface="Courier New" panose="02070309020205020404" pitchFamily="49" charset="0"/>
-              </a:rPr>
-              <a:t>x=42</a:t>
-            </a:r>
-          </a:p>
-          <a:p>
-            <a:endParaRPr lang="en-US" sz="1200" b="1" dirty="0">
-              <a:latin typeface="Courier New" panose="02070309020205020404" pitchFamily="49" charset="0"/>
-              <a:cs typeface="Courier New" panose="02070309020205020404" pitchFamily="49" charset="0"/>
-            </a:endParaRPr>
-          </a:p>
-          <a:p>
-            <a:r>
-              <a:rPr lang="en-US" sz="1200" b="1" dirty="0">
-                <a:latin typeface="Courier New" panose="02070309020205020404" pitchFamily="49" charset="0"/>
-                <a:cs typeface="Courier New" panose="02070309020205020404" pitchFamily="49" charset="0"/>
-              </a:rPr>
-              <a:t>Iterate forwards</a:t>
-            </a:r>
-          </a:p>
-          <a:p>
-            <a:r>
-              <a:rPr lang="en-US" sz="1200" b="1" dirty="0">
-                <a:latin typeface="Courier New" panose="02070309020205020404" pitchFamily="49" charset="0"/>
-                <a:cs typeface="Courier New" panose="02070309020205020404" pitchFamily="49" charset="0"/>
-              </a:rPr>
-              <a:t> y=2</a:t>
-            </a:r>
-          </a:p>
-          <a:p>
-            <a:r>
-              <a:rPr lang="en-US" sz="1200" b="1" dirty="0">
-                <a:latin typeface="Courier New" panose="02070309020205020404" pitchFamily="49" charset="0"/>
-                <a:cs typeface="Courier New" panose="02070309020205020404" pitchFamily="49" charset="0"/>
-              </a:rPr>
-              <a:t> b=3</a:t>
-            </a:r>
-          </a:p>
-          <a:p>
-            <a:r>
-              <a:rPr lang="en-US" sz="1200" b="1" dirty="0">
-                <a:latin typeface="Courier New" panose="02070309020205020404" pitchFamily="49" charset="0"/>
-                <a:cs typeface="Courier New" panose="02070309020205020404" pitchFamily="49" charset="0"/>
-              </a:rPr>
-              <a:t> a=4</a:t>
-            </a:r>
-          </a:p>
-          <a:p>
-            <a:endParaRPr lang="en-US" sz="1200" b="1" dirty="0">
-              <a:latin typeface="Courier New" panose="02070309020205020404" pitchFamily="49" charset="0"/>
-              <a:cs typeface="Courier New" panose="02070309020205020404" pitchFamily="49" charset="0"/>
-            </a:endParaRPr>
-          </a:p>
-        </p:txBody>
-      </p:sp>
-      <p:sp>
-        <p:nvSpPr>
-          <p:cNvPr id="3" name="TextBox 2">
-            <a:extLst>
-              <a:ext uri="{FF2B5EF4-FFF2-40B4-BE49-F238E27FC236}">
-                <a16:creationId xmlns:a16="http://schemas.microsoft.com/office/drawing/2014/main" id="{60FB070C-6DEF-262C-0A30-0FE29F60430A}"/>
-              </a:ext>
-            </a:extLst>
-          </p:cNvPr>
-          <p:cNvSpPr txBox="1"/>
-          <p:nvPr/>
-        </p:nvSpPr>
-        <p:spPr>
-          <a:xfrm>
-            <a:off x="345528" y="6334780"/>
-            <a:ext cx="1665696" cy="523220"/>
-          </a:xfrm>
-          <a:prstGeom prst="rect">
-            <a:avLst/>
-          </a:prstGeom>
-          <a:noFill/>
-        </p:spPr>
-        <p:txBody>
-          <a:bodyPr wrap="square">
-            <a:spAutoFit/>
-          </a:bodyPr>
-          <a:lstStyle/>
-          <a:p>
-            <a:r>
-              <a:rPr lang="en-US" sz="1400" b="1" dirty="0">
-                <a:solidFill>
-                  <a:srgbClr val="000000"/>
-                </a:solidFill>
-                <a:latin typeface="Menlo" panose="020B0609030804020204" pitchFamily="49" charset="0"/>
-              </a:rPr>
-              <a:t>cc_05_01.c</a:t>
-            </a:r>
-          </a:p>
-          <a:p>
-            <a:endParaRPr lang="en-US" sz="1400" b="1" dirty="0">
-              <a:solidFill>
-                <a:srgbClr val="000000"/>
-              </a:solidFill>
-              <a:latin typeface="Menlo" panose="020B0609030804020204" pitchFamily="49" charset="0"/>
-            </a:endParaRPr>
-          </a:p>
-        </p:txBody>
-      </p:sp>
-    </p:spTree>
-    <p:extLst>
-      <p:ext uri="{BB962C8B-B14F-4D97-AF65-F5344CB8AC3E}">
-        <p14:creationId xmlns:p14="http://schemas.microsoft.com/office/powerpoint/2010/main" val="1960542558"/>
-      </p:ext>
-    </p:extLst>
-  </p:cSld>
-  <p:clrMapOvr>
-    <a:masterClrMapping/>
-  </p:clrMapOvr>
-</p:sld>
-</file>
-
-<file path=ppt/slides/slide9.xml><?xml version="1.0" encoding="utf-8"?>
-<p:sld xmlns:a="http://schemas.openxmlformats.org/drawingml/2006/main" xmlns:r="http://schemas.openxmlformats.org/officeDocument/2006/relationships" xmlns:p="http://schemas.openxmlformats.org/presentationml/2006/main">
-  <p:cSld>
-    <p:spTree>
-      <p:nvGrpSpPr>
-        <p:cNvPr id="1" name=""/>
-        <p:cNvGrpSpPr/>
-        <p:nvPr/>
-      </p:nvGrpSpPr>
-      <p:grpSpPr>
-        <a:xfrm>
-          <a:off x="0" y="0"/>
-          <a:ext cx="0" cy="0"/>
-          <a:chOff x="0" y="0"/>
-          <a:chExt cx="0" cy="0"/>
-        </a:xfrm>
-      </p:grpSpPr>
-      <p:sp>
-        <p:nvSpPr>
-          <p:cNvPr id="4" name="TextBox 3">
-            <a:extLst>
-              <a:ext uri="{FF2B5EF4-FFF2-40B4-BE49-F238E27FC236}">
-                <a16:creationId xmlns:a16="http://schemas.microsoft.com/office/drawing/2014/main" id="{996E046E-ECF6-7340-52D5-5F19C9B73FEF}"/>
-              </a:ext>
-            </a:extLst>
-          </p:cNvPr>
-          <p:cNvSpPr txBox="1"/>
-          <p:nvPr/>
-        </p:nvSpPr>
-        <p:spPr>
-          <a:xfrm>
-            <a:off x="345528" y="450668"/>
-            <a:ext cx="7273145" cy="5478423"/>
-          </a:xfrm>
-          <a:prstGeom prst="rect">
-            <a:avLst/>
-          </a:prstGeom>
-          <a:noFill/>
-        </p:spPr>
-        <p:txBody>
-          <a:bodyPr wrap="none" rtlCol="0">
-            <a:spAutoFit/>
-          </a:bodyPr>
-          <a:lstStyle/>
-          <a:p>
-            <a:r>
-              <a:rPr lang="en-US" sz="1400" b="1" dirty="0">
-                <a:latin typeface="Courier New" panose="02070309020205020404" pitchFamily="49" charset="0"/>
-                <a:cs typeface="Courier New" panose="02070309020205020404" pitchFamily="49" charset="0"/>
-              </a:rPr>
-              <a:t>…</a:t>
-            </a:r>
-          </a:p>
-          <a:p>
-            <a:r>
-              <a:rPr lang="en-US" sz="1400" b="1" dirty="0">
-                <a:latin typeface="Courier New" panose="02070309020205020404" pitchFamily="49" charset="0"/>
-                <a:cs typeface="Courier New" panose="02070309020205020404" pitchFamily="49" charset="0"/>
-              </a:rPr>
-              <a:t>    </a:t>
-            </a:r>
-            <a:r>
-              <a:rPr lang="en-US" sz="1400" b="1" dirty="0" err="1">
-                <a:latin typeface="Courier New" panose="02070309020205020404" pitchFamily="49" charset="0"/>
-                <a:cs typeface="Courier New" panose="02070309020205020404" pitchFamily="49" charset="0"/>
-              </a:rPr>
-              <a:t>printf</a:t>
-            </a:r>
-            <a:r>
-              <a:rPr lang="en-US" sz="1400" b="1" dirty="0">
-                <a:latin typeface="Courier New" panose="02070309020205020404" pitchFamily="49" charset="0"/>
-                <a:cs typeface="Courier New" panose="02070309020205020404" pitchFamily="49" charset="0"/>
-              </a:rPr>
-              <a:t>("\</a:t>
-            </a:r>
-            <a:r>
-              <a:rPr lang="en-US" sz="1400" b="1" dirty="0" err="1">
-                <a:latin typeface="Courier New" panose="02070309020205020404" pitchFamily="49" charset="0"/>
-                <a:cs typeface="Courier New" panose="02070309020205020404" pitchFamily="49" charset="0"/>
-              </a:rPr>
-              <a:t>nIterate</a:t>
-            </a:r>
-            <a:r>
-              <a:rPr lang="en-US" sz="1400" b="1" dirty="0">
-                <a:latin typeface="Courier New" panose="02070309020205020404" pitchFamily="49" charset="0"/>
-                <a:cs typeface="Courier New" panose="02070309020205020404" pitchFamily="49" charset="0"/>
-              </a:rPr>
-              <a:t> backwards\n");</a:t>
-            </a:r>
-          </a:p>
-          <a:p>
-            <a:r>
-              <a:rPr lang="en-US" sz="1400" b="1" dirty="0">
-                <a:latin typeface="Courier New" panose="02070309020205020404" pitchFamily="49" charset="0"/>
-                <a:cs typeface="Courier New" panose="02070309020205020404" pitchFamily="49" charset="0"/>
-              </a:rPr>
-              <a:t>    </a:t>
-            </a:r>
-            <a:r>
-              <a:rPr lang="en-US" sz="1400" b="1" dirty="0" err="1">
-                <a:latin typeface="Courier New" panose="02070309020205020404" pitchFamily="49" charset="0"/>
-                <a:cs typeface="Courier New" panose="02070309020205020404" pitchFamily="49" charset="0"/>
-              </a:rPr>
-              <a:t>iter</a:t>
-            </a:r>
-            <a:r>
-              <a:rPr lang="en-US" sz="1400" b="1" dirty="0">
-                <a:latin typeface="Courier New" panose="02070309020205020404" pitchFamily="49" charset="0"/>
-                <a:cs typeface="Courier New" panose="02070309020205020404" pitchFamily="49" charset="0"/>
-              </a:rPr>
-              <a:t> = map-&gt;last(map);</a:t>
-            </a:r>
-          </a:p>
-          <a:p>
-            <a:r>
-              <a:rPr lang="en-US" sz="1400" b="1" dirty="0">
-                <a:latin typeface="Courier New" panose="02070309020205020404" pitchFamily="49" charset="0"/>
-                <a:cs typeface="Courier New" panose="02070309020205020404" pitchFamily="49" charset="0"/>
-              </a:rPr>
-              <a:t>    while((cur = </a:t>
-            </a:r>
-            <a:r>
-              <a:rPr lang="en-US" sz="1400" b="1" dirty="0" err="1">
-                <a:latin typeface="Courier New" panose="02070309020205020404" pitchFamily="49" charset="0"/>
-                <a:cs typeface="Courier New" panose="02070309020205020404" pitchFamily="49" charset="0"/>
-              </a:rPr>
-              <a:t>iter</a:t>
-            </a:r>
-            <a:r>
-              <a:rPr lang="en-US" sz="1400" b="1" dirty="0">
-                <a:latin typeface="Courier New" panose="02070309020205020404" pitchFamily="49" charset="0"/>
-                <a:cs typeface="Courier New" panose="02070309020205020404" pitchFamily="49" charset="0"/>
-              </a:rPr>
-              <a:t>-&gt;next(</a:t>
-            </a:r>
-            <a:r>
-              <a:rPr lang="en-US" sz="1400" b="1" dirty="0" err="1">
-                <a:latin typeface="Courier New" panose="02070309020205020404" pitchFamily="49" charset="0"/>
-                <a:cs typeface="Courier New" panose="02070309020205020404" pitchFamily="49" charset="0"/>
-              </a:rPr>
-              <a:t>iter</a:t>
-            </a:r>
-            <a:r>
-              <a:rPr lang="en-US" sz="1400" b="1" dirty="0">
-                <a:latin typeface="Courier New" panose="02070309020205020404" pitchFamily="49" charset="0"/>
-                <a:cs typeface="Courier New" panose="02070309020205020404" pitchFamily="49" charset="0"/>
-              </a:rPr>
-              <a:t>)) != NULL ) {</a:t>
-            </a:r>
-          </a:p>
-          <a:p>
-            <a:r>
-              <a:rPr lang="en-US" sz="1400" b="1" dirty="0">
-                <a:latin typeface="Courier New" panose="02070309020205020404" pitchFamily="49" charset="0"/>
-                <a:cs typeface="Courier New" panose="02070309020205020404" pitchFamily="49" charset="0"/>
-              </a:rPr>
-              <a:t>        </a:t>
-            </a:r>
-            <a:r>
-              <a:rPr lang="en-US" sz="1400" b="1" dirty="0" err="1">
-                <a:latin typeface="Courier New" panose="02070309020205020404" pitchFamily="49" charset="0"/>
-                <a:cs typeface="Courier New" panose="02070309020205020404" pitchFamily="49" charset="0"/>
-              </a:rPr>
-              <a:t>printf</a:t>
-            </a:r>
-            <a:r>
-              <a:rPr lang="en-US" sz="1400" b="1" dirty="0">
-                <a:latin typeface="Courier New" panose="02070309020205020404" pitchFamily="49" charset="0"/>
-                <a:cs typeface="Courier New" panose="02070309020205020404" pitchFamily="49" charset="0"/>
-              </a:rPr>
-              <a:t>(" %s=%d\n", cur-&gt;key, cur-&gt;value);</a:t>
-            </a:r>
-          </a:p>
-          <a:p>
-            <a:r>
-              <a:rPr lang="en-US" sz="1400" b="1" dirty="0">
-                <a:latin typeface="Courier New" panose="02070309020205020404" pitchFamily="49" charset="0"/>
-                <a:cs typeface="Courier New" panose="02070309020205020404" pitchFamily="49" charset="0"/>
-              </a:rPr>
-              <a:t>    }</a:t>
-            </a:r>
-          </a:p>
-          <a:p>
-            <a:r>
-              <a:rPr lang="en-US" sz="1400" b="1" dirty="0">
-                <a:latin typeface="Courier New" panose="02070309020205020404" pitchFamily="49" charset="0"/>
-                <a:cs typeface="Courier New" panose="02070309020205020404" pitchFamily="49" charset="0"/>
-              </a:rPr>
-              <a:t>    </a:t>
-            </a:r>
-            <a:r>
-              <a:rPr lang="en-US" sz="1400" b="1" dirty="0" err="1">
-                <a:latin typeface="Courier New" panose="02070309020205020404" pitchFamily="49" charset="0"/>
-                <a:cs typeface="Courier New" panose="02070309020205020404" pitchFamily="49" charset="0"/>
-              </a:rPr>
-              <a:t>iter</a:t>
-            </a:r>
-            <a:r>
-              <a:rPr lang="en-US" sz="1400" b="1" dirty="0">
-                <a:latin typeface="Courier New" panose="02070309020205020404" pitchFamily="49" charset="0"/>
-                <a:cs typeface="Courier New" panose="02070309020205020404" pitchFamily="49" charset="0"/>
-              </a:rPr>
-              <a:t>-&gt;del(</a:t>
-            </a:r>
-            <a:r>
-              <a:rPr lang="en-US" sz="1400" b="1" dirty="0" err="1">
-                <a:latin typeface="Courier New" panose="02070309020205020404" pitchFamily="49" charset="0"/>
-                <a:cs typeface="Courier New" panose="02070309020205020404" pitchFamily="49" charset="0"/>
-              </a:rPr>
-              <a:t>iter</a:t>
-            </a:r>
-            <a:r>
-              <a:rPr lang="en-US" sz="1400" b="1" dirty="0">
-                <a:latin typeface="Courier New" panose="02070309020205020404" pitchFamily="49" charset="0"/>
-                <a:cs typeface="Courier New" panose="02070309020205020404" pitchFamily="49" charset="0"/>
-              </a:rPr>
-              <a:t>);</a:t>
-            </a:r>
-          </a:p>
-          <a:p>
-            <a:endParaRPr lang="en-US" sz="1400" b="1" dirty="0">
-              <a:latin typeface="Courier New" panose="02070309020205020404" pitchFamily="49" charset="0"/>
-              <a:cs typeface="Courier New" panose="02070309020205020404" pitchFamily="49" charset="0"/>
-            </a:endParaRPr>
-          </a:p>
-          <a:p>
-            <a:r>
-              <a:rPr lang="en-US" sz="1400" b="1" dirty="0">
-                <a:latin typeface="Courier New" panose="02070309020205020404" pitchFamily="49" charset="0"/>
-                <a:cs typeface="Courier New" panose="02070309020205020404" pitchFamily="49" charset="0"/>
-              </a:rPr>
-              <a:t>    map-&gt;</a:t>
-            </a:r>
-            <a:r>
-              <a:rPr lang="en-US" sz="1400" b="1" dirty="0" err="1">
-                <a:latin typeface="Courier New" panose="02070309020205020404" pitchFamily="49" charset="0"/>
-                <a:cs typeface="Courier New" panose="02070309020205020404" pitchFamily="49" charset="0"/>
-              </a:rPr>
-              <a:t>ksort</a:t>
-            </a:r>
-            <a:r>
-              <a:rPr lang="en-US" sz="1400" b="1" dirty="0">
-                <a:latin typeface="Courier New" panose="02070309020205020404" pitchFamily="49" charset="0"/>
-                <a:cs typeface="Courier New" panose="02070309020205020404" pitchFamily="49" charset="0"/>
-              </a:rPr>
-              <a:t>(map);</a:t>
-            </a:r>
-          </a:p>
-          <a:p>
-            <a:r>
-              <a:rPr lang="en-US" sz="1400" b="1" dirty="0">
-                <a:latin typeface="Courier New" panose="02070309020205020404" pitchFamily="49" charset="0"/>
-                <a:cs typeface="Courier New" panose="02070309020205020404" pitchFamily="49" charset="0"/>
-              </a:rPr>
-              <a:t>    </a:t>
-            </a:r>
-            <a:r>
-              <a:rPr lang="en-US" sz="1400" b="1" dirty="0" err="1">
-                <a:latin typeface="Courier New" panose="02070309020205020404" pitchFamily="49" charset="0"/>
-                <a:cs typeface="Courier New" panose="02070309020205020404" pitchFamily="49" charset="0"/>
-              </a:rPr>
-              <a:t>printf</a:t>
-            </a:r>
-            <a:r>
-              <a:rPr lang="en-US" sz="1400" b="1" dirty="0">
-                <a:latin typeface="Courier New" panose="02070309020205020404" pitchFamily="49" charset="0"/>
-                <a:cs typeface="Courier New" panose="02070309020205020404" pitchFamily="49" charset="0"/>
-              </a:rPr>
-              <a:t>("\</a:t>
-            </a:r>
-            <a:r>
-              <a:rPr lang="en-US" sz="1400" b="1" dirty="0" err="1">
-                <a:latin typeface="Courier New" panose="02070309020205020404" pitchFamily="49" charset="0"/>
-                <a:cs typeface="Courier New" panose="02070309020205020404" pitchFamily="49" charset="0"/>
-              </a:rPr>
-              <a:t>nSorted</a:t>
-            </a:r>
-            <a:r>
-              <a:rPr lang="en-US" sz="1400" b="1" dirty="0">
-                <a:latin typeface="Courier New" panose="02070309020205020404" pitchFamily="49" charset="0"/>
-                <a:cs typeface="Courier New" panose="02070309020205020404" pitchFamily="49" charset="0"/>
-              </a:rPr>
-              <a:t> by key\n");</a:t>
-            </a:r>
-          </a:p>
-          <a:p>
-            <a:r>
-              <a:rPr lang="en-US" sz="1400" b="1" dirty="0">
-                <a:latin typeface="Courier New" panose="02070309020205020404" pitchFamily="49" charset="0"/>
-                <a:cs typeface="Courier New" panose="02070309020205020404" pitchFamily="49" charset="0"/>
-              </a:rPr>
-              <a:t>    map-&gt;dump(map);</a:t>
-            </a:r>
-          </a:p>
-          <a:p>
-            <a:endParaRPr lang="en-US" sz="1400" b="1" dirty="0">
-              <a:latin typeface="Courier New" panose="02070309020205020404" pitchFamily="49" charset="0"/>
-              <a:cs typeface="Courier New" panose="02070309020205020404" pitchFamily="49" charset="0"/>
-            </a:endParaRPr>
-          </a:p>
-          <a:p>
-            <a:r>
-              <a:rPr lang="en-US" sz="1400" b="1" dirty="0">
-                <a:latin typeface="Courier New" panose="02070309020205020404" pitchFamily="49" charset="0"/>
-                <a:cs typeface="Courier New" panose="02070309020205020404" pitchFamily="49" charset="0"/>
-              </a:rPr>
-              <a:t>    </a:t>
-            </a:r>
-            <a:r>
-              <a:rPr lang="en-US" sz="1400" b="1" dirty="0" err="1">
-                <a:latin typeface="Courier New" panose="02070309020205020404" pitchFamily="49" charset="0"/>
-                <a:cs typeface="Courier New" panose="02070309020205020404" pitchFamily="49" charset="0"/>
-              </a:rPr>
-              <a:t>printf</a:t>
-            </a:r>
-            <a:r>
-              <a:rPr lang="en-US" sz="1400" b="1" dirty="0">
-                <a:latin typeface="Courier New" panose="02070309020205020404" pitchFamily="49" charset="0"/>
-                <a:cs typeface="Courier New" panose="02070309020205020404" pitchFamily="49" charset="0"/>
-              </a:rPr>
-              <a:t>("\</a:t>
-            </a:r>
-            <a:r>
-              <a:rPr lang="en-US" sz="1400" b="1" dirty="0" err="1">
-                <a:latin typeface="Courier New" panose="02070309020205020404" pitchFamily="49" charset="0"/>
-                <a:cs typeface="Courier New" panose="02070309020205020404" pitchFamily="49" charset="0"/>
-              </a:rPr>
-              <a:t>nSorted</a:t>
-            </a:r>
-            <a:r>
-              <a:rPr lang="en-US" sz="1400" b="1" dirty="0">
-                <a:latin typeface="Courier New" panose="02070309020205020404" pitchFamily="49" charset="0"/>
-                <a:cs typeface="Courier New" panose="02070309020205020404" pitchFamily="49" charset="0"/>
-              </a:rPr>
-              <a:t> by value\n");</a:t>
-            </a:r>
-          </a:p>
-          <a:p>
-            <a:r>
-              <a:rPr lang="en-US" sz="1400" b="1" dirty="0">
-                <a:latin typeface="Courier New" panose="02070309020205020404" pitchFamily="49" charset="0"/>
-                <a:cs typeface="Courier New" panose="02070309020205020404" pitchFamily="49" charset="0"/>
-              </a:rPr>
-              <a:t>    map-&gt;</a:t>
-            </a:r>
-            <a:r>
-              <a:rPr lang="en-US" sz="1400" b="1" dirty="0" err="1">
-                <a:latin typeface="Courier New" panose="02070309020205020404" pitchFamily="49" charset="0"/>
-                <a:cs typeface="Courier New" panose="02070309020205020404" pitchFamily="49" charset="0"/>
-              </a:rPr>
-              <a:t>asort</a:t>
-            </a:r>
-            <a:r>
-              <a:rPr lang="en-US" sz="1400" b="1" dirty="0">
-                <a:latin typeface="Courier New" panose="02070309020205020404" pitchFamily="49" charset="0"/>
-                <a:cs typeface="Courier New" panose="02070309020205020404" pitchFamily="49" charset="0"/>
-              </a:rPr>
-              <a:t>(map);</a:t>
-            </a:r>
-          </a:p>
-          <a:p>
-            <a:r>
-              <a:rPr lang="en-US" sz="1400" b="1" dirty="0">
-                <a:latin typeface="Courier New" panose="02070309020205020404" pitchFamily="49" charset="0"/>
-                <a:cs typeface="Courier New" panose="02070309020205020404" pitchFamily="49" charset="0"/>
-              </a:rPr>
-              <a:t>    map-&gt;dump(map);</a:t>
-            </a:r>
-          </a:p>
-          <a:p>
-            <a:endParaRPr lang="en-US" sz="1400" b="1" dirty="0">
-              <a:latin typeface="Courier New" panose="02070309020205020404" pitchFamily="49" charset="0"/>
-              <a:cs typeface="Courier New" panose="02070309020205020404" pitchFamily="49" charset="0"/>
-            </a:endParaRPr>
-          </a:p>
-          <a:p>
-            <a:r>
-              <a:rPr lang="en-US" sz="1400" b="1" dirty="0">
-                <a:latin typeface="Courier New" panose="02070309020205020404" pitchFamily="49" charset="0"/>
-                <a:cs typeface="Courier New" panose="02070309020205020404" pitchFamily="49" charset="0"/>
-              </a:rPr>
-              <a:t>    cur = map-&gt;index(map, 0);</a:t>
-            </a:r>
-          </a:p>
-          <a:p>
-            <a:r>
-              <a:rPr lang="en-US" sz="1400" b="1" dirty="0">
-                <a:latin typeface="Courier New" panose="02070309020205020404" pitchFamily="49" charset="0"/>
-                <a:cs typeface="Courier New" panose="02070309020205020404" pitchFamily="49" charset="0"/>
-              </a:rPr>
-              <a:t>    </a:t>
-            </a:r>
-            <a:r>
-              <a:rPr lang="en-US" sz="1400" b="1" dirty="0" err="1">
-                <a:latin typeface="Courier New" panose="02070309020205020404" pitchFamily="49" charset="0"/>
-                <a:cs typeface="Courier New" panose="02070309020205020404" pitchFamily="49" charset="0"/>
-              </a:rPr>
-              <a:t>printf</a:t>
-            </a:r>
-            <a:r>
-              <a:rPr lang="en-US" sz="1400" b="1" dirty="0">
-                <a:latin typeface="Courier New" panose="02070309020205020404" pitchFamily="49" charset="0"/>
-                <a:cs typeface="Courier New" panose="02070309020205020404" pitchFamily="49" charset="0"/>
-              </a:rPr>
-              <a:t>("The smallest value is %s=%d\n", cur-&gt;key, cur-&gt;value);</a:t>
-            </a:r>
-          </a:p>
-          <a:p>
-            <a:endParaRPr lang="en-US" sz="1400" b="1" dirty="0">
-              <a:latin typeface="Courier New" panose="02070309020205020404" pitchFamily="49" charset="0"/>
-              <a:cs typeface="Courier New" panose="02070309020205020404" pitchFamily="49" charset="0"/>
-            </a:endParaRPr>
-          </a:p>
-          <a:p>
-            <a:r>
-              <a:rPr lang="en-US" sz="1400" b="1" dirty="0">
-                <a:latin typeface="Courier New" panose="02070309020205020404" pitchFamily="49" charset="0"/>
-                <a:cs typeface="Courier New" panose="02070309020205020404" pitchFamily="49" charset="0"/>
-              </a:rPr>
-              <a:t>    int pos = map-&gt;size(map) - 1;</a:t>
-            </a:r>
-          </a:p>
-          <a:p>
-            <a:r>
-              <a:rPr lang="en-US" sz="1400" b="1" dirty="0">
-                <a:latin typeface="Courier New" panose="02070309020205020404" pitchFamily="49" charset="0"/>
-                <a:cs typeface="Courier New" panose="02070309020205020404" pitchFamily="49" charset="0"/>
-              </a:rPr>
-              <a:t>    cur = map-&gt;index(map, pos);</a:t>
-            </a:r>
-          </a:p>
-          <a:p>
-            <a:r>
-              <a:rPr lang="en-US" sz="1400" b="1" dirty="0">
-                <a:latin typeface="Courier New" panose="02070309020205020404" pitchFamily="49" charset="0"/>
-                <a:cs typeface="Courier New" panose="02070309020205020404" pitchFamily="49" charset="0"/>
-              </a:rPr>
-              <a:t>    </a:t>
-            </a:r>
-            <a:r>
-              <a:rPr lang="en-US" sz="1400" b="1" dirty="0" err="1">
-                <a:latin typeface="Courier New" panose="02070309020205020404" pitchFamily="49" charset="0"/>
-                <a:cs typeface="Courier New" panose="02070309020205020404" pitchFamily="49" charset="0"/>
-              </a:rPr>
-              <a:t>printf</a:t>
-            </a:r>
-            <a:r>
-              <a:rPr lang="en-US" sz="1400" b="1" dirty="0">
-                <a:latin typeface="Courier New" panose="02070309020205020404" pitchFamily="49" charset="0"/>
-                <a:cs typeface="Courier New" panose="02070309020205020404" pitchFamily="49" charset="0"/>
-              </a:rPr>
-              <a:t>("The largest value is %s=%d\n", cur-&gt;key, cur-&gt;value);</a:t>
-            </a:r>
-          </a:p>
-          <a:p>
-            <a:endParaRPr lang="en-US" sz="1400" b="1" dirty="0">
-              <a:latin typeface="Courier New" panose="02070309020205020404" pitchFamily="49" charset="0"/>
-              <a:cs typeface="Courier New" panose="02070309020205020404" pitchFamily="49" charset="0"/>
-            </a:endParaRPr>
-          </a:p>
-          <a:p>
-            <a:r>
-              <a:rPr lang="en-US" sz="1400" b="1" dirty="0">
-                <a:latin typeface="Courier New" panose="02070309020205020404" pitchFamily="49" charset="0"/>
-                <a:cs typeface="Courier New" panose="02070309020205020404" pitchFamily="49" charset="0"/>
-              </a:rPr>
-              <a:t>    map-&gt;del(map);</a:t>
-            </a:r>
-          </a:p>
-          <a:p>
-            <a:r>
-              <a:rPr lang="en-US" sz="1400" b="1" dirty="0">
-                <a:latin typeface="Courier New" panose="02070309020205020404" pitchFamily="49" charset="0"/>
-                <a:cs typeface="Courier New" panose="02070309020205020404" pitchFamily="49" charset="0"/>
-              </a:rPr>
-              <a:t>}</a:t>
-            </a:r>
-          </a:p>
-        </p:txBody>
-      </p:sp>
-      <p:sp>
-        <p:nvSpPr>
-          <p:cNvPr id="5" name="TextBox 4">
-            <a:extLst>
-              <a:ext uri="{FF2B5EF4-FFF2-40B4-BE49-F238E27FC236}">
-                <a16:creationId xmlns:a16="http://schemas.microsoft.com/office/drawing/2014/main" id="{0A1F66FC-D917-3925-AED2-B0917D657EE9}"/>
-              </a:ext>
-            </a:extLst>
-          </p:cNvPr>
-          <p:cNvSpPr txBox="1"/>
-          <p:nvPr/>
-        </p:nvSpPr>
-        <p:spPr>
-          <a:xfrm>
-            <a:off x="8265412" y="1536174"/>
-            <a:ext cx="3252814" cy="3785652"/>
-          </a:xfrm>
-          <a:prstGeom prst="rect">
-            <a:avLst/>
-          </a:prstGeom>
-          <a:noFill/>
-          <a:ln w="28575">
-            <a:solidFill>
-              <a:schemeClr val="accent1"/>
-            </a:solidFill>
-          </a:ln>
-        </p:spPr>
-        <p:txBody>
-          <a:bodyPr wrap="none" rtlCol="0">
-            <a:spAutoFit/>
-          </a:bodyPr>
-          <a:lstStyle/>
-          <a:p>
-            <a:r>
-              <a:rPr lang="en-US" sz="1200" b="1" dirty="0">
-                <a:latin typeface="Courier New" panose="02070309020205020404" pitchFamily="49" charset="0"/>
-                <a:cs typeface="Courier New" panose="02070309020205020404" pitchFamily="49" charset="0"/>
-              </a:rPr>
-              <a:t>Iterate backwards</a:t>
-            </a:r>
-          </a:p>
-          <a:p>
-            <a:r>
-              <a:rPr lang="en-US" sz="1200" b="1" dirty="0">
-                <a:latin typeface="Courier New" panose="02070309020205020404" pitchFamily="49" charset="0"/>
-                <a:cs typeface="Courier New" panose="02070309020205020404" pitchFamily="49" charset="0"/>
-              </a:rPr>
-              <a:t> b=3</a:t>
-            </a:r>
-          </a:p>
-          <a:p>
-            <a:r>
-              <a:rPr lang="en-US" sz="1200" b="1" dirty="0">
-                <a:latin typeface="Courier New" panose="02070309020205020404" pitchFamily="49" charset="0"/>
-                <a:cs typeface="Courier New" panose="02070309020205020404" pitchFamily="49" charset="0"/>
-              </a:rPr>
-              <a:t> y=2</a:t>
-            </a:r>
-          </a:p>
-          <a:p>
-            <a:r>
-              <a:rPr lang="en-US" sz="1200" b="1" dirty="0">
-                <a:latin typeface="Courier New" panose="02070309020205020404" pitchFamily="49" charset="0"/>
-                <a:cs typeface="Courier New" panose="02070309020205020404" pitchFamily="49" charset="0"/>
-              </a:rPr>
-              <a:t> z=1</a:t>
-            </a:r>
-          </a:p>
-          <a:p>
-            <a:endParaRPr lang="en-US" sz="1200" b="1" dirty="0">
-              <a:latin typeface="Courier New" panose="02070309020205020404" pitchFamily="49" charset="0"/>
-              <a:cs typeface="Courier New" panose="02070309020205020404" pitchFamily="49" charset="0"/>
-            </a:endParaRPr>
-          </a:p>
-          <a:p>
-            <a:r>
-              <a:rPr lang="en-US" sz="1200" b="1" dirty="0">
-                <a:latin typeface="Courier New" panose="02070309020205020404" pitchFamily="49" charset="0"/>
-                <a:cs typeface="Courier New" panose="02070309020205020404" pitchFamily="49" charset="0"/>
-              </a:rPr>
-              <a:t>Sorted by key</a:t>
-            </a:r>
-          </a:p>
-          <a:p>
-            <a:r>
-              <a:rPr lang="en-US" sz="1200" b="1" dirty="0">
-                <a:latin typeface="Courier New" panose="02070309020205020404" pitchFamily="49" charset="0"/>
-                <a:cs typeface="Courier New" panose="02070309020205020404" pitchFamily="49" charset="0"/>
-              </a:rPr>
-              <a:t>Object Map@0x600002a3c000 count=4</a:t>
-            </a:r>
-          </a:p>
-          <a:p>
-            <a:r>
-              <a:rPr lang="en-US" sz="1200" b="1" dirty="0">
-                <a:latin typeface="Courier New" panose="02070309020205020404" pitchFamily="49" charset="0"/>
-                <a:cs typeface="Courier New" panose="02070309020205020404" pitchFamily="49" charset="0"/>
-              </a:rPr>
-              <a:t>  a=4</a:t>
-            </a:r>
-          </a:p>
-          <a:p>
-            <a:r>
-              <a:rPr lang="en-US" sz="1200" b="1" dirty="0">
-                <a:latin typeface="Courier New" panose="02070309020205020404" pitchFamily="49" charset="0"/>
-                <a:cs typeface="Courier New" panose="02070309020205020404" pitchFamily="49" charset="0"/>
-              </a:rPr>
-              <a:t>  b=3</a:t>
-            </a:r>
-          </a:p>
-          <a:p>
-            <a:r>
-              <a:rPr lang="en-US" sz="1200" b="1" dirty="0">
-                <a:latin typeface="Courier New" panose="02070309020205020404" pitchFamily="49" charset="0"/>
-                <a:cs typeface="Courier New" panose="02070309020205020404" pitchFamily="49" charset="0"/>
-              </a:rPr>
-              <a:t>  y=2</a:t>
-            </a:r>
-          </a:p>
-          <a:p>
-            <a:r>
-              <a:rPr lang="en-US" sz="1200" b="1" dirty="0">
-                <a:latin typeface="Courier New" panose="02070309020205020404" pitchFamily="49" charset="0"/>
-                <a:cs typeface="Courier New" panose="02070309020205020404" pitchFamily="49" charset="0"/>
-              </a:rPr>
-              <a:t>  z=1</a:t>
-            </a:r>
-          </a:p>
-          <a:p>
-            <a:endParaRPr lang="en-US" sz="1200" b="1" dirty="0">
-              <a:latin typeface="Courier New" panose="02070309020205020404" pitchFamily="49" charset="0"/>
-              <a:cs typeface="Courier New" panose="02070309020205020404" pitchFamily="49" charset="0"/>
-            </a:endParaRPr>
-          </a:p>
-          <a:p>
-            <a:r>
-              <a:rPr lang="en-US" sz="1200" b="1" dirty="0">
-                <a:latin typeface="Courier New" panose="02070309020205020404" pitchFamily="49" charset="0"/>
-                <a:cs typeface="Courier New" panose="02070309020205020404" pitchFamily="49" charset="0"/>
-              </a:rPr>
-              <a:t>Sorted by value</a:t>
-            </a:r>
-          </a:p>
-          <a:p>
-            <a:r>
-              <a:rPr lang="en-US" sz="1200" b="1" dirty="0">
-                <a:latin typeface="Courier New" panose="02070309020205020404" pitchFamily="49" charset="0"/>
-                <a:cs typeface="Courier New" panose="02070309020205020404" pitchFamily="49" charset="0"/>
-              </a:rPr>
-              <a:t>Object Map@0x600002a3c000 count=4</a:t>
-            </a:r>
-          </a:p>
-          <a:p>
-            <a:r>
-              <a:rPr lang="en-US" sz="1200" b="1" dirty="0">
-                <a:latin typeface="Courier New" panose="02070309020205020404" pitchFamily="49" charset="0"/>
-                <a:cs typeface="Courier New" panose="02070309020205020404" pitchFamily="49" charset="0"/>
-              </a:rPr>
-              <a:t>  z=1</a:t>
-            </a:r>
-          </a:p>
-          <a:p>
-            <a:r>
-              <a:rPr lang="en-US" sz="1200" b="1" dirty="0">
-                <a:latin typeface="Courier New" panose="02070309020205020404" pitchFamily="49" charset="0"/>
-                <a:cs typeface="Courier New" panose="02070309020205020404" pitchFamily="49" charset="0"/>
-              </a:rPr>
-              <a:t>  y=2</a:t>
-            </a:r>
-          </a:p>
-          <a:p>
-            <a:r>
-              <a:rPr lang="en-US" sz="1200" b="1" dirty="0">
-                <a:latin typeface="Courier New" panose="02070309020205020404" pitchFamily="49" charset="0"/>
-                <a:cs typeface="Courier New" panose="02070309020205020404" pitchFamily="49" charset="0"/>
-              </a:rPr>
-              <a:t>  b=3</a:t>
-            </a:r>
-          </a:p>
-          <a:p>
-            <a:r>
-              <a:rPr lang="en-US" sz="1200" b="1" dirty="0">
-                <a:latin typeface="Courier New" panose="02070309020205020404" pitchFamily="49" charset="0"/>
-                <a:cs typeface="Courier New" panose="02070309020205020404" pitchFamily="49" charset="0"/>
-              </a:rPr>
-              <a:t>  a=4</a:t>
-            </a:r>
-          </a:p>
-          <a:p>
-            <a:r>
-              <a:rPr lang="en-US" sz="1200" b="1" dirty="0">
-                <a:latin typeface="Courier New" panose="02070309020205020404" pitchFamily="49" charset="0"/>
-                <a:cs typeface="Courier New" panose="02070309020205020404" pitchFamily="49" charset="0"/>
-              </a:rPr>
-              <a:t>The smallest value is z=1</a:t>
-            </a:r>
-          </a:p>
-          <a:p>
-            <a:r>
-              <a:rPr lang="en-US" sz="1200" b="1" dirty="0">
-                <a:latin typeface="Courier New" panose="02070309020205020404" pitchFamily="49" charset="0"/>
-                <a:cs typeface="Courier New" panose="02070309020205020404" pitchFamily="49" charset="0"/>
-              </a:rPr>
-              <a:t>The largest value is a=4</a:t>
-            </a:r>
-          </a:p>
-        </p:txBody>
-      </p:sp>
-      <p:sp>
-        <p:nvSpPr>
-          <p:cNvPr id="6" name="TextBox 5">
-            <a:extLst>
-              <a:ext uri="{FF2B5EF4-FFF2-40B4-BE49-F238E27FC236}">
-                <a16:creationId xmlns:a16="http://schemas.microsoft.com/office/drawing/2014/main" id="{6F370932-4D8E-9923-8009-A4771C8364AD}"/>
-              </a:ext>
-            </a:extLst>
-          </p:cNvPr>
-          <p:cNvSpPr txBox="1"/>
-          <p:nvPr/>
-        </p:nvSpPr>
-        <p:spPr>
-          <a:xfrm>
-            <a:off x="345528" y="6334780"/>
-            <a:ext cx="1665696" cy="523220"/>
-          </a:xfrm>
-          <a:prstGeom prst="rect">
-            <a:avLst/>
-          </a:prstGeom>
-          <a:noFill/>
-        </p:spPr>
-        <p:txBody>
-          <a:bodyPr wrap="square">
-            <a:spAutoFit/>
-          </a:bodyPr>
-          <a:lstStyle/>
-          <a:p>
-            <a:r>
-              <a:rPr lang="en-US" sz="1400" b="1" dirty="0">
-                <a:solidFill>
-                  <a:srgbClr val="000000"/>
-                </a:solidFill>
-                <a:latin typeface="Menlo" panose="020B0609030804020204" pitchFamily="49" charset="0"/>
-              </a:rPr>
-              <a:t>cc_05_01.c</a:t>
-            </a:r>
-          </a:p>
-          <a:p>
-            <a:endParaRPr lang="en-US" sz="1400" b="1" dirty="0">
-              <a:solidFill>
-                <a:srgbClr val="000000"/>
-              </a:solidFill>
-              <a:latin typeface="Menlo" panose="020B0609030804020204" pitchFamily="49" charset="0"/>
-            </a:endParaRPr>
-          </a:p>
-        </p:txBody>
-      </p:sp>
-    </p:spTree>
-    <p:extLst>
-      <p:ext uri="{BB962C8B-B14F-4D97-AF65-F5344CB8AC3E}">
-        <p14:creationId xmlns:p14="http://schemas.microsoft.com/office/powerpoint/2010/main" val="1860696273"/>
       </p:ext>
     </p:extLst>
   </p:cSld>

--- a/lectures/CC-04-Maps.pptx
+++ b/lectures/CC-04-Maps.pptx
@@ -9,10 +9,10 @@
     <p:sldId id="259" r:id="rId3"/>
     <p:sldId id="266" r:id="rId4"/>
     <p:sldId id="262" r:id="rId5"/>
-    <p:sldId id="260" r:id="rId6"/>
-    <p:sldId id="261" r:id="rId7"/>
-    <p:sldId id="286" r:id="rId8"/>
-    <p:sldId id="287" r:id="rId9"/>
+    <p:sldId id="286" r:id="rId6"/>
+    <p:sldId id="287" r:id="rId7"/>
+    <p:sldId id="260" r:id="rId8"/>
+    <p:sldId id="261" r:id="rId9"/>
     <p:sldId id="263" r:id="rId10"/>
     <p:sldId id="264" r:id="rId11"/>
     <p:sldId id="265" r:id="rId12"/>
@@ -4105,7 +4105,7 @@
                 </a:solidFill>
                 <a:latin typeface="Menlo" panose="020B0609030804020204" pitchFamily="49" charset="0"/>
               </a:rPr>
-              <a:t>cc_05_01.c</a:t>
+              <a:t>cc_04_01.c</a:t>
             </a:r>
           </a:p>
           <a:p>
@@ -4854,7 +4854,7 @@
                 </a:solidFill>
                 <a:latin typeface="Menlo" panose="020B0609030804020204" pitchFamily="49" charset="0"/>
               </a:rPr>
-              <a:t>cc_05_01.c</a:t>
+              <a:t>cc_04_01.c</a:t>
             </a:r>
           </a:p>
           <a:p>
@@ -4920,7 +4920,7 @@
           <a:p>
             <a:r>
               <a:rPr lang="en-US" dirty="0"/>
-              <a:t>Looking at Code</a:t>
+              <a:t>Lets build a Map in C</a:t>
             </a:r>
           </a:p>
         </p:txBody>
@@ -6682,7 +6682,7 @@
                 <a:latin typeface="Courier New" panose="02070309020205020404" pitchFamily="49" charset="0"/>
                 <a:cs typeface="Courier New" panose="02070309020205020404" pitchFamily="49" charset="0"/>
               </a:rPr>
-              <a:t>Void </a:t>
+              <a:t>void </a:t>
             </a:r>
             <a:r>
               <a:rPr lang="en-US" sz="1400" b="1" dirty="0" err="1">
@@ -11101,7 +11101,25 @@
                 </a:solidFill>
                 <a:latin typeface="Menlo" panose="020B0609030804020204" pitchFamily="49" charset="0"/>
               </a:rPr>
-              <a:t>cc_05_02.py</a:t>
+              <a:t>cc</a:t>
+            </a:r>
+            <a:r>
+              <a:rPr lang="en-US" sz="1400" b="1">
+                <a:solidFill>
+                  <a:srgbClr val="000000"/>
+                </a:solidFill>
+                <a:latin typeface="Menlo" panose="020B0609030804020204" pitchFamily="49" charset="0"/>
+              </a:rPr>
+              <a:t>_04_03.</a:t>
+            </a:r>
+            <a:r>
+              <a:rPr lang="en-US" sz="1400" b="1" dirty="0">
+                <a:solidFill>
+                  <a:srgbClr val="000000"/>
+                </a:solidFill>
+                <a:latin typeface="Menlo" panose="020B0609030804020204" pitchFamily="49" charset="0"/>
+              </a:rPr>
+              <a:t>py</a:t>
             </a:r>
           </a:p>
         </p:txBody>
@@ -12339,7 +12357,7 @@
                 </a:solidFill>
                 <a:latin typeface="Menlo" panose="020B0609030804020204" pitchFamily="49" charset="0"/>
               </a:rPr>
-              <a:t>cc_05_01.py</a:t>
+              <a:t>cc_04_01.py</a:t>
             </a:r>
           </a:p>
         </p:txBody>
@@ -13187,7 +13205,7 @@
                 </a:solidFill>
                 <a:latin typeface="Menlo" panose="020B0609030804020204" pitchFamily="49" charset="0"/>
               </a:rPr>
-              <a:t>cc_05_01.php</a:t>
+              <a:t>cc_04_01.php</a:t>
             </a:r>
           </a:p>
         </p:txBody>
@@ -13206,6 +13224,803 @@
 </file>
 
 <file path=ppt/slides/slide5.xml><?xml version="1.0" encoding="utf-8"?>
+<p:sld xmlns:a="http://schemas.openxmlformats.org/drawingml/2006/main" xmlns:r="http://schemas.openxmlformats.org/officeDocument/2006/relationships" xmlns:p="http://schemas.openxmlformats.org/presentationml/2006/main">
+  <p:cSld>
+    <p:spTree>
+      <p:nvGrpSpPr>
+        <p:cNvPr id="1" name=""/>
+        <p:cNvGrpSpPr/>
+        <p:nvPr/>
+      </p:nvGrpSpPr>
+      <p:grpSpPr>
+        <a:xfrm>
+          <a:off x="0" y="0"/>
+          <a:ext cx="0" cy="0"/>
+          <a:chOff x="0" y="0"/>
+          <a:chExt cx="0" cy="0"/>
+        </a:xfrm>
+      </p:grpSpPr>
+      <p:sp>
+        <p:nvSpPr>
+          <p:cNvPr id="2" name="Title 1">
+            <a:extLst>
+              <a:ext uri="{FF2B5EF4-FFF2-40B4-BE49-F238E27FC236}">
+                <a16:creationId xmlns:a16="http://schemas.microsoft.com/office/drawing/2014/main" id="{8479F607-1B8F-F245-F40F-DA746BF5AB60}"/>
+              </a:ext>
+            </a:extLst>
+          </p:cNvPr>
+          <p:cNvSpPr>
+            <a:spLocks noGrp="1"/>
+          </p:cNvSpPr>
+          <p:nvPr>
+            <p:ph type="title"/>
+          </p:nvPr>
+        </p:nvSpPr>
+        <p:spPr/>
+        <p:txBody>
+          <a:bodyPr/>
+          <a:lstStyle/>
+          <a:p>
+            <a:r>
+              <a:rPr lang="en-US" dirty="0"/>
+              <a:t>C++</a:t>
+            </a:r>
+          </a:p>
+        </p:txBody>
+      </p:sp>
+      <p:sp>
+        <p:nvSpPr>
+          <p:cNvPr id="5" name="TextBox 4">
+            <a:extLst>
+              <a:ext uri="{FF2B5EF4-FFF2-40B4-BE49-F238E27FC236}">
+                <a16:creationId xmlns:a16="http://schemas.microsoft.com/office/drawing/2014/main" id="{7430B9AD-25B0-E6C0-A9E0-E05FB58DAFF1}"/>
+              </a:ext>
+            </a:extLst>
+          </p:cNvPr>
+          <p:cNvSpPr txBox="1"/>
+          <p:nvPr/>
+        </p:nvSpPr>
+        <p:spPr>
+          <a:xfrm>
+            <a:off x="2905760" y="6311900"/>
+            <a:ext cx="6096000" cy="369332"/>
+          </a:xfrm>
+          <a:prstGeom prst="rect">
+            <a:avLst/>
+          </a:prstGeom>
+          <a:noFill/>
+        </p:spPr>
+        <p:txBody>
+          <a:bodyPr wrap="square">
+            <a:spAutoFit/>
+          </a:bodyPr>
+          <a:lstStyle/>
+          <a:p>
+            <a:r>
+              <a:rPr lang="en-US" dirty="0"/>
+              <a:t>https://</a:t>
+            </a:r>
+            <a:r>
+              <a:rPr lang="en-US" dirty="0" err="1"/>
+              <a:t>cplusplus.com</a:t>
+            </a:r>
+            <a:r>
+              <a:rPr lang="en-US" dirty="0"/>
+              <a:t>/reference/map/map/</a:t>
+            </a:r>
+          </a:p>
+        </p:txBody>
+      </p:sp>
+      <p:pic>
+        <p:nvPicPr>
+          <p:cNvPr id="8" name="Picture 7" descr="Graphical user interface, text, application, email&#10;&#10;Description automatically generated">
+            <a:extLst>
+              <a:ext uri="{FF2B5EF4-FFF2-40B4-BE49-F238E27FC236}">
+                <a16:creationId xmlns:a16="http://schemas.microsoft.com/office/drawing/2014/main" id="{D6DB56F8-B4C0-4EB5-9699-1EFCFAF51006}"/>
+              </a:ext>
+            </a:extLst>
+          </p:cNvPr>
+          <p:cNvPicPr>
+            <a:picLocks noChangeAspect="1"/>
+          </p:cNvPicPr>
+          <p:nvPr/>
+        </p:nvPicPr>
+        <p:blipFill>
+          <a:blip r:embed="rId2"/>
+          <a:stretch>
+            <a:fillRect/>
+          </a:stretch>
+        </p:blipFill>
+        <p:spPr>
+          <a:xfrm>
+            <a:off x="2424012" y="365125"/>
+            <a:ext cx="8929788" cy="5778098"/>
+          </a:xfrm>
+          <a:prstGeom prst="rect">
+            <a:avLst/>
+          </a:prstGeom>
+        </p:spPr>
+      </p:pic>
+    </p:spTree>
+    <p:extLst>
+      <p:ext uri="{BB962C8B-B14F-4D97-AF65-F5344CB8AC3E}">
+        <p14:creationId xmlns:p14="http://schemas.microsoft.com/office/powerpoint/2010/main" val="1806036628"/>
+      </p:ext>
+    </p:extLst>
+  </p:cSld>
+  <p:clrMapOvr>
+    <a:masterClrMapping/>
+  </p:clrMapOvr>
+</p:sld>
+</file>
+
+<file path=ppt/slides/slide6.xml><?xml version="1.0" encoding="utf-8"?>
+<p:sld xmlns:a="http://schemas.openxmlformats.org/drawingml/2006/main" xmlns:r="http://schemas.openxmlformats.org/officeDocument/2006/relationships" xmlns:p="http://schemas.openxmlformats.org/presentationml/2006/main">
+  <p:cSld>
+    <p:spTree>
+      <p:nvGrpSpPr>
+        <p:cNvPr id="1" name=""/>
+        <p:cNvGrpSpPr/>
+        <p:nvPr/>
+      </p:nvGrpSpPr>
+      <p:grpSpPr>
+        <a:xfrm>
+          <a:off x="0" y="0"/>
+          <a:ext cx="0" cy="0"/>
+          <a:chOff x="0" y="0"/>
+          <a:chExt cx="0" cy="0"/>
+        </a:xfrm>
+      </p:grpSpPr>
+      <p:sp>
+        <p:nvSpPr>
+          <p:cNvPr id="4" name="TextBox 3">
+            <a:extLst>
+              <a:ext uri="{FF2B5EF4-FFF2-40B4-BE49-F238E27FC236}">
+                <a16:creationId xmlns:a16="http://schemas.microsoft.com/office/drawing/2014/main" id="{996E046E-ECF6-7340-52D5-5F19C9B73FEF}"/>
+              </a:ext>
+            </a:extLst>
+          </p:cNvPr>
+          <p:cNvSpPr txBox="1"/>
+          <p:nvPr/>
+        </p:nvSpPr>
+        <p:spPr>
+          <a:xfrm>
+            <a:off x="579132" y="689788"/>
+            <a:ext cx="7590539" cy="5509200"/>
+          </a:xfrm>
+          <a:prstGeom prst="rect">
+            <a:avLst/>
+          </a:prstGeom>
+          <a:noFill/>
+        </p:spPr>
+        <p:txBody>
+          <a:bodyPr wrap="none" rtlCol="0">
+            <a:spAutoFit/>
+          </a:bodyPr>
+          <a:lstStyle/>
+          <a:p>
+            <a:r>
+              <a:rPr lang="en-US" sz="1600" b="1" dirty="0">
+                <a:latin typeface="Courier New" panose="02070309020205020404" pitchFamily="49" charset="0"/>
+                <a:cs typeface="Courier New" panose="02070309020205020404" pitchFamily="49" charset="0"/>
+              </a:rPr>
+              <a:t>#include &lt;iostream&gt;</a:t>
+            </a:r>
+          </a:p>
+          <a:p>
+            <a:r>
+              <a:rPr lang="en-US" sz="1600" b="1" dirty="0">
+                <a:latin typeface="Courier New" panose="02070309020205020404" pitchFamily="49" charset="0"/>
+                <a:cs typeface="Courier New" panose="02070309020205020404" pitchFamily="49" charset="0"/>
+              </a:rPr>
+              <a:t>#include &lt;map&gt;</a:t>
+            </a:r>
+          </a:p>
+          <a:p>
+            <a:r>
+              <a:rPr lang="en-US" sz="1600" b="1" dirty="0">
+                <a:latin typeface="Courier New" panose="02070309020205020404" pitchFamily="49" charset="0"/>
+                <a:cs typeface="Courier New" panose="02070309020205020404" pitchFamily="49" charset="0"/>
+              </a:rPr>
+              <a:t>using namespace std;</a:t>
+            </a:r>
+          </a:p>
+          <a:p>
+            <a:endParaRPr lang="en-US" sz="1600" b="1" dirty="0">
+              <a:latin typeface="Courier New" panose="02070309020205020404" pitchFamily="49" charset="0"/>
+              <a:cs typeface="Courier New" panose="02070309020205020404" pitchFamily="49" charset="0"/>
+            </a:endParaRPr>
+          </a:p>
+          <a:p>
+            <a:r>
+              <a:rPr lang="en-US" sz="1600" b="1" dirty="0">
+                <a:latin typeface="Courier New" panose="02070309020205020404" pitchFamily="49" charset="0"/>
+                <a:cs typeface="Courier New" panose="02070309020205020404" pitchFamily="49" charset="0"/>
+              </a:rPr>
+              <a:t>int main() {</a:t>
+            </a:r>
+          </a:p>
+          <a:p>
+            <a:r>
+              <a:rPr lang="en-US" sz="1600" b="1" dirty="0">
+                <a:latin typeface="Courier New" panose="02070309020205020404" pitchFamily="49" charset="0"/>
+                <a:cs typeface="Courier New" panose="02070309020205020404" pitchFamily="49" charset="0"/>
+              </a:rPr>
+              <a:t>    map&lt;string, int&gt; </a:t>
+            </a:r>
+            <a:r>
+              <a:rPr lang="en-US" sz="1600" b="1" dirty="0" err="1">
+                <a:latin typeface="Courier New" panose="02070309020205020404" pitchFamily="49" charset="0"/>
+                <a:cs typeface="Courier New" panose="02070309020205020404" pitchFamily="49" charset="0"/>
+              </a:rPr>
+              <a:t>mp</a:t>
+            </a:r>
+            <a:r>
+              <a:rPr lang="en-US" sz="1600" b="1" dirty="0">
+                <a:latin typeface="Courier New" panose="02070309020205020404" pitchFamily="49" charset="0"/>
+                <a:cs typeface="Courier New" panose="02070309020205020404" pitchFamily="49" charset="0"/>
+              </a:rPr>
+              <a:t>;</a:t>
+            </a:r>
+          </a:p>
+          <a:p>
+            <a:r>
+              <a:rPr lang="en-US" sz="1600" b="1" dirty="0">
+                <a:latin typeface="Courier New" panose="02070309020205020404" pitchFamily="49" charset="0"/>
+                <a:cs typeface="Courier New" panose="02070309020205020404" pitchFamily="49" charset="0"/>
+              </a:rPr>
+              <a:t>    </a:t>
+            </a:r>
+          </a:p>
+          <a:p>
+            <a:r>
+              <a:rPr lang="en-US" sz="1600" b="1" dirty="0">
+                <a:latin typeface="Courier New" panose="02070309020205020404" pitchFamily="49" charset="0"/>
+                <a:cs typeface="Courier New" panose="02070309020205020404" pitchFamily="49" charset="0"/>
+              </a:rPr>
+              <a:t>    </a:t>
+            </a:r>
+            <a:r>
+              <a:rPr lang="en-US" sz="1600" b="1" dirty="0" err="1">
+                <a:latin typeface="Courier New" panose="02070309020205020404" pitchFamily="49" charset="0"/>
+                <a:cs typeface="Courier New" panose="02070309020205020404" pitchFamily="49" charset="0"/>
+              </a:rPr>
+              <a:t>printf</a:t>
+            </a:r>
+            <a:r>
+              <a:rPr lang="en-US" sz="1600" b="1" dirty="0">
+                <a:latin typeface="Courier New" panose="02070309020205020404" pitchFamily="49" charset="0"/>
+                <a:cs typeface="Courier New" panose="02070309020205020404" pitchFamily="49" charset="0"/>
+              </a:rPr>
+              <a:t>("Testing map class\n");</a:t>
+            </a:r>
+          </a:p>
+          <a:p>
+            <a:r>
+              <a:rPr lang="en-US" sz="1600" b="1" dirty="0">
+                <a:latin typeface="Courier New" panose="02070309020205020404" pitchFamily="49" charset="0"/>
+                <a:cs typeface="Courier New" panose="02070309020205020404" pitchFamily="49" charset="0"/>
+              </a:rPr>
+              <a:t>    </a:t>
+            </a:r>
+            <a:r>
+              <a:rPr lang="en-US" sz="1600" b="1" dirty="0" err="1">
+                <a:latin typeface="Courier New" panose="02070309020205020404" pitchFamily="49" charset="0"/>
+                <a:cs typeface="Courier New" panose="02070309020205020404" pitchFamily="49" charset="0"/>
+              </a:rPr>
+              <a:t>mp</a:t>
+            </a:r>
+            <a:r>
+              <a:rPr lang="en-US" sz="1600" b="1" dirty="0">
+                <a:latin typeface="Courier New" panose="02070309020205020404" pitchFamily="49" charset="0"/>
+                <a:cs typeface="Courier New" panose="02070309020205020404" pitchFamily="49" charset="0"/>
+              </a:rPr>
+              <a:t>["z"] = 8;</a:t>
+            </a:r>
+          </a:p>
+          <a:p>
+            <a:r>
+              <a:rPr lang="en-US" sz="1600" b="1" dirty="0">
+                <a:latin typeface="Courier New" panose="02070309020205020404" pitchFamily="49" charset="0"/>
+                <a:cs typeface="Courier New" panose="02070309020205020404" pitchFamily="49" charset="0"/>
+              </a:rPr>
+              <a:t>    </a:t>
+            </a:r>
+            <a:r>
+              <a:rPr lang="en-US" sz="1600" b="1" dirty="0" err="1">
+                <a:latin typeface="Courier New" panose="02070309020205020404" pitchFamily="49" charset="0"/>
+                <a:cs typeface="Courier New" panose="02070309020205020404" pitchFamily="49" charset="0"/>
+              </a:rPr>
+              <a:t>mp</a:t>
+            </a:r>
+            <a:r>
+              <a:rPr lang="en-US" sz="1600" b="1" dirty="0">
+                <a:latin typeface="Courier New" panose="02070309020205020404" pitchFamily="49" charset="0"/>
+                <a:cs typeface="Courier New" panose="02070309020205020404" pitchFamily="49" charset="0"/>
+              </a:rPr>
+              <a:t>["z"] = 1;</a:t>
+            </a:r>
+          </a:p>
+          <a:p>
+            <a:r>
+              <a:rPr lang="en-US" sz="1600" b="1" dirty="0">
+                <a:latin typeface="Courier New" panose="02070309020205020404" pitchFamily="49" charset="0"/>
+                <a:cs typeface="Courier New" panose="02070309020205020404" pitchFamily="49" charset="0"/>
+              </a:rPr>
+              <a:t>    </a:t>
+            </a:r>
+            <a:r>
+              <a:rPr lang="en-US" sz="1600" b="1" dirty="0" err="1">
+                <a:latin typeface="Courier New" panose="02070309020205020404" pitchFamily="49" charset="0"/>
+                <a:cs typeface="Courier New" panose="02070309020205020404" pitchFamily="49" charset="0"/>
+              </a:rPr>
+              <a:t>mp</a:t>
+            </a:r>
+            <a:r>
+              <a:rPr lang="en-US" sz="1600" b="1" dirty="0">
+                <a:latin typeface="Courier New" panose="02070309020205020404" pitchFamily="49" charset="0"/>
+                <a:cs typeface="Courier New" panose="02070309020205020404" pitchFamily="49" charset="0"/>
+              </a:rPr>
+              <a:t>["y"] = 2;</a:t>
+            </a:r>
+          </a:p>
+          <a:p>
+            <a:r>
+              <a:rPr lang="en-US" sz="1600" b="1" dirty="0">
+                <a:latin typeface="Courier New" panose="02070309020205020404" pitchFamily="49" charset="0"/>
+                <a:cs typeface="Courier New" panose="02070309020205020404" pitchFamily="49" charset="0"/>
+              </a:rPr>
+              <a:t>    </a:t>
+            </a:r>
+            <a:r>
+              <a:rPr lang="en-US" sz="1600" b="1" dirty="0" err="1">
+                <a:latin typeface="Courier New" panose="02070309020205020404" pitchFamily="49" charset="0"/>
+                <a:cs typeface="Courier New" panose="02070309020205020404" pitchFamily="49" charset="0"/>
+              </a:rPr>
+              <a:t>mp</a:t>
+            </a:r>
+            <a:r>
+              <a:rPr lang="en-US" sz="1600" b="1" dirty="0">
+                <a:latin typeface="Courier New" panose="02070309020205020404" pitchFamily="49" charset="0"/>
+                <a:cs typeface="Courier New" panose="02070309020205020404" pitchFamily="49" charset="0"/>
+              </a:rPr>
+              <a:t>["b"] = 3;</a:t>
+            </a:r>
+          </a:p>
+          <a:p>
+            <a:r>
+              <a:rPr lang="en-US" sz="1600" b="1" dirty="0">
+                <a:latin typeface="Courier New" panose="02070309020205020404" pitchFamily="49" charset="0"/>
+                <a:cs typeface="Courier New" panose="02070309020205020404" pitchFamily="49" charset="0"/>
+              </a:rPr>
+              <a:t>    </a:t>
+            </a:r>
+            <a:r>
+              <a:rPr lang="en-US" sz="1600" b="1" dirty="0" err="1">
+                <a:latin typeface="Courier New" panose="02070309020205020404" pitchFamily="49" charset="0"/>
+                <a:cs typeface="Courier New" panose="02070309020205020404" pitchFamily="49" charset="0"/>
+              </a:rPr>
+              <a:t>mp</a:t>
+            </a:r>
+            <a:r>
+              <a:rPr lang="en-US" sz="1600" b="1" dirty="0">
+                <a:latin typeface="Courier New" panose="02070309020205020404" pitchFamily="49" charset="0"/>
+                <a:cs typeface="Courier New" panose="02070309020205020404" pitchFamily="49" charset="0"/>
+              </a:rPr>
+              <a:t>["a"] = 4;</a:t>
+            </a:r>
+          </a:p>
+          <a:p>
+            <a:endParaRPr lang="en-US" sz="1600" b="1" dirty="0">
+              <a:latin typeface="Courier New" panose="02070309020205020404" pitchFamily="49" charset="0"/>
+              <a:cs typeface="Courier New" panose="02070309020205020404" pitchFamily="49" charset="0"/>
+            </a:endParaRPr>
+          </a:p>
+          <a:p>
+            <a:r>
+              <a:rPr lang="en-US" sz="1600" b="1" dirty="0">
+                <a:latin typeface="Courier New" panose="02070309020205020404" pitchFamily="49" charset="0"/>
+                <a:cs typeface="Courier New" panose="02070309020205020404" pitchFamily="49" charset="0"/>
+              </a:rPr>
+              <a:t>    </a:t>
+            </a:r>
+            <a:r>
+              <a:rPr lang="en-US" sz="1600" b="1" dirty="0" err="1">
+                <a:latin typeface="Courier New" panose="02070309020205020404" pitchFamily="49" charset="0"/>
+                <a:cs typeface="Courier New" panose="02070309020205020404" pitchFamily="49" charset="0"/>
+              </a:rPr>
+              <a:t>printf</a:t>
+            </a:r>
+            <a:r>
+              <a:rPr lang="en-US" sz="1600" b="1" dirty="0">
+                <a:latin typeface="Courier New" panose="02070309020205020404" pitchFamily="49" charset="0"/>
+                <a:cs typeface="Courier New" panose="02070309020205020404" pitchFamily="49" charset="0"/>
+              </a:rPr>
+              <a:t>("z=%d\n", (</a:t>
+            </a:r>
+            <a:r>
+              <a:rPr lang="en-US" sz="1600" b="1" dirty="0" err="1">
+                <a:latin typeface="Courier New" panose="02070309020205020404" pitchFamily="49" charset="0"/>
+                <a:cs typeface="Courier New" panose="02070309020205020404" pitchFamily="49" charset="0"/>
+              </a:rPr>
+              <a:t>mp.count</a:t>
+            </a:r>
+            <a:r>
+              <a:rPr lang="en-US" sz="1600" b="1" dirty="0">
+                <a:latin typeface="Courier New" panose="02070309020205020404" pitchFamily="49" charset="0"/>
+                <a:cs typeface="Courier New" panose="02070309020205020404" pitchFamily="49" charset="0"/>
+              </a:rPr>
+              <a:t>("z") ? </a:t>
+            </a:r>
+            <a:r>
+              <a:rPr lang="en-US" sz="1600" b="1" dirty="0" err="1">
+                <a:latin typeface="Courier New" panose="02070309020205020404" pitchFamily="49" charset="0"/>
+                <a:cs typeface="Courier New" panose="02070309020205020404" pitchFamily="49" charset="0"/>
+              </a:rPr>
+              <a:t>mp</a:t>
+            </a:r>
+            <a:r>
+              <a:rPr lang="en-US" sz="1600" b="1" dirty="0">
+                <a:latin typeface="Courier New" panose="02070309020205020404" pitchFamily="49" charset="0"/>
+                <a:cs typeface="Courier New" panose="02070309020205020404" pitchFamily="49" charset="0"/>
+              </a:rPr>
+              <a:t>["z"] : 42));</a:t>
+            </a:r>
+          </a:p>
+          <a:p>
+            <a:r>
+              <a:rPr lang="en-US" sz="1600" b="1" dirty="0">
+                <a:latin typeface="Courier New" panose="02070309020205020404" pitchFamily="49" charset="0"/>
+                <a:cs typeface="Courier New" panose="02070309020205020404" pitchFamily="49" charset="0"/>
+              </a:rPr>
+              <a:t>    </a:t>
+            </a:r>
+            <a:r>
+              <a:rPr lang="en-US" sz="1600" b="1" dirty="0" err="1">
+                <a:latin typeface="Courier New" panose="02070309020205020404" pitchFamily="49" charset="0"/>
+                <a:cs typeface="Courier New" panose="02070309020205020404" pitchFamily="49" charset="0"/>
+              </a:rPr>
+              <a:t>printf</a:t>
+            </a:r>
+            <a:r>
+              <a:rPr lang="en-US" sz="1600" b="1" dirty="0">
+                <a:latin typeface="Courier New" panose="02070309020205020404" pitchFamily="49" charset="0"/>
+                <a:cs typeface="Courier New" panose="02070309020205020404" pitchFamily="49" charset="0"/>
+              </a:rPr>
+              <a:t>("x=%d\n", (</a:t>
+            </a:r>
+            <a:r>
+              <a:rPr lang="en-US" sz="1600" b="1" dirty="0" err="1">
+                <a:latin typeface="Courier New" panose="02070309020205020404" pitchFamily="49" charset="0"/>
+                <a:cs typeface="Courier New" panose="02070309020205020404" pitchFamily="49" charset="0"/>
+              </a:rPr>
+              <a:t>mp.count</a:t>
+            </a:r>
+            <a:r>
+              <a:rPr lang="en-US" sz="1600" b="1" dirty="0">
+                <a:latin typeface="Courier New" panose="02070309020205020404" pitchFamily="49" charset="0"/>
+                <a:cs typeface="Courier New" panose="02070309020205020404" pitchFamily="49" charset="0"/>
+              </a:rPr>
+              <a:t>("x") ? </a:t>
+            </a:r>
+            <a:r>
+              <a:rPr lang="en-US" sz="1600" b="1" dirty="0" err="1">
+                <a:latin typeface="Courier New" panose="02070309020205020404" pitchFamily="49" charset="0"/>
+                <a:cs typeface="Courier New" panose="02070309020205020404" pitchFamily="49" charset="0"/>
+              </a:rPr>
+              <a:t>mp</a:t>
+            </a:r>
+            <a:r>
+              <a:rPr lang="en-US" sz="1600" b="1" dirty="0">
+                <a:latin typeface="Courier New" panose="02070309020205020404" pitchFamily="49" charset="0"/>
+                <a:cs typeface="Courier New" panose="02070309020205020404" pitchFamily="49" charset="0"/>
+              </a:rPr>
+              <a:t>["x"] : 42));</a:t>
+            </a:r>
+          </a:p>
+          <a:p>
+            <a:endParaRPr lang="en-US" sz="1600" b="1" dirty="0">
+              <a:latin typeface="Courier New" panose="02070309020205020404" pitchFamily="49" charset="0"/>
+              <a:cs typeface="Courier New" panose="02070309020205020404" pitchFamily="49" charset="0"/>
+            </a:endParaRPr>
+          </a:p>
+          <a:p>
+            <a:r>
+              <a:rPr lang="en-US" sz="1600" b="1" dirty="0">
+                <a:latin typeface="Courier New" panose="02070309020205020404" pitchFamily="49" charset="0"/>
+                <a:cs typeface="Courier New" panose="02070309020205020404" pitchFamily="49" charset="0"/>
+              </a:rPr>
+              <a:t>    </a:t>
+            </a:r>
+            <a:r>
+              <a:rPr lang="en-US" sz="1600" b="1" dirty="0" err="1">
+                <a:latin typeface="Courier New" panose="02070309020205020404" pitchFamily="49" charset="0"/>
+                <a:cs typeface="Courier New" panose="02070309020205020404" pitchFamily="49" charset="0"/>
+              </a:rPr>
+              <a:t>printf</a:t>
+            </a:r>
+            <a:r>
+              <a:rPr lang="en-US" sz="1600" b="1" dirty="0">
+                <a:latin typeface="Courier New" panose="02070309020205020404" pitchFamily="49" charset="0"/>
+                <a:cs typeface="Courier New" panose="02070309020205020404" pitchFamily="49" charset="0"/>
+              </a:rPr>
+              <a:t>("\</a:t>
+            </a:r>
+            <a:r>
+              <a:rPr lang="en-US" sz="1600" b="1" dirty="0" err="1">
+                <a:latin typeface="Courier New" panose="02070309020205020404" pitchFamily="49" charset="0"/>
+                <a:cs typeface="Courier New" panose="02070309020205020404" pitchFamily="49" charset="0"/>
+              </a:rPr>
+              <a:t>nIterate</a:t>
+            </a:r>
+            <a:r>
+              <a:rPr lang="en-US" sz="1600" b="1" dirty="0">
+                <a:latin typeface="Courier New" panose="02070309020205020404" pitchFamily="49" charset="0"/>
+                <a:cs typeface="Courier New" panose="02070309020205020404" pitchFamily="49" charset="0"/>
+              </a:rPr>
+              <a:t> forwards\n");</a:t>
+            </a:r>
+          </a:p>
+          <a:p>
+            <a:r>
+              <a:rPr lang="en-US" sz="1600" b="1" dirty="0">
+                <a:latin typeface="Courier New" panose="02070309020205020404" pitchFamily="49" charset="0"/>
+                <a:cs typeface="Courier New" panose="02070309020205020404" pitchFamily="49" charset="0"/>
+              </a:rPr>
+              <a:t>    for (auto cur = </a:t>
+            </a:r>
+            <a:r>
+              <a:rPr lang="en-US" sz="1600" b="1" dirty="0" err="1">
+                <a:latin typeface="Courier New" panose="02070309020205020404" pitchFamily="49" charset="0"/>
+                <a:cs typeface="Courier New" panose="02070309020205020404" pitchFamily="49" charset="0"/>
+              </a:rPr>
+              <a:t>mp.begin</a:t>
+            </a:r>
+            <a:r>
+              <a:rPr lang="en-US" sz="1600" b="1" dirty="0">
+                <a:latin typeface="Courier New" panose="02070309020205020404" pitchFamily="49" charset="0"/>
+                <a:cs typeface="Courier New" panose="02070309020205020404" pitchFamily="49" charset="0"/>
+              </a:rPr>
+              <a:t>(); cur != </a:t>
+            </a:r>
+            <a:r>
+              <a:rPr lang="en-US" sz="1600" b="1" dirty="0" err="1">
+                <a:latin typeface="Courier New" panose="02070309020205020404" pitchFamily="49" charset="0"/>
+                <a:cs typeface="Courier New" panose="02070309020205020404" pitchFamily="49" charset="0"/>
+              </a:rPr>
+              <a:t>mp.end</a:t>
+            </a:r>
+            <a:r>
+              <a:rPr lang="en-US" sz="1600" b="1" dirty="0">
+                <a:latin typeface="Courier New" panose="02070309020205020404" pitchFamily="49" charset="0"/>
+                <a:cs typeface="Courier New" panose="02070309020205020404" pitchFamily="49" charset="0"/>
+              </a:rPr>
+              <a:t>(); ++cur) {</a:t>
+            </a:r>
+          </a:p>
+          <a:p>
+            <a:r>
+              <a:rPr lang="en-US" sz="1600" b="1" dirty="0">
+                <a:latin typeface="Courier New" panose="02070309020205020404" pitchFamily="49" charset="0"/>
+                <a:cs typeface="Courier New" panose="02070309020205020404" pitchFamily="49" charset="0"/>
+              </a:rPr>
+              <a:t>        </a:t>
+            </a:r>
+            <a:r>
+              <a:rPr lang="en-US" sz="1600" b="1" dirty="0" err="1">
+                <a:latin typeface="Courier New" panose="02070309020205020404" pitchFamily="49" charset="0"/>
+                <a:cs typeface="Courier New" panose="02070309020205020404" pitchFamily="49" charset="0"/>
+              </a:rPr>
+              <a:t>printf</a:t>
+            </a:r>
+            <a:r>
+              <a:rPr lang="en-US" sz="1600" b="1" dirty="0">
+                <a:latin typeface="Courier New" panose="02070309020205020404" pitchFamily="49" charset="0"/>
+                <a:cs typeface="Courier New" panose="02070309020205020404" pitchFamily="49" charset="0"/>
+              </a:rPr>
+              <a:t>(" %s=%d\n", cur-&gt;</a:t>
+            </a:r>
+            <a:r>
+              <a:rPr lang="en-US" sz="1600" b="1" dirty="0" err="1">
+                <a:latin typeface="Courier New" panose="02070309020205020404" pitchFamily="49" charset="0"/>
+                <a:cs typeface="Courier New" panose="02070309020205020404" pitchFamily="49" charset="0"/>
+              </a:rPr>
+              <a:t>first.c_str</a:t>
+            </a:r>
+            <a:r>
+              <a:rPr lang="en-US" sz="1600" b="1" dirty="0">
+                <a:latin typeface="Courier New" panose="02070309020205020404" pitchFamily="49" charset="0"/>
+                <a:cs typeface="Courier New" panose="02070309020205020404" pitchFamily="49" charset="0"/>
+              </a:rPr>
+              <a:t>(), cur-&gt;second);</a:t>
+            </a:r>
+          </a:p>
+          <a:p>
+            <a:r>
+              <a:rPr lang="en-US" sz="1600" b="1" dirty="0">
+                <a:latin typeface="Courier New" panose="02070309020205020404" pitchFamily="49" charset="0"/>
+                <a:cs typeface="Courier New" panose="02070309020205020404" pitchFamily="49" charset="0"/>
+              </a:rPr>
+              <a:t>    }</a:t>
+            </a:r>
+          </a:p>
+          <a:p>
+            <a:r>
+              <a:rPr lang="en-US" sz="1600" b="1" dirty="0">
+                <a:latin typeface="Courier New" panose="02070309020205020404" pitchFamily="49" charset="0"/>
+                <a:cs typeface="Courier New" panose="02070309020205020404" pitchFamily="49" charset="0"/>
+              </a:rPr>
+              <a:t>}</a:t>
+            </a:r>
+          </a:p>
+        </p:txBody>
+      </p:sp>
+      <p:sp>
+        <p:nvSpPr>
+          <p:cNvPr id="5" name="TextBox 4">
+            <a:extLst>
+              <a:ext uri="{FF2B5EF4-FFF2-40B4-BE49-F238E27FC236}">
+                <a16:creationId xmlns:a16="http://schemas.microsoft.com/office/drawing/2014/main" id="{0A1F66FC-D917-3925-AED2-B0917D657EE9}"/>
+              </a:ext>
+            </a:extLst>
+          </p:cNvPr>
+          <p:cNvSpPr txBox="1"/>
+          <p:nvPr/>
+        </p:nvSpPr>
+        <p:spPr>
+          <a:xfrm>
+            <a:off x="8570086" y="809273"/>
+            <a:ext cx="2282997" cy="2308324"/>
+          </a:xfrm>
+          <a:prstGeom prst="rect">
+            <a:avLst/>
+          </a:prstGeom>
+          <a:noFill/>
+          <a:ln w="28575">
+            <a:solidFill>
+              <a:schemeClr val="accent1"/>
+            </a:solidFill>
+          </a:ln>
+        </p:spPr>
+        <p:txBody>
+          <a:bodyPr wrap="none" rtlCol="0">
+            <a:spAutoFit/>
+          </a:bodyPr>
+          <a:lstStyle/>
+          <a:p>
+            <a:r>
+              <a:rPr lang="en-US" sz="1600" b="1" dirty="0">
+                <a:latin typeface="Courier New" panose="02070309020205020404" pitchFamily="49" charset="0"/>
+                <a:cs typeface="Courier New" panose="02070309020205020404" pitchFamily="49" charset="0"/>
+              </a:rPr>
+              <a:t>Testing map class</a:t>
+            </a:r>
+          </a:p>
+          <a:p>
+            <a:r>
+              <a:rPr lang="en-US" sz="1600" b="1" dirty="0">
+                <a:latin typeface="Courier New" panose="02070309020205020404" pitchFamily="49" charset="0"/>
+                <a:cs typeface="Courier New" panose="02070309020205020404" pitchFamily="49" charset="0"/>
+              </a:rPr>
+              <a:t>z=1</a:t>
+            </a:r>
+          </a:p>
+          <a:p>
+            <a:r>
+              <a:rPr lang="en-US" sz="1600" b="1" dirty="0">
+                <a:latin typeface="Courier New" panose="02070309020205020404" pitchFamily="49" charset="0"/>
+                <a:cs typeface="Courier New" panose="02070309020205020404" pitchFamily="49" charset="0"/>
+              </a:rPr>
+              <a:t>x=42</a:t>
+            </a:r>
+          </a:p>
+          <a:p>
+            <a:endParaRPr lang="en-US" sz="1600" b="1" dirty="0">
+              <a:latin typeface="Courier New" panose="02070309020205020404" pitchFamily="49" charset="0"/>
+              <a:cs typeface="Courier New" panose="02070309020205020404" pitchFamily="49" charset="0"/>
+            </a:endParaRPr>
+          </a:p>
+          <a:p>
+            <a:r>
+              <a:rPr lang="en-US" sz="1600" b="1" dirty="0">
+                <a:latin typeface="Courier New" panose="02070309020205020404" pitchFamily="49" charset="0"/>
+                <a:cs typeface="Courier New" panose="02070309020205020404" pitchFamily="49" charset="0"/>
+              </a:rPr>
+              <a:t>Iterate forwards</a:t>
+            </a:r>
+          </a:p>
+          <a:p>
+            <a:r>
+              <a:rPr lang="en-US" sz="1600" b="1" dirty="0">
+                <a:latin typeface="Courier New" panose="02070309020205020404" pitchFamily="49" charset="0"/>
+                <a:cs typeface="Courier New" panose="02070309020205020404" pitchFamily="49" charset="0"/>
+              </a:rPr>
+              <a:t> a=4</a:t>
+            </a:r>
+          </a:p>
+          <a:p>
+            <a:r>
+              <a:rPr lang="en-US" sz="1600" b="1" dirty="0">
+                <a:latin typeface="Courier New" panose="02070309020205020404" pitchFamily="49" charset="0"/>
+                <a:cs typeface="Courier New" panose="02070309020205020404" pitchFamily="49" charset="0"/>
+              </a:rPr>
+              <a:t> b=3</a:t>
+            </a:r>
+          </a:p>
+          <a:p>
+            <a:r>
+              <a:rPr lang="en-US" sz="1600" b="1" dirty="0">
+                <a:latin typeface="Courier New" panose="02070309020205020404" pitchFamily="49" charset="0"/>
+                <a:cs typeface="Courier New" panose="02070309020205020404" pitchFamily="49" charset="0"/>
+              </a:rPr>
+              <a:t> y=2</a:t>
+            </a:r>
+          </a:p>
+          <a:p>
+            <a:r>
+              <a:rPr lang="en-US" sz="1600" b="1" dirty="0">
+                <a:latin typeface="Courier New" panose="02070309020205020404" pitchFamily="49" charset="0"/>
+                <a:cs typeface="Courier New" panose="02070309020205020404" pitchFamily="49" charset="0"/>
+              </a:rPr>
+              <a:t> z=1</a:t>
+            </a:r>
+          </a:p>
+        </p:txBody>
+      </p:sp>
+      <p:sp>
+        <p:nvSpPr>
+          <p:cNvPr id="6" name="TextBox 5">
+            <a:extLst>
+              <a:ext uri="{FF2B5EF4-FFF2-40B4-BE49-F238E27FC236}">
+                <a16:creationId xmlns:a16="http://schemas.microsoft.com/office/drawing/2014/main" id="{6F370932-4D8E-9923-8009-A4771C8364AD}"/>
+              </a:ext>
+            </a:extLst>
+          </p:cNvPr>
+          <p:cNvSpPr txBox="1"/>
+          <p:nvPr/>
+        </p:nvSpPr>
+        <p:spPr>
+          <a:xfrm>
+            <a:off x="10463350" y="6338986"/>
+            <a:ext cx="1665696" cy="307777"/>
+          </a:xfrm>
+          <a:prstGeom prst="rect">
+            <a:avLst/>
+          </a:prstGeom>
+          <a:noFill/>
+        </p:spPr>
+        <p:txBody>
+          <a:bodyPr wrap="square">
+            <a:spAutoFit/>
+          </a:bodyPr>
+          <a:lstStyle/>
+          <a:p>
+            <a:r>
+              <a:rPr lang="en-US" sz="1400" b="1" dirty="0">
+                <a:solidFill>
+                  <a:srgbClr val="000000"/>
+                </a:solidFill>
+                <a:latin typeface="Menlo" panose="020B0609030804020204" pitchFamily="49" charset="0"/>
+              </a:rPr>
+              <a:t>cc_04_01.cpp</a:t>
+            </a:r>
+          </a:p>
+        </p:txBody>
+      </p:sp>
+    </p:spTree>
+    <p:extLst>
+      <p:ext uri="{BB962C8B-B14F-4D97-AF65-F5344CB8AC3E}">
+        <p14:creationId xmlns:p14="http://schemas.microsoft.com/office/powerpoint/2010/main" val="685600595"/>
+      </p:ext>
+    </p:extLst>
+  </p:cSld>
+  <p:clrMapOvr>
+    <a:masterClrMapping/>
+  </p:clrMapOvr>
+</p:sld>
+</file>
+
+<file path=ppt/slides/slide7.xml><?xml version="1.0" encoding="utf-8"?>
 <p:sld xmlns:a="http://schemas.openxmlformats.org/drawingml/2006/main" xmlns:r="http://schemas.openxmlformats.org/officeDocument/2006/relationships" xmlns:p="http://schemas.openxmlformats.org/presentationml/2006/main">
   <p:cSld>
     <p:spTree>
@@ -13346,7 +14161,7 @@
     </p:spTree>
     <p:extLst>
       <p:ext uri="{BB962C8B-B14F-4D97-AF65-F5344CB8AC3E}">
-        <p14:creationId xmlns:p14="http://schemas.microsoft.com/office/powerpoint/2010/main" val="1248617522"/>
+        <p14:creationId xmlns:p14="http://schemas.microsoft.com/office/powerpoint/2010/main" val="2824320998"/>
       </p:ext>
     </p:extLst>
   </p:cSld>
@@ -13356,7 +14171,7 @@
 </p:sld>
 </file>
 
-<file path=ppt/slides/slide6.xml><?xml version="1.0" encoding="utf-8"?>
+<file path=ppt/slides/slide8.xml><?xml version="1.0" encoding="utf-8"?>
 <p:sld xmlns:a="http://schemas.openxmlformats.org/drawingml/2006/main" xmlns:r="http://schemas.openxmlformats.org/officeDocument/2006/relationships" xmlns:p="http://schemas.openxmlformats.org/presentationml/2006/main">
   <p:cSld>
     <p:spTree>
@@ -14350,7 +15165,7 @@
                 </a:solidFill>
                 <a:latin typeface="Menlo" panose="020B0609030804020204" pitchFamily="49" charset="0"/>
               </a:rPr>
-              <a:t>cc_05_01.java</a:t>
+              <a:t>cc_04_01.java</a:t>
             </a:r>
           </a:p>
         </p:txBody>
@@ -14358,1083 +15173,7 @@
     </p:spTree>
     <p:extLst>
       <p:ext uri="{BB962C8B-B14F-4D97-AF65-F5344CB8AC3E}">
-        <p14:creationId xmlns:p14="http://schemas.microsoft.com/office/powerpoint/2010/main" val="2979443428"/>
-      </p:ext>
-    </p:extLst>
-  </p:cSld>
-  <p:clrMapOvr>
-    <a:masterClrMapping/>
-  </p:clrMapOvr>
-</p:sld>
-</file>
-
-<file path=ppt/slides/slide7.xml><?xml version="1.0" encoding="utf-8"?>
-<p:sld xmlns:a="http://schemas.openxmlformats.org/drawingml/2006/main" xmlns:r="http://schemas.openxmlformats.org/officeDocument/2006/relationships" xmlns:p="http://schemas.openxmlformats.org/presentationml/2006/main">
-  <p:cSld>
-    <p:spTree>
-      <p:nvGrpSpPr>
-        <p:cNvPr id="1" name=""/>
-        <p:cNvGrpSpPr/>
-        <p:nvPr/>
-      </p:nvGrpSpPr>
-      <p:grpSpPr>
-        <a:xfrm>
-          <a:off x="0" y="0"/>
-          <a:ext cx="0" cy="0"/>
-          <a:chOff x="0" y="0"/>
-          <a:chExt cx="0" cy="0"/>
-        </a:xfrm>
-      </p:grpSpPr>
-      <p:sp>
-        <p:nvSpPr>
-          <p:cNvPr id="2" name="Title 1">
-            <a:extLst>
-              <a:ext uri="{FF2B5EF4-FFF2-40B4-BE49-F238E27FC236}">
-                <a16:creationId xmlns:a16="http://schemas.microsoft.com/office/drawing/2014/main" id="{8479F607-1B8F-F245-F40F-DA746BF5AB60}"/>
-              </a:ext>
-            </a:extLst>
-          </p:cNvPr>
-          <p:cNvSpPr>
-            <a:spLocks noGrp="1"/>
-          </p:cNvSpPr>
-          <p:nvPr>
-            <p:ph type="title"/>
-          </p:nvPr>
-        </p:nvSpPr>
-        <p:spPr/>
-        <p:txBody>
-          <a:bodyPr/>
-          <a:lstStyle/>
-          <a:p>
-            <a:r>
-              <a:rPr lang="en-US" dirty="0"/>
-              <a:t>C++</a:t>
-            </a:r>
-          </a:p>
-        </p:txBody>
-      </p:sp>
-      <p:sp>
-        <p:nvSpPr>
-          <p:cNvPr id="5" name="TextBox 4">
-            <a:extLst>
-              <a:ext uri="{FF2B5EF4-FFF2-40B4-BE49-F238E27FC236}">
-                <a16:creationId xmlns:a16="http://schemas.microsoft.com/office/drawing/2014/main" id="{7430B9AD-25B0-E6C0-A9E0-E05FB58DAFF1}"/>
-              </a:ext>
-            </a:extLst>
-          </p:cNvPr>
-          <p:cNvSpPr txBox="1"/>
-          <p:nvPr/>
-        </p:nvSpPr>
-        <p:spPr>
-          <a:xfrm>
-            <a:off x="2905760" y="6311900"/>
-            <a:ext cx="6096000" cy="369332"/>
-          </a:xfrm>
-          <a:prstGeom prst="rect">
-            <a:avLst/>
-          </a:prstGeom>
-          <a:noFill/>
-        </p:spPr>
-        <p:txBody>
-          <a:bodyPr wrap="square">
-            <a:spAutoFit/>
-          </a:bodyPr>
-          <a:lstStyle/>
-          <a:p>
-            <a:r>
-              <a:rPr lang="en-US" dirty="0"/>
-              <a:t>https://</a:t>
-            </a:r>
-            <a:r>
-              <a:rPr lang="en-US" dirty="0" err="1"/>
-              <a:t>cplusplus.com</a:t>
-            </a:r>
-            <a:r>
-              <a:rPr lang="en-US" dirty="0"/>
-              <a:t>/reference/map/map/</a:t>
-            </a:r>
-          </a:p>
-        </p:txBody>
-      </p:sp>
-      <p:pic>
-        <p:nvPicPr>
-          <p:cNvPr id="8" name="Picture 7" descr="Graphical user interface, text, application, email&#10;&#10;Description automatically generated">
-            <a:extLst>
-              <a:ext uri="{FF2B5EF4-FFF2-40B4-BE49-F238E27FC236}">
-                <a16:creationId xmlns:a16="http://schemas.microsoft.com/office/drawing/2014/main" id="{D6DB56F8-B4C0-4EB5-9699-1EFCFAF51006}"/>
-              </a:ext>
-            </a:extLst>
-          </p:cNvPr>
-          <p:cNvPicPr>
-            <a:picLocks noChangeAspect="1"/>
-          </p:cNvPicPr>
-          <p:nvPr/>
-        </p:nvPicPr>
-        <p:blipFill>
-          <a:blip r:embed="rId2"/>
-          <a:stretch>
-            <a:fillRect/>
-          </a:stretch>
-        </p:blipFill>
-        <p:spPr>
-          <a:xfrm>
-            <a:off x="2424012" y="365125"/>
-            <a:ext cx="8929788" cy="5778098"/>
-          </a:xfrm>
-          <a:prstGeom prst="rect">
-            <a:avLst/>
-          </a:prstGeom>
-        </p:spPr>
-      </p:pic>
-    </p:spTree>
-    <p:extLst>
-      <p:ext uri="{BB962C8B-B14F-4D97-AF65-F5344CB8AC3E}">
-        <p14:creationId xmlns:p14="http://schemas.microsoft.com/office/powerpoint/2010/main" val="1806036628"/>
-      </p:ext>
-    </p:extLst>
-  </p:cSld>
-  <p:clrMapOvr>
-    <a:masterClrMapping/>
-  </p:clrMapOvr>
-</p:sld>
-</file>
-
-<file path=ppt/slides/slide8.xml><?xml version="1.0" encoding="utf-8"?>
-<p:sld xmlns:a="http://schemas.openxmlformats.org/drawingml/2006/main" xmlns:r="http://schemas.openxmlformats.org/officeDocument/2006/relationships" xmlns:p="http://schemas.openxmlformats.org/presentationml/2006/main">
-  <p:cSld>
-    <p:spTree>
-      <p:nvGrpSpPr>
-        <p:cNvPr id="1" name=""/>
-        <p:cNvGrpSpPr/>
-        <p:nvPr/>
-      </p:nvGrpSpPr>
-      <p:grpSpPr>
-        <a:xfrm>
-          <a:off x="0" y="0"/>
-          <a:ext cx="0" cy="0"/>
-          <a:chOff x="0" y="0"/>
-          <a:chExt cx="0" cy="0"/>
-        </a:xfrm>
-      </p:grpSpPr>
-      <p:sp>
-        <p:nvSpPr>
-          <p:cNvPr id="4" name="TextBox 3">
-            <a:extLst>
-              <a:ext uri="{FF2B5EF4-FFF2-40B4-BE49-F238E27FC236}">
-                <a16:creationId xmlns:a16="http://schemas.microsoft.com/office/drawing/2014/main" id="{996E046E-ECF6-7340-52D5-5F19C9B73FEF}"/>
-              </a:ext>
-            </a:extLst>
-          </p:cNvPr>
-          <p:cNvSpPr txBox="1"/>
-          <p:nvPr/>
-        </p:nvSpPr>
-        <p:spPr>
-          <a:xfrm>
-            <a:off x="579132" y="689788"/>
-            <a:ext cx="8132354" cy="5478423"/>
-          </a:xfrm>
-          <a:prstGeom prst="rect">
-            <a:avLst/>
-          </a:prstGeom>
-          <a:noFill/>
-        </p:spPr>
-        <p:txBody>
-          <a:bodyPr wrap="none" rtlCol="0">
-            <a:spAutoFit/>
-          </a:bodyPr>
-          <a:lstStyle/>
-          <a:p>
-            <a:r>
-              <a:rPr lang="en-US" sz="1400" b="1" dirty="0">
-                <a:latin typeface="Courier New" panose="02070309020205020404" pitchFamily="49" charset="0"/>
-                <a:cs typeface="Courier New" panose="02070309020205020404" pitchFamily="49" charset="0"/>
-              </a:rPr>
-              <a:t>#include &lt;iostream&gt;</a:t>
-            </a:r>
-          </a:p>
-          <a:p>
-            <a:r>
-              <a:rPr lang="en-US" sz="1400" b="1" dirty="0">
-                <a:latin typeface="Courier New" panose="02070309020205020404" pitchFamily="49" charset="0"/>
-                <a:cs typeface="Courier New" panose="02070309020205020404" pitchFamily="49" charset="0"/>
-              </a:rPr>
-              <a:t>#include &lt;map&gt;</a:t>
-            </a:r>
-          </a:p>
-          <a:p>
-            <a:r>
-              <a:rPr lang="en-US" sz="1400" b="1" dirty="0">
-                <a:latin typeface="Courier New" panose="02070309020205020404" pitchFamily="49" charset="0"/>
-                <a:cs typeface="Courier New" panose="02070309020205020404" pitchFamily="49" charset="0"/>
-              </a:rPr>
-              <a:t>using namespace std;</a:t>
-            </a:r>
-          </a:p>
-          <a:p>
-            <a:endParaRPr lang="en-US" sz="1400" b="1" dirty="0">
-              <a:latin typeface="Courier New" panose="02070309020205020404" pitchFamily="49" charset="0"/>
-              <a:cs typeface="Courier New" panose="02070309020205020404" pitchFamily="49" charset="0"/>
-            </a:endParaRPr>
-          </a:p>
-          <a:p>
-            <a:r>
-              <a:rPr lang="en-US" sz="1400" b="1" dirty="0">
-                <a:latin typeface="Courier New" panose="02070309020205020404" pitchFamily="49" charset="0"/>
-                <a:cs typeface="Courier New" panose="02070309020205020404" pitchFamily="49" charset="0"/>
-              </a:rPr>
-              <a:t>int main() {</a:t>
-            </a:r>
-          </a:p>
-          <a:p>
-            <a:r>
-              <a:rPr lang="en-US" sz="1400" b="1" dirty="0">
-                <a:latin typeface="Courier New" panose="02070309020205020404" pitchFamily="49" charset="0"/>
-                <a:cs typeface="Courier New" panose="02070309020205020404" pitchFamily="49" charset="0"/>
-              </a:rPr>
-              <a:t>    map&lt;string, int&gt; </a:t>
-            </a:r>
-            <a:r>
-              <a:rPr lang="en-US" sz="1400" b="1" dirty="0" err="1">
-                <a:latin typeface="Courier New" panose="02070309020205020404" pitchFamily="49" charset="0"/>
-                <a:cs typeface="Courier New" panose="02070309020205020404" pitchFamily="49" charset="0"/>
-              </a:rPr>
-              <a:t>mp</a:t>
-            </a:r>
-            <a:r>
-              <a:rPr lang="en-US" sz="1400" b="1" dirty="0">
-                <a:latin typeface="Courier New" panose="02070309020205020404" pitchFamily="49" charset="0"/>
-                <a:cs typeface="Courier New" panose="02070309020205020404" pitchFamily="49" charset="0"/>
-              </a:rPr>
-              <a:t>;</a:t>
-            </a:r>
-          </a:p>
-          <a:p>
-            <a:r>
-              <a:rPr lang="en-US" sz="1400" b="1" dirty="0">
-                <a:latin typeface="Courier New" panose="02070309020205020404" pitchFamily="49" charset="0"/>
-                <a:cs typeface="Courier New" panose="02070309020205020404" pitchFamily="49" charset="0"/>
-              </a:rPr>
-              <a:t>    </a:t>
-            </a:r>
-          </a:p>
-          <a:p>
-            <a:r>
-              <a:rPr lang="en-US" sz="1400" b="1" dirty="0">
-                <a:latin typeface="Courier New" panose="02070309020205020404" pitchFamily="49" charset="0"/>
-                <a:cs typeface="Courier New" panose="02070309020205020404" pitchFamily="49" charset="0"/>
-              </a:rPr>
-              <a:t>    </a:t>
-            </a:r>
-            <a:r>
-              <a:rPr lang="en-US" sz="1400" b="1" dirty="0" err="1">
-                <a:latin typeface="Courier New" panose="02070309020205020404" pitchFamily="49" charset="0"/>
-                <a:cs typeface="Courier New" panose="02070309020205020404" pitchFamily="49" charset="0"/>
-              </a:rPr>
-              <a:t>cout</a:t>
-            </a:r>
-            <a:r>
-              <a:rPr lang="en-US" sz="1400" b="1" dirty="0">
-                <a:latin typeface="Courier New" panose="02070309020205020404" pitchFamily="49" charset="0"/>
-                <a:cs typeface="Courier New" panose="02070309020205020404" pitchFamily="49" charset="0"/>
-              </a:rPr>
-              <a:t> &lt;&lt; "Testing map class\n";</a:t>
-            </a:r>
-          </a:p>
-          <a:p>
-            <a:r>
-              <a:rPr lang="en-US" sz="1400" b="1" dirty="0">
-                <a:latin typeface="Courier New" panose="02070309020205020404" pitchFamily="49" charset="0"/>
-                <a:cs typeface="Courier New" panose="02070309020205020404" pitchFamily="49" charset="0"/>
-              </a:rPr>
-              <a:t>    </a:t>
-            </a:r>
-            <a:r>
-              <a:rPr lang="en-US" sz="1400" b="1" dirty="0" err="1">
-                <a:latin typeface="Courier New" panose="02070309020205020404" pitchFamily="49" charset="0"/>
-                <a:cs typeface="Courier New" panose="02070309020205020404" pitchFamily="49" charset="0"/>
-              </a:rPr>
-              <a:t>mp</a:t>
-            </a:r>
-            <a:r>
-              <a:rPr lang="en-US" sz="1400" b="1" dirty="0">
-                <a:latin typeface="Courier New" panose="02070309020205020404" pitchFamily="49" charset="0"/>
-                <a:cs typeface="Courier New" panose="02070309020205020404" pitchFamily="49" charset="0"/>
-              </a:rPr>
-              <a:t>["z"] = 8;</a:t>
-            </a:r>
-          </a:p>
-          <a:p>
-            <a:r>
-              <a:rPr lang="en-US" sz="1400" b="1" dirty="0">
-                <a:latin typeface="Courier New" panose="02070309020205020404" pitchFamily="49" charset="0"/>
-                <a:cs typeface="Courier New" panose="02070309020205020404" pitchFamily="49" charset="0"/>
-              </a:rPr>
-              <a:t>    </a:t>
-            </a:r>
-            <a:r>
-              <a:rPr lang="en-US" sz="1400" b="1" dirty="0" err="1">
-                <a:latin typeface="Courier New" panose="02070309020205020404" pitchFamily="49" charset="0"/>
-                <a:cs typeface="Courier New" panose="02070309020205020404" pitchFamily="49" charset="0"/>
-              </a:rPr>
-              <a:t>mp</a:t>
-            </a:r>
-            <a:r>
-              <a:rPr lang="en-US" sz="1400" b="1" dirty="0">
-                <a:latin typeface="Courier New" panose="02070309020205020404" pitchFamily="49" charset="0"/>
-                <a:cs typeface="Courier New" panose="02070309020205020404" pitchFamily="49" charset="0"/>
-              </a:rPr>
-              <a:t>["z"] = 1;</a:t>
-            </a:r>
-          </a:p>
-          <a:p>
-            <a:r>
-              <a:rPr lang="en-US" sz="1400" b="1" dirty="0">
-                <a:latin typeface="Courier New" panose="02070309020205020404" pitchFamily="49" charset="0"/>
-                <a:cs typeface="Courier New" panose="02070309020205020404" pitchFamily="49" charset="0"/>
-              </a:rPr>
-              <a:t>    </a:t>
-            </a:r>
-            <a:r>
-              <a:rPr lang="en-US" sz="1400" b="1" dirty="0" err="1">
-                <a:latin typeface="Courier New" panose="02070309020205020404" pitchFamily="49" charset="0"/>
-                <a:cs typeface="Courier New" panose="02070309020205020404" pitchFamily="49" charset="0"/>
-              </a:rPr>
-              <a:t>mp</a:t>
-            </a:r>
-            <a:r>
-              <a:rPr lang="en-US" sz="1400" b="1" dirty="0">
-                <a:latin typeface="Courier New" panose="02070309020205020404" pitchFamily="49" charset="0"/>
-                <a:cs typeface="Courier New" panose="02070309020205020404" pitchFamily="49" charset="0"/>
-              </a:rPr>
-              <a:t>["y"] = 2;</a:t>
-            </a:r>
-          </a:p>
-          <a:p>
-            <a:r>
-              <a:rPr lang="en-US" sz="1400" b="1" dirty="0">
-                <a:latin typeface="Courier New" panose="02070309020205020404" pitchFamily="49" charset="0"/>
-                <a:cs typeface="Courier New" panose="02070309020205020404" pitchFamily="49" charset="0"/>
-              </a:rPr>
-              <a:t>    </a:t>
-            </a:r>
-            <a:r>
-              <a:rPr lang="en-US" sz="1400" b="1" dirty="0" err="1">
-                <a:latin typeface="Courier New" panose="02070309020205020404" pitchFamily="49" charset="0"/>
-                <a:cs typeface="Courier New" panose="02070309020205020404" pitchFamily="49" charset="0"/>
-              </a:rPr>
-              <a:t>mp</a:t>
-            </a:r>
-            <a:r>
-              <a:rPr lang="en-US" sz="1400" b="1" dirty="0">
-                <a:latin typeface="Courier New" panose="02070309020205020404" pitchFamily="49" charset="0"/>
-                <a:cs typeface="Courier New" panose="02070309020205020404" pitchFamily="49" charset="0"/>
-              </a:rPr>
-              <a:t>["b"] = 3;</a:t>
-            </a:r>
-          </a:p>
-          <a:p>
-            <a:r>
-              <a:rPr lang="en-US" sz="1400" b="1" dirty="0">
-                <a:latin typeface="Courier New" panose="02070309020205020404" pitchFamily="49" charset="0"/>
-                <a:cs typeface="Courier New" panose="02070309020205020404" pitchFamily="49" charset="0"/>
-              </a:rPr>
-              <a:t>    </a:t>
-            </a:r>
-            <a:r>
-              <a:rPr lang="en-US" sz="1400" b="1" dirty="0" err="1">
-                <a:latin typeface="Courier New" panose="02070309020205020404" pitchFamily="49" charset="0"/>
-                <a:cs typeface="Courier New" panose="02070309020205020404" pitchFamily="49" charset="0"/>
-              </a:rPr>
-              <a:t>mp</a:t>
-            </a:r>
-            <a:r>
-              <a:rPr lang="en-US" sz="1400" b="1" dirty="0">
-                <a:latin typeface="Courier New" panose="02070309020205020404" pitchFamily="49" charset="0"/>
-                <a:cs typeface="Courier New" panose="02070309020205020404" pitchFamily="49" charset="0"/>
-              </a:rPr>
-              <a:t>["a"] = 4;</a:t>
-            </a:r>
-          </a:p>
-          <a:p>
-            <a:r>
-              <a:rPr lang="en-US" sz="1400" b="1" dirty="0">
-                <a:latin typeface="Courier New" panose="02070309020205020404" pitchFamily="49" charset="0"/>
-                <a:cs typeface="Courier New" panose="02070309020205020404" pitchFamily="49" charset="0"/>
-              </a:rPr>
-              <a:t>    for (auto </a:t>
-            </a:r>
-            <a:r>
-              <a:rPr lang="en-US" sz="1400" b="1" dirty="0" err="1">
-                <a:latin typeface="Courier New" panose="02070309020205020404" pitchFamily="49" charset="0"/>
-                <a:cs typeface="Courier New" panose="02070309020205020404" pitchFamily="49" charset="0"/>
-              </a:rPr>
-              <a:t>i</a:t>
-            </a:r>
-            <a:r>
-              <a:rPr lang="en-US" sz="1400" b="1" dirty="0">
-                <a:latin typeface="Courier New" panose="02070309020205020404" pitchFamily="49" charset="0"/>
-                <a:cs typeface="Courier New" panose="02070309020205020404" pitchFamily="49" charset="0"/>
-              </a:rPr>
-              <a:t> = </a:t>
-            </a:r>
-            <a:r>
-              <a:rPr lang="en-US" sz="1400" b="1" dirty="0" err="1">
-                <a:latin typeface="Courier New" panose="02070309020205020404" pitchFamily="49" charset="0"/>
-                <a:cs typeface="Courier New" panose="02070309020205020404" pitchFamily="49" charset="0"/>
-              </a:rPr>
-              <a:t>mp.begin</a:t>
-            </a:r>
-            <a:r>
-              <a:rPr lang="en-US" sz="1400" b="1" dirty="0">
-                <a:latin typeface="Courier New" panose="02070309020205020404" pitchFamily="49" charset="0"/>
-                <a:cs typeface="Courier New" panose="02070309020205020404" pitchFamily="49" charset="0"/>
-              </a:rPr>
-              <a:t>(); </a:t>
-            </a:r>
-            <a:r>
-              <a:rPr lang="en-US" sz="1400" b="1" dirty="0" err="1">
-                <a:latin typeface="Courier New" panose="02070309020205020404" pitchFamily="49" charset="0"/>
-                <a:cs typeface="Courier New" panose="02070309020205020404" pitchFamily="49" charset="0"/>
-              </a:rPr>
-              <a:t>i</a:t>
-            </a:r>
-            <a:r>
-              <a:rPr lang="en-US" sz="1400" b="1" dirty="0">
-                <a:latin typeface="Courier New" panose="02070309020205020404" pitchFamily="49" charset="0"/>
-                <a:cs typeface="Courier New" panose="02070309020205020404" pitchFamily="49" charset="0"/>
-              </a:rPr>
-              <a:t> != </a:t>
-            </a:r>
-            <a:r>
-              <a:rPr lang="en-US" sz="1400" b="1" dirty="0" err="1">
-                <a:latin typeface="Courier New" panose="02070309020205020404" pitchFamily="49" charset="0"/>
-                <a:cs typeface="Courier New" panose="02070309020205020404" pitchFamily="49" charset="0"/>
-              </a:rPr>
-              <a:t>mp.end</a:t>
-            </a:r>
-            <a:r>
-              <a:rPr lang="en-US" sz="1400" b="1" dirty="0">
-                <a:latin typeface="Courier New" panose="02070309020205020404" pitchFamily="49" charset="0"/>
-                <a:cs typeface="Courier New" panose="02070309020205020404" pitchFamily="49" charset="0"/>
-              </a:rPr>
-              <a:t>(); ++</a:t>
-            </a:r>
-            <a:r>
-              <a:rPr lang="en-US" sz="1400" b="1" dirty="0" err="1">
-                <a:latin typeface="Courier New" panose="02070309020205020404" pitchFamily="49" charset="0"/>
-                <a:cs typeface="Courier New" panose="02070309020205020404" pitchFamily="49" charset="0"/>
-              </a:rPr>
-              <a:t>i</a:t>
-            </a:r>
-            <a:r>
-              <a:rPr lang="en-US" sz="1400" b="1" dirty="0">
-                <a:latin typeface="Courier New" panose="02070309020205020404" pitchFamily="49" charset="0"/>
-                <a:cs typeface="Courier New" panose="02070309020205020404" pitchFamily="49" charset="0"/>
-              </a:rPr>
-              <a:t>) {</a:t>
-            </a:r>
-          </a:p>
-          <a:p>
-            <a:r>
-              <a:rPr lang="en-US" sz="1400" b="1" dirty="0">
-                <a:latin typeface="Courier New" panose="02070309020205020404" pitchFamily="49" charset="0"/>
-                <a:cs typeface="Courier New" panose="02070309020205020404" pitchFamily="49" charset="0"/>
-              </a:rPr>
-              <a:t>        </a:t>
-            </a:r>
-            <a:r>
-              <a:rPr lang="en-US" sz="1400" b="1" dirty="0" err="1">
-                <a:latin typeface="Courier New" panose="02070309020205020404" pitchFamily="49" charset="0"/>
-                <a:cs typeface="Courier New" panose="02070309020205020404" pitchFamily="49" charset="0"/>
-              </a:rPr>
-              <a:t>cout</a:t>
-            </a:r>
-            <a:r>
-              <a:rPr lang="en-US" sz="1400" b="1" dirty="0">
-                <a:latin typeface="Courier New" panose="02070309020205020404" pitchFamily="49" charset="0"/>
-                <a:cs typeface="Courier New" panose="02070309020205020404" pitchFamily="49" charset="0"/>
-              </a:rPr>
-              <a:t> &lt;&lt; </a:t>
-            </a:r>
-            <a:r>
-              <a:rPr lang="en-US" sz="1400" b="1" dirty="0" err="1">
-                <a:latin typeface="Courier New" panose="02070309020205020404" pitchFamily="49" charset="0"/>
-                <a:cs typeface="Courier New" panose="02070309020205020404" pitchFamily="49" charset="0"/>
-              </a:rPr>
-              <a:t>i</a:t>
-            </a:r>
-            <a:r>
-              <a:rPr lang="en-US" sz="1400" b="1" dirty="0">
-                <a:latin typeface="Courier New" panose="02070309020205020404" pitchFamily="49" charset="0"/>
-                <a:cs typeface="Courier New" panose="02070309020205020404" pitchFamily="49" charset="0"/>
-              </a:rPr>
-              <a:t>-&gt;first &lt;&lt; " " &lt;&lt; </a:t>
-            </a:r>
-            <a:r>
-              <a:rPr lang="en-US" sz="1400" b="1" dirty="0" err="1">
-                <a:latin typeface="Courier New" panose="02070309020205020404" pitchFamily="49" charset="0"/>
-                <a:cs typeface="Courier New" panose="02070309020205020404" pitchFamily="49" charset="0"/>
-              </a:rPr>
-              <a:t>i</a:t>
-            </a:r>
-            <a:r>
-              <a:rPr lang="en-US" sz="1400" b="1" dirty="0">
-                <a:latin typeface="Courier New" panose="02070309020205020404" pitchFamily="49" charset="0"/>
-                <a:cs typeface="Courier New" panose="02070309020205020404" pitchFamily="49" charset="0"/>
-              </a:rPr>
-              <a:t>-&gt;second &lt;&lt; "\n";</a:t>
-            </a:r>
-          </a:p>
-          <a:p>
-            <a:r>
-              <a:rPr lang="en-US" sz="1400" b="1" dirty="0">
-                <a:latin typeface="Courier New" panose="02070309020205020404" pitchFamily="49" charset="0"/>
-                <a:cs typeface="Courier New" panose="02070309020205020404" pitchFamily="49" charset="0"/>
-              </a:rPr>
-              <a:t>    }</a:t>
-            </a:r>
-          </a:p>
-          <a:p>
-            <a:r>
-              <a:rPr lang="en-US" sz="1400" b="1" dirty="0">
-                <a:latin typeface="Courier New" panose="02070309020205020404" pitchFamily="49" charset="0"/>
-                <a:cs typeface="Courier New" panose="02070309020205020404" pitchFamily="49" charset="0"/>
-              </a:rPr>
-              <a:t>    </a:t>
-            </a:r>
-          </a:p>
-          <a:p>
-            <a:r>
-              <a:rPr lang="en-US" sz="1400" b="1" dirty="0">
-                <a:latin typeface="Courier New" panose="02070309020205020404" pitchFamily="49" charset="0"/>
-                <a:cs typeface="Courier New" panose="02070309020205020404" pitchFamily="49" charset="0"/>
-              </a:rPr>
-              <a:t>    </a:t>
-            </a:r>
-            <a:r>
-              <a:rPr lang="en-US" sz="1400" b="1" dirty="0" err="1">
-                <a:latin typeface="Courier New" panose="02070309020205020404" pitchFamily="49" charset="0"/>
-                <a:cs typeface="Courier New" panose="02070309020205020404" pitchFamily="49" charset="0"/>
-              </a:rPr>
-              <a:t>cout</a:t>
-            </a:r>
-            <a:r>
-              <a:rPr lang="en-US" sz="1400" b="1" dirty="0">
-                <a:latin typeface="Courier New" panose="02070309020205020404" pitchFamily="49" charset="0"/>
-                <a:cs typeface="Courier New" panose="02070309020205020404" pitchFamily="49" charset="0"/>
-              </a:rPr>
-              <a:t> &lt;&lt; "z=" &lt;&lt; (</a:t>
-            </a:r>
-            <a:r>
-              <a:rPr lang="en-US" sz="1400" b="1" dirty="0" err="1">
-                <a:latin typeface="Courier New" panose="02070309020205020404" pitchFamily="49" charset="0"/>
-                <a:cs typeface="Courier New" panose="02070309020205020404" pitchFamily="49" charset="0"/>
-              </a:rPr>
-              <a:t>mp.count</a:t>
-            </a:r>
-            <a:r>
-              <a:rPr lang="en-US" sz="1400" b="1" dirty="0">
-                <a:latin typeface="Courier New" panose="02070309020205020404" pitchFamily="49" charset="0"/>
-                <a:cs typeface="Courier New" panose="02070309020205020404" pitchFamily="49" charset="0"/>
-              </a:rPr>
-              <a:t>("z") ? </a:t>
-            </a:r>
-            <a:r>
-              <a:rPr lang="en-US" sz="1400" b="1" dirty="0" err="1">
-                <a:latin typeface="Courier New" panose="02070309020205020404" pitchFamily="49" charset="0"/>
-                <a:cs typeface="Courier New" panose="02070309020205020404" pitchFamily="49" charset="0"/>
-              </a:rPr>
-              <a:t>mp</a:t>
-            </a:r>
-            <a:r>
-              <a:rPr lang="en-US" sz="1400" b="1" dirty="0">
-                <a:latin typeface="Courier New" panose="02070309020205020404" pitchFamily="49" charset="0"/>
-                <a:cs typeface="Courier New" panose="02070309020205020404" pitchFamily="49" charset="0"/>
-              </a:rPr>
-              <a:t>["z"] : 42) &lt;&lt; </a:t>
-            </a:r>
-            <a:r>
-              <a:rPr lang="en-US" sz="1400" b="1" dirty="0" err="1">
-                <a:latin typeface="Courier New" panose="02070309020205020404" pitchFamily="49" charset="0"/>
-                <a:cs typeface="Courier New" panose="02070309020205020404" pitchFamily="49" charset="0"/>
-              </a:rPr>
-              <a:t>endl</a:t>
-            </a:r>
-            <a:r>
-              <a:rPr lang="en-US" sz="1400" b="1" dirty="0">
-                <a:latin typeface="Courier New" panose="02070309020205020404" pitchFamily="49" charset="0"/>
-                <a:cs typeface="Courier New" panose="02070309020205020404" pitchFamily="49" charset="0"/>
-              </a:rPr>
-              <a:t>;</a:t>
-            </a:r>
-          </a:p>
-          <a:p>
-            <a:r>
-              <a:rPr lang="en-US" sz="1400" b="1" dirty="0">
-                <a:latin typeface="Courier New" panose="02070309020205020404" pitchFamily="49" charset="0"/>
-                <a:cs typeface="Courier New" panose="02070309020205020404" pitchFamily="49" charset="0"/>
-              </a:rPr>
-              <a:t>    </a:t>
-            </a:r>
-            <a:r>
-              <a:rPr lang="en-US" sz="1400" b="1" dirty="0" err="1">
-                <a:latin typeface="Courier New" panose="02070309020205020404" pitchFamily="49" charset="0"/>
-                <a:cs typeface="Courier New" panose="02070309020205020404" pitchFamily="49" charset="0"/>
-              </a:rPr>
-              <a:t>cout</a:t>
-            </a:r>
-            <a:r>
-              <a:rPr lang="en-US" sz="1400" b="1" dirty="0">
-                <a:latin typeface="Courier New" panose="02070309020205020404" pitchFamily="49" charset="0"/>
-                <a:cs typeface="Courier New" panose="02070309020205020404" pitchFamily="49" charset="0"/>
-              </a:rPr>
-              <a:t> &lt;&lt; "x=" &lt;&lt; (</a:t>
-            </a:r>
-            <a:r>
-              <a:rPr lang="en-US" sz="1400" b="1" dirty="0" err="1">
-                <a:latin typeface="Courier New" panose="02070309020205020404" pitchFamily="49" charset="0"/>
-                <a:cs typeface="Courier New" panose="02070309020205020404" pitchFamily="49" charset="0"/>
-              </a:rPr>
-              <a:t>mp.count</a:t>
-            </a:r>
-            <a:r>
-              <a:rPr lang="en-US" sz="1400" b="1" dirty="0">
-                <a:latin typeface="Courier New" panose="02070309020205020404" pitchFamily="49" charset="0"/>
-                <a:cs typeface="Courier New" panose="02070309020205020404" pitchFamily="49" charset="0"/>
-              </a:rPr>
-              <a:t>("x") ? </a:t>
-            </a:r>
-            <a:r>
-              <a:rPr lang="en-US" sz="1400" b="1" dirty="0" err="1">
-                <a:latin typeface="Courier New" panose="02070309020205020404" pitchFamily="49" charset="0"/>
-                <a:cs typeface="Courier New" panose="02070309020205020404" pitchFamily="49" charset="0"/>
-              </a:rPr>
-              <a:t>mp</a:t>
-            </a:r>
-            <a:r>
-              <a:rPr lang="en-US" sz="1400" b="1" dirty="0">
-                <a:latin typeface="Courier New" panose="02070309020205020404" pitchFamily="49" charset="0"/>
-                <a:cs typeface="Courier New" panose="02070309020205020404" pitchFamily="49" charset="0"/>
-              </a:rPr>
-              <a:t>["x"] : 42) &lt;&lt; </a:t>
-            </a:r>
-            <a:r>
-              <a:rPr lang="en-US" sz="1400" b="1" dirty="0" err="1">
-                <a:latin typeface="Courier New" panose="02070309020205020404" pitchFamily="49" charset="0"/>
-                <a:cs typeface="Courier New" panose="02070309020205020404" pitchFamily="49" charset="0"/>
-              </a:rPr>
-              <a:t>endl</a:t>
-            </a:r>
-            <a:r>
-              <a:rPr lang="en-US" sz="1400" b="1" dirty="0">
-                <a:latin typeface="Courier New" panose="02070309020205020404" pitchFamily="49" charset="0"/>
-                <a:cs typeface="Courier New" panose="02070309020205020404" pitchFamily="49" charset="0"/>
-              </a:rPr>
-              <a:t>;</a:t>
-            </a:r>
-          </a:p>
-          <a:p>
-            <a:r>
-              <a:rPr lang="en-US" sz="1400" b="1" dirty="0">
-                <a:latin typeface="Courier New" panose="02070309020205020404" pitchFamily="49" charset="0"/>
-                <a:cs typeface="Courier New" panose="02070309020205020404" pitchFamily="49" charset="0"/>
-              </a:rPr>
-              <a:t>    </a:t>
-            </a:r>
-          </a:p>
-          <a:p>
-            <a:r>
-              <a:rPr lang="en-US" sz="1400" b="1" dirty="0">
-                <a:latin typeface="Courier New" panose="02070309020205020404" pitchFamily="49" charset="0"/>
-                <a:cs typeface="Courier New" panose="02070309020205020404" pitchFamily="49" charset="0"/>
-              </a:rPr>
-              <a:t>    </a:t>
-            </a:r>
-            <a:r>
-              <a:rPr lang="en-US" sz="1400" b="1" dirty="0" err="1">
-                <a:latin typeface="Courier New" panose="02070309020205020404" pitchFamily="49" charset="0"/>
-                <a:cs typeface="Courier New" panose="02070309020205020404" pitchFamily="49" charset="0"/>
-              </a:rPr>
-              <a:t>cout</a:t>
-            </a:r>
-            <a:r>
-              <a:rPr lang="en-US" sz="1400" b="1" dirty="0">
-                <a:latin typeface="Courier New" panose="02070309020205020404" pitchFamily="49" charset="0"/>
-                <a:cs typeface="Courier New" panose="02070309020205020404" pitchFamily="49" charset="0"/>
-              </a:rPr>
-              <a:t> &lt;&lt; "\</a:t>
-            </a:r>
-            <a:r>
-              <a:rPr lang="en-US" sz="1400" b="1" dirty="0" err="1">
-                <a:latin typeface="Courier New" panose="02070309020205020404" pitchFamily="49" charset="0"/>
-                <a:cs typeface="Courier New" panose="02070309020205020404" pitchFamily="49" charset="0"/>
-              </a:rPr>
-              <a:t>nIterate</a:t>
-            </a:r>
-            <a:r>
-              <a:rPr lang="en-US" sz="1400" b="1" dirty="0">
-                <a:latin typeface="Courier New" panose="02070309020205020404" pitchFamily="49" charset="0"/>
-                <a:cs typeface="Courier New" panose="02070309020205020404" pitchFamily="49" charset="0"/>
-              </a:rPr>
-              <a:t> forwards\n";</a:t>
-            </a:r>
-          </a:p>
-          <a:p>
-            <a:r>
-              <a:rPr lang="en-US" sz="1400" b="1" dirty="0">
-                <a:latin typeface="Courier New" panose="02070309020205020404" pitchFamily="49" charset="0"/>
-                <a:cs typeface="Courier New" panose="02070309020205020404" pitchFamily="49" charset="0"/>
-              </a:rPr>
-              <a:t>    for (auto </a:t>
-            </a:r>
-            <a:r>
-              <a:rPr lang="en-US" sz="1400" b="1" dirty="0" err="1">
-                <a:latin typeface="Courier New" panose="02070309020205020404" pitchFamily="49" charset="0"/>
-                <a:cs typeface="Courier New" panose="02070309020205020404" pitchFamily="49" charset="0"/>
-              </a:rPr>
-              <a:t>i</a:t>
-            </a:r>
-            <a:r>
-              <a:rPr lang="en-US" sz="1400" b="1" dirty="0">
-                <a:latin typeface="Courier New" panose="02070309020205020404" pitchFamily="49" charset="0"/>
-                <a:cs typeface="Courier New" panose="02070309020205020404" pitchFamily="49" charset="0"/>
-              </a:rPr>
-              <a:t> = </a:t>
-            </a:r>
-            <a:r>
-              <a:rPr lang="en-US" sz="1400" b="1" dirty="0" err="1">
-                <a:latin typeface="Courier New" panose="02070309020205020404" pitchFamily="49" charset="0"/>
-                <a:cs typeface="Courier New" panose="02070309020205020404" pitchFamily="49" charset="0"/>
-              </a:rPr>
-              <a:t>mp.begin</a:t>
-            </a:r>
-            <a:r>
-              <a:rPr lang="en-US" sz="1400" b="1" dirty="0">
-                <a:latin typeface="Courier New" panose="02070309020205020404" pitchFamily="49" charset="0"/>
-                <a:cs typeface="Courier New" panose="02070309020205020404" pitchFamily="49" charset="0"/>
-              </a:rPr>
-              <a:t>(); </a:t>
-            </a:r>
-            <a:r>
-              <a:rPr lang="en-US" sz="1400" b="1" dirty="0" err="1">
-                <a:latin typeface="Courier New" panose="02070309020205020404" pitchFamily="49" charset="0"/>
-                <a:cs typeface="Courier New" panose="02070309020205020404" pitchFamily="49" charset="0"/>
-              </a:rPr>
-              <a:t>i</a:t>
-            </a:r>
-            <a:r>
-              <a:rPr lang="en-US" sz="1400" b="1" dirty="0">
-                <a:latin typeface="Courier New" panose="02070309020205020404" pitchFamily="49" charset="0"/>
-                <a:cs typeface="Courier New" panose="02070309020205020404" pitchFamily="49" charset="0"/>
-              </a:rPr>
-              <a:t> != </a:t>
-            </a:r>
-            <a:r>
-              <a:rPr lang="en-US" sz="1400" b="1" dirty="0" err="1">
-                <a:latin typeface="Courier New" panose="02070309020205020404" pitchFamily="49" charset="0"/>
-                <a:cs typeface="Courier New" panose="02070309020205020404" pitchFamily="49" charset="0"/>
-              </a:rPr>
-              <a:t>mp.end</a:t>
-            </a:r>
-            <a:r>
-              <a:rPr lang="en-US" sz="1400" b="1" dirty="0">
-                <a:latin typeface="Courier New" panose="02070309020205020404" pitchFamily="49" charset="0"/>
-                <a:cs typeface="Courier New" panose="02070309020205020404" pitchFamily="49" charset="0"/>
-              </a:rPr>
-              <a:t>(); ++</a:t>
-            </a:r>
-            <a:r>
-              <a:rPr lang="en-US" sz="1400" b="1" dirty="0" err="1">
-                <a:latin typeface="Courier New" panose="02070309020205020404" pitchFamily="49" charset="0"/>
-                <a:cs typeface="Courier New" panose="02070309020205020404" pitchFamily="49" charset="0"/>
-              </a:rPr>
-              <a:t>i</a:t>
-            </a:r>
-            <a:r>
-              <a:rPr lang="en-US" sz="1400" b="1" dirty="0">
-                <a:latin typeface="Courier New" panose="02070309020205020404" pitchFamily="49" charset="0"/>
-                <a:cs typeface="Courier New" panose="02070309020205020404" pitchFamily="49" charset="0"/>
-              </a:rPr>
-              <a:t>) {</a:t>
-            </a:r>
-          </a:p>
-          <a:p>
-            <a:r>
-              <a:rPr lang="en-US" sz="1400" b="1" dirty="0">
-                <a:latin typeface="Courier New" panose="02070309020205020404" pitchFamily="49" charset="0"/>
-                <a:cs typeface="Courier New" panose="02070309020205020404" pitchFamily="49" charset="0"/>
-              </a:rPr>
-              <a:t>        </a:t>
-            </a:r>
-            <a:r>
-              <a:rPr lang="en-US" sz="1400" b="1" dirty="0" err="1">
-                <a:latin typeface="Courier New" panose="02070309020205020404" pitchFamily="49" charset="0"/>
-                <a:cs typeface="Courier New" panose="02070309020205020404" pitchFamily="49" charset="0"/>
-              </a:rPr>
-              <a:t>cout</a:t>
-            </a:r>
-            <a:r>
-              <a:rPr lang="en-US" sz="1400" b="1" dirty="0">
-                <a:latin typeface="Courier New" panose="02070309020205020404" pitchFamily="49" charset="0"/>
-                <a:cs typeface="Courier New" panose="02070309020205020404" pitchFamily="49" charset="0"/>
-              </a:rPr>
-              <a:t> &lt;&lt; "Key = " &lt;&lt; </a:t>
-            </a:r>
-            <a:r>
-              <a:rPr lang="en-US" sz="1400" b="1" dirty="0" err="1">
-                <a:latin typeface="Courier New" panose="02070309020205020404" pitchFamily="49" charset="0"/>
-                <a:cs typeface="Courier New" panose="02070309020205020404" pitchFamily="49" charset="0"/>
-              </a:rPr>
-              <a:t>i</a:t>
-            </a:r>
-            <a:r>
-              <a:rPr lang="en-US" sz="1400" b="1" dirty="0">
-                <a:latin typeface="Courier New" panose="02070309020205020404" pitchFamily="49" charset="0"/>
-                <a:cs typeface="Courier New" panose="02070309020205020404" pitchFamily="49" charset="0"/>
-              </a:rPr>
-              <a:t>-&gt;first &lt;&lt; ", Value = " &lt;&lt; </a:t>
-            </a:r>
-            <a:r>
-              <a:rPr lang="en-US" sz="1400" b="1" dirty="0" err="1">
-                <a:latin typeface="Courier New" panose="02070309020205020404" pitchFamily="49" charset="0"/>
-                <a:cs typeface="Courier New" panose="02070309020205020404" pitchFamily="49" charset="0"/>
-              </a:rPr>
-              <a:t>i</a:t>
-            </a:r>
-            <a:r>
-              <a:rPr lang="en-US" sz="1400" b="1" dirty="0">
-                <a:latin typeface="Courier New" panose="02070309020205020404" pitchFamily="49" charset="0"/>
-                <a:cs typeface="Courier New" panose="02070309020205020404" pitchFamily="49" charset="0"/>
-              </a:rPr>
-              <a:t>-&gt;second &lt;&lt; </a:t>
-            </a:r>
-            <a:r>
-              <a:rPr lang="en-US" sz="1400" b="1" dirty="0" err="1">
-                <a:latin typeface="Courier New" panose="02070309020205020404" pitchFamily="49" charset="0"/>
-                <a:cs typeface="Courier New" panose="02070309020205020404" pitchFamily="49" charset="0"/>
-              </a:rPr>
-              <a:t>endl</a:t>
-            </a:r>
-            <a:r>
-              <a:rPr lang="en-US" sz="1400" b="1" dirty="0">
-                <a:latin typeface="Courier New" panose="02070309020205020404" pitchFamily="49" charset="0"/>
-                <a:cs typeface="Courier New" panose="02070309020205020404" pitchFamily="49" charset="0"/>
-              </a:rPr>
-              <a:t>;</a:t>
-            </a:r>
-          </a:p>
-          <a:p>
-            <a:r>
-              <a:rPr lang="en-US" sz="1400" b="1" dirty="0">
-                <a:latin typeface="Courier New" panose="02070309020205020404" pitchFamily="49" charset="0"/>
-                <a:cs typeface="Courier New" panose="02070309020205020404" pitchFamily="49" charset="0"/>
-              </a:rPr>
-              <a:t>    }</a:t>
-            </a:r>
-          </a:p>
-          <a:p>
-            <a:r>
-              <a:rPr lang="en-US" sz="1400" b="1" dirty="0">
-                <a:latin typeface="Courier New" panose="02070309020205020404" pitchFamily="49" charset="0"/>
-                <a:cs typeface="Courier New" panose="02070309020205020404" pitchFamily="49" charset="0"/>
-              </a:rPr>
-              <a:t>}</a:t>
-            </a:r>
-          </a:p>
-        </p:txBody>
-      </p:sp>
-      <p:sp>
-        <p:nvSpPr>
-          <p:cNvPr id="5" name="TextBox 4">
-            <a:extLst>
-              <a:ext uri="{FF2B5EF4-FFF2-40B4-BE49-F238E27FC236}">
-                <a16:creationId xmlns:a16="http://schemas.microsoft.com/office/drawing/2014/main" id="{0A1F66FC-D917-3925-AED2-B0917D657EE9}"/>
-              </a:ext>
-            </a:extLst>
-          </p:cNvPr>
-          <p:cNvSpPr txBox="1"/>
-          <p:nvPr/>
-        </p:nvSpPr>
-        <p:spPr>
-          <a:xfrm>
-            <a:off x="9146555" y="868908"/>
-            <a:ext cx="2117887" cy="2893100"/>
-          </a:xfrm>
-          <a:prstGeom prst="rect">
-            <a:avLst/>
-          </a:prstGeom>
-          <a:noFill/>
-          <a:ln w="28575">
-            <a:solidFill>
-              <a:schemeClr val="accent1"/>
-            </a:solidFill>
-          </a:ln>
-        </p:spPr>
-        <p:txBody>
-          <a:bodyPr wrap="none" rtlCol="0">
-            <a:spAutoFit/>
-          </a:bodyPr>
-          <a:lstStyle/>
-          <a:p>
-            <a:r>
-              <a:rPr lang="en-US" sz="1400" b="1" dirty="0">
-                <a:latin typeface="Courier New" panose="02070309020205020404" pitchFamily="49" charset="0"/>
-                <a:cs typeface="Courier New" panose="02070309020205020404" pitchFamily="49" charset="0"/>
-              </a:rPr>
-              <a:t>Testing map class</a:t>
-            </a:r>
-          </a:p>
-          <a:p>
-            <a:r>
-              <a:rPr lang="en-US" sz="1400" b="1" dirty="0">
-                <a:latin typeface="Courier New" panose="02070309020205020404" pitchFamily="49" charset="0"/>
-                <a:cs typeface="Courier New" panose="02070309020205020404" pitchFamily="49" charset="0"/>
-              </a:rPr>
-              <a:t>a 4</a:t>
-            </a:r>
-          </a:p>
-          <a:p>
-            <a:r>
-              <a:rPr lang="en-US" sz="1400" b="1" dirty="0">
-                <a:latin typeface="Courier New" panose="02070309020205020404" pitchFamily="49" charset="0"/>
-                <a:cs typeface="Courier New" panose="02070309020205020404" pitchFamily="49" charset="0"/>
-              </a:rPr>
-              <a:t>b 3</a:t>
-            </a:r>
-          </a:p>
-          <a:p>
-            <a:r>
-              <a:rPr lang="en-US" sz="1400" b="1" dirty="0">
-                <a:latin typeface="Courier New" panose="02070309020205020404" pitchFamily="49" charset="0"/>
-                <a:cs typeface="Courier New" panose="02070309020205020404" pitchFamily="49" charset="0"/>
-              </a:rPr>
-              <a:t>y 2</a:t>
-            </a:r>
-          </a:p>
-          <a:p>
-            <a:r>
-              <a:rPr lang="en-US" sz="1400" b="1" dirty="0">
-                <a:latin typeface="Courier New" panose="02070309020205020404" pitchFamily="49" charset="0"/>
-                <a:cs typeface="Courier New" panose="02070309020205020404" pitchFamily="49" charset="0"/>
-              </a:rPr>
-              <a:t>z 1</a:t>
-            </a:r>
-          </a:p>
-          <a:p>
-            <a:r>
-              <a:rPr lang="en-US" sz="1400" b="1" dirty="0">
-                <a:latin typeface="Courier New" panose="02070309020205020404" pitchFamily="49" charset="0"/>
-                <a:cs typeface="Courier New" panose="02070309020205020404" pitchFamily="49" charset="0"/>
-              </a:rPr>
-              <a:t>z=1</a:t>
-            </a:r>
-          </a:p>
-          <a:p>
-            <a:r>
-              <a:rPr lang="en-US" sz="1400" b="1" dirty="0">
-                <a:latin typeface="Courier New" panose="02070309020205020404" pitchFamily="49" charset="0"/>
-                <a:cs typeface="Courier New" panose="02070309020205020404" pitchFamily="49" charset="0"/>
-              </a:rPr>
-              <a:t>x=42</a:t>
-            </a:r>
-          </a:p>
-          <a:p>
-            <a:endParaRPr lang="en-US" sz="1400" b="1" dirty="0">
-              <a:latin typeface="Courier New" panose="02070309020205020404" pitchFamily="49" charset="0"/>
-              <a:cs typeface="Courier New" panose="02070309020205020404" pitchFamily="49" charset="0"/>
-            </a:endParaRPr>
-          </a:p>
-          <a:p>
-            <a:r>
-              <a:rPr lang="en-US" sz="1400" b="1" dirty="0">
-                <a:latin typeface="Courier New" panose="02070309020205020404" pitchFamily="49" charset="0"/>
-                <a:cs typeface="Courier New" panose="02070309020205020404" pitchFamily="49" charset="0"/>
-              </a:rPr>
-              <a:t>Iterate forwards</a:t>
-            </a:r>
-          </a:p>
-          <a:p>
-            <a:r>
-              <a:rPr lang="en-US" sz="1400" b="1" dirty="0">
-                <a:latin typeface="Courier New" panose="02070309020205020404" pitchFamily="49" charset="0"/>
-                <a:cs typeface="Courier New" panose="02070309020205020404" pitchFamily="49" charset="0"/>
-              </a:rPr>
-              <a:t>Key = a, Value = 4</a:t>
-            </a:r>
-          </a:p>
-          <a:p>
-            <a:r>
-              <a:rPr lang="en-US" sz="1400" b="1" dirty="0">
-                <a:latin typeface="Courier New" panose="02070309020205020404" pitchFamily="49" charset="0"/>
-                <a:cs typeface="Courier New" panose="02070309020205020404" pitchFamily="49" charset="0"/>
-              </a:rPr>
-              <a:t>Key = b, Value = 3</a:t>
-            </a:r>
-          </a:p>
-          <a:p>
-            <a:r>
-              <a:rPr lang="en-US" sz="1400" b="1" dirty="0">
-                <a:latin typeface="Courier New" panose="02070309020205020404" pitchFamily="49" charset="0"/>
-                <a:cs typeface="Courier New" panose="02070309020205020404" pitchFamily="49" charset="0"/>
-              </a:rPr>
-              <a:t>Key = y, Value = 2</a:t>
-            </a:r>
-          </a:p>
-          <a:p>
-            <a:r>
-              <a:rPr lang="en-US" sz="1400" b="1" dirty="0">
-                <a:latin typeface="Courier New" panose="02070309020205020404" pitchFamily="49" charset="0"/>
-                <a:cs typeface="Courier New" panose="02070309020205020404" pitchFamily="49" charset="0"/>
-              </a:rPr>
-              <a:t>Key = z, Value = 1</a:t>
-            </a:r>
-          </a:p>
-        </p:txBody>
-      </p:sp>
-      <p:sp>
-        <p:nvSpPr>
-          <p:cNvPr id="6" name="TextBox 5">
-            <a:extLst>
-              <a:ext uri="{FF2B5EF4-FFF2-40B4-BE49-F238E27FC236}">
-                <a16:creationId xmlns:a16="http://schemas.microsoft.com/office/drawing/2014/main" id="{6F370932-4D8E-9923-8009-A4771C8364AD}"/>
-              </a:ext>
-            </a:extLst>
-          </p:cNvPr>
-          <p:cNvSpPr txBox="1"/>
-          <p:nvPr/>
-        </p:nvSpPr>
-        <p:spPr>
-          <a:xfrm>
-            <a:off x="10463350" y="6338986"/>
-            <a:ext cx="1665696" cy="307777"/>
-          </a:xfrm>
-          <a:prstGeom prst="rect">
-            <a:avLst/>
-          </a:prstGeom>
-          <a:noFill/>
-        </p:spPr>
-        <p:txBody>
-          <a:bodyPr wrap="square">
-            <a:spAutoFit/>
-          </a:bodyPr>
-          <a:lstStyle/>
-          <a:p>
-            <a:r>
-              <a:rPr lang="en-US" sz="1400" b="1" dirty="0">
-                <a:solidFill>
-                  <a:srgbClr val="000000"/>
-                </a:solidFill>
-                <a:latin typeface="Menlo" panose="020B0609030804020204" pitchFamily="49" charset="0"/>
-              </a:rPr>
-              <a:t>cc_05_01.cpp</a:t>
-            </a:r>
-          </a:p>
-        </p:txBody>
-      </p:sp>
-    </p:spTree>
-    <p:extLst>
-      <p:ext uri="{BB962C8B-B14F-4D97-AF65-F5344CB8AC3E}">
-        <p14:creationId xmlns:p14="http://schemas.microsoft.com/office/powerpoint/2010/main" val="685600595"/>
+        <p14:creationId xmlns:p14="http://schemas.microsoft.com/office/powerpoint/2010/main" val="1477089252"/>
       </p:ext>
     </p:extLst>
   </p:cSld>
@@ -16023,7 +15762,7 @@
                 </a:solidFill>
                 <a:latin typeface="Menlo" panose="020B0609030804020204" pitchFamily="49" charset="0"/>
               </a:rPr>
-              <a:t>cc_05_01.py</a:t>
+              <a:t>cc_04_01.py</a:t>
             </a:r>
           </a:p>
         </p:txBody>

--- a/lectures/CC-04-Maps.pptx
+++ b/lectures/CC-04-Maps.pptx
@@ -5775,7 +5775,7 @@
           <a:p>
             <a:r>
               <a:rPr lang="en-US" dirty="0"/>
-              <a:t>Maps – Key / Value Pairs</a:t>
+              <a:t>Modern Maps – Key / Value Pairs</a:t>
             </a:r>
           </a:p>
         </p:txBody>
@@ -5839,34 +5839,8 @@
           <a:p>
             <a:r>
               <a:rPr lang="en-US" dirty="0"/>
-              <a:t>Iterator Pattern to abstract looping through structures independent</a:t>
-            </a:r>
-          </a:p>
-          <a:p>
-            <a:r>
-              <a:rPr lang="en-US" dirty="0"/>
-              <a:t>Reverse Iterator (to show off the power </a:t>
-            </a:r>
-            <a:r>
-              <a:rPr lang="en-US"/>
-              <a:t>of abstraction)</a:t>
-            </a:r>
-            <a:endParaRPr lang="en-US" dirty="0"/>
-          </a:p>
-          <a:p>
-            <a:r>
-              <a:rPr lang="en-US" dirty="0"/>
-              <a:t>Swapping items in a list</a:t>
-            </a:r>
-          </a:p>
-          <a:p>
-            <a:r>
-              <a:rPr lang="en-US" dirty="0"/>
-              <a:t>Sort Keys / Sort Values</a:t>
-            </a:r>
-          </a:p>
-          <a:p>
-            <a:endParaRPr lang="en-US" dirty="0"/>
+              <a:t>Iterator Pattern as an abstraction for looping</a:t>
+            </a:r>
           </a:p>
         </p:txBody>
       </p:sp>
@@ -6462,7 +6436,7 @@
                 </a:solidFill>
                 <a:latin typeface="Menlo" panose="020B0609030804020204" pitchFamily="49" charset="0"/>
               </a:rPr>
-              <a:t>cc_04_01.py</a:t>
+              <a:t>cc_04_03.py</a:t>
             </a:r>
           </a:p>
         </p:txBody>
@@ -7310,7 +7284,7 @@
                 </a:solidFill>
                 <a:latin typeface="Menlo" panose="020B0609030804020204" pitchFamily="49" charset="0"/>
               </a:rPr>
-              <a:t>cc_04_01.php</a:t>
+              <a:t>cc_04_03.php</a:t>
             </a:r>
           </a:p>
         </p:txBody>
@@ -8373,7 +8347,7 @@
                 </a:solidFill>
                 <a:latin typeface="Menlo" panose="020B0609030804020204" pitchFamily="49" charset="0"/>
               </a:rPr>
-              <a:t>cc_04_01.cpp</a:t>
+              <a:t>cc_04_03.cpp</a:t>
             </a:r>
           </a:p>
         </p:txBody>
@@ -9536,7 +9510,7 @@
                 </a:solidFill>
                 <a:latin typeface="Menlo" panose="020B0609030804020204" pitchFamily="49" charset="0"/>
               </a:rPr>
-              <a:t>cc_04_01.java</a:t>
+              <a:t>cc_04_03.java</a:t>
             </a:r>
           </a:p>
         </p:txBody>
@@ -10133,7 +10107,7 @@
                 </a:solidFill>
                 <a:latin typeface="Menlo" panose="020B0609030804020204" pitchFamily="49" charset="0"/>
               </a:rPr>
-              <a:t>cc_04_01.py</a:t>
+              <a:t>cc_04_03.py</a:t>
             </a:r>
           </a:p>
         </p:txBody>
@@ -10809,7 +10783,7 @@
                 </a:solidFill>
                 <a:latin typeface="Menlo" panose="020B0609030804020204" pitchFamily="49" charset="0"/>
               </a:rPr>
-              <a:t>cc_04_01.c</a:t>
+              <a:t>cc_04_03.c</a:t>
             </a:r>
           </a:p>
           <a:p>
@@ -11558,7 +11532,7 @@
                 </a:solidFill>
                 <a:latin typeface="Menlo" panose="020B0609030804020204" pitchFamily="49" charset="0"/>
               </a:rPr>
-              <a:t>cc_04_01.c</a:t>
+              <a:t>cc_04_03.c</a:t>
             </a:r>
           </a:p>
           <a:p>
@@ -11624,7 +11598,7 @@
           <a:p>
             <a:r>
               <a:rPr lang="en-US" dirty="0"/>
-              <a:t>Lets build a Map in C</a:t>
+              <a:t>Lets build a Map Class in C</a:t>
             </a:r>
           </a:p>
         </p:txBody>
@@ -15963,7 +15937,7 @@
                 </a:solidFill>
                 <a:latin typeface="Menlo" panose="020B0609030804020204" pitchFamily="49" charset="0"/>
               </a:rPr>
-              <a:t>cc_05_02.py</a:t>
+              <a:t>cc_05_05.py</a:t>
             </a:r>
           </a:p>
         </p:txBody>
@@ -18123,25 +18097,7 @@
                 </a:solidFill>
                 <a:latin typeface="Menlo" panose="020B0609030804020204" pitchFamily="49" charset="0"/>
               </a:rPr>
-              <a:t>cc</a:t>
-            </a:r>
-            <a:r>
-              <a:rPr lang="en-US" sz="1400" b="1">
-                <a:solidFill>
-                  <a:srgbClr val="000000"/>
-                </a:solidFill>
-                <a:latin typeface="Menlo" panose="020B0609030804020204" pitchFamily="49" charset="0"/>
-              </a:rPr>
-              <a:t>_04_03.</a:t>
-            </a:r>
-            <a:r>
-              <a:rPr lang="en-US" sz="1400" b="1" dirty="0">
-                <a:solidFill>
-                  <a:srgbClr val="000000"/>
-                </a:solidFill>
-                <a:latin typeface="Menlo" panose="020B0609030804020204" pitchFamily="49" charset="0"/>
-              </a:rPr>
-              <a:t>py</a:t>
+              <a:t>cc_04_05.py</a:t>
             </a:r>
           </a:p>
         </p:txBody>

--- a/lectures/CC-04-Maps.pptx
+++ b/lectures/CC-04-Maps.pptx
@@ -28,26 +28,25 @@
     <p:sldId id="260" r:id="rId22"/>
     <p:sldId id="261" r:id="rId23"/>
     <p:sldId id="263" r:id="rId24"/>
-    <p:sldId id="264" r:id="rId25"/>
-    <p:sldId id="265" r:id="rId26"/>
-    <p:sldId id="267" r:id="rId27"/>
-    <p:sldId id="268" r:id="rId28"/>
-    <p:sldId id="269" r:id="rId29"/>
-    <p:sldId id="270" r:id="rId30"/>
-    <p:sldId id="271" r:id="rId31"/>
-    <p:sldId id="274" r:id="rId32"/>
-    <p:sldId id="272" r:id="rId33"/>
-    <p:sldId id="273" r:id="rId34"/>
-    <p:sldId id="275" r:id="rId35"/>
-    <p:sldId id="276" r:id="rId36"/>
-    <p:sldId id="278" r:id="rId37"/>
-    <p:sldId id="279" r:id="rId38"/>
-    <p:sldId id="280" r:id="rId39"/>
-    <p:sldId id="281" r:id="rId40"/>
-    <p:sldId id="283" r:id="rId41"/>
-    <p:sldId id="284" r:id="rId42"/>
-    <p:sldId id="285" r:id="rId43"/>
-    <p:sldId id="282" r:id="rId44"/>
+    <p:sldId id="267" r:id="rId25"/>
+    <p:sldId id="264" r:id="rId26"/>
+    <p:sldId id="268" r:id="rId27"/>
+    <p:sldId id="269" r:id="rId28"/>
+    <p:sldId id="270" r:id="rId29"/>
+    <p:sldId id="271" r:id="rId30"/>
+    <p:sldId id="274" r:id="rId31"/>
+    <p:sldId id="272" r:id="rId32"/>
+    <p:sldId id="273" r:id="rId33"/>
+    <p:sldId id="275" r:id="rId34"/>
+    <p:sldId id="276" r:id="rId35"/>
+    <p:sldId id="278" r:id="rId36"/>
+    <p:sldId id="279" r:id="rId37"/>
+    <p:sldId id="280" r:id="rId38"/>
+    <p:sldId id="281" r:id="rId39"/>
+    <p:sldId id="283" r:id="rId40"/>
+    <p:sldId id="284" r:id="rId41"/>
+    <p:sldId id="285" r:id="rId42"/>
+    <p:sldId id="282" r:id="rId43"/>
   </p:sldIdLst>
   <p:sldSz cx="12192000" cy="6858000"/>
   <p:notesSz cx="6858000" cy="9144000"/>
@@ -8547,8 +8546,8 @@
         </p:nvSpPr>
         <p:spPr>
           <a:xfrm>
-            <a:off x="468035" y="291177"/>
-            <a:ext cx="6301725" cy="6524863"/>
+            <a:off x="468035" y="474345"/>
+            <a:ext cx="10495181" cy="5909310"/>
           </a:xfrm>
           <a:prstGeom prst="rect">
             <a:avLst/>
@@ -8562,21 +8561,21 @@
           <a:lstStyle/>
           <a:p>
             <a:r>
-              <a:rPr lang="en-US" sz="1100" b="1" dirty="0">
+              <a:rPr lang="en-US" sz="1400" b="1" dirty="0">
                 <a:latin typeface="Courier New" panose="02070309020205020404" pitchFamily="49" charset="0"/>
                 <a:cs typeface="Courier New" panose="02070309020205020404" pitchFamily="49" charset="0"/>
               </a:rPr>
               <a:t>import </a:t>
             </a:r>
             <a:r>
-              <a:rPr lang="en-US" sz="1100" b="1" dirty="0" err="1">
+              <a:rPr lang="en-US" sz="1400" b="1" dirty="0" err="1">
                 <a:latin typeface="Courier New" panose="02070309020205020404" pitchFamily="49" charset="0"/>
                 <a:cs typeface="Courier New" panose="02070309020205020404" pitchFamily="49" charset="0"/>
               </a:rPr>
               <a:t>java.util.Map</a:t>
             </a:r>
             <a:r>
-              <a:rPr lang="en-US" sz="1100" b="1" dirty="0">
+              <a:rPr lang="en-US" sz="1400" b="1" dirty="0">
                 <a:latin typeface="Courier New" panose="02070309020205020404" pitchFamily="49" charset="0"/>
                 <a:cs typeface="Courier New" panose="02070309020205020404" pitchFamily="49" charset="0"/>
               </a:rPr>
@@ -8585,21 +8584,21 @@
           </a:p>
           <a:p>
             <a:r>
-              <a:rPr lang="en-US" sz="1100" b="1" dirty="0">
+              <a:rPr lang="en-US" sz="1400" b="1" dirty="0">
                 <a:latin typeface="Courier New" panose="02070309020205020404" pitchFamily="49" charset="0"/>
                 <a:cs typeface="Courier New" panose="02070309020205020404" pitchFamily="49" charset="0"/>
               </a:rPr>
               <a:t>import </a:t>
             </a:r>
             <a:r>
-              <a:rPr lang="en-US" sz="1100" b="1" dirty="0" err="1">
+              <a:rPr lang="en-US" sz="1400" b="1" dirty="0" err="1">
                 <a:latin typeface="Courier New" panose="02070309020205020404" pitchFamily="49" charset="0"/>
                 <a:cs typeface="Courier New" panose="02070309020205020404" pitchFamily="49" charset="0"/>
               </a:rPr>
               <a:t>java.util.TreeMap</a:t>
             </a:r>
             <a:r>
-              <a:rPr lang="en-US" sz="1100" b="1" dirty="0">
+              <a:rPr lang="en-US" sz="1400" b="1" dirty="0">
                 <a:latin typeface="Courier New" panose="02070309020205020404" pitchFamily="49" charset="0"/>
                 <a:cs typeface="Courier New" panose="02070309020205020404" pitchFamily="49" charset="0"/>
               </a:rPr>
@@ -8607,43 +8606,43 @@
             </a:r>
           </a:p>
           <a:p>
-            <a:endParaRPr lang="en-US" sz="1100" b="1" dirty="0">
+            <a:endParaRPr lang="en-US" sz="1400" b="1" dirty="0">
               <a:latin typeface="Courier New" panose="02070309020205020404" pitchFamily="49" charset="0"/>
               <a:cs typeface="Courier New" panose="02070309020205020404" pitchFamily="49" charset="0"/>
             </a:endParaRPr>
           </a:p>
           <a:p>
             <a:r>
-              <a:rPr lang="en-US" sz="1100" b="1" dirty="0">
-                <a:latin typeface="Courier New" panose="02070309020205020404" pitchFamily="49" charset="0"/>
-                <a:cs typeface="Courier New" panose="02070309020205020404" pitchFamily="49" charset="0"/>
-              </a:rPr>
-              <a:t>public class cc_05_01 {</a:t>
-            </a:r>
-          </a:p>
-          <a:p>
-            <a:endParaRPr lang="en-US" sz="1100" b="1" dirty="0">
+              <a:rPr lang="en-US" sz="1400" b="1" dirty="0">
+                <a:latin typeface="Courier New" panose="02070309020205020404" pitchFamily="49" charset="0"/>
+                <a:cs typeface="Courier New" panose="02070309020205020404" pitchFamily="49" charset="0"/>
+              </a:rPr>
+              <a:t>public class cc_04_03 {</a:t>
+            </a:r>
+          </a:p>
+          <a:p>
+            <a:endParaRPr lang="en-US" sz="1400" b="1" dirty="0">
               <a:latin typeface="Courier New" panose="02070309020205020404" pitchFamily="49" charset="0"/>
               <a:cs typeface="Courier New" panose="02070309020205020404" pitchFamily="49" charset="0"/>
             </a:endParaRPr>
           </a:p>
           <a:p>
             <a:r>
-              <a:rPr lang="en-US" sz="1100" b="1" dirty="0">
+              <a:rPr lang="en-US" sz="1400" b="1" dirty="0">
                 <a:latin typeface="Courier New" panose="02070309020205020404" pitchFamily="49" charset="0"/>
                 <a:cs typeface="Courier New" panose="02070309020205020404" pitchFamily="49" charset="0"/>
               </a:rPr>
               <a:t>    public static void main(String[] </a:t>
             </a:r>
             <a:r>
-              <a:rPr lang="en-US" sz="1100" b="1" dirty="0" err="1">
+              <a:rPr lang="en-US" sz="1400" b="1" dirty="0" err="1">
                 <a:latin typeface="Courier New" panose="02070309020205020404" pitchFamily="49" charset="0"/>
                 <a:cs typeface="Courier New" panose="02070309020205020404" pitchFamily="49" charset="0"/>
               </a:rPr>
               <a:t>args</a:t>
             </a:r>
             <a:r>
-              <a:rPr lang="en-US" sz="1100" b="1" dirty="0">
+              <a:rPr lang="en-US" sz="1400" b="1" dirty="0">
                 <a:latin typeface="Courier New" panose="02070309020205020404" pitchFamily="49" charset="0"/>
                 <a:cs typeface="Courier New" panose="02070309020205020404" pitchFamily="49" charset="0"/>
               </a:rPr>
@@ -8652,30 +8651,30 @@
           </a:p>
           <a:p>
             <a:r>
-              <a:rPr lang="en-US" sz="1100" b="1" dirty="0">
-                <a:latin typeface="Courier New" panose="02070309020205020404" pitchFamily="49" charset="0"/>
-                <a:cs typeface="Courier New" panose="02070309020205020404" pitchFamily="49" charset="0"/>
-              </a:rPr>
-              <a:t>    {   </a:t>
-            </a:r>
-          </a:p>
-          <a:p>
-            <a:r>
-              <a:rPr lang="en-US" sz="1100" b="1" dirty="0">
+              <a:rPr lang="en-US" sz="1400" b="1" dirty="0">
+                <a:latin typeface="Courier New" panose="02070309020205020404" pitchFamily="49" charset="0"/>
+                <a:cs typeface="Courier New" panose="02070309020205020404" pitchFamily="49" charset="0"/>
+              </a:rPr>
+              <a:t>    {</a:t>
+            </a:r>
+          </a:p>
+          <a:p>
+            <a:r>
+              <a:rPr lang="en-US" sz="1400" b="1" dirty="0">
                 <a:latin typeface="Courier New" panose="02070309020205020404" pitchFamily="49" charset="0"/>
                 <a:cs typeface="Courier New" panose="02070309020205020404" pitchFamily="49" charset="0"/>
               </a:rPr>
               <a:t>        Map&lt;String, Integer&gt; map = new </a:t>
             </a:r>
             <a:r>
-              <a:rPr lang="en-US" sz="1100" b="1" dirty="0" err="1">
+              <a:rPr lang="en-US" sz="1400" b="1" dirty="0" err="1">
                 <a:latin typeface="Courier New" panose="02070309020205020404" pitchFamily="49" charset="0"/>
                 <a:cs typeface="Courier New" panose="02070309020205020404" pitchFamily="49" charset="0"/>
               </a:rPr>
               <a:t>TreeMap</a:t>
             </a:r>
             <a:r>
-              <a:rPr lang="en-US" sz="1100" b="1" dirty="0">
+              <a:rPr lang="en-US" sz="1400" b="1" dirty="0">
                 <a:latin typeface="Courier New" panose="02070309020205020404" pitchFamily="49" charset="0"/>
                 <a:cs typeface="Courier New" panose="02070309020205020404" pitchFamily="49" charset="0"/>
               </a:rPr>
@@ -8683,28 +8682,28 @@
             </a:r>
           </a:p>
           <a:p>
-            <a:endParaRPr lang="en-US" sz="1100" b="1" dirty="0">
+            <a:endParaRPr lang="en-US" sz="1400" b="1" dirty="0">
               <a:latin typeface="Courier New" panose="02070309020205020404" pitchFamily="49" charset="0"/>
               <a:cs typeface="Courier New" panose="02070309020205020404" pitchFamily="49" charset="0"/>
             </a:endParaRPr>
           </a:p>
           <a:p>
             <a:r>
-              <a:rPr lang="en-US" sz="1100" b="1" dirty="0">
+              <a:rPr lang="en-US" sz="1400" b="1" dirty="0">
                 <a:latin typeface="Courier New" panose="02070309020205020404" pitchFamily="49" charset="0"/>
                 <a:cs typeface="Courier New" panose="02070309020205020404" pitchFamily="49" charset="0"/>
               </a:rPr>
               <a:t>        </a:t>
             </a:r>
             <a:r>
-              <a:rPr lang="en-US" sz="1100" b="1" dirty="0" err="1">
+              <a:rPr lang="en-US" sz="1400" b="1" dirty="0" err="1">
                 <a:latin typeface="Courier New" panose="02070309020205020404" pitchFamily="49" charset="0"/>
                 <a:cs typeface="Courier New" panose="02070309020205020404" pitchFamily="49" charset="0"/>
               </a:rPr>
               <a:t>System.out.printf</a:t>
             </a:r>
             <a:r>
-              <a:rPr lang="en-US" sz="1100" b="1" dirty="0">
+              <a:rPr lang="en-US" sz="1400" b="1" dirty="0">
                 <a:latin typeface="Courier New" panose="02070309020205020404" pitchFamily="49" charset="0"/>
                 <a:cs typeface="Courier New" panose="02070309020205020404" pitchFamily="49" charset="0"/>
               </a:rPr>
@@ -8713,21 +8712,21 @@
           </a:p>
           <a:p>
             <a:r>
-              <a:rPr lang="en-US" sz="1100" b="1" dirty="0">
+              <a:rPr lang="en-US" sz="1400" b="1" dirty="0">
                 <a:latin typeface="Courier New" panose="02070309020205020404" pitchFamily="49" charset="0"/>
                 <a:cs typeface="Courier New" panose="02070309020205020404" pitchFamily="49" charset="0"/>
               </a:rPr>
               <a:t>        </a:t>
             </a:r>
             <a:r>
-              <a:rPr lang="en-US" sz="1100" b="1" dirty="0" err="1">
+              <a:rPr lang="en-US" sz="1400" b="1" dirty="0" err="1">
                 <a:latin typeface="Courier New" panose="02070309020205020404" pitchFamily="49" charset="0"/>
                 <a:cs typeface="Courier New" panose="02070309020205020404" pitchFamily="49" charset="0"/>
               </a:rPr>
               <a:t>map.put</a:t>
             </a:r>
             <a:r>
-              <a:rPr lang="en-US" sz="1100" b="1" dirty="0">
+              <a:rPr lang="en-US" sz="1400" b="1" dirty="0">
                 <a:latin typeface="Courier New" panose="02070309020205020404" pitchFamily="49" charset="0"/>
                 <a:cs typeface="Courier New" panose="02070309020205020404" pitchFamily="49" charset="0"/>
               </a:rPr>
@@ -8736,21 +8735,21 @@
           </a:p>
           <a:p>
             <a:r>
-              <a:rPr lang="en-US" sz="1100" b="1" dirty="0">
+              <a:rPr lang="en-US" sz="1400" b="1" dirty="0">
                 <a:latin typeface="Courier New" panose="02070309020205020404" pitchFamily="49" charset="0"/>
                 <a:cs typeface="Courier New" panose="02070309020205020404" pitchFamily="49" charset="0"/>
               </a:rPr>
               <a:t>        </a:t>
             </a:r>
             <a:r>
-              <a:rPr lang="en-US" sz="1100" b="1" dirty="0" err="1">
+              <a:rPr lang="en-US" sz="1400" b="1" dirty="0" err="1">
                 <a:latin typeface="Courier New" panose="02070309020205020404" pitchFamily="49" charset="0"/>
                 <a:cs typeface="Courier New" panose="02070309020205020404" pitchFamily="49" charset="0"/>
               </a:rPr>
               <a:t>map.put</a:t>
             </a:r>
             <a:r>
-              <a:rPr lang="en-US" sz="1100" b="1" dirty="0">
+              <a:rPr lang="en-US" sz="1400" b="1" dirty="0">
                 <a:latin typeface="Courier New" panose="02070309020205020404" pitchFamily="49" charset="0"/>
                 <a:cs typeface="Courier New" panose="02070309020205020404" pitchFamily="49" charset="0"/>
               </a:rPr>
@@ -8759,21 +8758,21 @@
           </a:p>
           <a:p>
             <a:r>
-              <a:rPr lang="en-US" sz="1100" b="1" dirty="0">
+              <a:rPr lang="en-US" sz="1400" b="1" dirty="0">
                 <a:latin typeface="Courier New" panose="02070309020205020404" pitchFamily="49" charset="0"/>
                 <a:cs typeface="Courier New" panose="02070309020205020404" pitchFamily="49" charset="0"/>
               </a:rPr>
               <a:t>        </a:t>
             </a:r>
             <a:r>
-              <a:rPr lang="en-US" sz="1100" b="1" dirty="0" err="1">
+              <a:rPr lang="en-US" sz="1400" b="1" dirty="0" err="1">
                 <a:latin typeface="Courier New" panose="02070309020205020404" pitchFamily="49" charset="0"/>
                 <a:cs typeface="Courier New" panose="02070309020205020404" pitchFamily="49" charset="0"/>
               </a:rPr>
               <a:t>map.put</a:t>
             </a:r>
             <a:r>
-              <a:rPr lang="en-US" sz="1100" b="1" dirty="0">
+              <a:rPr lang="en-US" sz="1400" b="1" dirty="0">
                 <a:latin typeface="Courier New" panose="02070309020205020404" pitchFamily="49" charset="0"/>
                 <a:cs typeface="Courier New" panose="02070309020205020404" pitchFamily="49" charset="0"/>
               </a:rPr>
@@ -8782,21 +8781,21 @@
           </a:p>
           <a:p>
             <a:r>
-              <a:rPr lang="en-US" sz="1100" b="1" dirty="0">
+              <a:rPr lang="en-US" sz="1400" b="1" dirty="0">
                 <a:latin typeface="Courier New" panose="02070309020205020404" pitchFamily="49" charset="0"/>
                 <a:cs typeface="Courier New" panose="02070309020205020404" pitchFamily="49" charset="0"/>
               </a:rPr>
               <a:t>        </a:t>
             </a:r>
             <a:r>
-              <a:rPr lang="en-US" sz="1100" b="1" dirty="0" err="1">
+              <a:rPr lang="en-US" sz="1400" b="1" dirty="0" err="1">
                 <a:latin typeface="Courier New" panose="02070309020205020404" pitchFamily="49" charset="0"/>
                 <a:cs typeface="Courier New" panose="02070309020205020404" pitchFamily="49" charset="0"/>
               </a:rPr>
               <a:t>map.put</a:t>
             </a:r>
             <a:r>
-              <a:rPr lang="en-US" sz="1100" b="1" dirty="0">
+              <a:rPr lang="en-US" sz="1400" b="1" dirty="0">
                 <a:latin typeface="Courier New" panose="02070309020205020404" pitchFamily="49" charset="0"/>
                 <a:cs typeface="Courier New" panose="02070309020205020404" pitchFamily="49" charset="0"/>
               </a:rPr>
@@ -8805,21 +8804,21 @@
           </a:p>
           <a:p>
             <a:r>
-              <a:rPr lang="en-US" sz="1100" b="1" dirty="0">
+              <a:rPr lang="en-US" sz="1400" b="1" dirty="0">
                 <a:latin typeface="Courier New" panose="02070309020205020404" pitchFamily="49" charset="0"/>
                 <a:cs typeface="Courier New" panose="02070309020205020404" pitchFamily="49" charset="0"/>
               </a:rPr>
               <a:t>        </a:t>
             </a:r>
             <a:r>
-              <a:rPr lang="en-US" sz="1100" b="1" dirty="0" err="1">
+              <a:rPr lang="en-US" sz="1400" b="1" dirty="0" err="1">
                 <a:latin typeface="Courier New" panose="02070309020205020404" pitchFamily="49" charset="0"/>
                 <a:cs typeface="Courier New" panose="02070309020205020404" pitchFamily="49" charset="0"/>
               </a:rPr>
               <a:t>map.put</a:t>
             </a:r>
             <a:r>
-              <a:rPr lang="en-US" sz="1100" b="1" dirty="0">
+              <a:rPr lang="en-US" sz="1400" b="1" dirty="0">
                 <a:latin typeface="Courier New" panose="02070309020205020404" pitchFamily="49" charset="0"/>
                 <a:cs typeface="Courier New" panose="02070309020205020404" pitchFamily="49" charset="0"/>
               </a:rPr>
@@ -8828,21 +8827,21 @@
           </a:p>
           <a:p>
             <a:r>
-              <a:rPr lang="en-US" sz="1100" b="1" dirty="0">
+              <a:rPr lang="en-US" sz="1400" b="1" dirty="0">
                 <a:latin typeface="Courier New" panose="02070309020205020404" pitchFamily="49" charset="0"/>
                 <a:cs typeface="Courier New" panose="02070309020205020404" pitchFamily="49" charset="0"/>
               </a:rPr>
               <a:t>        </a:t>
             </a:r>
             <a:r>
-              <a:rPr lang="en-US" sz="1100" b="1" dirty="0" err="1">
+              <a:rPr lang="en-US" sz="1400" b="1" dirty="0" err="1">
                 <a:latin typeface="Courier New" panose="02070309020205020404" pitchFamily="49" charset="0"/>
                 <a:cs typeface="Courier New" panose="02070309020205020404" pitchFamily="49" charset="0"/>
               </a:rPr>
               <a:t>System.out.println</a:t>
             </a:r>
             <a:r>
-              <a:rPr lang="en-US" sz="1100" b="1" dirty="0">
+              <a:rPr lang="en-US" sz="1400" b="1" dirty="0">
                 <a:latin typeface="Courier New" panose="02070309020205020404" pitchFamily="49" charset="0"/>
                 <a:cs typeface="Courier New" panose="02070309020205020404" pitchFamily="49" charset="0"/>
               </a:rPr>
@@ -8850,42 +8849,42 @@
             </a:r>
           </a:p>
           <a:p>
-            <a:endParaRPr lang="en-US" sz="1100" b="1" dirty="0">
+            <a:endParaRPr lang="en-US" sz="1400" b="1" dirty="0">
               <a:latin typeface="Courier New" panose="02070309020205020404" pitchFamily="49" charset="0"/>
               <a:cs typeface="Courier New" panose="02070309020205020404" pitchFamily="49" charset="0"/>
             </a:endParaRPr>
           </a:p>
           <a:p>
             <a:r>
-              <a:rPr lang="en-US" sz="1100" b="1" dirty="0">
+              <a:rPr lang="en-US" sz="1400" b="1" dirty="0">
                 <a:latin typeface="Courier New" panose="02070309020205020404" pitchFamily="49" charset="0"/>
                 <a:cs typeface="Courier New" panose="02070309020205020404" pitchFamily="49" charset="0"/>
               </a:rPr>
               <a:t>        </a:t>
             </a:r>
             <a:r>
-              <a:rPr lang="en-US" sz="1100" b="1" dirty="0" err="1">
+              <a:rPr lang="en-US" sz="1400" b="1" dirty="0" err="1">
                 <a:latin typeface="Courier New" panose="02070309020205020404" pitchFamily="49" charset="0"/>
                 <a:cs typeface="Courier New" panose="02070309020205020404" pitchFamily="49" charset="0"/>
               </a:rPr>
               <a:t>System.out.println</a:t>
             </a:r>
             <a:r>
-              <a:rPr lang="en-US" sz="1100" b="1" dirty="0">
+              <a:rPr lang="en-US" sz="1400" b="1" dirty="0">
                 <a:latin typeface="Courier New" panose="02070309020205020404" pitchFamily="49" charset="0"/>
                 <a:cs typeface="Courier New" panose="02070309020205020404" pitchFamily="49" charset="0"/>
               </a:rPr>
               <a:t>("z="+</a:t>
             </a:r>
             <a:r>
-              <a:rPr lang="en-US" sz="1100" b="1" dirty="0" err="1">
+              <a:rPr lang="en-US" sz="1400" b="1" dirty="0" err="1">
                 <a:latin typeface="Courier New" panose="02070309020205020404" pitchFamily="49" charset="0"/>
                 <a:cs typeface="Courier New" panose="02070309020205020404" pitchFamily="49" charset="0"/>
               </a:rPr>
               <a:t>map.getOrDefault</a:t>
             </a:r>
             <a:r>
-              <a:rPr lang="en-US" sz="1100" b="1" dirty="0">
+              <a:rPr lang="en-US" sz="1400" b="1" dirty="0">
                 <a:latin typeface="Courier New" panose="02070309020205020404" pitchFamily="49" charset="0"/>
                 <a:cs typeface="Courier New" panose="02070309020205020404" pitchFamily="49" charset="0"/>
               </a:rPr>
@@ -8894,35 +8893,35 @@
           </a:p>
           <a:p>
             <a:r>
-              <a:rPr lang="en-US" sz="1100" b="1" dirty="0">
+              <a:rPr lang="en-US" sz="1400" b="1" dirty="0">
                 <a:latin typeface="Courier New" panose="02070309020205020404" pitchFamily="49" charset="0"/>
                 <a:cs typeface="Courier New" panose="02070309020205020404" pitchFamily="49" charset="0"/>
               </a:rPr>
               <a:t>        </a:t>
             </a:r>
             <a:r>
-              <a:rPr lang="en-US" sz="1100" b="1" dirty="0" err="1">
+              <a:rPr lang="en-US" sz="1400" b="1" dirty="0" err="1">
                 <a:latin typeface="Courier New" panose="02070309020205020404" pitchFamily="49" charset="0"/>
                 <a:cs typeface="Courier New" panose="02070309020205020404" pitchFamily="49" charset="0"/>
               </a:rPr>
               <a:t>System.out.println</a:t>
             </a:r>
             <a:r>
-              <a:rPr lang="en-US" sz="1100" b="1" dirty="0">
+              <a:rPr lang="en-US" sz="1400" b="1" dirty="0">
                 <a:latin typeface="Courier New" panose="02070309020205020404" pitchFamily="49" charset="0"/>
                 <a:cs typeface="Courier New" panose="02070309020205020404" pitchFamily="49" charset="0"/>
               </a:rPr>
               <a:t>("x="+</a:t>
             </a:r>
             <a:r>
-              <a:rPr lang="en-US" sz="1100" b="1" dirty="0" err="1">
+              <a:rPr lang="en-US" sz="1400" b="1" dirty="0" err="1">
                 <a:latin typeface="Courier New" panose="02070309020205020404" pitchFamily="49" charset="0"/>
                 <a:cs typeface="Courier New" panose="02070309020205020404" pitchFamily="49" charset="0"/>
               </a:rPr>
               <a:t>map.getOrDefault</a:t>
             </a:r>
             <a:r>
-              <a:rPr lang="en-US" sz="1100" b="1" dirty="0">
+              <a:rPr lang="en-US" sz="1400" b="1" dirty="0">
                 <a:latin typeface="Courier New" panose="02070309020205020404" pitchFamily="49" charset="0"/>
                 <a:cs typeface="Courier New" panose="02070309020205020404" pitchFamily="49" charset="0"/>
               </a:rPr>
@@ -8930,93 +8929,93 @@
             </a:r>
           </a:p>
           <a:p>
-            <a:endParaRPr lang="en-US" sz="1100" b="1" dirty="0">
+            <a:endParaRPr lang="en-US" sz="1400" b="1" dirty="0">
               <a:latin typeface="Courier New" panose="02070309020205020404" pitchFamily="49" charset="0"/>
               <a:cs typeface="Courier New" panose="02070309020205020404" pitchFamily="49" charset="0"/>
             </a:endParaRPr>
           </a:p>
           <a:p>
             <a:r>
-              <a:rPr lang="en-US" sz="1100" b="1" dirty="0">
+              <a:rPr lang="en-US" sz="1400" b="1" dirty="0">
                 <a:latin typeface="Courier New" panose="02070309020205020404" pitchFamily="49" charset="0"/>
                 <a:cs typeface="Courier New" panose="02070309020205020404" pitchFamily="49" charset="0"/>
               </a:rPr>
               <a:t>        </a:t>
             </a:r>
             <a:r>
-              <a:rPr lang="en-US" sz="1100" b="1" dirty="0" err="1">
+              <a:rPr lang="en-US" sz="1400" b="1" dirty="0" err="1">
                 <a:latin typeface="Courier New" panose="02070309020205020404" pitchFamily="49" charset="0"/>
                 <a:cs typeface="Courier New" panose="02070309020205020404" pitchFamily="49" charset="0"/>
               </a:rPr>
               <a:t>System.out.printf</a:t>
             </a:r>
             <a:r>
-              <a:rPr lang="en-US" sz="1100" b="1" dirty="0">
+              <a:rPr lang="en-US" sz="1400" b="1" dirty="0">
                 <a:latin typeface="Courier New" panose="02070309020205020404" pitchFamily="49" charset="0"/>
                 <a:cs typeface="Courier New" panose="02070309020205020404" pitchFamily="49" charset="0"/>
               </a:rPr>
               <a:t>("\</a:t>
             </a:r>
             <a:r>
-              <a:rPr lang="en-US" sz="1100" b="1" dirty="0" err="1">
+              <a:rPr lang="en-US" sz="1400" b="1" dirty="0" err="1">
                 <a:latin typeface="Courier New" panose="02070309020205020404" pitchFamily="49" charset="0"/>
                 <a:cs typeface="Courier New" panose="02070309020205020404" pitchFamily="49" charset="0"/>
               </a:rPr>
               <a:t>nIterate</a:t>
             </a:r>
             <a:r>
-              <a:rPr lang="en-US" sz="1100" b="1" dirty="0">
-                <a:latin typeface="Courier New" panose="02070309020205020404" pitchFamily="49" charset="0"/>
-                <a:cs typeface="Courier New" panose="02070309020205020404" pitchFamily="49" charset="0"/>
-              </a:rPr>
-              <a:t> forwards\n");</a:t>
-            </a:r>
-          </a:p>
-          <a:p>
-            <a:r>
-              <a:rPr lang="en-US" sz="1100" b="1" dirty="0">
+              <a:rPr lang="en-US" sz="1400" b="1" dirty="0">
+                <a:latin typeface="Courier New" panose="02070309020205020404" pitchFamily="49" charset="0"/>
+                <a:cs typeface="Courier New" panose="02070309020205020404" pitchFamily="49" charset="0"/>
+              </a:rPr>
+              <a:t>\n");</a:t>
+            </a:r>
+          </a:p>
+          <a:p>
+            <a:r>
+              <a:rPr lang="en-US" sz="1400" b="1" dirty="0">
                 <a:latin typeface="Courier New" panose="02070309020205020404" pitchFamily="49" charset="0"/>
                 <a:cs typeface="Courier New" panose="02070309020205020404" pitchFamily="49" charset="0"/>
               </a:rPr>
               <a:t>        for (</a:t>
             </a:r>
             <a:r>
-              <a:rPr lang="en-US" sz="1100" b="1" dirty="0" err="1">
+              <a:rPr lang="en-US" sz="1400" b="1" dirty="0" err="1">
                 <a:latin typeface="Courier New" panose="02070309020205020404" pitchFamily="49" charset="0"/>
                 <a:cs typeface="Courier New" panose="02070309020205020404" pitchFamily="49" charset="0"/>
               </a:rPr>
               <a:t>Map.Entry</a:t>
             </a:r>
             <a:r>
-              <a:rPr lang="en-US" sz="1100" b="1" dirty="0">
+              <a:rPr lang="en-US" sz="1400" b="1" dirty="0">
                 <a:latin typeface="Courier New" panose="02070309020205020404" pitchFamily="49" charset="0"/>
                 <a:cs typeface="Courier New" panose="02070309020205020404" pitchFamily="49" charset="0"/>
               </a:rPr>
               <a:t>&lt;</a:t>
             </a:r>
             <a:r>
-              <a:rPr lang="en-US" sz="1100" b="1" dirty="0" err="1">
+              <a:rPr lang="en-US" sz="1400" b="1" dirty="0" err="1">
                 <a:latin typeface="Courier New" panose="02070309020205020404" pitchFamily="49" charset="0"/>
                 <a:cs typeface="Courier New" panose="02070309020205020404" pitchFamily="49" charset="0"/>
               </a:rPr>
               <a:t>String,Integer</a:t>
             </a:r>
             <a:r>
-              <a:rPr lang="en-US" sz="1100" b="1" dirty="0">
+              <a:rPr lang="en-US" sz="1400" b="1" dirty="0">
                 <a:latin typeface="Courier New" panose="02070309020205020404" pitchFamily="49" charset="0"/>
                 <a:cs typeface="Courier New" panose="02070309020205020404" pitchFamily="49" charset="0"/>
               </a:rPr>
               <a:t>&gt; entry : </a:t>
             </a:r>
             <a:r>
-              <a:rPr lang="en-US" sz="1100" b="1" dirty="0" err="1">
+              <a:rPr lang="en-US" sz="1400" b="1" dirty="0" err="1">
                 <a:latin typeface="Courier New" panose="02070309020205020404" pitchFamily="49" charset="0"/>
                 <a:cs typeface="Courier New" panose="02070309020205020404" pitchFamily="49" charset="0"/>
               </a:rPr>
               <a:t>map.entrySet</a:t>
             </a:r>
             <a:r>
-              <a:rPr lang="en-US" sz="1100" b="1" dirty="0">
+              <a:rPr lang="en-US" sz="1400" b="1" dirty="0">
                 <a:latin typeface="Courier New" panose="02070309020205020404" pitchFamily="49" charset="0"/>
                 <a:cs typeface="Courier New" panose="02070309020205020404" pitchFamily="49" charset="0"/>
               </a:rPr>
@@ -9025,58 +9024,49 @@
           </a:p>
           <a:p>
             <a:r>
-              <a:rPr lang="en-US" sz="1100" b="1" dirty="0">
+              <a:rPr lang="en-US" sz="1400" b="1" dirty="0">
                 <a:latin typeface="Courier New" panose="02070309020205020404" pitchFamily="49" charset="0"/>
                 <a:cs typeface="Courier New" panose="02070309020205020404" pitchFamily="49" charset="0"/>
               </a:rPr>
               <a:t>                </a:t>
             </a:r>
             <a:r>
-              <a:rPr lang="en-US" sz="1100" b="1" dirty="0" err="1">
+              <a:rPr lang="en-US" sz="1400" b="1" dirty="0" err="1">
                 <a:latin typeface="Courier New" panose="02070309020205020404" pitchFamily="49" charset="0"/>
                 <a:cs typeface="Courier New" panose="02070309020205020404" pitchFamily="49" charset="0"/>
               </a:rPr>
               <a:t>System.out.println</a:t>
             </a:r>
             <a:r>
-              <a:rPr lang="en-US" sz="1100" b="1" dirty="0">
+              <a:rPr lang="en-US" sz="1400" b="1" dirty="0">
                 <a:latin typeface="Courier New" panose="02070309020205020404" pitchFamily="49" charset="0"/>
                 <a:cs typeface="Courier New" panose="02070309020205020404" pitchFamily="49" charset="0"/>
               </a:rPr>
               <a:t>("Key = " + </a:t>
             </a:r>
             <a:r>
-              <a:rPr lang="en-US" sz="1100" b="1" dirty="0" err="1">
+              <a:rPr lang="en-US" sz="1400" b="1" dirty="0" err="1">
                 <a:latin typeface="Courier New" panose="02070309020205020404" pitchFamily="49" charset="0"/>
                 <a:cs typeface="Courier New" panose="02070309020205020404" pitchFamily="49" charset="0"/>
               </a:rPr>
               <a:t>entry.getKey</a:t>
             </a:r>
             <a:r>
-              <a:rPr lang="en-US" sz="1100" b="1" dirty="0">
-                <a:latin typeface="Courier New" panose="02070309020205020404" pitchFamily="49" charset="0"/>
-                <a:cs typeface="Courier New" panose="02070309020205020404" pitchFamily="49" charset="0"/>
-              </a:rPr>
-              <a:t>() + ", </a:t>
-            </a:r>
-          </a:p>
-          <a:p>
-            <a:r>
-              <a:rPr lang="en-US" sz="1100" b="1" dirty="0">
-                <a:latin typeface="Courier New" panose="02070309020205020404" pitchFamily="49" charset="0"/>
-                <a:cs typeface="Courier New" panose="02070309020205020404" pitchFamily="49" charset="0"/>
-              </a:rPr>
-              <a:t>                     Value = " + </a:t>
-            </a:r>
-            <a:r>
-              <a:rPr lang="en-US" sz="1100" b="1" dirty="0" err="1">
+              <a:rPr lang="en-US" sz="1400" b="1" dirty="0">
+                <a:latin typeface="Courier New" panose="02070309020205020404" pitchFamily="49" charset="0"/>
+                <a:cs typeface="Courier New" panose="02070309020205020404" pitchFamily="49" charset="0"/>
+              </a:rPr>
+              <a:t>() + ", Value = " + </a:t>
+            </a:r>
+            <a:r>
+              <a:rPr lang="en-US" sz="1400" b="1" dirty="0" err="1">
                 <a:latin typeface="Courier New" panose="02070309020205020404" pitchFamily="49" charset="0"/>
                 <a:cs typeface="Courier New" panose="02070309020205020404" pitchFamily="49" charset="0"/>
               </a:rPr>
               <a:t>entry.getValue</a:t>
             </a:r>
             <a:r>
-              <a:rPr lang="en-US" sz="1100" b="1" dirty="0">
+              <a:rPr lang="en-US" sz="1400" b="1" dirty="0">
                 <a:latin typeface="Courier New" panose="02070309020205020404" pitchFamily="49" charset="0"/>
                 <a:cs typeface="Courier New" panose="02070309020205020404" pitchFamily="49" charset="0"/>
               </a:rPr>
@@ -9085,7 +9075,7 @@
           </a:p>
           <a:p>
             <a:r>
-              <a:rPr lang="en-US" sz="1100" b="1" dirty="0">
+              <a:rPr lang="en-US" sz="1400" b="1" dirty="0">
                 <a:latin typeface="Courier New" panose="02070309020205020404" pitchFamily="49" charset="0"/>
                 <a:cs typeface="Courier New" panose="02070309020205020404" pitchFamily="49" charset="0"/>
               </a:rPr>
@@ -9093,241 +9083,14 @@
             </a:r>
           </a:p>
           <a:p>
-            <a:endParaRPr lang="en-US" sz="1100" b="1" dirty="0">
+            <a:endParaRPr lang="en-US" sz="1400" b="1" dirty="0">
               <a:latin typeface="Courier New" panose="02070309020205020404" pitchFamily="49" charset="0"/>
               <a:cs typeface="Courier New" panose="02070309020205020404" pitchFamily="49" charset="0"/>
             </a:endParaRPr>
           </a:p>
           <a:p>
             <a:r>
-              <a:rPr lang="en-US" sz="1100" b="1" dirty="0">
-                <a:latin typeface="Courier New" panose="02070309020205020404" pitchFamily="49" charset="0"/>
-                <a:cs typeface="Courier New" panose="02070309020205020404" pitchFamily="49" charset="0"/>
-              </a:rPr>
-              <a:t>        Integer max = null;</a:t>
-            </a:r>
-          </a:p>
-          <a:p>
-            <a:r>
-              <a:rPr lang="en-US" sz="1100" b="1" dirty="0">
-                <a:latin typeface="Courier New" panose="02070309020205020404" pitchFamily="49" charset="0"/>
-                <a:cs typeface="Courier New" panose="02070309020205020404" pitchFamily="49" charset="0"/>
-              </a:rPr>
-              <a:t>        String </a:t>
-            </a:r>
-            <a:r>
-              <a:rPr lang="en-US" sz="1100" b="1" dirty="0" err="1">
-                <a:latin typeface="Courier New" panose="02070309020205020404" pitchFamily="49" charset="0"/>
-                <a:cs typeface="Courier New" panose="02070309020205020404" pitchFamily="49" charset="0"/>
-              </a:rPr>
-              <a:t>max_key</a:t>
-            </a:r>
-            <a:r>
-              <a:rPr lang="en-US" sz="1100" b="1" dirty="0">
-                <a:latin typeface="Courier New" panose="02070309020205020404" pitchFamily="49" charset="0"/>
-                <a:cs typeface="Courier New" panose="02070309020205020404" pitchFamily="49" charset="0"/>
-              </a:rPr>
-              <a:t> = null;</a:t>
-            </a:r>
-          </a:p>
-          <a:p>
-            <a:r>
-              <a:rPr lang="en-US" sz="1100" b="1" dirty="0">
-                <a:latin typeface="Courier New" panose="02070309020205020404" pitchFamily="49" charset="0"/>
-                <a:cs typeface="Courier New" panose="02070309020205020404" pitchFamily="49" charset="0"/>
-              </a:rPr>
-              <a:t>        for (</a:t>
-            </a:r>
-            <a:r>
-              <a:rPr lang="en-US" sz="1100" b="1" dirty="0" err="1">
-                <a:latin typeface="Courier New" panose="02070309020205020404" pitchFamily="49" charset="0"/>
-                <a:cs typeface="Courier New" panose="02070309020205020404" pitchFamily="49" charset="0"/>
-              </a:rPr>
-              <a:t>Map.Entry</a:t>
-            </a:r>
-            <a:r>
-              <a:rPr lang="en-US" sz="1100" b="1" dirty="0">
-                <a:latin typeface="Courier New" panose="02070309020205020404" pitchFamily="49" charset="0"/>
-                <a:cs typeface="Courier New" panose="02070309020205020404" pitchFamily="49" charset="0"/>
-              </a:rPr>
-              <a:t>&lt;</a:t>
-            </a:r>
-            <a:r>
-              <a:rPr lang="en-US" sz="1100" b="1" dirty="0" err="1">
-                <a:latin typeface="Courier New" panose="02070309020205020404" pitchFamily="49" charset="0"/>
-                <a:cs typeface="Courier New" panose="02070309020205020404" pitchFamily="49" charset="0"/>
-              </a:rPr>
-              <a:t>String,Integer</a:t>
-            </a:r>
-            <a:r>
-              <a:rPr lang="en-US" sz="1100" b="1" dirty="0">
-                <a:latin typeface="Courier New" panose="02070309020205020404" pitchFamily="49" charset="0"/>
-                <a:cs typeface="Courier New" panose="02070309020205020404" pitchFamily="49" charset="0"/>
-              </a:rPr>
-              <a:t>&gt; entry : </a:t>
-            </a:r>
-            <a:r>
-              <a:rPr lang="en-US" sz="1100" b="1" dirty="0" err="1">
-                <a:latin typeface="Courier New" panose="02070309020205020404" pitchFamily="49" charset="0"/>
-                <a:cs typeface="Courier New" panose="02070309020205020404" pitchFamily="49" charset="0"/>
-              </a:rPr>
-              <a:t>map.entrySet</a:t>
-            </a:r>
-            <a:r>
-              <a:rPr lang="en-US" sz="1100" b="1" dirty="0">
-                <a:latin typeface="Courier New" panose="02070309020205020404" pitchFamily="49" charset="0"/>
-                <a:cs typeface="Courier New" panose="02070309020205020404" pitchFamily="49" charset="0"/>
-              </a:rPr>
-              <a:t>()) {</a:t>
-            </a:r>
-          </a:p>
-          <a:p>
-            <a:r>
-              <a:rPr lang="en-US" sz="1100" b="1" dirty="0">
-                <a:latin typeface="Courier New" panose="02070309020205020404" pitchFamily="49" charset="0"/>
-                <a:cs typeface="Courier New" panose="02070309020205020404" pitchFamily="49" charset="0"/>
-              </a:rPr>
-              <a:t>                if ( max == null || </a:t>
-            </a:r>
-            <a:r>
-              <a:rPr lang="en-US" sz="1100" b="1" dirty="0" err="1">
-                <a:latin typeface="Courier New" panose="02070309020205020404" pitchFamily="49" charset="0"/>
-                <a:cs typeface="Courier New" panose="02070309020205020404" pitchFamily="49" charset="0"/>
-              </a:rPr>
-              <a:t>entry.getValue</a:t>
-            </a:r>
-            <a:r>
-              <a:rPr lang="en-US" sz="1100" b="1" dirty="0">
-                <a:latin typeface="Courier New" panose="02070309020205020404" pitchFamily="49" charset="0"/>
-                <a:cs typeface="Courier New" panose="02070309020205020404" pitchFamily="49" charset="0"/>
-              </a:rPr>
-              <a:t>() &gt; max ) {</a:t>
-            </a:r>
-          </a:p>
-          <a:p>
-            <a:r>
-              <a:rPr lang="en-US" sz="1100" b="1" dirty="0">
-                <a:latin typeface="Courier New" panose="02070309020205020404" pitchFamily="49" charset="0"/>
-                <a:cs typeface="Courier New" panose="02070309020205020404" pitchFamily="49" charset="0"/>
-              </a:rPr>
-              <a:t>                    max = </a:t>
-            </a:r>
-            <a:r>
-              <a:rPr lang="en-US" sz="1100" b="1" dirty="0" err="1">
-                <a:latin typeface="Courier New" panose="02070309020205020404" pitchFamily="49" charset="0"/>
-                <a:cs typeface="Courier New" panose="02070309020205020404" pitchFamily="49" charset="0"/>
-              </a:rPr>
-              <a:t>entry.getValue</a:t>
-            </a:r>
-            <a:r>
-              <a:rPr lang="en-US" sz="1100" b="1" dirty="0">
-                <a:latin typeface="Courier New" panose="02070309020205020404" pitchFamily="49" charset="0"/>
-                <a:cs typeface="Courier New" panose="02070309020205020404" pitchFamily="49" charset="0"/>
-              </a:rPr>
-              <a:t>();</a:t>
-            </a:r>
-          </a:p>
-          <a:p>
-            <a:r>
-              <a:rPr lang="en-US" sz="1100" b="1" dirty="0">
-                <a:latin typeface="Courier New" panose="02070309020205020404" pitchFamily="49" charset="0"/>
-                <a:cs typeface="Courier New" panose="02070309020205020404" pitchFamily="49" charset="0"/>
-              </a:rPr>
-              <a:t>                    </a:t>
-            </a:r>
-            <a:r>
-              <a:rPr lang="en-US" sz="1100" b="1" dirty="0" err="1">
-                <a:latin typeface="Courier New" panose="02070309020205020404" pitchFamily="49" charset="0"/>
-                <a:cs typeface="Courier New" panose="02070309020205020404" pitchFamily="49" charset="0"/>
-              </a:rPr>
-              <a:t>max_key</a:t>
-            </a:r>
-            <a:r>
-              <a:rPr lang="en-US" sz="1100" b="1" dirty="0">
-                <a:latin typeface="Courier New" panose="02070309020205020404" pitchFamily="49" charset="0"/>
-                <a:cs typeface="Courier New" panose="02070309020205020404" pitchFamily="49" charset="0"/>
-              </a:rPr>
-              <a:t> = </a:t>
-            </a:r>
-            <a:r>
-              <a:rPr lang="en-US" sz="1100" b="1" dirty="0" err="1">
-                <a:latin typeface="Courier New" panose="02070309020205020404" pitchFamily="49" charset="0"/>
-                <a:cs typeface="Courier New" panose="02070309020205020404" pitchFamily="49" charset="0"/>
-              </a:rPr>
-              <a:t>entry.getKey</a:t>
-            </a:r>
-            <a:r>
-              <a:rPr lang="en-US" sz="1100" b="1" dirty="0">
-                <a:latin typeface="Courier New" panose="02070309020205020404" pitchFamily="49" charset="0"/>
-                <a:cs typeface="Courier New" panose="02070309020205020404" pitchFamily="49" charset="0"/>
-              </a:rPr>
-              <a:t>();</a:t>
-            </a:r>
-          </a:p>
-          <a:p>
-            <a:r>
-              <a:rPr lang="en-US" sz="1100" b="1" dirty="0">
-                <a:latin typeface="Courier New" panose="02070309020205020404" pitchFamily="49" charset="0"/>
-                <a:cs typeface="Courier New" panose="02070309020205020404" pitchFamily="49" charset="0"/>
-              </a:rPr>
-              <a:t>                }</a:t>
-            </a:r>
-          </a:p>
-          <a:p>
-            <a:r>
-              <a:rPr lang="en-US" sz="1100" b="1" dirty="0">
-                <a:latin typeface="Courier New" panose="02070309020205020404" pitchFamily="49" charset="0"/>
-                <a:cs typeface="Courier New" panose="02070309020205020404" pitchFamily="49" charset="0"/>
-              </a:rPr>
-              <a:t>        }</a:t>
-            </a:r>
-          </a:p>
-          <a:p>
-            <a:endParaRPr lang="en-US" sz="1100" b="1" dirty="0">
-              <a:latin typeface="Courier New" panose="02070309020205020404" pitchFamily="49" charset="0"/>
-              <a:cs typeface="Courier New" panose="02070309020205020404" pitchFamily="49" charset="0"/>
-            </a:endParaRPr>
-          </a:p>
-          <a:p>
-            <a:r>
-              <a:rPr lang="en-US" sz="1100" b="1" dirty="0">
-                <a:latin typeface="Courier New" panose="02070309020205020404" pitchFamily="49" charset="0"/>
-                <a:cs typeface="Courier New" panose="02070309020205020404" pitchFamily="49" charset="0"/>
-              </a:rPr>
-              <a:t>        </a:t>
-            </a:r>
-            <a:r>
-              <a:rPr lang="en-US" sz="1100" b="1" dirty="0" err="1">
-                <a:latin typeface="Courier New" panose="02070309020205020404" pitchFamily="49" charset="0"/>
-                <a:cs typeface="Courier New" panose="02070309020205020404" pitchFamily="49" charset="0"/>
-              </a:rPr>
-              <a:t>System.out.printf</a:t>
-            </a:r>
-            <a:r>
-              <a:rPr lang="en-US" sz="1100" b="1" dirty="0">
-                <a:latin typeface="Courier New" panose="02070309020205020404" pitchFamily="49" charset="0"/>
-                <a:cs typeface="Courier New" panose="02070309020205020404" pitchFamily="49" charset="0"/>
-              </a:rPr>
-              <a:t>("The largest value is %s=%d\n", </a:t>
-            </a:r>
-            <a:r>
-              <a:rPr lang="en-US" sz="1100" b="1" dirty="0" err="1">
-                <a:latin typeface="Courier New" panose="02070309020205020404" pitchFamily="49" charset="0"/>
-                <a:cs typeface="Courier New" panose="02070309020205020404" pitchFamily="49" charset="0"/>
-              </a:rPr>
-              <a:t>max_key</a:t>
-            </a:r>
-            <a:r>
-              <a:rPr lang="en-US" sz="1100" b="1" dirty="0">
-                <a:latin typeface="Courier New" panose="02070309020205020404" pitchFamily="49" charset="0"/>
-                <a:cs typeface="Courier New" panose="02070309020205020404" pitchFamily="49" charset="0"/>
-              </a:rPr>
-              <a:t>, max);</a:t>
-            </a:r>
-          </a:p>
-          <a:p>
-            <a:r>
-              <a:rPr lang="en-US" sz="1100" b="1" dirty="0">
+              <a:rPr lang="en-US" sz="1400" b="1" dirty="0">
                 <a:latin typeface="Courier New" panose="02070309020205020404" pitchFamily="49" charset="0"/>
                 <a:cs typeface="Courier New" panose="02070309020205020404" pitchFamily="49" charset="0"/>
               </a:rPr>
@@ -9336,7 +9099,7 @@
           </a:p>
           <a:p>
             <a:r>
-              <a:rPr lang="en-US" sz="1100" b="1" dirty="0">
+              <a:rPr lang="en-US" sz="1400" b="1" dirty="0">
                 <a:latin typeface="Courier New" panose="02070309020205020404" pitchFamily="49" charset="0"/>
                 <a:cs typeface="Courier New" panose="02070309020205020404" pitchFamily="49" charset="0"/>
               </a:rPr>
@@ -9359,8 +9122,8 @@
         </p:nvSpPr>
         <p:spPr>
           <a:xfrm>
-            <a:off x="7658664" y="628233"/>
-            <a:ext cx="3147015" cy="2800767"/>
+            <a:off x="8814802" y="680784"/>
+            <a:ext cx="2653290" cy="2554545"/>
           </a:xfrm>
           <a:prstGeom prst="rect">
             <a:avLst/>
@@ -9425,7 +9188,7 @@
                 <a:latin typeface="Courier New" panose="02070309020205020404" pitchFamily="49" charset="0"/>
                 <a:cs typeface="Courier New" panose="02070309020205020404" pitchFamily="49" charset="0"/>
               </a:rPr>
-              <a:t>Iterate forwards</a:t>
+              <a:t>Iterate</a:t>
             </a:r>
           </a:p>
           <a:p>
@@ -9462,15 +9225,6 @@
                 <a:cs typeface="Courier New" panose="02070309020205020404" pitchFamily="49" charset="0"/>
               </a:rPr>
               <a:t>Key = z, Value = 1</a:t>
-            </a:r>
-          </a:p>
-          <a:p>
-            <a:r>
-              <a:rPr lang="en-US" sz="1600" b="1" dirty="0">
-                <a:latin typeface="Courier New" panose="02070309020205020404" pitchFamily="49" charset="0"/>
-                <a:cs typeface="Courier New" panose="02070309020205020404" pitchFamily="49" charset="0"/>
-              </a:rPr>
-              <a:t>The largest value is a=4</a:t>
             </a:r>
           </a:p>
         </p:txBody>
@@ -9560,7 +9314,7 @@
         <p:spPr>
           <a:xfrm>
             <a:off x="629399" y="544797"/>
-            <a:ext cx="6413935" cy="5478423"/>
+            <a:ext cx="4051109" cy="4616648"/>
           </a:xfrm>
           <a:prstGeom prst="rect">
             <a:avLst/>
@@ -9794,6 +9548,15 @@
                 <a:latin typeface="Courier New" panose="02070309020205020404" pitchFamily="49" charset="0"/>
                 <a:cs typeface="Courier New" panose="02070309020205020404" pitchFamily="49" charset="0"/>
               </a:rPr>
+              <a:t>print("Iterate");</a:t>
+            </a:r>
+          </a:p>
+          <a:p>
+            <a:r>
+              <a:rPr lang="en-US" sz="1400" b="1" dirty="0">
+                <a:latin typeface="Courier New" panose="02070309020205020404" pitchFamily="49" charset="0"/>
+                <a:cs typeface="Courier New" panose="02070309020205020404" pitchFamily="49" charset="0"/>
+              </a:rPr>
               <a:t>entry = next(items, False)</a:t>
             </a:r>
           </a:p>
@@ -9822,94 +9585,6 @@
                 <a:cs typeface="Courier New" panose="02070309020205020404" pitchFamily="49" charset="0"/>
               </a:rPr>
               <a:t>    entry = next(items, False)</a:t>
-            </a:r>
-          </a:p>
-          <a:p>
-            <a:endParaRPr lang="en-US" sz="1400" b="1" dirty="0">
-              <a:latin typeface="Courier New" panose="02070309020205020404" pitchFamily="49" charset="0"/>
-              <a:cs typeface="Courier New" panose="02070309020205020404" pitchFamily="49" charset="0"/>
-            </a:endParaRPr>
-          </a:p>
-          <a:p>
-            <a:r>
-              <a:rPr lang="en-US" sz="1400" b="1" dirty="0" err="1">
-                <a:latin typeface="Courier New" panose="02070309020205020404" pitchFamily="49" charset="0"/>
-                <a:cs typeface="Courier New" panose="02070309020205020404" pitchFamily="49" charset="0"/>
-              </a:rPr>
-              <a:t>sd</a:t>
-            </a:r>
-            <a:r>
-              <a:rPr lang="en-US" sz="1400" b="1" dirty="0">
-                <a:latin typeface="Courier New" panose="02070309020205020404" pitchFamily="49" charset="0"/>
-                <a:cs typeface="Courier New" panose="02070309020205020404" pitchFamily="49" charset="0"/>
-              </a:rPr>
-              <a:t> = reversed(sorted(</a:t>
-            </a:r>
-            <a:r>
-              <a:rPr lang="en-US" sz="1400" b="1" dirty="0" err="1">
-                <a:latin typeface="Courier New" panose="02070309020205020404" pitchFamily="49" charset="0"/>
-                <a:cs typeface="Courier New" panose="02070309020205020404" pitchFamily="49" charset="0"/>
-              </a:rPr>
-              <a:t>d.items</a:t>
-            </a:r>
-            <a:r>
-              <a:rPr lang="en-US" sz="1400" b="1" dirty="0">
-                <a:latin typeface="Courier New" panose="02070309020205020404" pitchFamily="49" charset="0"/>
-                <a:cs typeface="Courier New" panose="02070309020205020404" pitchFamily="49" charset="0"/>
-              </a:rPr>
-              <a:t>(), key=lambda item: item[1]))</a:t>
-            </a:r>
-          </a:p>
-          <a:p>
-            <a:endParaRPr lang="en-US" sz="1400" b="1" dirty="0">
-              <a:latin typeface="Courier New" panose="02070309020205020404" pitchFamily="49" charset="0"/>
-              <a:cs typeface="Courier New" panose="02070309020205020404" pitchFamily="49" charset="0"/>
-            </a:endParaRPr>
-          </a:p>
-          <a:p>
-            <a:r>
-              <a:rPr lang="en-US" sz="1400" b="1" dirty="0">
-                <a:latin typeface="Courier New" panose="02070309020205020404" pitchFamily="49" charset="0"/>
-                <a:cs typeface="Courier New" panose="02070309020205020404" pitchFamily="49" charset="0"/>
-              </a:rPr>
-              <a:t>first = next(</a:t>
-            </a:r>
-            <a:r>
-              <a:rPr lang="en-US" sz="1400" b="1" dirty="0" err="1">
-                <a:latin typeface="Courier New" panose="02070309020205020404" pitchFamily="49" charset="0"/>
-                <a:cs typeface="Courier New" panose="02070309020205020404" pitchFamily="49" charset="0"/>
-              </a:rPr>
-              <a:t>iter</a:t>
-            </a:r>
-            <a:r>
-              <a:rPr lang="en-US" sz="1400" b="1" dirty="0">
-                <a:latin typeface="Courier New" panose="02070309020205020404" pitchFamily="49" charset="0"/>
-                <a:cs typeface="Courier New" panose="02070309020205020404" pitchFamily="49" charset="0"/>
-              </a:rPr>
-              <a:t>(</a:t>
-            </a:r>
-            <a:r>
-              <a:rPr lang="en-US" sz="1400" b="1" dirty="0" err="1">
-                <a:latin typeface="Courier New" panose="02070309020205020404" pitchFamily="49" charset="0"/>
-                <a:cs typeface="Courier New" panose="02070309020205020404" pitchFamily="49" charset="0"/>
-              </a:rPr>
-              <a:t>sd</a:t>
-            </a:r>
-            <a:r>
-              <a:rPr lang="en-US" sz="1400" b="1" dirty="0">
-                <a:latin typeface="Courier New" panose="02070309020205020404" pitchFamily="49" charset="0"/>
-                <a:cs typeface="Courier New" panose="02070309020205020404" pitchFamily="49" charset="0"/>
-              </a:rPr>
-              <a:t>))</a:t>
-            </a:r>
-          </a:p>
-          <a:p>
-            <a:r>
-              <a:rPr lang="en-US" sz="1400" b="1" dirty="0">
-                <a:latin typeface="Courier New" panose="02070309020205020404" pitchFamily="49" charset="0"/>
-                <a:cs typeface="Courier New" panose="02070309020205020404" pitchFamily="49" charset="0"/>
-              </a:rPr>
-              <a:t>print('The largest value', first)</a:t>
             </a:r>
           </a:p>
         </p:txBody>
@@ -10031,6 +9706,15 @@
                 <a:latin typeface="Courier New" panose="02070309020205020404" pitchFamily="49" charset="0"/>
                 <a:cs typeface="Courier New" panose="02070309020205020404" pitchFamily="49" charset="0"/>
               </a:rPr>
+              <a:t>Iterate</a:t>
+            </a:r>
+          </a:p>
+          <a:p>
+            <a:r>
+              <a:rPr lang="en-US" sz="1200" b="1" dirty="0">
+                <a:latin typeface="Courier New" panose="02070309020205020404" pitchFamily="49" charset="0"/>
+                <a:cs typeface="Courier New" panose="02070309020205020404" pitchFamily="49" charset="0"/>
+              </a:rPr>
               <a:t>('z', 1)</a:t>
             </a:r>
           </a:p>
@@ -10059,15 +9743,6 @@
                 <a:cs typeface="Courier New" panose="02070309020205020404" pitchFamily="49" charset="0"/>
               </a:rPr>
               <a:t>('a', 4)</a:t>
-            </a:r>
-          </a:p>
-          <a:p>
-            <a:r>
-              <a:rPr lang="en-US" sz="1200" b="1" dirty="0">
-                <a:latin typeface="Courier New" panose="02070309020205020404" pitchFamily="49" charset="0"/>
-                <a:cs typeface="Courier New" panose="02070309020205020404" pitchFamily="49" charset="0"/>
-              </a:rPr>
-              <a:t>The largest value ('y', 9)</a:t>
             </a:r>
           </a:p>
         </p:txBody>
@@ -10144,662 +9819,64 @@
       </p:grpSpPr>
       <p:sp>
         <p:nvSpPr>
-          <p:cNvPr id="4" name="TextBox 3">
+          <p:cNvPr id="2" name="Title 1">
             <a:extLst>
               <a:ext uri="{FF2B5EF4-FFF2-40B4-BE49-F238E27FC236}">
-                <a16:creationId xmlns:a16="http://schemas.microsoft.com/office/drawing/2014/main" id="{996E046E-ECF6-7340-52D5-5F19C9B73FEF}"/>
+                <a16:creationId xmlns:a16="http://schemas.microsoft.com/office/drawing/2014/main" id="{C3E88DF2-0509-37AD-7721-7985DF5E3366}"/>
               </a:ext>
             </a:extLst>
           </p:cNvPr>
-          <p:cNvSpPr txBox="1"/>
-          <p:nvPr/>
+          <p:cNvSpPr>
+            <a:spLocks noGrp="1"/>
+          </p:cNvSpPr>
+          <p:nvPr>
+            <p:ph type="title"/>
+          </p:nvPr>
         </p:nvSpPr>
-        <p:spPr>
-          <a:xfrm>
-            <a:off x="345528" y="450668"/>
-            <a:ext cx="7977857" cy="5478423"/>
-          </a:xfrm>
-          <a:prstGeom prst="rect">
-            <a:avLst/>
-          </a:prstGeom>
-          <a:noFill/>
-        </p:spPr>
+        <p:spPr/>
         <p:txBody>
-          <a:bodyPr wrap="square" rtlCol="0">
-            <a:spAutoFit/>
-          </a:bodyPr>
+          <a:bodyPr/>
           <a:lstStyle/>
           <a:p>
             <a:r>
-              <a:rPr lang="en-US" sz="1400" b="1" dirty="0">
-                <a:latin typeface="Courier New" panose="02070309020205020404" pitchFamily="49" charset="0"/>
-                <a:cs typeface="Courier New" panose="02070309020205020404" pitchFamily="49" charset="0"/>
-              </a:rPr>
-              <a:t>int main(void)</a:t>
-            </a:r>
-          </a:p>
-          <a:p>
-            <a:r>
-              <a:rPr lang="en-US" sz="1400" b="1" dirty="0">
-                <a:latin typeface="Courier New" panose="02070309020205020404" pitchFamily="49" charset="0"/>
-                <a:cs typeface="Courier New" panose="02070309020205020404" pitchFamily="49" charset="0"/>
-              </a:rPr>
-              <a:t>{</a:t>
-            </a:r>
-          </a:p>
-          <a:p>
-            <a:r>
-              <a:rPr lang="en-US" sz="1400" b="1" dirty="0">
-                <a:latin typeface="Courier New" panose="02070309020205020404" pitchFamily="49" charset="0"/>
-                <a:cs typeface="Courier New" panose="02070309020205020404" pitchFamily="49" charset="0"/>
-              </a:rPr>
-              <a:t>    struct Map * map = </a:t>
-            </a:r>
-            <a:r>
-              <a:rPr lang="en-US" sz="1400" b="1" dirty="0" err="1">
-                <a:latin typeface="Courier New" panose="02070309020205020404" pitchFamily="49" charset="0"/>
-                <a:cs typeface="Courier New" panose="02070309020205020404" pitchFamily="49" charset="0"/>
-              </a:rPr>
-              <a:t>Map_new</a:t>
-            </a:r>
-            <a:r>
-              <a:rPr lang="en-US" sz="1400" b="1" dirty="0">
-                <a:latin typeface="Courier New" panose="02070309020205020404" pitchFamily="49" charset="0"/>
-                <a:cs typeface="Courier New" panose="02070309020205020404" pitchFamily="49" charset="0"/>
-              </a:rPr>
-              <a:t>();</a:t>
-            </a:r>
-          </a:p>
-          <a:p>
-            <a:r>
-              <a:rPr lang="en-US" sz="1400" b="1" dirty="0">
-                <a:latin typeface="Courier New" panose="02070309020205020404" pitchFamily="49" charset="0"/>
-                <a:cs typeface="Courier New" panose="02070309020205020404" pitchFamily="49" charset="0"/>
-              </a:rPr>
-              <a:t>    struct </a:t>
-            </a:r>
-            <a:r>
-              <a:rPr lang="en-US" sz="1400" b="1" dirty="0" err="1">
-                <a:latin typeface="Courier New" panose="02070309020205020404" pitchFamily="49" charset="0"/>
-                <a:cs typeface="Courier New" panose="02070309020205020404" pitchFamily="49" charset="0"/>
-              </a:rPr>
-              <a:t>MapEntry</a:t>
-            </a:r>
-            <a:r>
-              <a:rPr lang="en-US" sz="1400" b="1" dirty="0">
-                <a:latin typeface="Courier New" panose="02070309020205020404" pitchFamily="49" charset="0"/>
-                <a:cs typeface="Courier New" panose="02070309020205020404" pitchFamily="49" charset="0"/>
-              </a:rPr>
-              <a:t> *cur;</a:t>
-            </a:r>
-          </a:p>
-          <a:p>
-            <a:r>
-              <a:rPr lang="en-US" sz="1400" b="1" dirty="0">
-                <a:latin typeface="Courier New" panose="02070309020205020404" pitchFamily="49" charset="0"/>
-                <a:cs typeface="Courier New" panose="02070309020205020404" pitchFamily="49" charset="0"/>
-              </a:rPr>
-              <a:t>    struct </a:t>
-            </a:r>
-            <a:r>
-              <a:rPr lang="en-US" sz="1400" b="1" dirty="0" err="1">
-                <a:latin typeface="Courier New" panose="02070309020205020404" pitchFamily="49" charset="0"/>
-                <a:cs typeface="Courier New" panose="02070309020205020404" pitchFamily="49" charset="0"/>
-              </a:rPr>
-              <a:t>MapIter</a:t>
-            </a:r>
-            <a:r>
-              <a:rPr lang="en-US" sz="1400" b="1" dirty="0">
-                <a:latin typeface="Courier New" panose="02070309020205020404" pitchFamily="49" charset="0"/>
-                <a:cs typeface="Courier New" panose="02070309020205020404" pitchFamily="49" charset="0"/>
-              </a:rPr>
-              <a:t> *</a:t>
-            </a:r>
-            <a:r>
-              <a:rPr lang="en-US" sz="1400" b="1" dirty="0" err="1">
-                <a:latin typeface="Courier New" panose="02070309020205020404" pitchFamily="49" charset="0"/>
-                <a:cs typeface="Courier New" panose="02070309020205020404" pitchFamily="49" charset="0"/>
-              </a:rPr>
-              <a:t>iter</a:t>
-            </a:r>
-            <a:r>
-              <a:rPr lang="en-US" sz="1400" b="1" dirty="0">
-                <a:latin typeface="Courier New" panose="02070309020205020404" pitchFamily="49" charset="0"/>
-                <a:cs typeface="Courier New" panose="02070309020205020404" pitchFamily="49" charset="0"/>
-              </a:rPr>
-              <a:t>;</a:t>
-            </a:r>
-          </a:p>
-          <a:p>
-            <a:endParaRPr lang="en-US" sz="1400" b="1" dirty="0">
-              <a:latin typeface="Courier New" panose="02070309020205020404" pitchFamily="49" charset="0"/>
-              <a:cs typeface="Courier New" panose="02070309020205020404" pitchFamily="49" charset="0"/>
-            </a:endParaRPr>
-          </a:p>
-          <a:p>
-            <a:r>
-              <a:rPr lang="en-US" sz="1400" b="1" dirty="0">
-                <a:latin typeface="Courier New" panose="02070309020205020404" pitchFamily="49" charset="0"/>
-                <a:cs typeface="Courier New" panose="02070309020205020404" pitchFamily="49" charset="0"/>
-              </a:rPr>
-              <a:t>    </a:t>
-            </a:r>
-            <a:r>
-              <a:rPr lang="en-US" sz="1400" b="1" dirty="0" err="1">
-                <a:latin typeface="Courier New" panose="02070309020205020404" pitchFamily="49" charset="0"/>
-                <a:cs typeface="Courier New" panose="02070309020205020404" pitchFamily="49" charset="0"/>
-              </a:rPr>
-              <a:t>printf</a:t>
-            </a:r>
-            <a:r>
-              <a:rPr lang="en-US" sz="1400" b="1" dirty="0">
-                <a:latin typeface="Courier New" panose="02070309020205020404" pitchFamily="49" charset="0"/>
-                <a:cs typeface="Courier New" panose="02070309020205020404" pitchFamily="49" charset="0"/>
-              </a:rPr>
-              <a:t>("Testing Map class\n");</a:t>
-            </a:r>
-          </a:p>
-          <a:p>
-            <a:r>
-              <a:rPr lang="en-US" sz="1400" b="1" dirty="0">
-                <a:latin typeface="Courier New" panose="02070309020205020404" pitchFamily="49" charset="0"/>
-                <a:cs typeface="Courier New" panose="02070309020205020404" pitchFamily="49" charset="0"/>
-              </a:rPr>
-              <a:t>    map-&gt;put(map, "z", 8);</a:t>
-            </a:r>
-          </a:p>
-          <a:p>
-            <a:r>
-              <a:rPr lang="en-US" sz="1400" b="1" dirty="0">
-                <a:latin typeface="Courier New" panose="02070309020205020404" pitchFamily="49" charset="0"/>
-                <a:cs typeface="Courier New" panose="02070309020205020404" pitchFamily="49" charset="0"/>
-              </a:rPr>
-              <a:t>    map-&gt;put(map, "z", 1);</a:t>
-            </a:r>
-          </a:p>
-          <a:p>
-            <a:r>
-              <a:rPr lang="en-US" sz="1400" b="1" dirty="0">
-                <a:latin typeface="Courier New" panose="02070309020205020404" pitchFamily="49" charset="0"/>
-                <a:cs typeface="Courier New" panose="02070309020205020404" pitchFamily="49" charset="0"/>
-              </a:rPr>
-              <a:t>    map-&gt;put(map, "y", 2);</a:t>
-            </a:r>
-          </a:p>
-          <a:p>
-            <a:r>
-              <a:rPr lang="en-US" sz="1400" b="1" dirty="0">
-                <a:latin typeface="Courier New" panose="02070309020205020404" pitchFamily="49" charset="0"/>
-                <a:cs typeface="Courier New" panose="02070309020205020404" pitchFamily="49" charset="0"/>
-              </a:rPr>
-              <a:t>    map-&gt;put(map, "b", 3);</a:t>
-            </a:r>
-          </a:p>
-          <a:p>
-            <a:r>
-              <a:rPr lang="en-US" sz="1400" b="1" dirty="0">
-                <a:latin typeface="Courier New" panose="02070309020205020404" pitchFamily="49" charset="0"/>
-                <a:cs typeface="Courier New" panose="02070309020205020404" pitchFamily="49" charset="0"/>
-              </a:rPr>
-              <a:t>    map-&gt;put(map, "a", 4);</a:t>
-            </a:r>
-          </a:p>
-          <a:p>
-            <a:r>
-              <a:rPr lang="en-US" sz="1400" b="1" dirty="0">
-                <a:latin typeface="Courier New" panose="02070309020205020404" pitchFamily="49" charset="0"/>
-                <a:cs typeface="Courier New" panose="02070309020205020404" pitchFamily="49" charset="0"/>
-              </a:rPr>
-              <a:t>    map-&gt;dump(map);</a:t>
-            </a:r>
-          </a:p>
-          <a:p>
-            <a:endParaRPr lang="en-US" sz="1400" b="1" dirty="0">
-              <a:latin typeface="Courier New" panose="02070309020205020404" pitchFamily="49" charset="0"/>
-              <a:cs typeface="Courier New" panose="02070309020205020404" pitchFamily="49" charset="0"/>
-            </a:endParaRPr>
-          </a:p>
-          <a:p>
-            <a:r>
-              <a:rPr lang="en-US" sz="1400" b="1" dirty="0">
-                <a:latin typeface="Courier New" panose="02070309020205020404" pitchFamily="49" charset="0"/>
-                <a:cs typeface="Courier New" panose="02070309020205020404" pitchFamily="49" charset="0"/>
-              </a:rPr>
-              <a:t>    </a:t>
-            </a:r>
-            <a:r>
-              <a:rPr lang="en-US" sz="1400" b="1" dirty="0" err="1">
-                <a:latin typeface="Courier New" panose="02070309020205020404" pitchFamily="49" charset="0"/>
-                <a:cs typeface="Courier New" panose="02070309020205020404" pitchFamily="49" charset="0"/>
-              </a:rPr>
-              <a:t>printf</a:t>
-            </a:r>
-            <a:r>
-              <a:rPr lang="en-US" sz="1400" b="1" dirty="0">
-                <a:latin typeface="Courier New" panose="02070309020205020404" pitchFamily="49" charset="0"/>
-                <a:cs typeface="Courier New" panose="02070309020205020404" pitchFamily="49" charset="0"/>
-              </a:rPr>
-              <a:t>("z=%d\n", map-&gt;get(map, "z", 42));</a:t>
-            </a:r>
-          </a:p>
-          <a:p>
-            <a:r>
-              <a:rPr lang="en-US" sz="1400" b="1" dirty="0">
-                <a:latin typeface="Courier New" panose="02070309020205020404" pitchFamily="49" charset="0"/>
-                <a:cs typeface="Courier New" panose="02070309020205020404" pitchFamily="49" charset="0"/>
-              </a:rPr>
-              <a:t>    </a:t>
-            </a:r>
-            <a:r>
-              <a:rPr lang="en-US" sz="1400" b="1" dirty="0" err="1">
-                <a:latin typeface="Courier New" panose="02070309020205020404" pitchFamily="49" charset="0"/>
-                <a:cs typeface="Courier New" panose="02070309020205020404" pitchFamily="49" charset="0"/>
-              </a:rPr>
-              <a:t>printf</a:t>
-            </a:r>
-            <a:r>
-              <a:rPr lang="en-US" sz="1400" b="1" dirty="0">
-                <a:latin typeface="Courier New" panose="02070309020205020404" pitchFamily="49" charset="0"/>
-                <a:cs typeface="Courier New" panose="02070309020205020404" pitchFamily="49" charset="0"/>
-              </a:rPr>
-              <a:t>("x=%d\n", map-&gt;get(map, "x", 42));</a:t>
-            </a:r>
-          </a:p>
-          <a:p>
-            <a:endParaRPr lang="en-US" sz="1400" b="1" dirty="0">
-              <a:latin typeface="Courier New" panose="02070309020205020404" pitchFamily="49" charset="0"/>
-              <a:cs typeface="Courier New" panose="02070309020205020404" pitchFamily="49" charset="0"/>
-            </a:endParaRPr>
-          </a:p>
-          <a:p>
-            <a:r>
-              <a:rPr lang="en-US" sz="1400" b="1" dirty="0">
-                <a:latin typeface="Courier New" panose="02070309020205020404" pitchFamily="49" charset="0"/>
-                <a:cs typeface="Courier New" panose="02070309020205020404" pitchFamily="49" charset="0"/>
-              </a:rPr>
-              <a:t>    </a:t>
-            </a:r>
-            <a:r>
-              <a:rPr lang="en-US" sz="1400" b="1" dirty="0" err="1">
-                <a:latin typeface="Courier New" panose="02070309020205020404" pitchFamily="49" charset="0"/>
-                <a:cs typeface="Courier New" panose="02070309020205020404" pitchFamily="49" charset="0"/>
-              </a:rPr>
-              <a:t>printf</a:t>
-            </a:r>
-            <a:r>
-              <a:rPr lang="en-US" sz="1400" b="1" dirty="0">
-                <a:latin typeface="Courier New" panose="02070309020205020404" pitchFamily="49" charset="0"/>
-                <a:cs typeface="Courier New" panose="02070309020205020404" pitchFamily="49" charset="0"/>
-              </a:rPr>
-              <a:t>("\</a:t>
-            </a:r>
-            <a:r>
-              <a:rPr lang="en-US" sz="1400" b="1" dirty="0" err="1">
-                <a:latin typeface="Courier New" panose="02070309020205020404" pitchFamily="49" charset="0"/>
-                <a:cs typeface="Courier New" panose="02070309020205020404" pitchFamily="49" charset="0"/>
-              </a:rPr>
-              <a:t>nIterate</a:t>
-            </a:r>
-            <a:r>
-              <a:rPr lang="en-US" sz="1400" b="1" dirty="0">
-                <a:latin typeface="Courier New" panose="02070309020205020404" pitchFamily="49" charset="0"/>
-                <a:cs typeface="Courier New" panose="02070309020205020404" pitchFamily="49" charset="0"/>
-              </a:rPr>
-              <a:t> forwards\n");</a:t>
-            </a:r>
-          </a:p>
-          <a:p>
-            <a:r>
-              <a:rPr lang="en-US" sz="1400" b="1" dirty="0">
-                <a:latin typeface="Courier New" panose="02070309020205020404" pitchFamily="49" charset="0"/>
-                <a:cs typeface="Courier New" panose="02070309020205020404" pitchFamily="49" charset="0"/>
-              </a:rPr>
-              <a:t>    </a:t>
-            </a:r>
-            <a:r>
-              <a:rPr lang="en-US" sz="1400" b="1" dirty="0" err="1">
-                <a:latin typeface="Courier New" panose="02070309020205020404" pitchFamily="49" charset="0"/>
-                <a:cs typeface="Courier New" panose="02070309020205020404" pitchFamily="49" charset="0"/>
-              </a:rPr>
-              <a:t>iter</a:t>
-            </a:r>
-            <a:r>
-              <a:rPr lang="en-US" sz="1400" b="1" dirty="0">
-                <a:latin typeface="Courier New" panose="02070309020205020404" pitchFamily="49" charset="0"/>
-                <a:cs typeface="Courier New" panose="02070309020205020404" pitchFamily="49" charset="0"/>
-              </a:rPr>
-              <a:t> = map-&gt;first(map);</a:t>
-            </a:r>
-          </a:p>
-          <a:p>
-            <a:r>
-              <a:rPr lang="en-US" sz="1400" b="1" dirty="0">
-                <a:latin typeface="Courier New" panose="02070309020205020404" pitchFamily="49" charset="0"/>
-                <a:cs typeface="Courier New" panose="02070309020205020404" pitchFamily="49" charset="0"/>
-              </a:rPr>
-              <a:t>    while((cur = </a:t>
-            </a:r>
-            <a:r>
-              <a:rPr lang="en-US" sz="1400" b="1" dirty="0" err="1">
-                <a:latin typeface="Courier New" panose="02070309020205020404" pitchFamily="49" charset="0"/>
-                <a:cs typeface="Courier New" panose="02070309020205020404" pitchFamily="49" charset="0"/>
-              </a:rPr>
-              <a:t>iter</a:t>
-            </a:r>
-            <a:r>
-              <a:rPr lang="en-US" sz="1400" b="1" dirty="0">
-                <a:latin typeface="Courier New" panose="02070309020205020404" pitchFamily="49" charset="0"/>
-                <a:cs typeface="Courier New" panose="02070309020205020404" pitchFamily="49" charset="0"/>
-              </a:rPr>
-              <a:t>-&gt;next(</a:t>
-            </a:r>
-            <a:r>
-              <a:rPr lang="en-US" sz="1400" b="1" dirty="0" err="1">
-                <a:latin typeface="Courier New" panose="02070309020205020404" pitchFamily="49" charset="0"/>
-                <a:cs typeface="Courier New" panose="02070309020205020404" pitchFamily="49" charset="0"/>
-              </a:rPr>
-              <a:t>iter</a:t>
-            </a:r>
-            <a:r>
-              <a:rPr lang="en-US" sz="1400" b="1" dirty="0">
-                <a:latin typeface="Courier New" panose="02070309020205020404" pitchFamily="49" charset="0"/>
-                <a:cs typeface="Courier New" panose="02070309020205020404" pitchFamily="49" charset="0"/>
-              </a:rPr>
-              <a:t>)) != NULL ) {</a:t>
-            </a:r>
-          </a:p>
-          <a:p>
-            <a:r>
-              <a:rPr lang="en-US" sz="1400" b="1" dirty="0">
-                <a:latin typeface="Courier New" panose="02070309020205020404" pitchFamily="49" charset="0"/>
-                <a:cs typeface="Courier New" panose="02070309020205020404" pitchFamily="49" charset="0"/>
-              </a:rPr>
-              <a:t>        </a:t>
-            </a:r>
-            <a:r>
-              <a:rPr lang="en-US" sz="1400" b="1" dirty="0" err="1">
-                <a:latin typeface="Courier New" panose="02070309020205020404" pitchFamily="49" charset="0"/>
-                <a:cs typeface="Courier New" panose="02070309020205020404" pitchFamily="49" charset="0"/>
-              </a:rPr>
-              <a:t>printf</a:t>
-            </a:r>
-            <a:r>
-              <a:rPr lang="en-US" sz="1400" b="1" dirty="0">
-                <a:latin typeface="Courier New" panose="02070309020205020404" pitchFamily="49" charset="0"/>
-                <a:cs typeface="Courier New" panose="02070309020205020404" pitchFamily="49" charset="0"/>
-              </a:rPr>
-              <a:t>(" %s=%d\n", cur-&gt;key, cur-&gt;value);</a:t>
-            </a:r>
-          </a:p>
-          <a:p>
-            <a:r>
-              <a:rPr lang="en-US" sz="1400" b="1" dirty="0">
-                <a:latin typeface="Courier New" panose="02070309020205020404" pitchFamily="49" charset="0"/>
-                <a:cs typeface="Courier New" panose="02070309020205020404" pitchFamily="49" charset="0"/>
-              </a:rPr>
-              <a:t>    }</a:t>
-            </a:r>
-          </a:p>
-          <a:p>
-            <a:r>
-              <a:rPr lang="en-US" sz="1400" b="1" dirty="0">
-                <a:latin typeface="Courier New" panose="02070309020205020404" pitchFamily="49" charset="0"/>
-                <a:cs typeface="Courier New" panose="02070309020205020404" pitchFamily="49" charset="0"/>
-              </a:rPr>
-              <a:t>    </a:t>
-            </a:r>
-            <a:r>
-              <a:rPr lang="en-US" sz="1400" b="1" dirty="0" err="1">
-                <a:latin typeface="Courier New" panose="02070309020205020404" pitchFamily="49" charset="0"/>
-                <a:cs typeface="Courier New" panose="02070309020205020404" pitchFamily="49" charset="0"/>
-              </a:rPr>
-              <a:t>iter</a:t>
-            </a:r>
-            <a:r>
-              <a:rPr lang="en-US" sz="1400" b="1" dirty="0">
-                <a:latin typeface="Courier New" panose="02070309020205020404" pitchFamily="49" charset="0"/>
-                <a:cs typeface="Courier New" panose="02070309020205020404" pitchFamily="49" charset="0"/>
-              </a:rPr>
-              <a:t>-&gt;del(</a:t>
-            </a:r>
-            <a:r>
-              <a:rPr lang="en-US" sz="1400" b="1" dirty="0" err="1">
-                <a:latin typeface="Courier New" panose="02070309020205020404" pitchFamily="49" charset="0"/>
-                <a:cs typeface="Courier New" panose="02070309020205020404" pitchFamily="49" charset="0"/>
-              </a:rPr>
-              <a:t>iter</a:t>
-            </a:r>
-            <a:r>
-              <a:rPr lang="en-US" sz="1400" b="1" dirty="0">
-                <a:latin typeface="Courier New" panose="02070309020205020404" pitchFamily="49" charset="0"/>
-                <a:cs typeface="Courier New" panose="02070309020205020404" pitchFamily="49" charset="0"/>
-              </a:rPr>
-              <a:t>);</a:t>
-            </a:r>
-          </a:p>
-          <a:p>
-            <a:endParaRPr lang="en-US" sz="1400" b="1" dirty="0">
-              <a:latin typeface="Courier New" panose="02070309020205020404" pitchFamily="49" charset="0"/>
-              <a:cs typeface="Courier New" panose="02070309020205020404" pitchFamily="49" charset="0"/>
-            </a:endParaRPr>
-          </a:p>
-          <a:p>
-            <a:r>
-              <a:rPr lang="en-US" sz="1400" b="1" dirty="0">
-                <a:latin typeface="Courier New" panose="02070309020205020404" pitchFamily="49" charset="0"/>
-                <a:cs typeface="Courier New" panose="02070309020205020404" pitchFamily="49" charset="0"/>
-              </a:rPr>
-              <a:t>...</a:t>
+              <a:rPr lang="en-US" dirty="0"/>
+              <a:t>Lets build a Map Class in C</a:t>
             </a:r>
           </a:p>
         </p:txBody>
       </p:sp>
       <p:sp>
         <p:nvSpPr>
-          <p:cNvPr id="2" name="TextBox 1">
+          <p:cNvPr id="3" name="Text Placeholder 2">
             <a:extLst>
               <a:ext uri="{FF2B5EF4-FFF2-40B4-BE49-F238E27FC236}">
-                <a16:creationId xmlns:a16="http://schemas.microsoft.com/office/drawing/2014/main" id="{5F392106-F0A9-3311-2512-DAE6B700DF70}"/>
+                <a16:creationId xmlns:a16="http://schemas.microsoft.com/office/drawing/2014/main" id="{62E357C3-1E1C-4867-7B85-35AE42C54377}"/>
               </a:ext>
             </a:extLst>
           </p:cNvPr>
-          <p:cNvSpPr txBox="1"/>
-          <p:nvPr/>
+          <p:cNvSpPr>
+            <a:spLocks noGrp="1"/>
+          </p:cNvSpPr>
+          <p:nvPr>
+            <p:ph type="body" idx="1"/>
+          </p:nvPr>
         </p:nvSpPr>
-        <p:spPr>
-          <a:xfrm>
-            <a:off x="7503412" y="1851051"/>
-            <a:ext cx="3252814" cy="2677656"/>
-          </a:xfrm>
-          <a:prstGeom prst="rect">
-            <a:avLst/>
-          </a:prstGeom>
-          <a:noFill/>
-          <a:ln w="28575">
-            <a:solidFill>
-              <a:schemeClr val="accent1"/>
-            </a:solidFill>
-          </a:ln>
-        </p:spPr>
+        <p:spPr/>
         <p:txBody>
-          <a:bodyPr wrap="none" rtlCol="0">
-            <a:spAutoFit/>
-          </a:bodyPr>
+          <a:bodyPr/>
           <a:lstStyle/>
           <a:p>
             <a:r>
-              <a:rPr lang="en-US" sz="1200" b="1" dirty="0">
-                <a:latin typeface="Courier New" panose="02070309020205020404" pitchFamily="49" charset="0"/>
-                <a:cs typeface="Courier New" panose="02070309020205020404" pitchFamily="49" charset="0"/>
-              </a:rPr>
-              <a:t>Testing Map class</a:t>
-            </a:r>
-          </a:p>
-          <a:p>
-            <a:r>
-              <a:rPr lang="en-US" sz="1200" b="1" dirty="0">
-                <a:latin typeface="Courier New" panose="02070309020205020404" pitchFamily="49" charset="0"/>
-                <a:cs typeface="Courier New" panose="02070309020205020404" pitchFamily="49" charset="0"/>
-              </a:rPr>
-              <a:t>Object Map@0x600002a3c000 count=4</a:t>
-            </a:r>
-          </a:p>
-          <a:p>
-            <a:r>
-              <a:rPr lang="en-US" sz="1200" b="1" dirty="0">
-                <a:latin typeface="Courier New" panose="02070309020205020404" pitchFamily="49" charset="0"/>
-                <a:cs typeface="Courier New" panose="02070309020205020404" pitchFamily="49" charset="0"/>
-              </a:rPr>
-              <a:t>  z=1</a:t>
-            </a:r>
-          </a:p>
-          <a:p>
-            <a:r>
-              <a:rPr lang="en-US" sz="1200" b="1" dirty="0">
-                <a:latin typeface="Courier New" panose="02070309020205020404" pitchFamily="49" charset="0"/>
-                <a:cs typeface="Courier New" panose="02070309020205020404" pitchFamily="49" charset="0"/>
-              </a:rPr>
-              <a:t>  y=2</a:t>
-            </a:r>
-          </a:p>
-          <a:p>
-            <a:r>
-              <a:rPr lang="en-US" sz="1200" b="1" dirty="0">
-                <a:latin typeface="Courier New" panose="02070309020205020404" pitchFamily="49" charset="0"/>
-                <a:cs typeface="Courier New" panose="02070309020205020404" pitchFamily="49" charset="0"/>
-              </a:rPr>
-              <a:t>  b=3</a:t>
-            </a:r>
-          </a:p>
-          <a:p>
-            <a:r>
-              <a:rPr lang="en-US" sz="1200" b="1" dirty="0">
-                <a:latin typeface="Courier New" panose="02070309020205020404" pitchFamily="49" charset="0"/>
-                <a:cs typeface="Courier New" panose="02070309020205020404" pitchFamily="49" charset="0"/>
-              </a:rPr>
-              <a:t>  a=4</a:t>
-            </a:r>
-          </a:p>
-          <a:p>
-            <a:r>
-              <a:rPr lang="en-US" sz="1200" b="1" dirty="0">
-                <a:latin typeface="Courier New" panose="02070309020205020404" pitchFamily="49" charset="0"/>
-                <a:cs typeface="Courier New" panose="02070309020205020404" pitchFamily="49" charset="0"/>
-              </a:rPr>
-              <a:t>z=1</a:t>
-            </a:r>
-          </a:p>
-          <a:p>
-            <a:r>
-              <a:rPr lang="en-US" sz="1200" b="1" dirty="0">
-                <a:latin typeface="Courier New" panose="02070309020205020404" pitchFamily="49" charset="0"/>
-                <a:cs typeface="Courier New" panose="02070309020205020404" pitchFamily="49" charset="0"/>
-              </a:rPr>
-              <a:t>x=42</a:t>
-            </a:r>
-          </a:p>
-          <a:p>
-            <a:endParaRPr lang="en-US" sz="1200" b="1" dirty="0">
-              <a:latin typeface="Courier New" panose="02070309020205020404" pitchFamily="49" charset="0"/>
-              <a:cs typeface="Courier New" panose="02070309020205020404" pitchFamily="49" charset="0"/>
-            </a:endParaRPr>
-          </a:p>
-          <a:p>
-            <a:r>
-              <a:rPr lang="en-US" sz="1200" b="1" dirty="0">
-                <a:latin typeface="Courier New" panose="02070309020205020404" pitchFamily="49" charset="0"/>
-                <a:cs typeface="Courier New" panose="02070309020205020404" pitchFamily="49" charset="0"/>
-              </a:rPr>
-              <a:t>Iterate forwards</a:t>
-            </a:r>
-          </a:p>
-          <a:p>
-            <a:r>
-              <a:rPr lang="en-US" sz="1200" b="1" dirty="0">
-                <a:latin typeface="Courier New" panose="02070309020205020404" pitchFamily="49" charset="0"/>
-                <a:cs typeface="Courier New" panose="02070309020205020404" pitchFamily="49" charset="0"/>
-              </a:rPr>
-              <a:t> y=2</a:t>
-            </a:r>
-          </a:p>
-          <a:p>
-            <a:r>
-              <a:rPr lang="en-US" sz="1200" b="1" dirty="0">
-                <a:latin typeface="Courier New" panose="02070309020205020404" pitchFamily="49" charset="0"/>
-                <a:cs typeface="Courier New" panose="02070309020205020404" pitchFamily="49" charset="0"/>
-              </a:rPr>
-              <a:t> b=3</a:t>
-            </a:r>
-          </a:p>
-          <a:p>
-            <a:r>
-              <a:rPr lang="en-US" sz="1200" b="1" dirty="0">
-                <a:latin typeface="Courier New" panose="02070309020205020404" pitchFamily="49" charset="0"/>
-                <a:cs typeface="Courier New" panose="02070309020205020404" pitchFamily="49" charset="0"/>
-              </a:rPr>
-              <a:t> a=4</a:t>
-            </a:r>
-          </a:p>
-          <a:p>
-            <a:endParaRPr lang="en-US" sz="1200" b="1" dirty="0">
-              <a:latin typeface="Courier New" panose="02070309020205020404" pitchFamily="49" charset="0"/>
-              <a:cs typeface="Courier New" panose="02070309020205020404" pitchFamily="49" charset="0"/>
-            </a:endParaRPr>
-          </a:p>
-        </p:txBody>
-      </p:sp>
-      <p:sp>
-        <p:nvSpPr>
-          <p:cNvPr id="3" name="TextBox 2">
-            <a:extLst>
-              <a:ext uri="{FF2B5EF4-FFF2-40B4-BE49-F238E27FC236}">
-                <a16:creationId xmlns:a16="http://schemas.microsoft.com/office/drawing/2014/main" id="{60FB070C-6DEF-262C-0A30-0FE29F60430A}"/>
-              </a:ext>
-            </a:extLst>
-          </p:cNvPr>
-          <p:cNvSpPr txBox="1"/>
-          <p:nvPr/>
-        </p:nvSpPr>
-        <p:spPr>
-          <a:xfrm>
-            <a:off x="345528" y="6334780"/>
-            <a:ext cx="1665696" cy="523220"/>
-          </a:xfrm>
-          <a:prstGeom prst="rect">
-            <a:avLst/>
-          </a:prstGeom>
-          <a:noFill/>
-        </p:spPr>
-        <p:txBody>
-          <a:bodyPr wrap="square">
-            <a:spAutoFit/>
-          </a:bodyPr>
-          <a:lstStyle/>
-          <a:p>
-            <a:r>
-              <a:rPr lang="en-US" sz="1400" b="1" dirty="0">
-                <a:solidFill>
-                  <a:srgbClr val="000000"/>
-                </a:solidFill>
-                <a:latin typeface="Menlo" panose="020B0609030804020204" pitchFamily="49" charset="0"/>
-              </a:rPr>
-              <a:t>cc_04_03.c</a:t>
-            </a:r>
-          </a:p>
-          <a:p>
-            <a:endParaRPr lang="en-US" sz="1400" b="1" dirty="0">
-              <a:solidFill>
-                <a:srgbClr val="000000"/>
-              </a:solidFill>
-              <a:latin typeface="Menlo" panose="020B0609030804020204" pitchFamily="49" charset="0"/>
-            </a:endParaRPr>
+              <a:rPr lang="en-US" dirty="0"/>
+              <a:t>(with iterator)</a:t>
+            </a:r>
           </a:p>
         </p:txBody>
       </p:sp>
     </p:spTree>
     <p:extLst>
       <p:ext uri="{BB962C8B-B14F-4D97-AF65-F5344CB8AC3E}">
-        <p14:creationId xmlns:p14="http://schemas.microsoft.com/office/powerpoint/2010/main" val="1960542558"/>
+        <p14:creationId xmlns:p14="http://schemas.microsoft.com/office/powerpoint/2010/main" val="1922537833"/>
       </p:ext>
     </p:extLst>
   </p:cSld>
@@ -10840,8 +9917,8 @@
         </p:nvSpPr>
         <p:spPr>
           <a:xfrm>
-            <a:off x="345528" y="450668"/>
-            <a:ext cx="7273145" cy="5478423"/>
+            <a:off x="345528" y="905232"/>
+            <a:ext cx="7977857" cy="5047536"/>
           </a:xfrm>
           <a:prstGeom prst="rect">
             <a:avLst/>
@@ -10849,7 +9926,7 @@
           <a:noFill/>
         </p:spPr>
         <p:txBody>
-          <a:bodyPr wrap="none" rtlCol="0">
+          <a:bodyPr wrap="square" rtlCol="0">
             <a:spAutoFit/>
           </a:bodyPr>
           <a:lstStyle/>
@@ -10859,173 +9936,62 @@
                 <a:latin typeface="Courier New" panose="02070309020205020404" pitchFamily="49" charset="0"/>
                 <a:cs typeface="Courier New" panose="02070309020205020404" pitchFamily="49" charset="0"/>
               </a:rPr>
-              <a:t>…</a:t>
-            </a:r>
-          </a:p>
-          <a:p>
-            <a:r>
-              <a:rPr lang="en-US" sz="1400" b="1" dirty="0">
-                <a:latin typeface="Courier New" panose="02070309020205020404" pitchFamily="49" charset="0"/>
-                <a:cs typeface="Courier New" panose="02070309020205020404" pitchFamily="49" charset="0"/>
-              </a:rPr>
-              <a:t>    </a:t>
-            </a:r>
-            <a:r>
-              <a:rPr lang="en-US" sz="1400" b="1" dirty="0" err="1">
-                <a:latin typeface="Courier New" panose="02070309020205020404" pitchFamily="49" charset="0"/>
-                <a:cs typeface="Courier New" panose="02070309020205020404" pitchFamily="49" charset="0"/>
-              </a:rPr>
-              <a:t>printf</a:t>
-            </a:r>
-            <a:r>
-              <a:rPr lang="en-US" sz="1400" b="1" dirty="0">
-                <a:latin typeface="Courier New" panose="02070309020205020404" pitchFamily="49" charset="0"/>
-                <a:cs typeface="Courier New" panose="02070309020205020404" pitchFamily="49" charset="0"/>
-              </a:rPr>
-              <a:t>("\</a:t>
-            </a:r>
-            <a:r>
-              <a:rPr lang="en-US" sz="1400" b="1" dirty="0" err="1">
-                <a:latin typeface="Courier New" panose="02070309020205020404" pitchFamily="49" charset="0"/>
-                <a:cs typeface="Courier New" panose="02070309020205020404" pitchFamily="49" charset="0"/>
-              </a:rPr>
-              <a:t>nIterate</a:t>
-            </a:r>
-            <a:r>
-              <a:rPr lang="en-US" sz="1400" b="1" dirty="0">
-                <a:latin typeface="Courier New" panose="02070309020205020404" pitchFamily="49" charset="0"/>
-                <a:cs typeface="Courier New" panose="02070309020205020404" pitchFamily="49" charset="0"/>
-              </a:rPr>
-              <a:t> backwards\n");</a:t>
-            </a:r>
-          </a:p>
-          <a:p>
-            <a:r>
-              <a:rPr lang="en-US" sz="1400" b="1" dirty="0">
-                <a:latin typeface="Courier New" panose="02070309020205020404" pitchFamily="49" charset="0"/>
-                <a:cs typeface="Courier New" panose="02070309020205020404" pitchFamily="49" charset="0"/>
-              </a:rPr>
-              <a:t>    </a:t>
-            </a:r>
-            <a:r>
-              <a:rPr lang="en-US" sz="1400" b="1" dirty="0" err="1">
-                <a:latin typeface="Courier New" panose="02070309020205020404" pitchFamily="49" charset="0"/>
-                <a:cs typeface="Courier New" panose="02070309020205020404" pitchFamily="49" charset="0"/>
-              </a:rPr>
-              <a:t>iter</a:t>
-            </a:r>
-            <a:r>
-              <a:rPr lang="en-US" sz="1400" b="1" dirty="0">
-                <a:latin typeface="Courier New" panose="02070309020205020404" pitchFamily="49" charset="0"/>
-                <a:cs typeface="Courier New" panose="02070309020205020404" pitchFamily="49" charset="0"/>
-              </a:rPr>
-              <a:t> = map-&gt;last(map);</a:t>
-            </a:r>
-          </a:p>
-          <a:p>
-            <a:r>
-              <a:rPr lang="en-US" sz="1400" b="1" dirty="0">
-                <a:latin typeface="Courier New" panose="02070309020205020404" pitchFamily="49" charset="0"/>
-                <a:cs typeface="Courier New" panose="02070309020205020404" pitchFamily="49" charset="0"/>
-              </a:rPr>
-              <a:t>    while((cur = </a:t>
-            </a:r>
-            <a:r>
-              <a:rPr lang="en-US" sz="1400" b="1" dirty="0" err="1">
-                <a:latin typeface="Courier New" panose="02070309020205020404" pitchFamily="49" charset="0"/>
-                <a:cs typeface="Courier New" panose="02070309020205020404" pitchFamily="49" charset="0"/>
-              </a:rPr>
-              <a:t>iter</a:t>
-            </a:r>
-            <a:r>
-              <a:rPr lang="en-US" sz="1400" b="1" dirty="0">
-                <a:latin typeface="Courier New" panose="02070309020205020404" pitchFamily="49" charset="0"/>
-                <a:cs typeface="Courier New" panose="02070309020205020404" pitchFamily="49" charset="0"/>
-              </a:rPr>
-              <a:t>-&gt;next(</a:t>
-            </a:r>
-            <a:r>
-              <a:rPr lang="en-US" sz="1400" b="1" dirty="0" err="1">
-                <a:latin typeface="Courier New" panose="02070309020205020404" pitchFamily="49" charset="0"/>
-                <a:cs typeface="Courier New" panose="02070309020205020404" pitchFamily="49" charset="0"/>
-              </a:rPr>
-              <a:t>iter</a:t>
-            </a:r>
-            <a:r>
-              <a:rPr lang="en-US" sz="1400" b="1" dirty="0">
-                <a:latin typeface="Courier New" panose="02070309020205020404" pitchFamily="49" charset="0"/>
-                <a:cs typeface="Courier New" panose="02070309020205020404" pitchFamily="49" charset="0"/>
-              </a:rPr>
-              <a:t>)) != NULL ) {</a:t>
-            </a:r>
-          </a:p>
-          <a:p>
-            <a:r>
-              <a:rPr lang="en-US" sz="1400" b="1" dirty="0">
-                <a:latin typeface="Courier New" panose="02070309020205020404" pitchFamily="49" charset="0"/>
-                <a:cs typeface="Courier New" panose="02070309020205020404" pitchFamily="49" charset="0"/>
-              </a:rPr>
-              <a:t>        </a:t>
-            </a:r>
-            <a:r>
-              <a:rPr lang="en-US" sz="1400" b="1" dirty="0" err="1">
-                <a:latin typeface="Courier New" panose="02070309020205020404" pitchFamily="49" charset="0"/>
-                <a:cs typeface="Courier New" panose="02070309020205020404" pitchFamily="49" charset="0"/>
-              </a:rPr>
-              <a:t>printf</a:t>
-            </a:r>
-            <a:r>
-              <a:rPr lang="en-US" sz="1400" b="1" dirty="0">
-                <a:latin typeface="Courier New" panose="02070309020205020404" pitchFamily="49" charset="0"/>
-                <a:cs typeface="Courier New" panose="02070309020205020404" pitchFamily="49" charset="0"/>
-              </a:rPr>
-              <a:t>(" %s=%d\n", cur-&gt;key, cur-&gt;value);</a:t>
-            </a:r>
-          </a:p>
-          <a:p>
-            <a:r>
-              <a:rPr lang="en-US" sz="1400" b="1" dirty="0">
-                <a:latin typeface="Courier New" panose="02070309020205020404" pitchFamily="49" charset="0"/>
-                <a:cs typeface="Courier New" panose="02070309020205020404" pitchFamily="49" charset="0"/>
-              </a:rPr>
-              <a:t>    }</a:t>
-            </a:r>
-          </a:p>
-          <a:p>
-            <a:r>
-              <a:rPr lang="en-US" sz="1400" b="1" dirty="0">
-                <a:latin typeface="Courier New" panose="02070309020205020404" pitchFamily="49" charset="0"/>
-                <a:cs typeface="Courier New" panose="02070309020205020404" pitchFamily="49" charset="0"/>
-              </a:rPr>
-              <a:t>    </a:t>
-            </a:r>
-            <a:r>
-              <a:rPr lang="en-US" sz="1400" b="1" dirty="0" err="1">
-                <a:latin typeface="Courier New" panose="02070309020205020404" pitchFamily="49" charset="0"/>
-                <a:cs typeface="Courier New" panose="02070309020205020404" pitchFamily="49" charset="0"/>
-              </a:rPr>
-              <a:t>iter</a:t>
-            </a:r>
-            <a:r>
-              <a:rPr lang="en-US" sz="1400" b="1" dirty="0">
-                <a:latin typeface="Courier New" panose="02070309020205020404" pitchFamily="49" charset="0"/>
-                <a:cs typeface="Courier New" panose="02070309020205020404" pitchFamily="49" charset="0"/>
-              </a:rPr>
-              <a:t>-&gt;del(</a:t>
-            </a:r>
-            <a:r>
-              <a:rPr lang="en-US" sz="1400" b="1" dirty="0" err="1">
-                <a:latin typeface="Courier New" panose="02070309020205020404" pitchFamily="49" charset="0"/>
-                <a:cs typeface="Courier New" panose="02070309020205020404" pitchFamily="49" charset="0"/>
-              </a:rPr>
-              <a:t>iter</a:t>
-            </a:r>
-            <a:r>
-              <a:rPr lang="en-US" sz="1400" b="1" dirty="0">
-                <a:latin typeface="Courier New" panose="02070309020205020404" pitchFamily="49" charset="0"/>
-                <a:cs typeface="Courier New" panose="02070309020205020404" pitchFamily="49" charset="0"/>
-              </a:rPr>
-              <a:t>);</a:t>
+              <a:t>int main(void)</a:t>
+            </a:r>
+          </a:p>
+          <a:p>
+            <a:r>
+              <a:rPr lang="en-US" sz="1400" b="1" dirty="0">
+                <a:latin typeface="Courier New" panose="02070309020205020404" pitchFamily="49" charset="0"/>
+                <a:cs typeface="Courier New" panose="02070309020205020404" pitchFamily="49" charset="0"/>
+              </a:rPr>
+              <a:t>{</a:t>
+            </a:r>
+          </a:p>
+          <a:p>
+            <a:r>
+              <a:rPr lang="en-US" sz="1400" b="1" dirty="0">
+                <a:latin typeface="Courier New" panose="02070309020205020404" pitchFamily="49" charset="0"/>
+                <a:cs typeface="Courier New" panose="02070309020205020404" pitchFamily="49" charset="0"/>
+              </a:rPr>
+              <a:t>    struct </a:t>
+            </a:r>
+            <a:r>
+              <a:rPr lang="en-US" sz="1400" b="1" dirty="0" err="1">
+                <a:latin typeface="Courier New" panose="02070309020205020404" pitchFamily="49" charset="0"/>
+                <a:cs typeface="Courier New" panose="02070309020205020404" pitchFamily="49" charset="0"/>
+              </a:rPr>
+              <a:t>MapEntry</a:t>
+            </a:r>
+            <a:r>
+              <a:rPr lang="en-US" sz="1400" b="1" dirty="0">
+                <a:latin typeface="Courier New" panose="02070309020205020404" pitchFamily="49" charset="0"/>
+                <a:cs typeface="Courier New" panose="02070309020205020404" pitchFamily="49" charset="0"/>
+              </a:rPr>
+              <a:t> *cur;</a:t>
+            </a:r>
+          </a:p>
+          <a:p>
+            <a:r>
+              <a:rPr lang="en-US" sz="1400" b="1" dirty="0">
+                <a:latin typeface="Courier New" panose="02070309020205020404" pitchFamily="49" charset="0"/>
+                <a:cs typeface="Courier New" panose="02070309020205020404" pitchFamily="49" charset="0"/>
+              </a:rPr>
+              <a:t>    struct Map * map = </a:t>
+            </a:r>
+            <a:r>
+              <a:rPr lang="en-US" sz="1400" b="1" dirty="0" err="1">
+                <a:latin typeface="Courier New" panose="02070309020205020404" pitchFamily="49" charset="0"/>
+                <a:cs typeface="Courier New" panose="02070309020205020404" pitchFamily="49" charset="0"/>
+              </a:rPr>
+              <a:t>Map_new</a:t>
+            </a:r>
+            <a:r>
+              <a:rPr lang="en-US" sz="1400" b="1" dirty="0">
+                <a:latin typeface="Courier New" panose="02070309020205020404" pitchFamily="49" charset="0"/>
+                <a:cs typeface="Courier New" panose="02070309020205020404" pitchFamily="49" charset="0"/>
+              </a:rPr>
+              <a:t>();</a:t>
             </a:r>
           </a:p>
           <a:p>
@@ -11040,29 +10006,6 @@
                 <a:latin typeface="Courier New" panose="02070309020205020404" pitchFamily="49" charset="0"/>
                 <a:cs typeface="Courier New" panose="02070309020205020404" pitchFamily="49" charset="0"/>
               </a:rPr>
-              <a:t>    map-&gt;</a:t>
-            </a:r>
-            <a:r>
-              <a:rPr lang="en-US" sz="1400" b="1" dirty="0" err="1">
-                <a:latin typeface="Courier New" panose="02070309020205020404" pitchFamily="49" charset="0"/>
-                <a:cs typeface="Courier New" panose="02070309020205020404" pitchFamily="49" charset="0"/>
-              </a:rPr>
-              <a:t>ksort</a:t>
-            </a:r>
-            <a:r>
-              <a:rPr lang="en-US" sz="1400" b="1" dirty="0">
-                <a:latin typeface="Courier New" panose="02070309020205020404" pitchFamily="49" charset="0"/>
-                <a:cs typeface="Courier New" panose="02070309020205020404" pitchFamily="49" charset="0"/>
-              </a:rPr>
-              <a:t>(map);</a:t>
-            </a:r>
-          </a:p>
-          <a:p>
-            <a:r>
-              <a:rPr lang="en-US" sz="1400" b="1" dirty="0">
-                <a:latin typeface="Courier New" panose="02070309020205020404" pitchFamily="49" charset="0"/>
-                <a:cs typeface="Courier New" panose="02070309020205020404" pitchFamily="49" charset="0"/>
-              </a:rPr>
               <a:t>    </a:t>
             </a:r>
             <a:r>
@@ -11077,21 +10020,52 @@
                 <a:latin typeface="Courier New" panose="02070309020205020404" pitchFamily="49" charset="0"/>
                 <a:cs typeface="Courier New" panose="02070309020205020404" pitchFamily="49" charset="0"/>
               </a:rPr>
-              <a:t>("\</a:t>
-            </a:r>
-            <a:r>
-              <a:rPr lang="en-US" sz="1400" b="1" dirty="0" err="1">
-                <a:latin typeface="Courier New" panose="02070309020205020404" pitchFamily="49" charset="0"/>
-                <a:cs typeface="Courier New" panose="02070309020205020404" pitchFamily="49" charset="0"/>
-              </a:rPr>
-              <a:t>nSorted</a:t>
-            </a:r>
-            <a:r>
-              <a:rPr lang="en-US" sz="1400" b="1" dirty="0">
-                <a:latin typeface="Courier New" panose="02070309020205020404" pitchFamily="49" charset="0"/>
-                <a:cs typeface="Courier New" panose="02070309020205020404" pitchFamily="49" charset="0"/>
-              </a:rPr>
-              <a:t> by key\n");</a:t>
+              <a:t>("Testing Map class\n");</a:t>
+            </a:r>
+          </a:p>
+          <a:p>
+            <a:r>
+              <a:rPr lang="en-US" sz="1400" b="1" dirty="0">
+                <a:latin typeface="Courier New" panose="02070309020205020404" pitchFamily="49" charset="0"/>
+                <a:cs typeface="Courier New" panose="02070309020205020404" pitchFamily="49" charset="0"/>
+              </a:rPr>
+              <a:t>    map-&gt;put(map, "z", 8);</a:t>
+            </a:r>
+          </a:p>
+          <a:p>
+            <a:r>
+              <a:rPr lang="en-US" sz="1400" b="1" dirty="0">
+                <a:latin typeface="Courier New" panose="02070309020205020404" pitchFamily="49" charset="0"/>
+                <a:cs typeface="Courier New" panose="02070309020205020404" pitchFamily="49" charset="0"/>
+              </a:rPr>
+              <a:t>    map-&gt;put(map, "z", 1);</a:t>
+            </a:r>
+          </a:p>
+          <a:p>
+            <a:r>
+              <a:rPr lang="en-US" sz="1400" b="1" dirty="0">
+                <a:latin typeface="Courier New" panose="02070309020205020404" pitchFamily="49" charset="0"/>
+                <a:cs typeface="Courier New" panose="02070309020205020404" pitchFamily="49" charset="0"/>
+              </a:rPr>
+              <a:t>    map-&gt;put(map, "y", 2);</a:t>
+            </a:r>
+          </a:p>
+          <a:p>
+            <a:r>
+              <a:rPr lang="en-US" sz="1400" b="1" dirty="0">
+                <a:latin typeface="Courier New" panose="02070309020205020404" pitchFamily="49" charset="0"/>
+                <a:cs typeface="Courier New" panose="02070309020205020404" pitchFamily="49" charset="0"/>
+              </a:rPr>
+              <a:t>    map-&gt;put(map, "b", 3);</a:t>
+            </a:r>
+          </a:p>
+          <a:p>
+            <a:r>
+              <a:rPr lang="en-US" sz="1400" b="1" dirty="0">
+                <a:latin typeface="Courier New" panose="02070309020205020404" pitchFamily="49" charset="0"/>
+                <a:cs typeface="Courier New" panose="02070309020205020404" pitchFamily="49" charset="0"/>
+              </a:rPr>
+              <a:t>    map-&gt;put(map, "a", 4);</a:t>
             </a:r>
           </a:p>
           <a:p>
@@ -11129,53 +10103,30 @@
                 <a:latin typeface="Courier New" panose="02070309020205020404" pitchFamily="49" charset="0"/>
                 <a:cs typeface="Courier New" panose="02070309020205020404" pitchFamily="49" charset="0"/>
               </a:rPr>
-              <a:t>("\</a:t>
-            </a:r>
-            <a:r>
-              <a:rPr lang="en-US" sz="1400" b="1" dirty="0" err="1">
-                <a:latin typeface="Courier New" panose="02070309020205020404" pitchFamily="49" charset="0"/>
-                <a:cs typeface="Courier New" panose="02070309020205020404" pitchFamily="49" charset="0"/>
-              </a:rPr>
-              <a:t>nSorted</a:t>
-            </a:r>
-            <a:r>
-              <a:rPr lang="en-US" sz="1400" b="1" dirty="0">
-                <a:latin typeface="Courier New" panose="02070309020205020404" pitchFamily="49" charset="0"/>
-                <a:cs typeface="Courier New" panose="02070309020205020404" pitchFamily="49" charset="0"/>
-              </a:rPr>
-              <a:t> by value\n");</a:t>
-            </a:r>
-          </a:p>
-          <a:p>
-            <a:r>
-              <a:rPr lang="en-US" sz="1400" b="1" dirty="0">
-                <a:latin typeface="Courier New" panose="02070309020205020404" pitchFamily="49" charset="0"/>
-                <a:cs typeface="Courier New" panose="02070309020205020404" pitchFamily="49" charset="0"/>
-              </a:rPr>
-              <a:t>    map-&gt;</a:t>
-            </a:r>
-            <a:r>
-              <a:rPr lang="en-US" sz="1400" b="1" dirty="0" err="1">
-                <a:latin typeface="Courier New" panose="02070309020205020404" pitchFamily="49" charset="0"/>
-                <a:cs typeface="Courier New" panose="02070309020205020404" pitchFamily="49" charset="0"/>
-              </a:rPr>
-              <a:t>asort</a:t>
-            </a:r>
-            <a:r>
-              <a:rPr lang="en-US" sz="1400" b="1" dirty="0">
-                <a:latin typeface="Courier New" panose="02070309020205020404" pitchFamily="49" charset="0"/>
-                <a:cs typeface="Courier New" panose="02070309020205020404" pitchFamily="49" charset="0"/>
-              </a:rPr>
-              <a:t>(map);</a:t>
-            </a:r>
-          </a:p>
-          <a:p>
-            <a:r>
-              <a:rPr lang="en-US" sz="1400" b="1" dirty="0">
-                <a:latin typeface="Courier New" panose="02070309020205020404" pitchFamily="49" charset="0"/>
-                <a:cs typeface="Courier New" panose="02070309020205020404" pitchFamily="49" charset="0"/>
-              </a:rPr>
-              <a:t>    map-&gt;dump(map);</a:t>
+              <a:t>("z=%d\n", map-&gt;get(map, "z", 42));</a:t>
+            </a:r>
+          </a:p>
+          <a:p>
+            <a:r>
+              <a:rPr lang="en-US" sz="1400" b="1" dirty="0">
+                <a:latin typeface="Courier New" panose="02070309020205020404" pitchFamily="49" charset="0"/>
+                <a:cs typeface="Courier New" panose="02070309020205020404" pitchFamily="49" charset="0"/>
+              </a:rPr>
+              <a:t>    </a:t>
+            </a:r>
+            <a:r>
+              <a:rPr lang="en-US" sz="1400" b="1" dirty="0" err="1">
+                <a:latin typeface="Courier New" panose="02070309020205020404" pitchFamily="49" charset="0"/>
+                <a:cs typeface="Courier New" panose="02070309020205020404" pitchFamily="49" charset="0"/>
+              </a:rPr>
+              <a:t>printf</a:t>
+            </a:r>
+            <a:r>
+              <a:rPr lang="en-US" sz="1400" b="1" dirty="0">
+                <a:latin typeface="Courier New" panose="02070309020205020404" pitchFamily="49" charset="0"/>
+                <a:cs typeface="Courier New" panose="02070309020205020404" pitchFamily="49" charset="0"/>
+              </a:rPr>
+              <a:t>("x=%d\n", map-&gt;get(map, "x", 42));</a:t>
             </a:r>
           </a:p>
           <a:p>
@@ -11190,15 +10141,6 @@
                 <a:latin typeface="Courier New" panose="02070309020205020404" pitchFamily="49" charset="0"/>
                 <a:cs typeface="Courier New" panose="02070309020205020404" pitchFamily="49" charset="0"/>
               </a:rPr>
-              <a:t>    cur = map-&gt;index(map, 0);</a:t>
-            </a:r>
-          </a:p>
-          <a:p>
-            <a:r>
-              <a:rPr lang="en-US" sz="1400" b="1" dirty="0">
-                <a:latin typeface="Courier New" panose="02070309020205020404" pitchFamily="49" charset="0"/>
-                <a:cs typeface="Courier New" panose="02070309020205020404" pitchFamily="49" charset="0"/>
-              </a:rPr>
               <a:t>    </a:t>
             </a:r>
             <a:r>
@@ -11213,7 +10155,62 @@
                 <a:latin typeface="Courier New" panose="02070309020205020404" pitchFamily="49" charset="0"/>
                 <a:cs typeface="Courier New" panose="02070309020205020404" pitchFamily="49" charset="0"/>
               </a:rPr>
-              <a:t>("The smallest value is %s=%d\n", cur-&gt;key, cur-&gt;value);</a:t>
+              <a:t>("\</a:t>
+            </a:r>
+            <a:r>
+              <a:rPr lang="en-US" sz="1400" b="1" dirty="0" err="1">
+                <a:latin typeface="Courier New" panose="02070309020205020404" pitchFamily="49" charset="0"/>
+                <a:cs typeface="Courier New" panose="02070309020205020404" pitchFamily="49" charset="0"/>
+              </a:rPr>
+              <a:t>nIterate</a:t>
+            </a:r>
+            <a:r>
+              <a:rPr lang="en-US" sz="1400" b="1" dirty="0">
+                <a:latin typeface="Courier New" panose="02070309020205020404" pitchFamily="49" charset="0"/>
+                <a:cs typeface="Courier New" panose="02070309020205020404" pitchFamily="49" charset="0"/>
+              </a:rPr>
+              <a:t>\n");</a:t>
+            </a:r>
+          </a:p>
+          <a:p>
+            <a:r>
+              <a:rPr lang="en-US" sz="1400" b="1" dirty="0">
+                <a:latin typeface="Courier New" panose="02070309020205020404" pitchFamily="49" charset="0"/>
+                <a:cs typeface="Courier New" panose="02070309020205020404" pitchFamily="49" charset="0"/>
+              </a:rPr>
+              <a:t>    for(cur = map-&gt;first(map); cur != NULL; cur = map-&gt;next(map) ) {</a:t>
+            </a:r>
+          </a:p>
+          <a:p>
+            <a:r>
+              <a:rPr lang="en-US" sz="1400" b="1" dirty="0">
+                <a:latin typeface="Courier New" panose="02070309020205020404" pitchFamily="49" charset="0"/>
+                <a:cs typeface="Courier New" panose="02070309020205020404" pitchFamily="49" charset="0"/>
+              </a:rPr>
+              <a:t>        </a:t>
+            </a:r>
+            <a:r>
+              <a:rPr lang="en-US" sz="1400" b="1" dirty="0" err="1">
+                <a:latin typeface="Courier New" panose="02070309020205020404" pitchFamily="49" charset="0"/>
+                <a:cs typeface="Courier New" panose="02070309020205020404" pitchFamily="49" charset="0"/>
+              </a:rPr>
+              <a:t>printf</a:t>
+            </a:r>
+            <a:r>
+              <a:rPr lang="en-US" sz="1400" b="1" dirty="0">
+                <a:latin typeface="Courier New" panose="02070309020205020404" pitchFamily="49" charset="0"/>
+                <a:cs typeface="Courier New" panose="02070309020205020404" pitchFamily="49" charset="0"/>
+              </a:rPr>
+              <a:t>(" %s=%d\n", cur-&gt;key, cur-&gt;value);</a:t>
+            </a:r>
+          </a:p>
+          <a:p>
+            <a:r>
+              <a:rPr lang="en-US" sz="1400" b="1" dirty="0">
+                <a:latin typeface="Courier New" panose="02070309020205020404" pitchFamily="49" charset="0"/>
+                <a:cs typeface="Courier New" panose="02070309020205020404" pitchFamily="49" charset="0"/>
+              </a:rPr>
+              <a:t>    }</a:t>
             </a:r>
           </a:p>
           <a:p>
@@ -11228,24 +10225,6 @@
                 <a:latin typeface="Courier New" panose="02070309020205020404" pitchFamily="49" charset="0"/>
                 <a:cs typeface="Courier New" panose="02070309020205020404" pitchFamily="49" charset="0"/>
               </a:rPr>
-              <a:t>    int pos = map-&gt;size(map) - 1;</a:t>
-            </a:r>
-          </a:p>
-          <a:p>
-            <a:r>
-              <a:rPr lang="en-US" sz="1400" b="1" dirty="0">
-                <a:latin typeface="Courier New" panose="02070309020205020404" pitchFamily="49" charset="0"/>
-                <a:cs typeface="Courier New" panose="02070309020205020404" pitchFamily="49" charset="0"/>
-              </a:rPr>
-              <a:t>    cur = map-&gt;index(map, pos);</a:t>
-            </a:r>
-          </a:p>
-          <a:p>
-            <a:r>
-              <a:rPr lang="en-US" sz="1400" b="1" dirty="0">
-                <a:latin typeface="Courier New" panose="02070309020205020404" pitchFamily="49" charset="0"/>
-                <a:cs typeface="Courier New" panose="02070309020205020404" pitchFamily="49" charset="0"/>
-              </a:rPr>
               <a:t>    </a:t>
             </a:r>
             <a:r>
@@ -11253,29 +10232,14 @@
                 <a:latin typeface="Courier New" panose="02070309020205020404" pitchFamily="49" charset="0"/>
                 <a:cs typeface="Courier New" panose="02070309020205020404" pitchFamily="49" charset="0"/>
               </a:rPr>
-              <a:t>printf</a:t>
-            </a:r>
-            <a:r>
-              <a:rPr lang="en-US" sz="1400" b="1" dirty="0">
-                <a:latin typeface="Courier New" panose="02070309020205020404" pitchFamily="49" charset="0"/>
-                <a:cs typeface="Courier New" panose="02070309020205020404" pitchFamily="49" charset="0"/>
-              </a:rPr>
-              <a:t>("The largest value is %s=%d\n", cur-&gt;key, cur-&gt;value);</a:t>
-            </a:r>
-          </a:p>
-          <a:p>
-            <a:endParaRPr lang="en-US" sz="1400" b="1" dirty="0">
-              <a:latin typeface="Courier New" panose="02070309020205020404" pitchFamily="49" charset="0"/>
-              <a:cs typeface="Courier New" panose="02070309020205020404" pitchFamily="49" charset="0"/>
-            </a:endParaRPr>
-          </a:p>
-          <a:p>
-            <a:r>
-              <a:rPr lang="en-US" sz="1400" b="1" dirty="0">
-                <a:latin typeface="Courier New" panose="02070309020205020404" pitchFamily="49" charset="0"/>
-                <a:cs typeface="Courier New" panose="02070309020205020404" pitchFamily="49" charset="0"/>
-              </a:rPr>
-              <a:t>    map-&gt;del(map);</a:t>
+              <a:t>Map_del</a:t>
+            </a:r>
+            <a:r>
+              <a:rPr lang="en-US" sz="1400" b="1" dirty="0">
+                <a:latin typeface="Courier New" panose="02070309020205020404" pitchFamily="49" charset="0"/>
+                <a:cs typeface="Courier New" panose="02070309020205020404" pitchFamily="49" charset="0"/>
+              </a:rPr>
+              <a:t>(map);</a:t>
             </a:r>
           </a:p>
           <a:p>
@@ -11291,10 +10255,10 @@
       </p:sp>
       <p:sp>
         <p:nvSpPr>
-          <p:cNvPr id="5" name="TextBox 4">
+          <p:cNvPr id="2" name="TextBox 1">
             <a:extLst>
               <a:ext uri="{FF2B5EF4-FFF2-40B4-BE49-F238E27FC236}">
-                <a16:creationId xmlns:a16="http://schemas.microsoft.com/office/drawing/2014/main" id="{0A1F66FC-D917-3925-AED2-B0917D657EE9}"/>
+                <a16:creationId xmlns:a16="http://schemas.microsoft.com/office/drawing/2014/main" id="{5F392106-F0A9-3311-2512-DAE6B700DF70}"/>
               </a:ext>
             </a:extLst>
           </p:cNvPr>
@@ -11303,8 +10267,8 @@
         </p:nvSpPr>
         <p:spPr>
           <a:xfrm>
-            <a:off x="8265412" y="1536174"/>
-            <a:ext cx="3252814" cy="3785652"/>
+            <a:off x="7440350" y="607347"/>
+            <a:ext cx="4257897" cy="3539430"/>
           </a:xfrm>
           <a:prstGeom prst="rect">
             <a:avLst/>
@@ -11323,186 +10287,132 @@
           <a:lstStyle/>
           <a:p>
             <a:r>
-              <a:rPr lang="en-US" sz="1200" b="1" dirty="0">
-                <a:latin typeface="Courier New" panose="02070309020205020404" pitchFamily="49" charset="0"/>
-                <a:cs typeface="Courier New" panose="02070309020205020404" pitchFamily="49" charset="0"/>
-              </a:rPr>
-              <a:t>Iterate backwards</a:t>
-            </a:r>
-          </a:p>
-          <a:p>
-            <a:r>
-              <a:rPr lang="en-US" sz="1200" b="1" dirty="0">
-                <a:latin typeface="Courier New" panose="02070309020205020404" pitchFamily="49" charset="0"/>
-                <a:cs typeface="Courier New" panose="02070309020205020404" pitchFamily="49" charset="0"/>
-              </a:rPr>
-              <a:t> b=3</a:t>
-            </a:r>
-          </a:p>
-          <a:p>
-            <a:r>
-              <a:rPr lang="en-US" sz="1200" b="1" dirty="0">
-                <a:latin typeface="Courier New" panose="02070309020205020404" pitchFamily="49" charset="0"/>
-                <a:cs typeface="Courier New" panose="02070309020205020404" pitchFamily="49" charset="0"/>
-              </a:rPr>
-              <a:t> y=2</a:t>
-            </a:r>
-          </a:p>
-          <a:p>
-            <a:r>
-              <a:rPr lang="en-US" sz="1200" b="1" dirty="0">
-                <a:latin typeface="Courier New" panose="02070309020205020404" pitchFamily="49" charset="0"/>
-                <a:cs typeface="Courier New" panose="02070309020205020404" pitchFamily="49" charset="0"/>
-              </a:rPr>
-              <a:t> z=1</a:t>
-            </a:r>
-          </a:p>
-          <a:p>
-            <a:endParaRPr lang="en-US" sz="1200" b="1" dirty="0">
+              <a:rPr lang="en-US" sz="1600" b="1" dirty="0">
+                <a:latin typeface="Courier New" panose="02070309020205020404" pitchFamily="49" charset="0"/>
+                <a:cs typeface="Courier New" panose="02070309020205020404" pitchFamily="49" charset="0"/>
+              </a:rPr>
+              <a:t>Testing Map class</a:t>
+            </a:r>
+          </a:p>
+          <a:p>
+            <a:r>
+              <a:rPr lang="en-US" sz="1600" b="1" dirty="0">
+                <a:latin typeface="Courier New" panose="02070309020205020404" pitchFamily="49" charset="0"/>
+                <a:cs typeface="Courier New" panose="02070309020205020404" pitchFamily="49" charset="0"/>
+              </a:rPr>
+              <a:t>Object Map@0x600002a3c000 count=4</a:t>
+            </a:r>
+          </a:p>
+          <a:p>
+            <a:r>
+              <a:rPr lang="en-US" sz="1600" b="1" dirty="0">
+                <a:latin typeface="Courier New" panose="02070309020205020404" pitchFamily="49" charset="0"/>
+                <a:cs typeface="Courier New" panose="02070309020205020404" pitchFamily="49" charset="0"/>
+              </a:rPr>
+              <a:t>  z=1</a:t>
+            </a:r>
+          </a:p>
+          <a:p>
+            <a:r>
+              <a:rPr lang="en-US" sz="1600" b="1" dirty="0">
+                <a:latin typeface="Courier New" panose="02070309020205020404" pitchFamily="49" charset="0"/>
+                <a:cs typeface="Courier New" panose="02070309020205020404" pitchFamily="49" charset="0"/>
+              </a:rPr>
+              <a:t>  y=2</a:t>
+            </a:r>
+          </a:p>
+          <a:p>
+            <a:r>
+              <a:rPr lang="en-US" sz="1600" b="1" dirty="0">
+                <a:latin typeface="Courier New" panose="02070309020205020404" pitchFamily="49" charset="0"/>
+                <a:cs typeface="Courier New" panose="02070309020205020404" pitchFamily="49" charset="0"/>
+              </a:rPr>
+              <a:t>  b=3</a:t>
+            </a:r>
+          </a:p>
+          <a:p>
+            <a:r>
+              <a:rPr lang="en-US" sz="1600" b="1" dirty="0">
+                <a:latin typeface="Courier New" panose="02070309020205020404" pitchFamily="49" charset="0"/>
+                <a:cs typeface="Courier New" panose="02070309020205020404" pitchFamily="49" charset="0"/>
+              </a:rPr>
+              <a:t>  a=4</a:t>
+            </a:r>
+          </a:p>
+          <a:p>
+            <a:r>
+              <a:rPr lang="en-US" sz="1600" b="1" dirty="0">
+                <a:latin typeface="Courier New" panose="02070309020205020404" pitchFamily="49" charset="0"/>
+                <a:cs typeface="Courier New" panose="02070309020205020404" pitchFamily="49" charset="0"/>
+              </a:rPr>
+              <a:t>z=1</a:t>
+            </a:r>
+          </a:p>
+          <a:p>
+            <a:r>
+              <a:rPr lang="en-US" sz="1600" b="1" dirty="0">
+                <a:latin typeface="Courier New" panose="02070309020205020404" pitchFamily="49" charset="0"/>
+                <a:cs typeface="Courier New" panose="02070309020205020404" pitchFamily="49" charset="0"/>
+              </a:rPr>
+              <a:t>x=42</a:t>
+            </a:r>
+          </a:p>
+          <a:p>
+            <a:endParaRPr lang="en-US" sz="1600" b="1" dirty="0">
               <a:latin typeface="Courier New" panose="02070309020205020404" pitchFamily="49" charset="0"/>
               <a:cs typeface="Courier New" panose="02070309020205020404" pitchFamily="49" charset="0"/>
             </a:endParaRPr>
           </a:p>
           <a:p>
             <a:r>
-              <a:rPr lang="en-US" sz="1200" b="1" dirty="0">
-                <a:latin typeface="Courier New" panose="02070309020205020404" pitchFamily="49" charset="0"/>
-                <a:cs typeface="Courier New" panose="02070309020205020404" pitchFamily="49" charset="0"/>
-              </a:rPr>
-              <a:t>Sorted by key</a:t>
-            </a:r>
-          </a:p>
-          <a:p>
-            <a:r>
-              <a:rPr lang="en-US" sz="1200" b="1" dirty="0">
-                <a:latin typeface="Courier New" panose="02070309020205020404" pitchFamily="49" charset="0"/>
-                <a:cs typeface="Courier New" panose="02070309020205020404" pitchFamily="49" charset="0"/>
-              </a:rPr>
-              <a:t>Object Map@0x600002a3c000 count=4</a:t>
-            </a:r>
-          </a:p>
-          <a:p>
-            <a:r>
-              <a:rPr lang="en-US" sz="1200" b="1" dirty="0">
-                <a:latin typeface="Courier New" panose="02070309020205020404" pitchFamily="49" charset="0"/>
-                <a:cs typeface="Courier New" panose="02070309020205020404" pitchFamily="49" charset="0"/>
-              </a:rPr>
-              <a:t>  a=4</a:t>
-            </a:r>
-          </a:p>
-          <a:p>
-            <a:r>
-              <a:rPr lang="en-US" sz="1200" b="1" dirty="0">
-                <a:latin typeface="Courier New" panose="02070309020205020404" pitchFamily="49" charset="0"/>
-                <a:cs typeface="Courier New" panose="02070309020205020404" pitchFamily="49" charset="0"/>
-              </a:rPr>
-              <a:t>  b=3</a:t>
-            </a:r>
-          </a:p>
-          <a:p>
-            <a:r>
-              <a:rPr lang="en-US" sz="1200" b="1" dirty="0">
-                <a:latin typeface="Courier New" panose="02070309020205020404" pitchFamily="49" charset="0"/>
-                <a:cs typeface="Courier New" panose="02070309020205020404" pitchFamily="49" charset="0"/>
-              </a:rPr>
-              <a:t>  y=2</a:t>
-            </a:r>
-          </a:p>
-          <a:p>
-            <a:r>
-              <a:rPr lang="en-US" sz="1200" b="1" dirty="0">
-                <a:latin typeface="Courier New" panose="02070309020205020404" pitchFamily="49" charset="0"/>
-                <a:cs typeface="Courier New" panose="02070309020205020404" pitchFamily="49" charset="0"/>
-              </a:rPr>
-              <a:t>  z=1</a:t>
-            </a:r>
-          </a:p>
-          <a:p>
-            <a:endParaRPr lang="en-US" sz="1200" b="1" dirty="0">
+              <a:rPr lang="en-US" sz="1600" b="1" dirty="0">
+                <a:latin typeface="Courier New" panose="02070309020205020404" pitchFamily="49" charset="0"/>
+                <a:cs typeface="Courier New" panose="02070309020205020404" pitchFamily="49" charset="0"/>
+              </a:rPr>
+              <a:t>Iterate</a:t>
+            </a:r>
+          </a:p>
+          <a:p>
+            <a:r>
+              <a:rPr lang="en-US" sz="1600" b="1" dirty="0">
+                <a:latin typeface="Courier New" panose="02070309020205020404" pitchFamily="49" charset="0"/>
+                <a:cs typeface="Courier New" panose="02070309020205020404" pitchFamily="49" charset="0"/>
+              </a:rPr>
+              <a:t> y=2</a:t>
+            </a:r>
+          </a:p>
+          <a:p>
+            <a:r>
+              <a:rPr lang="en-US" sz="1600" b="1" dirty="0">
+                <a:latin typeface="Courier New" panose="02070309020205020404" pitchFamily="49" charset="0"/>
+                <a:cs typeface="Courier New" panose="02070309020205020404" pitchFamily="49" charset="0"/>
+              </a:rPr>
+              <a:t> b=3</a:t>
+            </a:r>
+          </a:p>
+          <a:p>
+            <a:r>
+              <a:rPr lang="en-US" sz="1600" b="1" dirty="0">
+                <a:latin typeface="Courier New" panose="02070309020205020404" pitchFamily="49" charset="0"/>
+                <a:cs typeface="Courier New" panose="02070309020205020404" pitchFamily="49" charset="0"/>
+              </a:rPr>
+              <a:t> a=4</a:t>
+            </a:r>
+          </a:p>
+          <a:p>
+            <a:endParaRPr lang="en-US" sz="1600" b="1" dirty="0">
               <a:latin typeface="Courier New" panose="02070309020205020404" pitchFamily="49" charset="0"/>
               <a:cs typeface="Courier New" panose="02070309020205020404" pitchFamily="49" charset="0"/>
             </a:endParaRPr>
-          </a:p>
-          <a:p>
-            <a:r>
-              <a:rPr lang="en-US" sz="1200" b="1" dirty="0">
-                <a:latin typeface="Courier New" panose="02070309020205020404" pitchFamily="49" charset="0"/>
-                <a:cs typeface="Courier New" panose="02070309020205020404" pitchFamily="49" charset="0"/>
-              </a:rPr>
-              <a:t>Sorted by value</a:t>
-            </a:r>
-          </a:p>
-          <a:p>
-            <a:r>
-              <a:rPr lang="en-US" sz="1200" b="1" dirty="0">
-                <a:latin typeface="Courier New" panose="02070309020205020404" pitchFamily="49" charset="0"/>
-                <a:cs typeface="Courier New" panose="02070309020205020404" pitchFamily="49" charset="0"/>
-              </a:rPr>
-              <a:t>Object Map@0x600002a3c000 count=4</a:t>
-            </a:r>
-          </a:p>
-          <a:p>
-            <a:r>
-              <a:rPr lang="en-US" sz="1200" b="1" dirty="0">
-                <a:latin typeface="Courier New" panose="02070309020205020404" pitchFamily="49" charset="0"/>
-                <a:cs typeface="Courier New" panose="02070309020205020404" pitchFamily="49" charset="0"/>
-              </a:rPr>
-              <a:t>  z=1</a:t>
-            </a:r>
-          </a:p>
-          <a:p>
-            <a:r>
-              <a:rPr lang="en-US" sz="1200" b="1" dirty="0">
-                <a:latin typeface="Courier New" panose="02070309020205020404" pitchFamily="49" charset="0"/>
-                <a:cs typeface="Courier New" panose="02070309020205020404" pitchFamily="49" charset="0"/>
-              </a:rPr>
-              <a:t>  y=2</a:t>
-            </a:r>
-          </a:p>
-          <a:p>
-            <a:r>
-              <a:rPr lang="en-US" sz="1200" b="1" dirty="0">
-                <a:latin typeface="Courier New" panose="02070309020205020404" pitchFamily="49" charset="0"/>
-                <a:cs typeface="Courier New" panose="02070309020205020404" pitchFamily="49" charset="0"/>
-              </a:rPr>
-              <a:t>  b=3</a:t>
-            </a:r>
-          </a:p>
-          <a:p>
-            <a:r>
-              <a:rPr lang="en-US" sz="1200" b="1" dirty="0">
-                <a:latin typeface="Courier New" panose="02070309020205020404" pitchFamily="49" charset="0"/>
-                <a:cs typeface="Courier New" panose="02070309020205020404" pitchFamily="49" charset="0"/>
-              </a:rPr>
-              <a:t>  a=4</a:t>
-            </a:r>
-          </a:p>
-          <a:p>
-            <a:r>
-              <a:rPr lang="en-US" sz="1200" b="1" dirty="0">
-                <a:latin typeface="Courier New" panose="02070309020205020404" pitchFamily="49" charset="0"/>
-                <a:cs typeface="Courier New" panose="02070309020205020404" pitchFamily="49" charset="0"/>
-              </a:rPr>
-              <a:t>The smallest value is z=1</a:t>
-            </a:r>
-          </a:p>
-          <a:p>
-            <a:r>
-              <a:rPr lang="en-US" sz="1200" b="1" dirty="0">
-                <a:latin typeface="Courier New" panose="02070309020205020404" pitchFamily="49" charset="0"/>
-                <a:cs typeface="Courier New" panose="02070309020205020404" pitchFamily="49" charset="0"/>
-              </a:rPr>
-              <a:t>The largest value is a=4</a:t>
-            </a:r>
           </a:p>
         </p:txBody>
       </p:sp>
       <p:sp>
         <p:nvSpPr>
-          <p:cNvPr id="6" name="TextBox 5">
+          <p:cNvPr id="3" name="TextBox 2">
             <a:extLst>
               <a:ext uri="{FF2B5EF4-FFF2-40B4-BE49-F238E27FC236}">
-                <a16:creationId xmlns:a16="http://schemas.microsoft.com/office/drawing/2014/main" id="{6F370932-4D8E-9923-8009-A4771C8364AD}"/>
+                <a16:creationId xmlns:a16="http://schemas.microsoft.com/office/drawing/2014/main" id="{60FB070C-6DEF-262C-0A30-0FE29F60430A}"/>
               </a:ext>
             </a:extLst>
           </p:cNvPr>
@@ -11548,7 +10458,7 @@
     </p:spTree>
     <p:extLst>
       <p:ext uri="{BB962C8B-B14F-4D97-AF65-F5344CB8AC3E}">
-        <p14:creationId xmlns:p14="http://schemas.microsoft.com/office/powerpoint/2010/main" val="1860696273"/>
+        <p14:creationId xmlns:p14="http://schemas.microsoft.com/office/powerpoint/2010/main" val="1960542558"/>
       </p:ext>
     </p:extLst>
   </p:cSld>
@@ -11559,89 +10469,6 @@
 </file>
 
 <file path=ppt/slides/slide26.xml><?xml version="1.0" encoding="utf-8"?>
-<p:sld xmlns:a="http://schemas.openxmlformats.org/drawingml/2006/main" xmlns:r="http://schemas.openxmlformats.org/officeDocument/2006/relationships" xmlns:p="http://schemas.openxmlformats.org/presentationml/2006/main">
-  <p:cSld>
-    <p:spTree>
-      <p:nvGrpSpPr>
-        <p:cNvPr id="1" name=""/>
-        <p:cNvGrpSpPr/>
-        <p:nvPr/>
-      </p:nvGrpSpPr>
-      <p:grpSpPr>
-        <a:xfrm>
-          <a:off x="0" y="0"/>
-          <a:ext cx="0" cy="0"/>
-          <a:chOff x="0" y="0"/>
-          <a:chExt cx="0" cy="0"/>
-        </a:xfrm>
-      </p:grpSpPr>
-      <p:sp>
-        <p:nvSpPr>
-          <p:cNvPr id="2" name="Title 1">
-            <a:extLst>
-              <a:ext uri="{FF2B5EF4-FFF2-40B4-BE49-F238E27FC236}">
-                <a16:creationId xmlns:a16="http://schemas.microsoft.com/office/drawing/2014/main" id="{C3E88DF2-0509-37AD-7721-7985DF5E3366}"/>
-              </a:ext>
-            </a:extLst>
-          </p:cNvPr>
-          <p:cNvSpPr>
-            <a:spLocks noGrp="1"/>
-          </p:cNvSpPr>
-          <p:nvPr>
-            <p:ph type="title"/>
-          </p:nvPr>
-        </p:nvSpPr>
-        <p:spPr/>
-        <p:txBody>
-          <a:bodyPr/>
-          <a:lstStyle/>
-          <a:p>
-            <a:r>
-              <a:rPr lang="en-US" dirty="0"/>
-              <a:t>Lets build a Map Class in C</a:t>
-            </a:r>
-          </a:p>
-        </p:txBody>
-      </p:sp>
-      <p:sp>
-        <p:nvSpPr>
-          <p:cNvPr id="3" name="Text Placeholder 2">
-            <a:extLst>
-              <a:ext uri="{FF2B5EF4-FFF2-40B4-BE49-F238E27FC236}">
-                <a16:creationId xmlns:a16="http://schemas.microsoft.com/office/drawing/2014/main" id="{62E357C3-1E1C-4867-7B85-35AE42C54377}"/>
-              </a:ext>
-            </a:extLst>
-          </p:cNvPr>
-          <p:cNvSpPr>
-            <a:spLocks noGrp="1"/>
-          </p:cNvSpPr>
-          <p:nvPr>
-            <p:ph type="body" idx="1"/>
-          </p:nvPr>
-        </p:nvSpPr>
-        <p:spPr/>
-        <p:txBody>
-          <a:bodyPr/>
-          <a:lstStyle/>
-          <a:p>
-            <a:endParaRPr lang="en-US"/>
-          </a:p>
-        </p:txBody>
-      </p:sp>
-    </p:spTree>
-    <p:extLst>
-      <p:ext uri="{BB962C8B-B14F-4D97-AF65-F5344CB8AC3E}">
-        <p14:creationId xmlns:p14="http://schemas.microsoft.com/office/powerpoint/2010/main" val="1922537833"/>
-      </p:ext>
-    </p:extLst>
-  </p:cSld>
-  <p:clrMapOvr>
-    <a:masterClrMapping/>
-  </p:clrMapOvr>
-</p:sld>
-</file>
-
-<file path=ppt/slides/slide27.xml><?xml version="1.0" encoding="utf-8"?>
 <p:sld xmlns:a="http://schemas.openxmlformats.org/drawingml/2006/main" xmlns:r="http://schemas.openxmlformats.org/officeDocument/2006/relationships" xmlns:p="http://schemas.openxmlformats.org/presentationml/2006/main">
   <p:cSld>
     <p:spTree>
@@ -11955,7 +10782,7 @@
 </p:sld>
 </file>
 
-<file path=ppt/slides/slide28.xml><?xml version="1.0" encoding="utf-8"?>
+<file path=ppt/slides/slide27.xml><?xml version="1.0" encoding="utf-8"?>
 <p:sld xmlns:a="http://schemas.openxmlformats.org/drawingml/2006/main" xmlns:r="http://schemas.openxmlformats.org/officeDocument/2006/relationships" xmlns:p="http://schemas.openxmlformats.org/presentationml/2006/main">
   <p:cSld>
     <p:spTree>
@@ -12387,7 +11214,7 @@
 </p:sld>
 </file>
 
-<file path=ppt/slides/slide29.xml><?xml version="1.0" encoding="utf-8"?>
+<file path=ppt/slides/slide28.xml><?xml version="1.0" encoding="utf-8"?>
 <p:sld xmlns:a="http://schemas.openxmlformats.org/drawingml/2006/main" xmlns:r="http://schemas.openxmlformats.org/officeDocument/2006/relationships" xmlns:p="http://schemas.openxmlformats.org/presentationml/2006/main">
   <p:cSld>
     <p:spTree>
@@ -12861,6 +11688,347 @@
     <p:extLst>
       <p:ext uri="{BB962C8B-B14F-4D97-AF65-F5344CB8AC3E}">
         <p14:creationId xmlns:p14="http://schemas.microsoft.com/office/powerpoint/2010/main" val="3146089935"/>
+      </p:ext>
+    </p:extLst>
+  </p:cSld>
+  <p:clrMapOvr>
+    <a:masterClrMapping/>
+  </p:clrMapOvr>
+</p:sld>
+</file>
+
+<file path=ppt/slides/slide29.xml><?xml version="1.0" encoding="utf-8"?>
+<p:sld xmlns:a="http://schemas.openxmlformats.org/drawingml/2006/main" xmlns:r="http://schemas.openxmlformats.org/officeDocument/2006/relationships" xmlns:p="http://schemas.openxmlformats.org/presentationml/2006/main">
+  <p:cSld>
+    <p:spTree>
+      <p:nvGrpSpPr>
+        <p:cNvPr id="1" name=""/>
+        <p:cNvGrpSpPr/>
+        <p:nvPr/>
+      </p:nvGrpSpPr>
+      <p:grpSpPr>
+        <a:xfrm>
+          <a:off x="0" y="0"/>
+          <a:ext cx="0" cy="0"/>
+          <a:chOff x="0" y="0"/>
+          <a:chExt cx="0" cy="0"/>
+        </a:xfrm>
+      </p:grpSpPr>
+      <p:sp>
+        <p:nvSpPr>
+          <p:cNvPr id="2" name="TextBox 1">
+            <a:extLst>
+              <a:ext uri="{FF2B5EF4-FFF2-40B4-BE49-F238E27FC236}">
+                <a16:creationId xmlns:a16="http://schemas.microsoft.com/office/drawing/2014/main" id="{FEEE943B-F994-FF91-EC9C-3774C1CD2051}"/>
+              </a:ext>
+            </a:extLst>
+          </p:cNvPr>
+          <p:cNvSpPr txBox="1"/>
+          <p:nvPr/>
+        </p:nvSpPr>
+        <p:spPr>
+          <a:xfrm>
+            <a:off x="5717628" y="1336119"/>
+            <a:ext cx="5232523" cy="4185761"/>
+          </a:xfrm>
+          <a:prstGeom prst="rect">
+            <a:avLst/>
+          </a:prstGeom>
+          <a:noFill/>
+        </p:spPr>
+        <p:txBody>
+          <a:bodyPr wrap="none" rtlCol="0">
+            <a:spAutoFit/>
+          </a:bodyPr>
+          <a:lstStyle/>
+          <a:p>
+            <a:r>
+              <a:rPr lang="en-US" sz="1400" b="1" dirty="0">
+                <a:latin typeface="Courier New" panose="02070309020205020404" pitchFamily="49" charset="0"/>
+                <a:cs typeface="Courier New" panose="02070309020205020404" pitchFamily="49" charset="0"/>
+              </a:rPr>
+              <a:t>/**</a:t>
+            </a:r>
+          </a:p>
+          <a:p>
+            <a:r>
+              <a:rPr lang="en-US" sz="1400" b="1" dirty="0">
+                <a:latin typeface="Courier New" panose="02070309020205020404" pitchFamily="49" charset="0"/>
+                <a:cs typeface="Courier New" panose="02070309020205020404" pitchFamily="49" charset="0"/>
+              </a:rPr>
+              <a:t> * Destructor for the Map Class</a:t>
+            </a:r>
+          </a:p>
+          <a:p>
+            <a:r>
+              <a:rPr lang="en-US" sz="1400" b="1" dirty="0">
+                <a:latin typeface="Courier New" panose="02070309020205020404" pitchFamily="49" charset="0"/>
+                <a:cs typeface="Courier New" panose="02070309020205020404" pitchFamily="49" charset="0"/>
+              </a:rPr>
+              <a:t> *</a:t>
+            </a:r>
+          </a:p>
+          <a:p>
+            <a:r>
+              <a:rPr lang="en-US" sz="1400" b="1" dirty="0">
+                <a:latin typeface="Courier New" panose="02070309020205020404" pitchFamily="49" charset="0"/>
+                <a:cs typeface="Courier New" panose="02070309020205020404" pitchFamily="49" charset="0"/>
+              </a:rPr>
+              <a:t> * Loops through and frees all the keys and</a:t>
+            </a:r>
+          </a:p>
+          <a:p>
+            <a:r>
+              <a:rPr lang="en-US" sz="1400" b="1" dirty="0">
+                <a:latin typeface="Courier New" panose="02070309020205020404" pitchFamily="49" charset="0"/>
+                <a:cs typeface="Courier New" panose="02070309020205020404" pitchFamily="49" charset="0"/>
+              </a:rPr>
+              <a:t> * entries in the map.  The values are integers</a:t>
+            </a:r>
+          </a:p>
+          <a:p>
+            <a:r>
+              <a:rPr lang="en-US" sz="1400" b="1" dirty="0">
+                <a:latin typeface="Courier New" panose="02070309020205020404" pitchFamily="49" charset="0"/>
+                <a:cs typeface="Courier New" panose="02070309020205020404" pitchFamily="49" charset="0"/>
+              </a:rPr>
+              <a:t> * and so there is no need to free them.</a:t>
+            </a:r>
+          </a:p>
+          <a:p>
+            <a:r>
+              <a:rPr lang="en-US" sz="1400" b="1" dirty="0">
+                <a:latin typeface="Courier New" panose="02070309020205020404" pitchFamily="49" charset="0"/>
+                <a:cs typeface="Courier New" panose="02070309020205020404" pitchFamily="49" charset="0"/>
+              </a:rPr>
+              <a:t> */</a:t>
+            </a:r>
+          </a:p>
+          <a:p>
+            <a:r>
+              <a:rPr lang="en-US" sz="1400" b="1" dirty="0">
+                <a:latin typeface="Courier New" panose="02070309020205020404" pitchFamily="49" charset="0"/>
+                <a:cs typeface="Courier New" panose="02070309020205020404" pitchFamily="49" charset="0"/>
+              </a:rPr>
+              <a:t>void </a:t>
+            </a:r>
+            <a:r>
+              <a:rPr lang="en-US" sz="1400" b="1" dirty="0" err="1">
+                <a:latin typeface="Courier New" panose="02070309020205020404" pitchFamily="49" charset="0"/>
+                <a:cs typeface="Courier New" panose="02070309020205020404" pitchFamily="49" charset="0"/>
+              </a:rPr>
+              <a:t>Map_del</a:t>
+            </a:r>
+            <a:r>
+              <a:rPr lang="en-US" sz="1400" b="1" dirty="0">
+                <a:latin typeface="Courier New" panose="02070309020205020404" pitchFamily="49" charset="0"/>
+                <a:cs typeface="Courier New" panose="02070309020205020404" pitchFamily="49" charset="0"/>
+              </a:rPr>
+              <a:t>(struct Map* self) {</a:t>
+            </a:r>
+          </a:p>
+          <a:p>
+            <a:r>
+              <a:rPr lang="en-US" sz="1400" b="1" dirty="0">
+                <a:latin typeface="Courier New" panose="02070309020205020404" pitchFamily="49" charset="0"/>
+                <a:cs typeface="Courier New" panose="02070309020205020404" pitchFamily="49" charset="0"/>
+              </a:rPr>
+              <a:t>    struct </a:t>
+            </a:r>
+            <a:r>
+              <a:rPr lang="en-US" sz="1400" b="1" dirty="0" err="1">
+                <a:latin typeface="Courier New" panose="02070309020205020404" pitchFamily="49" charset="0"/>
+                <a:cs typeface="Courier New" panose="02070309020205020404" pitchFamily="49" charset="0"/>
+              </a:rPr>
+              <a:t>MapEntry</a:t>
+            </a:r>
+            <a:r>
+              <a:rPr lang="en-US" sz="1400" b="1" dirty="0">
+                <a:latin typeface="Courier New" panose="02070309020205020404" pitchFamily="49" charset="0"/>
+                <a:cs typeface="Courier New" panose="02070309020205020404" pitchFamily="49" charset="0"/>
+              </a:rPr>
+              <a:t> *cur, *next;</a:t>
+            </a:r>
+          </a:p>
+          <a:p>
+            <a:r>
+              <a:rPr lang="en-US" sz="1400" b="1" dirty="0">
+                <a:latin typeface="Courier New" panose="02070309020205020404" pitchFamily="49" charset="0"/>
+                <a:cs typeface="Courier New" panose="02070309020205020404" pitchFamily="49" charset="0"/>
+              </a:rPr>
+              <a:t>    cur = self-&gt;head;</a:t>
+            </a:r>
+          </a:p>
+          <a:p>
+            <a:r>
+              <a:rPr lang="en-US" sz="1400" b="1" dirty="0">
+                <a:latin typeface="Courier New" panose="02070309020205020404" pitchFamily="49" charset="0"/>
+                <a:cs typeface="Courier New" panose="02070309020205020404" pitchFamily="49" charset="0"/>
+              </a:rPr>
+              <a:t>    while(cur) {</a:t>
+            </a:r>
+          </a:p>
+          <a:p>
+            <a:r>
+              <a:rPr lang="en-US" sz="1400" b="1" dirty="0">
+                <a:latin typeface="Courier New" panose="02070309020205020404" pitchFamily="49" charset="0"/>
+                <a:cs typeface="Courier New" panose="02070309020205020404" pitchFamily="49" charset="0"/>
+              </a:rPr>
+              <a:t>        free(cur-&gt;key);</a:t>
+            </a:r>
+          </a:p>
+          <a:p>
+            <a:r>
+              <a:rPr lang="en-US" sz="1400" b="1" dirty="0">
+                <a:latin typeface="Courier New" panose="02070309020205020404" pitchFamily="49" charset="0"/>
+                <a:cs typeface="Courier New" panose="02070309020205020404" pitchFamily="49" charset="0"/>
+              </a:rPr>
+              <a:t>        /* value is just part of the struct */</a:t>
+            </a:r>
+          </a:p>
+          <a:p>
+            <a:r>
+              <a:rPr lang="en-US" sz="1400" b="1" dirty="0">
+                <a:latin typeface="Courier New" panose="02070309020205020404" pitchFamily="49" charset="0"/>
+                <a:cs typeface="Courier New" panose="02070309020205020404" pitchFamily="49" charset="0"/>
+              </a:rPr>
+              <a:t>        next = cur-&gt;next;</a:t>
+            </a:r>
+          </a:p>
+          <a:p>
+            <a:r>
+              <a:rPr lang="en-US" sz="1400" b="1" dirty="0">
+                <a:latin typeface="Courier New" panose="02070309020205020404" pitchFamily="49" charset="0"/>
+                <a:cs typeface="Courier New" panose="02070309020205020404" pitchFamily="49" charset="0"/>
+              </a:rPr>
+              <a:t>        free(cur);</a:t>
+            </a:r>
+          </a:p>
+          <a:p>
+            <a:r>
+              <a:rPr lang="en-US" sz="1400" b="1" dirty="0">
+                <a:latin typeface="Courier New" panose="02070309020205020404" pitchFamily="49" charset="0"/>
+                <a:cs typeface="Courier New" panose="02070309020205020404" pitchFamily="49" charset="0"/>
+              </a:rPr>
+              <a:t>        cur = next;</a:t>
+            </a:r>
+          </a:p>
+          <a:p>
+            <a:r>
+              <a:rPr lang="en-US" sz="1400" b="1" dirty="0">
+                <a:latin typeface="Courier New" panose="02070309020205020404" pitchFamily="49" charset="0"/>
+                <a:cs typeface="Courier New" panose="02070309020205020404" pitchFamily="49" charset="0"/>
+              </a:rPr>
+              <a:t>    }</a:t>
+            </a:r>
+          </a:p>
+          <a:p>
+            <a:r>
+              <a:rPr lang="en-US" sz="1400" b="1" dirty="0">
+                <a:latin typeface="Courier New" panose="02070309020205020404" pitchFamily="49" charset="0"/>
+                <a:cs typeface="Courier New" panose="02070309020205020404" pitchFamily="49" charset="0"/>
+              </a:rPr>
+              <a:t>    free((void *)self);</a:t>
+            </a:r>
+          </a:p>
+          <a:p>
+            <a:r>
+              <a:rPr lang="en-US" sz="1400" b="1" dirty="0">
+                <a:latin typeface="Courier New" panose="02070309020205020404" pitchFamily="49" charset="0"/>
+                <a:cs typeface="Courier New" panose="02070309020205020404" pitchFamily="49" charset="0"/>
+              </a:rPr>
+              <a:t>}</a:t>
+            </a:r>
+          </a:p>
+        </p:txBody>
+      </p:sp>
+      <p:sp>
+        <p:nvSpPr>
+          <p:cNvPr id="6" name="Title 5">
+            <a:extLst>
+              <a:ext uri="{FF2B5EF4-FFF2-40B4-BE49-F238E27FC236}">
+                <a16:creationId xmlns:a16="http://schemas.microsoft.com/office/drawing/2014/main" id="{E4A81157-F1D0-5130-371D-BA8DD965B654}"/>
+              </a:ext>
+            </a:extLst>
+          </p:cNvPr>
+          <p:cNvSpPr>
+            <a:spLocks noGrp="1"/>
+          </p:cNvSpPr>
+          <p:nvPr>
+            <p:ph type="title"/>
+          </p:nvPr>
+        </p:nvSpPr>
+        <p:spPr/>
+        <p:txBody>
+          <a:bodyPr/>
+          <a:lstStyle/>
+          <a:p>
+            <a:r>
+              <a:rPr lang="en-US" dirty="0"/>
+              <a:t>Destructor</a:t>
+            </a:r>
+          </a:p>
+        </p:txBody>
+      </p:sp>
+      <p:sp>
+        <p:nvSpPr>
+          <p:cNvPr id="7" name="Content Placeholder 6">
+            <a:extLst>
+              <a:ext uri="{FF2B5EF4-FFF2-40B4-BE49-F238E27FC236}">
+                <a16:creationId xmlns:a16="http://schemas.microsoft.com/office/drawing/2014/main" id="{4D372547-AA0B-35AD-4AD8-30763CE5DF56}"/>
+              </a:ext>
+            </a:extLst>
+          </p:cNvPr>
+          <p:cNvSpPr>
+            <a:spLocks noGrp="1"/>
+          </p:cNvSpPr>
+          <p:nvPr>
+            <p:ph idx="1"/>
+          </p:nvPr>
+        </p:nvSpPr>
+        <p:spPr>
+          <a:xfrm>
+            <a:off x="838200" y="1825625"/>
+            <a:ext cx="3990474" cy="4351338"/>
+          </a:xfrm>
+        </p:spPr>
+        <p:txBody>
+          <a:bodyPr>
+            <a:normAutofit/>
+          </a:bodyPr>
+          <a:lstStyle/>
+          <a:p>
+            <a:r>
+              <a:rPr lang="en-US" dirty="0"/>
+              <a:t>Free the allocated key strings, then the </a:t>
+            </a:r>
+            <a:r>
+              <a:rPr lang="en-US" dirty="0" err="1"/>
+              <a:t>MapEntry</a:t>
+            </a:r>
+            <a:r>
+              <a:rPr lang="en-US" dirty="0"/>
+              <a:t> structure</a:t>
+            </a:r>
+          </a:p>
+          <a:p>
+            <a:r>
+              <a:rPr lang="en-US" dirty="0"/>
+              <a:t>Note that we take cur-&gt;next before we free the node, assuming that cur data might be gone.</a:t>
+            </a:r>
+          </a:p>
+          <a:p>
+            <a:r>
+              <a:rPr lang="en-US" dirty="0"/>
+              <a:t>At the very end we free the Map structure</a:t>
+            </a:r>
+          </a:p>
+        </p:txBody>
+      </p:sp>
+    </p:spTree>
+    <p:extLst>
+      <p:ext uri="{BB962C8B-B14F-4D97-AF65-F5344CB8AC3E}">
+        <p14:creationId xmlns:p14="http://schemas.microsoft.com/office/powerpoint/2010/main" val="878270015"/>
       </p:ext>
     </p:extLst>
   </p:cSld>
@@ -13023,8 +12191,8 @@
         </p:nvSpPr>
         <p:spPr>
           <a:xfrm>
-            <a:off x="5717628" y="1336119"/>
-            <a:ext cx="5232523" cy="4185761"/>
+            <a:off x="5466168" y="1690688"/>
+            <a:ext cx="6521337" cy="3323987"/>
           </a:xfrm>
           <a:prstGeom prst="rect">
             <a:avLst/>
@@ -13051,8 +12219,56 @@
                 <a:latin typeface="Courier New" panose="02070309020205020404" pitchFamily="49" charset="0"/>
                 <a:cs typeface="Courier New" panose="02070309020205020404" pitchFamily="49" charset="0"/>
               </a:rPr>
-              <a:t> * Destructor for the Map Class</a:t>
-            </a:r>
+              <a:t> * </a:t>
+            </a:r>
+            <a:r>
+              <a:rPr lang="en-US" sz="1400" b="1" dirty="0" err="1">
+                <a:latin typeface="Courier New" panose="02070309020205020404" pitchFamily="49" charset="0"/>
+                <a:cs typeface="Courier New" panose="02070309020205020404" pitchFamily="49" charset="0"/>
+              </a:rPr>
+              <a:t>Map_dump</a:t>
+            </a:r>
+            <a:r>
+              <a:rPr lang="en-US" sz="1400" b="1" dirty="0">
+                <a:latin typeface="Courier New" panose="02070309020205020404" pitchFamily="49" charset="0"/>
+                <a:cs typeface="Courier New" panose="02070309020205020404" pitchFamily="49" charset="0"/>
+              </a:rPr>
+              <a:t> - In effect a </a:t>
+            </a:r>
+            <a:r>
+              <a:rPr lang="en-US" sz="1400" b="1" dirty="0" err="1">
+                <a:latin typeface="Courier New" panose="02070309020205020404" pitchFamily="49" charset="0"/>
+                <a:cs typeface="Courier New" panose="02070309020205020404" pitchFamily="49" charset="0"/>
+              </a:rPr>
+              <a:t>toString</a:t>
+            </a:r>
+            <a:r>
+              <a:rPr lang="en-US" sz="1400" b="1" dirty="0">
+                <a:latin typeface="Courier New" panose="02070309020205020404" pitchFamily="49" charset="0"/>
+                <a:cs typeface="Courier New" panose="02070309020205020404" pitchFamily="49" charset="0"/>
+              </a:rPr>
+              <a:t>() except we print</a:t>
+            </a:r>
+          </a:p>
+          <a:p>
+            <a:r>
+              <a:rPr lang="en-US" sz="1400" b="1" dirty="0">
+                <a:latin typeface="Courier New" panose="02070309020205020404" pitchFamily="49" charset="0"/>
+                <a:cs typeface="Courier New" panose="02070309020205020404" pitchFamily="49" charset="0"/>
+              </a:rPr>
+              <a:t> * the contents of the Map to </a:t>
+            </a:r>
+            <a:r>
+              <a:rPr lang="en-US" sz="1400" b="1" dirty="0" err="1">
+                <a:latin typeface="Courier New" panose="02070309020205020404" pitchFamily="49" charset="0"/>
+                <a:cs typeface="Courier New" panose="02070309020205020404" pitchFamily="49" charset="0"/>
+              </a:rPr>
+              <a:t>stdout</a:t>
+            </a:r>
+            <a:endParaRPr lang="en-US" sz="1400" b="1" dirty="0">
+              <a:latin typeface="Courier New" panose="02070309020205020404" pitchFamily="49" charset="0"/>
+              <a:cs typeface="Courier New" panose="02070309020205020404" pitchFamily="49" charset="0"/>
+            </a:endParaRPr>
           </a:p>
           <a:p>
             <a:r>
@@ -13069,25 +12285,7 @@
                 <a:latin typeface="Courier New" panose="02070309020205020404" pitchFamily="49" charset="0"/>
                 <a:cs typeface="Courier New" panose="02070309020205020404" pitchFamily="49" charset="0"/>
               </a:rPr>
-              <a:t> * Loops through and frees all the keys and</a:t>
-            </a:r>
-          </a:p>
-          <a:p>
-            <a:r>
-              <a:rPr lang="en-US" sz="1400" b="1" dirty="0">
-                <a:latin typeface="Courier New" panose="02070309020205020404" pitchFamily="49" charset="0"/>
-                <a:cs typeface="Courier New" panose="02070309020205020404" pitchFamily="49" charset="0"/>
-              </a:rPr>
-              <a:t> * entries in the map.  The values are integers</a:t>
-            </a:r>
-          </a:p>
-          <a:p>
-            <a:r>
-              <a:rPr lang="en-US" sz="1400" b="1" dirty="0">
-                <a:latin typeface="Courier New" panose="02070309020205020404" pitchFamily="49" charset="0"/>
-                <a:cs typeface="Courier New" panose="02070309020205020404" pitchFamily="49" charset="0"/>
-              </a:rPr>
-              <a:t> * and so there is no need to free them.</a:t>
+              <a:t> * self – The pointer to the instance of this class.</a:t>
             </a:r>
           </a:p>
           <a:p>
@@ -13100,6 +12298,12 @@
             </a:r>
           </a:p>
           <a:p>
+            <a:endParaRPr lang="en-US" sz="1400" b="1" dirty="0">
+              <a:latin typeface="Courier New" panose="02070309020205020404" pitchFamily="49" charset="0"/>
+              <a:cs typeface="Courier New" panose="02070309020205020404" pitchFamily="49" charset="0"/>
+            </a:endParaRPr>
+          </a:p>
+          <a:p>
             <a:r>
               <a:rPr lang="en-US" sz="1400" b="1" dirty="0">
                 <a:latin typeface="Courier New" panose="02070309020205020404" pitchFamily="49" charset="0"/>
@@ -13112,14 +12316,23 @@
                 <a:latin typeface="Courier New" panose="02070309020205020404" pitchFamily="49" charset="0"/>
                 <a:cs typeface="Courier New" panose="02070309020205020404" pitchFamily="49" charset="0"/>
               </a:rPr>
-              <a:t>Map_del</a:t>
-            </a:r>
-            <a:r>
-              <a:rPr lang="en-US" sz="1400" b="1" dirty="0">
-                <a:latin typeface="Courier New" panose="02070309020205020404" pitchFamily="49" charset="0"/>
-                <a:cs typeface="Courier New" panose="02070309020205020404" pitchFamily="49" charset="0"/>
-              </a:rPr>
-              <a:t>(struct Map* self) {</a:t>
+              <a:t>Map_dump</a:t>
+            </a:r>
+            <a:r>
+              <a:rPr lang="en-US" sz="1400" b="1" dirty="0">
+                <a:latin typeface="Courier New" panose="02070309020205020404" pitchFamily="49" charset="0"/>
+                <a:cs typeface="Courier New" panose="02070309020205020404" pitchFamily="49" charset="0"/>
+              </a:rPr>
+              <a:t>(struct Map* self)</a:t>
+            </a:r>
+          </a:p>
+          <a:p>
+            <a:r>
+              <a:rPr lang="en-US" sz="1400" b="1" dirty="0">
+                <a:latin typeface="Courier New" panose="02070309020205020404" pitchFamily="49" charset="0"/>
+                <a:cs typeface="Courier New" panose="02070309020205020404" pitchFamily="49" charset="0"/>
+              </a:rPr>
+              <a:t>{</a:t>
             </a:r>
           </a:p>
           <a:p>
@@ -13142,70 +12355,62 @@
                 <a:latin typeface="Courier New" panose="02070309020205020404" pitchFamily="49" charset="0"/>
                 <a:cs typeface="Courier New" panose="02070309020205020404" pitchFamily="49" charset="0"/>
               </a:rPr>
-              <a:t> *cur, *next;</a:t>
-            </a:r>
-          </a:p>
-          <a:p>
-            <a:r>
-              <a:rPr lang="en-US" sz="1400" b="1" dirty="0">
-                <a:latin typeface="Courier New" panose="02070309020205020404" pitchFamily="49" charset="0"/>
-                <a:cs typeface="Courier New" panose="02070309020205020404" pitchFamily="49" charset="0"/>
-              </a:rPr>
-              <a:t>    cur = self-&gt;head;</a:t>
-            </a:r>
-          </a:p>
-          <a:p>
-            <a:r>
-              <a:rPr lang="en-US" sz="1400" b="1" dirty="0">
-                <a:latin typeface="Courier New" panose="02070309020205020404" pitchFamily="49" charset="0"/>
-                <a:cs typeface="Courier New" panose="02070309020205020404" pitchFamily="49" charset="0"/>
-              </a:rPr>
-              <a:t>    while(cur) {</a:t>
-            </a:r>
-          </a:p>
-          <a:p>
-            <a:r>
-              <a:rPr lang="en-US" sz="1400" b="1" dirty="0">
-                <a:latin typeface="Courier New" panose="02070309020205020404" pitchFamily="49" charset="0"/>
-                <a:cs typeface="Courier New" panose="02070309020205020404" pitchFamily="49" charset="0"/>
-              </a:rPr>
-              <a:t>        free(cur-&gt;key);</a:t>
-            </a:r>
-          </a:p>
-          <a:p>
-            <a:r>
-              <a:rPr lang="en-US" sz="1400" b="1" dirty="0">
-                <a:latin typeface="Courier New" panose="02070309020205020404" pitchFamily="49" charset="0"/>
-                <a:cs typeface="Courier New" panose="02070309020205020404" pitchFamily="49" charset="0"/>
-              </a:rPr>
-              <a:t>        /* value is just part of the struct */</a:t>
-            </a:r>
-          </a:p>
-          <a:p>
-            <a:r>
-              <a:rPr lang="en-US" sz="1400" b="1" dirty="0">
-                <a:latin typeface="Courier New" panose="02070309020205020404" pitchFamily="49" charset="0"/>
-                <a:cs typeface="Courier New" panose="02070309020205020404" pitchFamily="49" charset="0"/>
-              </a:rPr>
-              <a:t>        next = cur-&gt;next;</a:t>
-            </a:r>
-          </a:p>
-          <a:p>
-            <a:r>
-              <a:rPr lang="en-US" sz="1400" b="1" dirty="0">
-                <a:latin typeface="Courier New" panose="02070309020205020404" pitchFamily="49" charset="0"/>
-                <a:cs typeface="Courier New" panose="02070309020205020404" pitchFamily="49" charset="0"/>
-              </a:rPr>
-              <a:t>        free(cur);</a:t>
-            </a:r>
-          </a:p>
-          <a:p>
-            <a:r>
-              <a:rPr lang="en-US" sz="1400" b="1" dirty="0">
-                <a:latin typeface="Courier New" panose="02070309020205020404" pitchFamily="49" charset="0"/>
-                <a:cs typeface="Courier New" panose="02070309020205020404" pitchFamily="49" charset="0"/>
-              </a:rPr>
-              <a:t>        cur = next;</a:t>
+              <a:t> *cur;</a:t>
+            </a:r>
+          </a:p>
+          <a:p>
+            <a:r>
+              <a:rPr lang="en-US" sz="1400" b="1" dirty="0">
+                <a:latin typeface="Courier New" panose="02070309020205020404" pitchFamily="49" charset="0"/>
+                <a:cs typeface="Courier New" panose="02070309020205020404" pitchFamily="49" charset="0"/>
+              </a:rPr>
+              <a:t>    </a:t>
+            </a:r>
+            <a:r>
+              <a:rPr lang="en-US" sz="1400" b="1" dirty="0" err="1">
+                <a:latin typeface="Courier New" panose="02070309020205020404" pitchFamily="49" charset="0"/>
+                <a:cs typeface="Courier New" panose="02070309020205020404" pitchFamily="49" charset="0"/>
+              </a:rPr>
+              <a:t>printf</a:t>
+            </a:r>
+            <a:r>
+              <a:rPr lang="en-US" sz="1400" b="1" dirty="0">
+                <a:latin typeface="Courier New" panose="02070309020205020404" pitchFamily="49" charset="0"/>
+                <a:cs typeface="Courier New" panose="02070309020205020404" pitchFamily="49" charset="0"/>
+              </a:rPr>
+              <a:t>("Object Map@%p count=%d\n", self, self-&gt;count);</a:t>
+            </a:r>
+          </a:p>
+          <a:p>
+            <a:r>
+              <a:rPr lang="en-US" sz="1400" b="1" dirty="0">
+                <a:latin typeface="Courier New" panose="02070309020205020404" pitchFamily="49" charset="0"/>
+                <a:cs typeface="Courier New" panose="02070309020205020404" pitchFamily="49" charset="0"/>
+              </a:rPr>
+              <a:t>    for(cur = self-&gt;head; cur != NULL ; cur = cur-&gt;next ) {</a:t>
+            </a:r>
+          </a:p>
+          <a:p>
+            <a:r>
+              <a:rPr lang="en-US" sz="1400" b="1" dirty="0">
+                <a:latin typeface="Courier New" panose="02070309020205020404" pitchFamily="49" charset="0"/>
+                <a:cs typeface="Courier New" panose="02070309020205020404" pitchFamily="49" charset="0"/>
+              </a:rPr>
+              <a:t>         </a:t>
+            </a:r>
+            <a:r>
+              <a:rPr lang="en-US" sz="1400" b="1" dirty="0" err="1">
+                <a:latin typeface="Courier New" panose="02070309020205020404" pitchFamily="49" charset="0"/>
+                <a:cs typeface="Courier New" panose="02070309020205020404" pitchFamily="49" charset="0"/>
+              </a:rPr>
+              <a:t>printf</a:t>
+            </a:r>
+            <a:r>
+              <a:rPr lang="en-US" sz="1400" b="1" dirty="0">
+                <a:latin typeface="Courier New" panose="02070309020205020404" pitchFamily="49" charset="0"/>
+                <a:cs typeface="Courier New" panose="02070309020205020404" pitchFamily="49" charset="0"/>
+              </a:rPr>
+              <a:t>("  %s=%d\n", cur-&gt;key, cur-&gt;value);</a:t>
             </a:r>
           </a:p>
           <a:p>
@@ -13215,15 +12420,6 @@
                 <a:cs typeface="Courier New" panose="02070309020205020404" pitchFamily="49" charset="0"/>
               </a:rPr>
               <a:t>    }</a:t>
-            </a:r>
-          </a:p>
-          <a:p>
-            <a:r>
-              <a:rPr lang="en-US" sz="1400" b="1" dirty="0">
-                <a:latin typeface="Courier New" panose="02070309020205020404" pitchFamily="49" charset="0"/>
-                <a:cs typeface="Courier New" panose="02070309020205020404" pitchFamily="49" charset="0"/>
-              </a:rPr>
-              <a:t>    free((void *)self);</a:t>
             </a:r>
           </a:p>
           <a:p>
@@ -13259,9 +12455,10 @@
           <a:lstStyle/>
           <a:p>
             <a:r>
-              <a:rPr lang="en-US" dirty="0"/>
-              <a:t>Destructor</a:t>
-            </a:r>
+              <a:rPr lang="en-US" dirty="0" err="1"/>
+              <a:t>Map_dump</a:t>
+            </a:r>
+            <a:endParaRPr lang="en-US" dirty="0"/>
           </a:p>
         </p:txBody>
       </p:sp>
@@ -13295,376 +12492,6 @@
           <a:p>
             <a:r>
               <a:rPr lang="en-US" dirty="0"/>
-              <a:t>Free the allocated key strings, then the </a:t>
-            </a:r>
-            <a:r>
-              <a:rPr lang="en-US" dirty="0" err="1"/>
-              <a:t>MapEntry</a:t>
-            </a:r>
-            <a:r>
-              <a:rPr lang="en-US" dirty="0"/>
-              <a:t> structure</a:t>
-            </a:r>
-          </a:p>
-          <a:p>
-            <a:r>
-              <a:rPr lang="en-US" dirty="0"/>
-              <a:t>Note that we take cur-&gt;next before we free the node, assuming that cur data might be gone.</a:t>
-            </a:r>
-          </a:p>
-          <a:p>
-            <a:r>
-              <a:rPr lang="en-US" dirty="0"/>
-              <a:t>At the very end we free the Map structure</a:t>
-            </a:r>
-          </a:p>
-        </p:txBody>
-      </p:sp>
-    </p:spTree>
-    <p:extLst>
-      <p:ext uri="{BB962C8B-B14F-4D97-AF65-F5344CB8AC3E}">
-        <p14:creationId xmlns:p14="http://schemas.microsoft.com/office/powerpoint/2010/main" val="878270015"/>
-      </p:ext>
-    </p:extLst>
-  </p:cSld>
-  <p:clrMapOvr>
-    <a:masterClrMapping/>
-  </p:clrMapOvr>
-</p:sld>
-</file>
-
-<file path=ppt/slides/slide31.xml><?xml version="1.0" encoding="utf-8"?>
-<p:sld xmlns:a="http://schemas.openxmlformats.org/drawingml/2006/main" xmlns:r="http://schemas.openxmlformats.org/officeDocument/2006/relationships" xmlns:p="http://schemas.openxmlformats.org/presentationml/2006/main">
-  <p:cSld>
-    <p:spTree>
-      <p:nvGrpSpPr>
-        <p:cNvPr id="1" name=""/>
-        <p:cNvGrpSpPr/>
-        <p:nvPr/>
-      </p:nvGrpSpPr>
-      <p:grpSpPr>
-        <a:xfrm>
-          <a:off x="0" y="0"/>
-          <a:ext cx="0" cy="0"/>
-          <a:chOff x="0" y="0"/>
-          <a:chExt cx="0" cy="0"/>
-        </a:xfrm>
-      </p:grpSpPr>
-      <p:sp>
-        <p:nvSpPr>
-          <p:cNvPr id="2" name="TextBox 1">
-            <a:extLst>
-              <a:ext uri="{FF2B5EF4-FFF2-40B4-BE49-F238E27FC236}">
-                <a16:creationId xmlns:a16="http://schemas.microsoft.com/office/drawing/2014/main" id="{FEEE943B-F994-FF91-EC9C-3774C1CD2051}"/>
-              </a:ext>
-            </a:extLst>
-          </p:cNvPr>
-          <p:cNvSpPr txBox="1"/>
-          <p:nvPr/>
-        </p:nvSpPr>
-        <p:spPr>
-          <a:xfrm>
-            <a:off x="5466168" y="1690688"/>
-            <a:ext cx="6521337" cy="3323987"/>
-          </a:xfrm>
-          <a:prstGeom prst="rect">
-            <a:avLst/>
-          </a:prstGeom>
-          <a:noFill/>
-        </p:spPr>
-        <p:txBody>
-          <a:bodyPr wrap="none" rtlCol="0">
-            <a:spAutoFit/>
-          </a:bodyPr>
-          <a:lstStyle/>
-          <a:p>
-            <a:r>
-              <a:rPr lang="en-US" sz="1400" b="1" dirty="0">
-                <a:latin typeface="Courier New" panose="02070309020205020404" pitchFamily="49" charset="0"/>
-                <a:cs typeface="Courier New" panose="02070309020205020404" pitchFamily="49" charset="0"/>
-              </a:rPr>
-              <a:t>/**</a:t>
-            </a:r>
-          </a:p>
-          <a:p>
-            <a:r>
-              <a:rPr lang="en-US" sz="1400" b="1" dirty="0">
-                <a:latin typeface="Courier New" panose="02070309020205020404" pitchFamily="49" charset="0"/>
-                <a:cs typeface="Courier New" panose="02070309020205020404" pitchFamily="49" charset="0"/>
-              </a:rPr>
-              <a:t> * </a:t>
-            </a:r>
-            <a:r>
-              <a:rPr lang="en-US" sz="1400" b="1" dirty="0" err="1">
-                <a:latin typeface="Courier New" panose="02070309020205020404" pitchFamily="49" charset="0"/>
-                <a:cs typeface="Courier New" panose="02070309020205020404" pitchFamily="49" charset="0"/>
-              </a:rPr>
-              <a:t>Map_dump</a:t>
-            </a:r>
-            <a:r>
-              <a:rPr lang="en-US" sz="1400" b="1" dirty="0">
-                <a:latin typeface="Courier New" panose="02070309020205020404" pitchFamily="49" charset="0"/>
-                <a:cs typeface="Courier New" panose="02070309020205020404" pitchFamily="49" charset="0"/>
-              </a:rPr>
-              <a:t> - In effect a </a:t>
-            </a:r>
-            <a:r>
-              <a:rPr lang="en-US" sz="1400" b="1" dirty="0" err="1">
-                <a:latin typeface="Courier New" panose="02070309020205020404" pitchFamily="49" charset="0"/>
-                <a:cs typeface="Courier New" panose="02070309020205020404" pitchFamily="49" charset="0"/>
-              </a:rPr>
-              <a:t>toString</a:t>
-            </a:r>
-            <a:r>
-              <a:rPr lang="en-US" sz="1400" b="1" dirty="0">
-                <a:latin typeface="Courier New" panose="02070309020205020404" pitchFamily="49" charset="0"/>
-                <a:cs typeface="Courier New" panose="02070309020205020404" pitchFamily="49" charset="0"/>
-              </a:rPr>
-              <a:t>() except we print</a:t>
-            </a:r>
-          </a:p>
-          <a:p>
-            <a:r>
-              <a:rPr lang="en-US" sz="1400" b="1" dirty="0">
-                <a:latin typeface="Courier New" panose="02070309020205020404" pitchFamily="49" charset="0"/>
-                <a:cs typeface="Courier New" panose="02070309020205020404" pitchFamily="49" charset="0"/>
-              </a:rPr>
-              <a:t> * the contents of the Map to </a:t>
-            </a:r>
-            <a:r>
-              <a:rPr lang="en-US" sz="1400" b="1" dirty="0" err="1">
-                <a:latin typeface="Courier New" panose="02070309020205020404" pitchFamily="49" charset="0"/>
-                <a:cs typeface="Courier New" panose="02070309020205020404" pitchFamily="49" charset="0"/>
-              </a:rPr>
-              <a:t>stdout</a:t>
-            </a:r>
-            <a:endParaRPr lang="en-US" sz="1400" b="1" dirty="0">
-              <a:latin typeface="Courier New" panose="02070309020205020404" pitchFamily="49" charset="0"/>
-              <a:cs typeface="Courier New" panose="02070309020205020404" pitchFamily="49" charset="0"/>
-            </a:endParaRPr>
-          </a:p>
-          <a:p>
-            <a:r>
-              <a:rPr lang="en-US" sz="1400" b="1" dirty="0">
-                <a:latin typeface="Courier New" panose="02070309020205020404" pitchFamily="49" charset="0"/>
-                <a:cs typeface="Courier New" panose="02070309020205020404" pitchFamily="49" charset="0"/>
-              </a:rPr>
-              <a:t> *</a:t>
-            </a:r>
-          </a:p>
-          <a:p>
-            <a:r>
-              <a:rPr lang="en-US" sz="1400" b="1" dirty="0">
-                <a:latin typeface="Courier New" panose="02070309020205020404" pitchFamily="49" charset="0"/>
-                <a:cs typeface="Courier New" panose="02070309020205020404" pitchFamily="49" charset="0"/>
-              </a:rPr>
-              <a:t> * self – The pointer to the instance of this class.</a:t>
-            </a:r>
-          </a:p>
-          <a:p>
-            <a:r>
-              <a:rPr lang="en-US" sz="1400" b="1" dirty="0">
-                <a:latin typeface="Courier New" panose="02070309020205020404" pitchFamily="49" charset="0"/>
-                <a:cs typeface="Courier New" panose="02070309020205020404" pitchFamily="49" charset="0"/>
-              </a:rPr>
-              <a:t> */</a:t>
-            </a:r>
-          </a:p>
-          <a:p>
-            <a:endParaRPr lang="en-US" sz="1400" b="1" dirty="0">
-              <a:latin typeface="Courier New" panose="02070309020205020404" pitchFamily="49" charset="0"/>
-              <a:cs typeface="Courier New" panose="02070309020205020404" pitchFamily="49" charset="0"/>
-            </a:endParaRPr>
-          </a:p>
-          <a:p>
-            <a:r>
-              <a:rPr lang="en-US" sz="1400" b="1" dirty="0">
-                <a:latin typeface="Courier New" panose="02070309020205020404" pitchFamily="49" charset="0"/>
-                <a:cs typeface="Courier New" panose="02070309020205020404" pitchFamily="49" charset="0"/>
-              </a:rPr>
-              <a:t>void </a:t>
-            </a:r>
-            <a:r>
-              <a:rPr lang="en-US" sz="1400" b="1" dirty="0" err="1">
-                <a:latin typeface="Courier New" panose="02070309020205020404" pitchFamily="49" charset="0"/>
-                <a:cs typeface="Courier New" panose="02070309020205020404" pitchFamily="49" charset="0"/>
-              </a:rPr>
-              <a:t>Map_dump</a:t>
-            </a:r>
-            <a:r>
-              <a:rPr lang="en-US" sz="1400" b="1" dirty="0">
-                <a:latin typeface="Courier New" panose="02070309020205020404" pitchFamily="49" charset="0"/>
-                <a:cs typeface="Courier New" panose="02070309020205020404" pitchFamily="49" charset="0"/>
-              </a:rPr>
-              <a:t>(struct Map* self)</a:t>
-            </a:r>
-          </a:p>
-          <a:p>
-            <a:r>
-              <a:rPr lang="en-US" sz="1400" b="1" dirty="0">
-                <a:latin typeface="Courier New" panose="02070309020205020404" pitchFamily="49" charset="0"/>
-                <a:cs typeface="Courier New" panose="02070309020205020404" pitchFamily="49" charset="0"/>
-              </a:rPr>
-              <a:t>{</a:t>
-            </a:r>
-          </a:p>
-          <a:p>
-            <a:r>
-              <a:rPr lang="en-US" sz="1400" b="1" dirty="0">
-                <a:latin typeface="Courier New" panose="02070309020205020404" pitchFamily="49" charset="0"/>
-                <a:cs typeface="Courier New" panose="02070309020205020404" pitchFamily="49" charset="0"/>
-              </a:rPr>
-              <a:t>    struct </a:t>
-            </a:r>
-            <a:r>
-              <a:rPr lang="en-US" sz="1400" b="1" dirty="0" err="1">
-                <a:latin typeface="Courier New" panose="02070309020205020404" pitchFamily="49" charset="0"/>
-                <a:cs typeface="Courier New" panose="02070309020205020404" pitchFamily="49" charset="0"/>
-              </a:rPr>
-              <a:t>MapEntry</a:t>
-            </a:r>
-            <a:r>
-              <a:rPr lang="en-US" sz="1400" b="1" dirty="0">
-                <a:latin typeface="Courier New" panose="02070309020205020404" pitchFamily="49" charset="0"/>
-                <a:cs typeface="Courier New" panose="02070309020205020404" pitchFamily="49" charset="0"/>
-              </a:rPr>
-              <a:t> *cur;</a:t>
-            </a:r>
-          </a:p>
-          <a:p>
-            <a:r>
-              <a:rPr lang="en-US" sz="1400" b="1" dirty="0">
-                <a:latin typeface="Courier New" panose="02070309020205020404" pitchFamily="49" charset="0"/>
-                <a:cs typeface="Courier New" panose="02070309020205020404" pitchFamily="49" charset="0"/>
-              </a:rPr>
-              <a:t>    </a:t>
-            </a:r>
-            <a:r>
-              <a:rPr lang="en-US" sz="1400" b="1" dirty="0" err="1">
-                <a:latin typeface="Courier New" panose="02070309020205020404" pitchFamily="49" charset="0"/>
-                <a:cs typeface="Courier New" panose="02070309020205020404" pitchFamily="49" charset="0"/>
-              </a:rPr>
-              <a:t>printf</a:t>
-            </a:r>
-            <a:r>
-              <a:rPr lang="en-US" sz="1400" b="1" dirty="0">
-                <a:latin typeface="Courier New" panose="02070309020205020404" pitchFamily="49" charset="0"/>
-                <a:cs typeface="Courier New" panose="02070309020205020404" pitchFamily="49" charset="0"/>
-              </a:rPr>
-              <a:t>("Object Map@%p count=%d\n", self, self-&gt;count);</a:t>
-            </a:r>
-          </a:p>
-          <a:p>
-            <a:r>
-              <a:rPr lang="en-US" sz="1400" b="1" dirty="0">
-                <a:latin typeface="Courier New" panose="02070309020205020404" pitchFamily="49" charset="0"/>
-                <a:cs typeface="Courier New" panose="02070309020205020404" pitchFamily="49" charset="0"/>
-              </a:rPr>
-              <a:t>    for(cur = self-&gt;head; cur != NULL ; cur = cur-&gt;next ) {</a:t>
-            </a:r>
-          </a:p>
-          <a:p>
-            <a:r>
-              <a:rPr lang="en-US" sz="1400" b="1" dirty="0">
-                <a:latin typeface="Courier New" panose="02070309020205020404" pitchFamily="49" charset="0"/>
-                <a:cs typeface="Courier New" panose="02070309020205020404" pitchFamily="49" charset="0"/>
-              </a:rPr>
-              <a:t>         </a:t>
-            </a:r>
-            <a:r>
-              <a:rPr lang="en-US" sz="1400" b="1" dirty="0" err="1">
-                <a:latin typeface="Courier New" panose="02070309020205020404" pitchFamily="49" charset="0"/>
-                <a:cs typeface="Courier New" panose="02070309020205020404" pitchFamily="49" charset="0"/>
-              </a:rPr>
-              <a:t>printf</a:t>
-            </a:r>
-            <a:r>
-              <a:rPr lang="en-US" sz="1400" b="1" dirty="0">
-                <a:latin typeface="Courier New" panose="02070309020205020404" pitchFamily="49" charset="0"/>
-                <a:cs typeface="Courier New" panose="02070309020205020404" pitchFamily="49" charset="0"/>
-              </a:rPr>
-              <a:t>("  %s=%d\n", cur-&gt;key, cur-&gt;value);</a:t>
-            </a:r>
-          </a:p>
-          <a:p>
-            <a:r>
-              <a:rPr lang="en-US" sz="1400" b="1" dirty="0">
-                <a:latin typeface="Courier New" panose="02070309020205020404" pitchFamily="49" charset="0"/>
-                <a:cs typeface="Courier New" panose="02070309020205020404" pitchFamily="49" charset="0"/>
-              </a:rPr>
-              <a:t>    }</a:t>
-            </a:r>
-          </a:p>
-          <a:p>
-            <a:r>
-              <a:rPr lang="en-US" sz="1400" b="1" dirty="0">
-                <a:latin typeface="Courier New" panose="02070309020205020404" pitchFamily="49" charset="0"/>
-                <a:cs typeface="Courier New" panose="02070309020205020404" pitchFamily="49" charset="0"/>
-              </a:rPr>
-              <a:t>}</a:t>
-            </a:r>
-          </a:p>
-        </p:txBody>
-      </p:sp>
-      <p:sp>
-        <p:nvSpPr>
-          <p:cNvPr id="6" name="Title 5">
-            <a:extLst>
-              <a:ext uri="{FF2B5EF4-FFF2-40B4-BE49-F238E27FC236}">
-                <a16:creationId xmlns:a16="http://schemas.microsoft.com/office/drawing/2014/main" id="{E4A81157-F1D0-5130-371D-BA8DD965B654}"/>
-              </a:ext>
-            </a:extLst>
-          </p:cNvPr>
-          <p:cNvSpPr>
-            <a:spLocks noGrp="1"/>
-          </p:cNvSpPr>
-          <p:nvPr>
-            <p:ph type="title"/>
-          </p:nvPr>
-        </p:nvSpPr>
-        <p:spPr/>
-        <p:txBody>
-          <a:bodyPr/>
-          <a:lstStyle/>
-          <a:p>
-            <a:r>
-              <a:rPr lang="en-US" dirty="0" err="1"/>
-              <a:t>Map_dump</a:t>
-            </a:r>
-            <a:endParaRPr lang="en-US" dirty="0"/>
-          </a:p>
-        </p:txBody>
-      </p:sp>
-      <p:sp>
-        <p:nvSpPr>
-          <p:cNvPr id="7" name="Content Placeholder 6">
-            <a:extLst>
-              <a:ext uri="{FF2B5EF4-FFF2-40B4-BE49-F238E27FC236}">
-                <a16:creationId xmlns:a16="http://schemas.microsoft.com/office/drawing/2014/main" id="{4D372547-AA0B-35AD-4AD8-30763CE5DF56}"/>
-              </a:ext>
-            </a:extLst>
-          </p:cNvPr>
-          <p:cNvSpPr>
-            <a:spLocks noGrp="1"/>
-          </p:cNvSpPr>
-          <p:nvPr>
-            <p:ph idx="1"/>
-          </p:nvPr>
-        </p:nvSpPr>
-        <p:spPr>
-          <a:xfrm>
-            <a:off x="838200" y="1825625"/>
-            <a:ext cx="3990474" cy="4351338"/>
-          </a:xfrm>
-        </p:spPr>
-        <p:txBody>
-          <a:bodyPr>
-            <a:normAutofit/>
-          </a:bodyPr>
-          <a:lstStyle/>
-          <a:p>
-            <a:r>
-              <a:rPr lang="en-US" dirty="0"/>
               <a:t>Build a simple debug tool right away </a:t>
             </a:r>
             <a:r>
@@ -13690,7 +12517,7 @@
 </p:sld>
 </file>
 
-<file path=ppt/slides/slide32.xml><?xml version="1.0" encoding="utf-8"?>
+<file path=ppt/slides/slide31.xml><?xml version="1.0" encoding="utf-8"?>
 <p:sld xmlns:a="http://schemas.openxmlformats.org/drawingml/2006/main" xmlns:r="http://schemas.openxmlformats.org/officeDocument/2006/relationships" xmlns:p="http://schemas.openxmlformats.org/presentationml/2006/main">
   <p:cSld>
     <p:spTree>
@@ -14169,7 +12996,7 @@
 </p:sld>
 </file>
 
-<file path=ppt/slides/slide33.xml><?xml version="1.0" encoding="utf-8"?>
+<file path=ppt/slides/slide32.xml><?xml version="1.0" encoding="utf-8"?>
 <p:sld xmlns:a="http://schemas.openxmlformats.org/drawingml/2006/main" xmlns:r="http://schemas.openxmlformats.org/officeDocument/2006/relationships" xmlns:p="http://schemas.openxmlformats.org/presentationml/2006/main">
   <p:cSld>
     <p:spTree>
@@ -14537,7 +13364,7 @@
 </p:sld>
 </file>
 
-<file path=ppt/slides/slide34.xml><?xml version="1.0" encoding="utf-8"?>
+<file path=ppt/slides/slide33.xml><?xml version="1.0" encoding="utf-8"?>
 <p:sld xmlns:a="http://schemas.openxmlformats.org/drawingml/2006/main" xmlns:r="http://schemas.openxmlformats.org/officeDocument/2006/relationships" xmlns:p="http://schemas.openxmlformats.org/presentationml/2006/main">
   <p:cSld>
     <p:spTree>
@@ -14895,7 +13722,7 @@
 </p:sld>
 </file>
 
-<file path=ppt/slides/slide35.xml><?xml version="1.0" encoding="utf-8"?>
+<file path=ppt/slides/slide34.xml><?xml version="1.0" encoding="utf-8"?>
 <p:sld xmlns:a="http://schemas.openxmlformats.org/drawingml/2006/main" xmlns:r="http://schemas.openxmlformats.org/officeDocument/2006/relationships" xmlns:p="http://schemas.openxmlformats.org/presentationml/2006/main">
   <p:cSld>
     <p:spTree>
@@ -15013,7 +13840,7 @@
 </p:sld>
 </file>
 
-<file path=ppt/slides/slide36.xml><?xml version="1.0" encoding="utf-8"?>
+<file path=ppt/slides/slide35.xml><?xml version="1.0" encoding="utf-8"?>
 <p:sld xmlns:a="http://schemas.openxmlformats.org/drawingml/2006/main" xmlns:r="http://schemas.openxmlformats.org/officeDocument/2006/relationships" xmlns:p="http://schemas.openxmlformats.org/presentationml/2006/main">
   <p:cSld>
     <p:spTree>
@@ -15382,7 +14209,7 @@
 </p:sld>
 </file>
 
-<file path=ppt/slides/slide37.xml><?xml version="1.0" encoding="utf-8"?>
+<file path=ppt/slides/slide36.xml><?xml version="1.0" encoding="utf-8"?>
 <p:sld xmlns:a="http://schemas.openxmlformats.org/drawingml/2006/main" xmlns:r="http://schemas.openxmlformats.org/officeDocument/2006/relationships" xmlns:p="http://schemas.openxmlformats.org/presentationml/2006/main">
   <p:cSld>
     <p:spTree>
@@ -16037,7 +14864,7 @@
 </p:sld>
 </file>
 
-<file path=ppt/slides/slide38.xml><?xml version="1.0" encoding="utf-8"?>
+<file path=ppt/slides/slide37.xml><?xml version="1.0" encoding="utf-8"?>
 <p:sld xmlns:a="http://schemas.openxmlformats.org/drawingml/2006/main" xmlns:r="http://schemas.openxmlformats.org/officeDocument/2006/relationships" xmlns:p="http://schemas.openxmlformats.org/presentationml/2006/main">
   <p:cSld>
     <p:spTree>
@@ -16350,7 +15177,7 @@
 </p:sld>
 </file>
 
-<file path=ppt/slides/slide39.xml><?xml version="1.0" encoding="utf-8"?>
+<file path=ppt/slides/slide38.xml><?xml version="1.0" encoding="utf-8"?>
 <p:sld xmlns:a="http://schemas.openxmlformats.org/drawingml/2006/main" xmlns:r="http://schemas.openxmlformats.org/officeDocument/2006/relationships" xmlns:p="http://schemas.openxmlformats.org/presentationml/2006/main">
   <p:cSld>
     <p:spTree>
@@ -16896,6 +15723,411 @@
     <p:extLst>
       <p:ext uri="{BB962C8B-B14F-4D97-AF65-F5344CB8AC3E}">
         <p14:creationId xmlns:p14="http://schemas.microsoft.com/office/powerpoint/2010/main" val="2641282898"/>
+      </p:ext>
+    </p:extLst>
+  </p:cSld>
+  <p:clrMapOvr>
+    <a:masterClrMapping/>
+  </p:clrMapOvr>
+</p:sld>
+</file>
+
+<file path=ppt/slides/slide39.xml><?xml version="1.0" encoding="utf-8"?>
+<p:sld xmlns:a="http://schemas.openxmlformats.org/drawingml/2006/main" xmlns:r="http://schemas.openxmlformats.org/officeDocument/2006/relationships" xmlns:p="http://schemas.openxmlformats.org/presentationml/2006/main">
+  <p:cSld>
+    <p:spTree>
+      <p:nvGrpSpPr>
+        <p:cNvPr id="1" name=""/>
+        <p:cNvGrpSpPr/>
+        <p:nvPr/>
+      </p:nvGrpSpPr>
+      <p:grpSpPr>
+        <a:xfrm>
+          <a:off x="0" y="0"/>
+          <a:ext cx="0" cy="0"/>
+          <a:chOff x="0" y="0"/>
+          <a:chExt cx="0" cy="0"/>
+        </a:xfrm>
+      </p:grpSpPr>
+      <p:sp>
+        <p:nvSpPr>
+          <p:cNvPr id="2" name="TextBox 1">
+            <a:extLst>
+              <a:ext uri="{FF2B5EF4-FFF2-40B4-BE49-F238E27FC236}">
+                <a16:creationId xmlns:a16="http://schemas.microsoft.com/office/drawing/2014/main" id="{FEEE943B-F994-FF91-EC9C-3774C1CD2051}"/>
+              </a:ext>
+            </a:extLst>
+          </p:cNvPr>
+          <p:cNvSpPr txBox="1"/>
+          <p:nvPr/>
+        </p:nvSpPr>
+        <p:spPr>
+          <a:xfrm>
+            <a:off x="5934196" y="754814"/>
+            <a:ext cx="5769528" cy="5047536"/>
+          </a:xfrm>
+          <a:prstGeom prst="rect">
+            <a:avLst/>
+          </a:prstGeom>
+          <a:noFill/>
+        </p:spPr>
+        <p:txBody>
+          <a:bodyPr wrap="none" rtlCol="0">
+            <a:spAutoFit/>
+          </a:bodyPr>
+          <a:lstStyle/>
+          <a:p>
+            <a:r>
+              <a:rPr lang="en-US" sz="1400" b="1" dirty="0">
+                <a:latin typeface="Courier New" panose="02070309020205020404" pitchFamily="49" charset="0"/>
+                <a:cs typeface="Courier New" panose="02070309020205020404" pitchFamily="49" charset="0"/>
+              </a:rPr>
+              <a:t>/**</a:t>
+            </a:r>
+          </a:p>
+          <a:p>
+            <a:r>
+              <a:rPr lang="en-US" sz="1400" b="1" dirty="0">
+                <a:latin typeface="Courier New" panose="02070309020205020404" pitchFamily="49" charset="0"/>
+                <a:cs typeface="Courier New" panose="02070309020205020404" pitchFamily="49" charset="0"/>
+              </a:rPr>
+              <a:t> * </a:t>
+            </a:r>
+            <a:r>
+              <a:rPr lang="en-US" sz="1400" b="1" dirty="0" err="1">
+                <a:latin typeface="Courier New" panose="02070309020205020404" pitchFamily="49" charset="0"/>
+                <a:cs typeface="Courier New" panose="02070309020205020404" pitchFamily="49" charset="0"/>
+              </a:rPr>
+              <a:t>MapIter_next</a:t>
+            </a:r>
+            <a:r>
+              <a:rPr lang="en-US" sz="1400" b="1" dirty="0">
+                <a:latin typeface="Courier New" panose="02070309020205020404" pitchFamily="49" charset="0"/>
+                <a:cs typeface="Courier New" panose="02070309020205020404" pitchFamily="49" charset="0"/>
+              </a:rPr>
+              <a:t> - Advance the iterator forwards</a:t>
+            </a:r>
+          </a:p>
+          <a:p>
+            <a:r>
+              <a:rPr lang="en-US" sz="1400" b="1" dirty="0">
+                <a:latin typeface="Courier New" panose="02070309020205020404" pitchFamily="49" charset="0"/>
+                <a:cs typeface="Courier New" panose="02070309020205020404" pitchFamily="49" charset="0"/>
+              </a:rPr>
+              <a:t> * or backwards and return the next item</a:t>
+            </a:r>
+          </a:p>
+          <a:p>
+            <a:r>
+              <a:rPr lang="en-US" sz="1400" b="1" dirty="0">
+                <a:latin typeface="Courier New" panose="02070309020205020404" pitchFamily="49" charset="0"/>
+                <a:cs typeface="Courier New" panose="02070309020205020404" pitchFamily="49" charset="0"/>
+              </a:rPr>
+              <a:t> *</a:t>
+            </a:r>
+          </a:p>
+          <a:p>
+            <a:r>
+              <a:rPr lang="en-US" sz="1400" b="1" dirty="0">
+                <a:latin typeface="Courier New" panose="02070309020205020404" pitchFamily="49" charset="0"/>
+                <a:cs typeface="Courier New" panose="02070309020205020404" pitchFamily="49" charset="0"/>
+              </a:rPr>
+              <a:t> * self - The pointer to the instance of this class.</a:t>
+            </a:r>
+          </a:p>
+          <a:p>
+            <a:r>
+              <a:rPr lang="en-US" sz="1400" b="1" dirty="0">
+                <a:latin typeface="Courier New" panose="02070309020205020404" pitchFamily="49" charset="0"/>
+                <a:cs typeface="Courier New" panose="02070309020205020404" pitchFamily="49" charset="0"/>
+              </a:rPr>
+              <a:t> *</a:t>
+            </a:r>
+          </a:p>
+          <a:p>
+            <a:r>
+              <a:rPr lang="en-US" sz="1400" b="1" dirty="0">
+                <a:latin typeface="Courier New" panose="02070309020205020404" pitchFamily="49" charset="0"/>
+                <a:cs typeface="Courier New" panose="02070309020205020404" pitchFamily="49" charset="0"/>
+              </a:rPr>
+              <a:t> * returns NULL when there are no more entries</a:t>
+            </a:r>
+          </a:p>
+          <a:p>
+            <a:r>
+              <a:rPr lang="en-US" sz="1400" b="1" dirty="0">
+                <a:latin typeface="Courier New" panose="02070309020205020404" pitchFamily="49" charset="0"/>
+                <a:cs typeface="Courier New" panose="02070309020205020404" pitchFamily="49" charset="0"/>
+              </a:rPr>
+              <a:t> *</a:t>
+            </a:r>
+          </a:p>
+          <a:p>
+            <a:r>
+              <a:rPr lang="en-US" sz="1400" b="1" dirty="0">
+                <a:latin typeface="Courier New" panose="02070309020205020404" pitchFamily="49" charset="0"/>
+                <a:cs typeface="Courier New" panose="02070309020205020404" pitchFamily="49" charset="0"/>
+              </a:rPr>
+              <a:t> * This is inspired by the following Python code:</a:t>
+            </a:r>
+          </a:p>
+          <a:p>
+            <a:r>
+              <a:rPr lang="en-US" sz="1400" b="1" dirty="0">
+                <a:latin typeface="Courier New" panose="02070309020205020404" pitchFamily="49" charset="0"/>
+                <a:cs typeface="Courier New" panose="02070309020205020404" pitchFamily="49" charset="0"/>
+              </a:rPr>
+              <a:t> *</a:t>
+            </a:r>
+          </a:p>
+          <a:p>
+            <a:r>
+              <a:rPr lang="en-US" sz="1400" b="1" dirty="0">
+                <a:latin typeface="Courier New" panose="02070309020205020404" pitchFamily="49" charset="0"/>
+                <a:cs typeface="Courier New" panose="02070309020205020404" pitchFamily="49" charset="0"/>
+              </a:rPr>
+              <a:t> *   item = next(iterator, False)</a:t>
+            </a:r>
+          </a:p>
+          <a:p>
+            <a:r>
+              <a:rPr lang="en-US" sz="1400" b="1" dirty="0">
+                <a:latin typeface="Courier New" panose="02070309020205020404" pitchFamily="49" charset="0"/>
+                <a:cs typeface="Courier New" panose="02070309020205020404" pitchFamily="49" charset="0"/>
+              </a:rPr>
+              <a:t> */</a:t>
+            </a:r>
+          </a:p>
+          <a:p>
+            <a:r>
+              <a:rPr lang="en-US" sz="1400" b="1" dirty="0">
+                <a:latin typeface="Courier New" panose="02070309020205020404" pitchFamily="49" charset="0"/>
+                <a:cs typeface="Courier New" panose="02070309020205020404" pitchFamily="49" charset="0"/>
+              </a:rPr>
+              <a:t>struct </a:t>
+            </a:r>
+            <a:r>
+              <a:rPr lang="en-US" sz="1400" b="1" dirty="0" err="1">
+                <a:latin typeface="Courier New" panose="02070309020205020404" pitchFamily="49" charset="0"/>
+                <a:cs typeface="Courier New" panose="02070309020205020404" pitchFamily="49" charset="0"/>
+              </a:rPr>
+              <a:t>MapEntry</a:t>
+            </a:r>
+            <a:r>
+              <a:rPr lang="en-US" sz="1400" b="1" dirty="0">
+                <a:latin typeface="Courier New" panose="02070309020205020404" pitchFamily="49" charset="0"/>
+                <a:cs typeface="Courier New" panose="02070309020205020404" pitchFamily="49" charset="0"/>
+              </a:rPr>
+              <a:t>* </a:t>
+            </a:r>
+            <a:r>
+              <a:rPr lang="en-US" sz="1400" b="1" dirty="0" err="1">
+                <a:latin typeface="Courier New" panose="02070309020205020404" pitchFamily="49" charset="0"/>
+                <a:cs typeface="Courier New" panose="02070309020205020404" pitchFamily="49" charset="0"/>
+              </a:rPr>
+              <a:t>MapIter_next</a:t>
+            </a:r>
+            <a:r>
+              <a:rPr lang="en-US" sz="1400" b="1" dirty="0">
+                <a:latin typeface="Courier New" panose="02070309020205020404" pitchFamily="49" charset="0"/>
+                <a:cs typeface="Courier New" panose="02070309020205020404" pitchFamily="49" charset="0"/>
+              </a:rPr>
+              <a:t>(struct </a:t>
+            </a:r>
+            <a:r>
+              <a:rPr lang="en-US" sz="1400" b="1" dirty="0" err="1">
+                <a:latin typeface="Courier New" panose="02070309020205020404" pitchFamily="49" charset="0"/>
+                <a:cs typeface="Courier New" panose="02070309020205020404" pitchFamily="49" charset="0"/>
+              </a:rPr>
+              <a:t>MapIter</a:t>
+            </a:r>
+            <a:r>
+              <a:rPr lang="en-US" sz="1400" b="1" dirty="0">
+                <a:latin typeface="Courier New" panose="02070309020205020404" pitchFamily="49" charset="0"/>
+                <a:cs typeface="Courier New" panose="02070309020205020404" pitchFamily="49" charset="0"/>
+              </a:rPr>
+              <a:t>* self)</a:t>
+            </a:r>
+          </a:p>
+          <a:p>
+            <a:r>
+              <a:rPr lang="en-US" sz="1400" b="1" dirty="0">
+                <a:latin typeface="Courier New" panose="02070309020205020404" pitchFamily="49" charset="0"/>
+                <a:cs typeface="Courier New" panose="02070309020205020404" pitchFamily="49" charset="0"/>
+              </a:rPr>
+              <a:t>{</a:t>
+            </a:r>
+          </a:p>
+          <a:p>
+            <a:r>
+              <a:rPr lang="en-US" sz="1400" b="1" dirty="0">
+                <a:latin typeface="Courier New" panose="02070309020205020404" pitchFamily="49" charset="0"/>
+                <a:cs typeface="Courier New" panose="02070309020205020404" pitchFamily="49" charset="0"/>
+              </a:rPr>
+              <a:t>    if ( self-&gt;current == NULL) return NULL;</a:t>
+            </a:r>
+          </a:p>
+          <a:p>
+            <a:r>
+              <a:rPr lang="en-US" sz="1400" b="1" dirty="0">
+                <a:latin typeface="Courier New" panose="02070309020205020404" pitchFamily="49" charset="0"/>
+                <a:cs typeface="Courier New" panose="02070309020205020404" pitchFamily="49" charset="0"/>
+              </a:rPr>
+              <a:t>    if ( self-&gt;reverse == 0 ) {</a:t>
+            </a:r>
+          </a:p>
+          <a:p>
+            <a:r>
+              <a:rPr lang="en-US" sz="1400" b="1" dirty="0">
+                <a:latin typeface="Courier New" panose="02070309020205020404" pitchFamily="49" charset="0"/>
+                <a:cs typeface="Courier New" panose="02070309020205020404" pitchFamily="49" charset="0"/>
+              </a:rPr>
+              <a:t>        self-&gt;current = self-&gt;current-&gt;next;</a:t>
+            </a:r>
+          </a:p>
+          <a:p>
+            <a:r>
+              <a:rPr lang="en-US" sz="1400" b="1" dirty="0">
+                <a:latin typeface="Courier New" panose="02070309020205020404" pitchFamily="49" charset="0"/>
+                <a:cs typeface="Courier New" panose="02070309020205020404" pitchFamily="49" charset="0"/>
+              </a:rPr>
+              <a:t>    } else {</a:t>
+            </a:r>
+          </a:p>
+          <a:p>
+            <a:r>
+              <a:rPr lang="en-US" sz="1400" b="1" dirty="0">
+                <a:latin typeface="Courier New" panose="02070309020205020404" pitchFamily="49" charset="0"/>
+                <a:cs typeface="Courier New" panose="02070309020205020404" pitchFamily="49" charset="0"/>
+              </a:rPr>
+              <a:t>        self-&gt;current = self-&gt;current-&gt;</a:t>
+            </a:r>
+            <a:r>
+              <a:rPr lang="en-US" sz="1400" b="1" dirty="0" err="1">
+                <a:latin typeface="Courier New" panose="02070309020205020404" pitchFamily="49" charset="0"/>
+                <a:cs typeface="Courier New" panose="02070309020205020404" pitchFamily="49" charset="0"/>
+              </a:rPr>
+              <a:t>prev</a:t>
+            </a:r>
+            <a:r>
+              <a:rPr lang="en-US" sz="1400" b="1" dirty="0">
+                <a:latin typeface="Courier New" panose="02070309020205020404" pitchFamily="49" charset="0"/>
+                <a:cs typeface="Courier New" panose="02070309020205020404" pitchFamily="49" charset="0"/>
+              </a:rPr>
+              <a:t>;</a:t>
+            </a:r>
+          </a:p>
+          <a:p>
+            <a:r>
+              <a:rPr lang="en-US" sz="1400" b="1" dirty="0">
+                <a:latin typeface="Courier New" panose="02070309020205020404" pitchFamily="49" charset="0"/>
+                <a:cs typeface="Courier New" panose="02070309020205020404" pitchFamily="49" charset="0"/>
+              </a:rPr>
+              <a:t>    }</a:t>
+            </a:r>
+          </a:p>
+          <a:p>
+            <a:endParaRPr lang="en-US" sz="1400" b="1" dirty="0">
+              <a:latin typeface="Courier New" panose="02070309020205020404" pitchFamily="49" charset="0"/>
+              <a:cs typeface="Courier New" panose="02070309020205020404" pitchFamily="49" charset="0"/>
+            </a:endParaRPr>
+          </a:p>
+          <a:p>
+            <a:r>
+              <a:rPr lang="en-US" sz="1400" b="1" dirty="0">
+                <a:latin typeface="Courier New" panose="02070309020205020404" pitchFamily="49" charset="0"/>
+                <a:cs typeface="Courier New" panose="02070309020205020404" pitchFamily="49" charset="0"/>
+              </a:rPr>
+              <a:t>    return self-&gt;current;</a:t>
+            </a:r>
+          </a:p>
+          <a:p>
+            <a:r>
+              <a:rPr lang="en-US" sz="1400" b="1" dirty="0">
+                <a:latin typeface="Courier New" panose="02070309020205020404" pitchFamily="49" charset="0"/>
+                <a:cs typeface="Courier New" panose="02070309020205020404" pitchFamily="49" charset="0"/>
+              </a:rPr>
+              <a:t>}</a:t>
+            </a:r>
+          </a:p>
+        </p:txBody>
+      </p:sp>
+      <p:sp>
+        <p:nvSpPr>
+          <p:cNvPr id="6" name="Title 5">
+            <a:extLst>
+              <a:ext uri="{FF2B5EF4-FFF2-40B4-BE49-F238E27FC236}">
+                <a16:creationId xmlns:a16="http://schemas.microsoft.com/office/drawing/2014/main" id="{E4A81157-F1D0-5130-371D-BA8DD965B654}"/>
+              </a:ext>
+            </a:extLst>
+          </p:cNvPr>
+          <p:cNvSpPr>
+            <a:spLocks noGrp="1"/>
+          </p:cNvSpPr>
+          <p:nvPr>
+            <p:ph type="title"/>
+          </p:nvPr>
+        </p:nvSpPr>
+        <p:spPr>
+          <a:xfrm>
+            <a:off x="838200" y="365125"/>
+            <a:ext cx="5257800" cy="1325563"/>
+          </a:xfrm>
+        </p:spPr>
+        <p:txBody>
+          <a:bodyPr/>
+          <a:lstStyle/>
+          <a:p>
+            <a:r>
+              <a:rPr lang="en-US" dirty="0" err="1"/>
+              <a:t>MapIter_next</a:t>
+            </a:r>
+            <a:r>
+              <a:rPr lang="en-US" dirty="0"/>
+              <a:t>()</a:t>
+            </a:r>
+          </a:p>
+        </p:txBody>
+      </p:sp>
+      <p:sp>
+        <p:nvSpPr>
+          <p:cNvPr id="7" name="Content Placeholder 6">
+            <a:extLst>
+              <a:ext uri="{FF2B5EF4-FFF2-40B4-BE49-F238E27FC236}">
+                <a16:creationId xmlns:a16="http://schemas.microsoft.com/office/drawing/2014/main" id="{4D372547-AA0B-35AD-4AD8-30763CE5DF56}"/>
+              </a:ext>
+            </a:extLst>
+          </p:cNvPr>
+          <p:cNvSpPr>
+            <a:spLocks noGrp="1"/>
+          </p:cNvSpPr>
+          <p:nvPr>
+            <p:ph idx="1"/>
+          </p:nvPr>
+        </p:nvSpPr>
+        <p:spPr>
+          <a:xfrm>
+            <a:off x="838200" y="1825625"/>
+            <a:ext cx="3990474" cy="4351338"/>
+          </a:xfrm>
+        </p:spPr>
+        <p:txBody>
+          <a:bodyPr>
+            <a:normAutofit/>
+          </a:bodyPr>
+          <a:lstStyle/>
+          <a:p>
+            <a:r>
+              <a:rPr lang="en-US" dirty="0"/>
+              <a:t>This is a method in the Map Iterator</a:t>
+            </a:r>
+          </a:p>
+        </p:txBody>
+      </p:sp>
+    </p:spTree>
+    <p:extLst>
+      <p:ext uri="{BB962C8B-B14F-4D97-AF65-F5344CB8AC3E}">
+        <p14:creationId xmlns:p14="http://schemas.microsoft.com/office/powerpoint/2010/main" val="1893991071"/>
       </p:ext>
     </p:extLst>
   </p:cSld>
@@ -17281,8 +16513,8 @@
         </p:nvSpPr>
         <p:spPr>
           <a:xfrm>
-            <a:off x="5934196" y="754814"/>
-            <a:ext cx="5769528" cy="5047536"/>
+            <a:off x="6096000" y="782747"/>
+            <a:ext cx="5447325" cy="1815882"/>
           </a:xfrm>
           <a:prstGeom prst="rect">
             <a:avLst/>
@@ -17300,239 +16532,136 @@
                 <a:latin typeface="Courier New" panose="02070309020205020404" pitchFamily="49" charset="0"/>
                 <a:cs typeface="Courier New" panose="02070309020205020404" pitchFamily="49" charset="0"/>
               </a:rPr>
-              <a:t>/**</a:t>
-            </a:r>
-          </a:p>
-          <a:p>
-            <a:r>
-              <a:rPr lang="en-US" sz="1400" b="1" dirty="0">
-                <a:latin typeface="Courier New" panose="02070309020205020404" pitchFamily="49" charset="0"/>
-                <a:cs typeface="Courier New" panose="02070309020205020404" pitchFamily="49" charset="0"/>
-              </a:rPr>
-              <a:t> * </a:t>
-            </a:r>
-            <a:r>
-              <a:rPr lang="en-US" sz="1400" b="1" dirty="0" err="1">
-                <a:latin typeface="Courier New" panose="02070309020205020404" pitchFamily="49" charset="0"/>
-                <a:cs typeface="Courier New" panose="02070309020205020404" pitchFamily="49" charset="0"/>
-              </a:rPr>
-              <a:t>MapIter_next</a:t>
-            </a:r>
-            <a:r>
-              <a:rPr lang="en-US" sz="1400" b="1" dirty="0">
-                <a:latin typeface="Courier New" panose="02070309020205020404" pitchFamily="49" charset="0"/>
-                <a:cs typeface="Courier New" panose="02070309020205020404" pitchFamily="49" charset="0"/>
-              </a:rPr>
-              <a:t> - Advance the iterator forwards</a:t>
-            </a:r>
-          </a:p>
-          <a:p>
-            <a:r>
-              <a:rPr lang="en-US" sz="1400" b="1" dirty="0">
-                <a:latin typeface="Courier New" panose="02070309020205020404" pitchFamily="49" charset="0"/>
-                <a:cs typeface="Courier New" panose="02070309020205020404" pitchFamily="49" charset="0"/>
-              </a:rPr>
-              <a:t> * or backwards and return the next item</a:t>
-            </a:r>
-          </a:p>
-          <a:p>
-            <a:r>
-              <a:rPr lang="en-US" sz="1400" b="1" dirty="0">
-                <a:latin typeface="Courier New" panose="02070309020205020404" pitchFamily="49" charset="0"/>
-                <a:cs typeface="Courier New" panose="02070309020205020404" pitchFamily="49" charset="0"/>
-              </a:rPr>
-              <a:t> *</a:t>
-            </a:r>
-          </a:p>
-          <a:p>
-            <a:r>
-              <a:rPr lang="en-US" sz="1400" b="1" dirty="0">
-                <a:latin typeface="Courier New" panose="02070309020205020404" pitchFamily="49" charset="0"/>
-                <a:cs typeface="Courier New" panose="02070309020205020404" pitchFamily="49" charset="0"/>
-              </a:rPr>
-              <a:t> * self - The pointer to the instance of this class.</a:t>
-            </a:r>
-          </a:p>
-          <a:p>
-            <a:r>
-              <a:rPr lang="en-US" sz="1400" b="1" dirty="0">
-                <a:latin typeface="Courier New" panose="02070309020205020404" pitchFamily="49" charset="0"/>
-                <a:cs typeface="Courier New" panose="02070309020205020404" pitchFamily="49" charset="0"/>
-              </a:rPr>
-              <a:t> *</a:t>
-            </a:r>
-          </a:p>
-          <a:p>
-            <a:r>
-              <a:rPr lang="en-US" sz="1400" b="1" dirty="0">
-                <a:latin typeface="Courier New" panose="02070309020205020404" pitchFamily="49" charset="0"/>
-                <a:cs typeface="Courier New" panose="02070309020205020404" pitchFamily="49" charset="0"/>
-              </a:rPr>
-              <a:t> * returns NULL when there are no more entries</a:t>
-            </a:r>
-          </a:p>
-          <a:p>
-            <a:r>
-              <a:rPr lang="en-US" sz="1400" b="1" dirty="0">
-                <a:latin typeface="Courier New" panose="02070309020205020404" pitchFamily="49" charset="0"/>
-                <a:cs typeface="Courier New" panose="02070309020205020404" pitchFamily="49" charset="0"/>
-              </a:rPr>
-              <a:t> *</a:t>
-            </a:r>
-          </a:p>
-          <a:p>
-            <a:r>
-              <a:rPr lang="en-US" sz="1400" b="1" dirty="0">
-                <a:latin typeface="Courier New" panose="02070309020205020404" pitchFamily="49" charset="0"/>
-                <a:cs typeface="Courier New" panose="02070309020205020404" pitchFamily="49" charset="0"/>
-              </a:rPr>
-              <a:t> * This is inspired by the following Python code:</a:t>
-            </a:r>
-          </a:p>
-          <a:p>
-            <a:r>
-              <a:rPr lang="en-US" sz="1400" b="1" dirty="0">
-                <a:latin typeface="Courier New" panose="02070309020205020404" pitchFamily="49" charset="0"/>
-                <a:cs typeface="Courier New" panose="02070309020205020404" pitchFamily="49" charset="0"/>
-              </a:rPr>
-              <a:t> *</a:t>
-            </a:r>
-          </a:p>
-          <a:p>
-            <a:r>
-              <a:rPr lang="en-US" sz="1400" b="1" dirty="0">
-                <a:latin typeface="Courier New" panose="02070309020205020404" pitchFamily="49" charset="0"/>
-                <a:cs typeface="Courier New" panose="02070309020205020404" pitchFamily="49" charset="0"/>
-              </a:rPr>
-              <a:t> *   item = next(iterator, False)</a:t>
-            </a:r>
-          </a:p>
-          <a:p>
-            <a:r>
-              <a:rPr lang="en-US" sz="1400" b="1" dirty="0">
-                <a:latin typeface="Courier New" panose="02070309020205020404" pitchFamily="49" charset="0"/>
-                <a:cs typeface="Courier New" panose="02070309020205020404" pitchFamily="49" charset="0"/>
-              </a:rPr>
-              <a:t> */</a:t>
-            </a:r>
-          </a:p>
-          <a:p>
-            <a:r>
-              <a:rPr lang="en-US" sz="1400" b="1" dirty="0">
-                <a:latin typeface="Courier New" panose="02070309020205020404" pitchFamily="49" charset="0"/>
-                <a:cs typeface="Courier New" panose="02070309020205020404" pitchFamily="49" charset="0"/>
-              </a:rPr>
-              <a:t>struct </a:t>
-            </a:r>
-            <a:r>
-              <a:rPr lang="en-US" sz="1400" b="1" dirty="0" err="1">
-                <a:latin typeface="Courier New" panose="02070309020205020404" pitchFamily="49" charset="0"/>
-                <a:cs typeface="Courier New" panose="02070309020205020404" pitchFamily="49" charset="0"/>
-              </a:rPr>
-              <a:t>MapEntry</a:t>
-            </a:r>
-            <a:r>
-              <a:rPr lang="en-US" sz="1400" b="1" dirty="0">
-                <a:latin typeface="Courier New" panose="02070309020205020404" pitchFamily="49" charset="0"/>
-                <a:cs typeface="Courier New" panose="02070309020205020404" pitchFamily="49" charset="0"/>
-              </a:rPr>
-              <a:t>* </a:t>
-            </a:r>
-            <a:r>
-              <a:rPr lang="en-US" sz="1400" b="1" dirty="0" err="1">
-                <a:latin typeface="Courier New" panose="02070309020205020404" pitchFamily="49" charset="0"/>
-                <a:cs typeface="Courier New" panose="02070309020205020404" pitchFamily="49" charset="0"/>
-              </a:rPr>
-              <a:t>MapIter_next</a:t>
-            </a:r>
-            <a:r>
-              <a:rPr lang="en-US" sz="1400" b="1" dirty="0">
-                <a:latin typeface="Courier New" panose="02070309020205020404" pitchFamily="49" charset="0"/>
-                <a:cs typeface="Courier New" panose="02070309020205020404" pitchFamily="49" charset="0"/>
-              </a:rPr>
-              <a:t>(struct </a:t>
-            </a:r>
-            <a:r>
-              <a:rPr lang="en-US" sz="1400" b="1" dirty="0" err="1">
-                <a:latin typeface="Courier New" panose="02070309020205020404" pitchFamily="49" charset="0"/>
-                <a:cs typeface="Courier New" panose="02070309020205020404" pitchFamily="49" charset="0"/>
-              </a:rPr>
-              <a:t>MapIter</a:t>
-            </a:r>
-            <a:r>
-              <a:rPr lang="en-US" sz="1400" b="1" dirty="0">
-                <a:latin typeface="Courier New" panose="02070309020205020404" pitchFamily="49" charset="0"/>
-                <a:cs typeface="Courier New" panose="02070309020205020404" pitchFamily="49" charset="0"/>
-              </a:rPr>
-              <a:t>* self)</a:t>
-            </a:r>
-          </a:p>
-          <a:p>
-            <a:r>
-              <a:rPr lang="en-US" sz="1400" b="1" dirty="0">
-                <a:latin typeface="Courier New" panose="02070309020205020404" pitchFamily="49" charset="0"/>
-                <a:cs typeface="Courier New" panose="02070309020205020404" pitchFamily="49" charset="0"/>
-              </a:rPr>
-              <a:t>{</a:t>
-            </a:r>
-          </a:p>
-          <a:p>
-            <a:r>
-              <a:rPr lang="en-US" sz="1400" b="1" dirty="0">
-                <a:latin typeface="Courier New" panose="02070309020205020404" pitchFamily="49" charset="0"/>
-                <a:cs typeface="Courier New" panose="02070309020205020404" pitchFamily="49" charset="0"/>
-              </a:rPr>
-              <a:t>    if ( self-&gt;current == NULL) return NULL;</a:t>
-            </a:r>
-          </a:p>
-          <a:p>
-            <a:r>
-              <a:rPr lang="en-US" sz="1400" b="1" dirty="0">
-                <a:latin typeface="Courier New" panose="02070309020205020404" pitchFamily="49" charset="0"/>
-                <a:cs typeface="Courier New" panose="02070309020205020404" pitchFamily="49" charset="0"/>
-              </a:rPr>
-              <a:t>    if ( self-&gt;reverse == 0 ) {</a:t>
-            </a:r>
-          </a:p>
-          <a:p>
-            <a:r>
-              <a:rPr lang="en-US" sz="1400" b="1" dirty="0">
-                <a:latin typeface="Courier New" panose="02070309020205020404" pitchFamily="49" charset="0"/>
-                <a:cs typeface="Courier New" panose="02070309020205020404" pitchFamily="49" charset="0"/>
-              </a:rPr>
-              <a:t>        self-&gt;current = self-&gt;current-&gt;next;</a:t>
-            </a:r>
-          </a:p>
-          <a:p>
-            <a:r>
-              <a:rPr lang="en-US" sz="1400" b="1" dirty="0">
-                <a:latin typeface="Courier New" panose="02070309020205020404" pitchFamily="49" charset="0"/>
-                <a:cs typeface="Courier New" panose="02070309020205020404" pitchFamily="49" charset="0"/>
-              </a:rPr>
-              <a:t>    } else {</a:t>
-            </a:r>
-          </a:p>
-          <a:p>
-            <a:r>
-              <a:rPr lang="en-US" sz="1400" b="1" dirty="0">
-                <a:latin typeface="Courier New" panose="02070309020205020404" pitchFamily="49" charset="0"/>
-                <a:cs typeface="Courier New" panose="02070309020205020404" pitchFamily="49" charset="0"/>
-              </a:rPr>
-              <a:t>        self-&gt;current = self-&gt;current-&gt;</a:t>
-            </a:r>
-            <a:r>
-              <a:rPr lang="en-US" sz="1400" b="1" dirty="0" err="1">
-                <a:latin typeface="Courier New" panose="02070309020205020404" pitchFamily="49" charset="0"/>
-                <a:cs typeface="Courier New" panose="02070309020205020404" pitchFamily="49" charset="0"/>
-              </a:rPr>
-              <a:t>prev</a:t>
-            </a:r>
-            <a:r>
-              <a:rPr lang="en-US" sz="1400" b="1" dirty="0">
-                <a:latin typeface="Courier New" panose="02070309020205020404" pitchFamily="49" charset="0"/>
-                <a:cs typeface="Courier New" panose="02070309020205020404" pitchFamily="49" charset="0"/>
-              </a:rPr>
-              <a:t>;</a:t>
+              <a:t>    </a:t>
+            </a:r>
+            <a:r>
+              <a:rPr lang="en-US" sz="1400" b="1" dirty="0" err="1">
+                <a:latin typeface="Courier New" panose="02070309020205020404" pitchFamily="49" charset="0"/>
+                <a:cs typeface="Courier New" panose="02070309020205020404" pitchFamily="49" charset="0"/>
+              </a:rPr>
+              <a:t>printf</a:t>
+            </a:r>
+            <a:r>
+              <a:rPr lang="en-US" sz="1400" b="1" dirty="0">
+                <a:latin typeface="Courier New" panose="02070309020205020404" pitchFamily="49" charset="0"/>
+                <a:cs typeface="Courier New" panose="02070309020205020404" pitchFamily="49" charset="0"/>
+              </a:rPr>
+              <a:t>("\</a:t>
+            </a:r>
+            <a:r>
+              <a:rPr lang="en-US" sz="1400" b="1" dirty="0" err="1">
+                <a:latin typeface="Courier New" panose="02070309020205020404" pitchFamily="49" charset="0"/>
+                <a:cs typeface="Courier New" panose="02070309020205020404" pitchFamily="49" charset="0"/>
+              </a:rPr>
+              <a:t>nIterate</a:t>
+            </a:r>
+            <a:r>
+              <a:rPr lang="en-US" sz="1400" b="1" dirty="0">
+                <a:latin typeface="Courier New" panose="02070309020205020404" pitchFamily="49" charset="0"/>
+                <a:cs typeface="Courier New" panose="02070309020205020404" pitchFamily="49" charset="0"/>
+              </a:rPr>
+              <a:t> forwards\n");</a:t>
+            </a:r>
+          </a:p>
+          <a:p>
+            <a:r>
+              <a:rPr lang="en-US" sz="1400" b="1" dirty="0">
+                <a:latin typeface="Courier New" panose="02070309020205020404" pitchFamily="49" charset="0"/>
+                <a:cs typeface="Courier New" panose="02070309020205020404" pitchFamily="49" charset="0"/>
+              </a:rPr>
+              <a:t>    </a:t>
+            </a:r>
+            <a:r>
+              <a:rPr lang="en-US" sz="1400" b="1" dirty="0" err="1">
+                <a:latin typeface="Courier New" panose="02070309020205020404" pitchFamily="49" charset="0"/>
+                <a:cs typeface="Courier New" panose="02070309020205020404" pitchFamily="49" charset="0"/>
+              </a:rPr>
+              <a:t>iter</a:t>
+            </a:r>
+            <a:r>
+              <a:rPr lang="en-US" sz="1400" b="1" dirty="0">
+                <a:latin typeface="Courier New" panose="02070309020205020404" pitchFamily="49" charset="0"/>
+                <a:cs typeface="Courier New" panose="02070309020205020404" pitchFamily="49" charset="0"/>
+              </a:rPr>
+              <a:t> = map-&gt;first(map);</a:t>
+            </a:r>
+          </a:p>
+          <a:p>
+            <a:r>
+              <a:rPr lang="en-US" sz="1400" b="1" dirty="0">
+                <a:latin typeface="Courier New" panose="02070309020205020404" pitchFamily="49" charset="0"/>
+                <a:cs typeface="Courier New" panose="02070309020205020404" pitchFamily="49" charset="0"/>
+              </a:rPr>
+              <a:t>    while(1) {</a:t>
+            </a:r>
+          </a:p>
+          <a:p>
+            <a:r>
+              <a:rPr lang="en-US" sz="1400" b="1" dirty="0">
+                <a:latin typeface="Courier New" panose="02070309020205020404" pitchFamily="49" charset="0"/>
+                <a:cs typeface="Courier New" panose="02070309020205020404" pitchFamily="49" charset="0"/>
+              </a:rPr>
+              <a:t>        cur = </a:t>
+            </a:r>
+            <a:r>
+              <a:rPr lang="en-US" sz="1400" b="1" dirty="0" err="1">
+                <a:latin typeface="Courier New" panose="02070309020205020404" pitchFamily="49" charset="0"/>
+                <a:cs typeface="Courier New" panose="02070309020205020404" pitchFamily="49" charset="0"/>
+              </a:rPr>
+              <a:t>iter</a:t>
+            </a:r>
+            <a:r>
+              <a:rPr lang="en-US" sz="1400" b="1" dirty="0">
+                <a:latin typeface="Courier New" panose="02070309020205020404" pitchFamily="49" charset="0"/>
+                <a:cs typeface="Courier New" panose="02070309020205020404" pitchFamily="49" charset="0"/>
+              </a:rPr>
+              <a:t>-&gt;next(</a:t>
+            </a:r>
+            <a:r>
+              <a:rPr lang="en-US" sz="1400" b="1" dirty="0" err="1">
+                <a:latin typeface="Courier New" panose="02070309020205020404" pitchFamily="49" charset="0"/>
+                <a:cs typeface="Courier New" panose="02070309020205020404" pitchFamily="49" charset="0"/>
+              </a:rPr>
+              <a:t>iter</a:t>
+            </a:r>
+            <a:r>
+              <a:rPr lang="en-US" sz="1400" b="1" dirty="0">
+                <a:latin typeface="Courier New" panose="02070309020205020404" pitchFamily="49" charset="0"/>
+                <a:cs typeface="Courier New" panose="02070309020205020404" pitchFamily="49" charset="0"/>
+              </a:rPr>
+              <a:t>);</a:t>
+            </a:r>
+          </a:p>
+          <a:p>
+            <a:r>
+              <a:rPr lang="en-US" sz="1400" b="1" dirty="0">
+                <a:latin typeface="Courier New" panose="02070309020205020404" pitchFamily="49" charset="0"/>
+                <a:cs typeface="Courier New" panose="02070309020205020404" pitchFamily="49" charset="0"/>
+              </a:rPr>
+              <a:t>        if ( cur == NULL ) break;</a:t>
+            </a:r>
+          </a:p>
+          <a:p>
+            <a:r>
+              <a:rPr lang="en-US" sz="1400" b="1" dirty="0">
+                <a:latin typeface="Courier New" panose="02070309020205020404" pitchFamily="49" charset="0"/>
+                <a:cs typeface="Courier New" panose="02070309020205020404" pitchFamily="49" charset="0"/>
+              </a:rPr>
+              <a:t>        </a:t>
+            </a:r>
+            <a:r>
+              <a:rPr lang="en-US" sz="1400" b="1" dirty="0" err="1">
+                <a:latin typeface="Courier New" panose="02070309020205020404" pitchFamily="49" charset="0"/>
+                <a:cs typeface="Courier New" panose="02070309020205020404" pitchFamily="49" charset="0"/>
+              </a:rPr>
+              <a:t>printf</a:t>
+            </a:r>
+            <a:r>
+              <a:rPr lang="en-US" sz="1400" b="1" dirty="0">
+                <a:latin typeface="Courier New" panose="02070309020205020404" pitchFamily="49" charset="0"/>
+                <a:cs typeface="Courier New" panose="02070309020205020404" pitchFamily="49" charset="0"/>
+              </a:rPr>
+              <a:t>(" %s=%d\n", cur-&gt;key, cur-&gt;value);</a:t>
             </a:r>
           </a:p>
           <a:p>
@@ -17545,27 +16674,40 @@
             </a:r>
           </a:p>
           <a:p>
-            <a:endParaRPr lang="en-US" sz="1400" b="1" dirty="0">
-              <a:latin typeface="Courier New" panose="02070309020205020404" pitchFamily="49" charset="0"/>
-              <a:cs typeface="Courier New" panose="02070309020205020404" pitchFamily="49" charset="0"/>
-            </a:endParaRPr>
-          </a:p>
-          <a:p>
-            <a:r>
-              <a:rPr lang="en-US" sz="1400" b="1" dirty="0">
-                <a:latin typeface="Courier New" panose="02070309020205020404" pitchFamily="49" charset="0"/>
-                <a:cs typeface="Courier New" panose="02070309020205020404" pitchFamily="49" charset="0"/>
-              </a:rPr>
-              <a:t>    return self-&gt;current;</a:t>
-            </a:r>
-          </a:p>
-          <a:p>
-            <a:r>
-              <a:rPr lang="en-US" sz="1400" b="1" dirty="0">
-                <a:latin typeface="Courier New" panose="02070309020205020404" pitchFamily="49" charset="0"/>
-                <a:cs typeface="Courier New" panose="02070309020205020404" pitchFamily="49" charset="0"/>
-              </a:rPr>
-              <a:t>}</a:t>
+            <a:r>
+              <a:rPr lang="en-US" sz="1400" b="1" dirty="0">
+                <a:latin typeface="Courier New" panose="02070309020205020404" pitchFamily="49" charset="0"/>
+                <a:cs typeface="Courier New" panose="02070309020205020404" pitchFamily="49" charset="0"/>
+              </a:rPr>
+              <a:t>    </a:t>
+            </a:r>
+            <a:r>
+              <a:rPr lang="en-US" sz="1400" b="1" dirty="0" err="1">
+                <a:latin typeface="Courier New" panose="02070309020205020404" pitchFamily="49" charset="0"/>
+                <a:cs typeface="Courier New" panose="02070309020205020404" pitchFamily="49" charset="0"/>
+              </a:rPr>
+              <a:t>iter</a:t>
+            </a:r>
+            <a:r>
+              <a:rPr lang="en-US" sz="1400" b="1" dirty="0">
+                <a:latin typeface="Courier New" panose="02070309020205020404" pitchFamily="49" charset="0"/>
+                <a:cs typeface="Courier New" panose="02070309020205020404" pitchFamily="49" charset="0"/>
+              </a:rPr>
+              <a:t>-&gt;del(</a:t>
+            </a:r>
+            <a:r>
+              <a:rPr lang="en-US" sz="1400" b="1" dirty="0" err="1">
+                <a:latin typeface="Courier New" panose="02070309020205020404" pitchFamily="49" charset="0"/>
+                <a:cs typeface="Courier New" panose="02070309020205020404" pitchFamily="49" charset="0"/>
+              </a:rPr>
+              <a:t>iter</a:t>
+            </a:r>
+            <a:r>
+              <a:rPr lang="en-US" sz="1400" b="1" dirty="0">
+                <a:latin typeface="Courier New" panose="02070309020205020404" pitchFamily="49" charset="0"/>
+                <a:cs typeface="Courier New" panose="02070309020205020404" pitchFamily="49" charset="0"/>
+              </a:rPr>
+              <a:t>);</a:t>
             </a:r>
           </a:p>
         </p:txBody>
@@ -17597,12 +16739,8 @@
           <a:lstStyle/>
           <a:p>
             <a:r>
-              <a:rPr lang="en-US" dirty="0" err="1"/>
-              <a:t>MapIter_next</a:t>
-            </a:r>
-            <a:r>
               <a:rPr lang="en-US" dirty="0"/>
-              <a:t>()</a:t>
+              <a:t>Using an iterator</a:t>
             </a:r>
           </a:p>
         </p:txBody>
@@ -17637,317 +16775,6 @@
           <a:p>
             <a:r>
               <a:rPr lang="en-US" dirty="0"/>
-              <a:t>This is a method in the Map Iterator</a:t>
-            </a:r>
-          </a:p>
-        </p:txBody>
-      </p:sp>
-    </p:spTree>
-    <p:extLst>
-      <p:ext uri="{BB962C8B-B14F-4D97-AF65-F5344CB8AC3E}">
-        <p14:creationId xmlns:p14="http://schemas.microsoft.com/office/powerpoint/2010/main" val="1893991071"/>
-      </p:ext>
-    </p:extLst>
-  </p:cSld>
-  <p:clrMapOvr>
-    <a:masterClrMapping/>
-  </p:clrMapOvr>
-</p:sld>
-</file>
-
-<file path=ppt/slides/slide41.xml><?xml version="1.0" encoding="utf-8"?>
-<p:sld xmlns:a="http://schemas.openxmlformats.org/drawingml/2006/main" xmlns:r="http://schemas.openxmlformats.org/officeDocument/2006/relationships" xmlns:p="http://schemas.openxmlformats.org/presentationml/2006/main">
-  <p:cSld>
-    <p:spTree>
-      <p:nvGrpSpPr>
-        <p:cNvPr id="1" name=""/>
-        <p:cNvGrpSpPr/>
-        <p:nvPr/>
-      </p:nvGrpSpPr>
-      <p:grpSpPr>
-        <a:xfrm>
-          <a:off x="0" y="0"/>
-          <a:ext cx="0" cy="0"/>
-          <a:chOff x="0" y="0"/>
-          <a:chExt cx="0" cy="0"/>
-        </a:xfrm>
-      </p:grpSpPr>
-      <p:sp>
-        <p:nvSpPr>
-          <p:cNvPr id="2" name="TextBox 1">
-            <a:extLst>
-              <a:ext uri="{FF2B5EF4-FFF2-40B4-BE49-F238E27FC236}">
-                <a16:creationId xmlns:a16="http://schemas.microsoft.com/office/drawing/2014/main" id="{FEEE943B-F994-FF91-EC9C-3774C1CD2051}"/>
-              </a:ext>
-            </a:extLst>
-          </p:cNvPr>
-          <p:cNvSpPr txBox="1"/>
-          <p:nvPr/>
-        </p:nvSpPr>
-        <p:spPr>
-          <a:xfrm>
-            <a:off x="6096000" y="782747"/>
-            <a:ext cx="5447325" cy="1815882"/>
-          </a:xfrm>
-          <a:prstGeom prst="rect">
-            <a:avLst/>
-          </a:prstGeom>
-          <a:noFill/>
-        </p:spPr>
-        <p:txBody>
-          <a:bodyPr wrap="none" rtlCol="0">
-            <a:spAutoFit/>
-          </a:bodyPr>
-          <a:lstStyle/>
-          <a:p>
-            <a:r>
-              <a:rPr lang="en-US" sz="1400" b="1" dirty="0">
-                <a:latin typeface="Courier New" panose="02070309020205020404" pitchFamily="49" charset="0"/>
-                <a:cs typeface="Courier New" panose="02070309020205020404" pitchFamily="49" charset="0"/>
-              </a:rPr>
-              <a:t>    </a:t>
-            </a:r>
-            <a:r>
-              <a:rPr lang="en-US" sz="1400" b="1" dirty="0" err="1">
-                <a:latin typeface="Courier New" panose="02070309020205020404" pitchFamily="49" charset="0"/>
-                <a:cs typeface="Courier New" panose="02070309020205020404" pitchFamily="49" charset="0"/>
-              </a:rPr>
-              <a:t>printf</a:t>
-            </a:r>
-            <a:r>
-              <a:rPr lang="en-US" sz="1400" b="1" dirty="0">
-                <a:latin typeface="Courier New" panose="02070309020205020404" pitchFamily="49" charset="0"/>
-                <a:cs typeface="Courier New" panose="02070309020205020404" pitchFamily="49" charset="0"/>
-              </a:rPr>
-              <a:t>("\</a:t>
-            </a:r>
-            <a:r>
-              <a:rPr lang="en-US" sz="1400" b="1" dirty="0" err="1">
-                <a:latin typeface="Courier New" panose="02070309020205020404" pitchFamily="49" charset="0"/>
-                <a:cs typeface="Courier New" panose="02070309020205020404" pitchFamily="49" charset="0"/>
-              </a:rPr>
-              <a:t>nIterate</a:t>
-            </a:r>
-            <a:r>
-              <a:rPr lang="en-US" sz="1400" b="1" dirty="0">
-                <a:latin typeface="Courier New" panose="02070309020205020404" pitchFamily="49" charset="0"/>
-                <a:cs typeface="Courier New" panose="02070309020205020404" pitchFamily="49" charset="0"/>
-              </a:rPr>
-              <a:t> forwards\n");</a:t>
-            </a:r>
-          </a:p>
-          <a:p>
-            <a:r>
-              <a:rPr lang="en-US" sz="1400" b="1" dirty="0">
-                <a:latin typeface="Courier New" panose="02070309020205020404" pitchFamily="49" charset="0"/>
-                <a:cs typeface="Courier New" panose="02070309020205020404" pitchFamily="49" charset="0"/>
-              </a:rPr>
-              <a:t>    </a:t>
-            </a:r>
-            <a:r>
-              <a:rPr lang="en-US" sz="1400" b="1" dirty="0" err="1">
-                <a:latin typeface="Courier New" panose="02070309020205020404" pitchFamily="49" charset="0"/>
-                <a:cs typeface="Courier New" panose="02070309020205020404" pitchFamily="49" charset="0"/>
-              </a:rPr>
-              <a:t>iter</a:t>
-            </a:r>
-            <a:r>
-              <a:rPr lang="en-US" sz="1400" b="1" dirty="0">
-                <a:latin typeface="Courier New" panose="02070309020205020404" pitchFamily="49" charset="0"/>
-                <a:cs typeface="Courier New" panose="02070309020205020404" pitchFamily="49" charset="0"/>
-              </a:rPr>
-              <a:t> = map-&gt;first(map);</a:t>
-            </a:r>
-          </a:p>
-          <a:p>
-            <a:r>
-              <a:rPr lang="en-US" sz="1400" b="1" dirty="0">
-                <a:latin typeface="Courier New" panose="02070309020205020404" pitchFamily="49" charset="0"/>
-                <a:cs typeface="Courier New" panose="02070309020205020404" pitchFamily="49" charset="0"/>
-              </a:rPr>
-              <a:t>    while(1) {</a:t>
-            </a:r>
-          </a:p>
-          <a:p>
-            <a:r>
-              <a:rPr lang="en-US" sz="1400" b="1" dirty="0">
-                <a:latin typeface="Courier New" panose="02070309020205020404" pitchFamily="49" charset="0"/>
-                <a:cs typeface="Courier New" panose="02070309020205020404" pitchFamily="49" charset="0"/>
-              </a:rPr>
-              <a:t>        cur = </a:t>
-            </a:r>
-            <a:r>
-              <a:rPr lang="en-US" sz="1400" b="1" dirty="0" err="1">
-                <a:latin typeface="Courier New" panose="02070309020205020404" pitchFamily="49" charset="0"/>
-                <a:cs typeface="Courier New" panose="02070309020205020404" pitchFamily="49" charset="0"/>
-              </a:rPr>
-              <a:t>iter</a:t>
-            </a:r>
-            <a:r>
-              <a:rPr lang="en-US" sz="1400" b="1" dirty="0">
-                <a:latin typeface="Courier New" panose="02070309020205020404" pitchFamily="49" charset="0"/>
-                <a:cs typeface="Courier New" panose="02070309020205020404" pitchFamily="49" charset="0"/>
-              </a:rPr>
-              <a:t>-&gt;next(</a:t>
-            </a:r>
-            <a:r>
-              <a:rPr lang="en-US" sz="1400" b="1" dirty="0" err="1">
-                <a:latin typeface="Courier New" panose="02070309020205020404" pitchFamily="49" charset="0"/>
-                <a:cs typeface="Courier New" panose="02070309020205020404" pitchFamily="49" charset="0"/>
-              </a:rPr>
-              <a:t>iter</a:t>
-            </a:r>
-            <a:r>
-              <a:rPr lang="en-US" sz="1400" b="1" dirty="0">
-                <a:latin typeface="Courier New" panose="02070309020205020404" pitchFamily="49" charset="0"/>
-                <a:cs typeface="Courier New" panose="02070309020205020404" pitchFamily="49" charset="0"/>
-              </a:rPr>
-              <a:t>);</a:t>
-            </a:r>
-          </a:p>
-          <a:p>
-            <a:r>
-              <a:rPr lang="en-US" sz="1400" b="1" dirty="0">
-                <a:latin typeface="Courier New" panose="02070309020205020404" pitchFamily="49" charset="0"/>
-                <a:cs typeface="Courier New" panose="02070309020205020404" pitchFamily="49" charset="0"/>
-              </a:rPr>
-              <a:t>        if ( cur == NULL ) break;</a:t>
-            </a:r>
-          </a:p>
-          <a:p>
-            <a:r>
-              <a:rPr lang="en-US" sz="1400" b="1" dirty="0">
-                <a:latin typeface="Courier New" panose="02070309020205020404" pitchFamily="49" charset="0"/>
-                <a:cs typeface="Courier New" panose="02070309020205020404" pitchFamily="49" charset="0"/>
-              </a:rPr>
-              <a:t>        </a:t>
-            </a:r>
-            <a:r>
-              <a:rPr lang="en-US" sz="1400" b="1" dirty="0" err="1">
-                <a:latin typeface="Courier New" panose="02070309020205020404" pitchFamily="49" charset="0"/>
-                <a:cs typeface="Courier New" panose="02070309020205020404" pitchFamily="49" charset="0"/>
-              </a:rPr>
-              <a:t>printf</a:t>
-            </a:r>
-            <a:r>
-              <a:rPr lang="en-US" sz="1400" b="1" dirty="0">
-                <a:latin typeface="Courier New" panose="02070309020205020404" pitchFamily="49" charset="0"/>
-                <a:cs typeface="Courier New" panose="02070309020205020404" pitchFamily="49" charset="0"/>
-              </a:rPr>
-              <a:t>(" %s=%d\n", cur-&gt;key, cur-&gt;value);</a:t>
-            </a:r>
-          </a:p>
-          <a:p>
-            <a:r>
-              <a:rPr lang="en-US" sz="1400" b="1" dirty="0">
-                <a:latin typeface="Courier New" panose="02070309020205020404" pitchFamily="49" charset="0"/>
-                <a:cs typeface="Courier New" panose="02070309020205020404" pitchFamily="49" charset="0"/>
-              </a:rPr>
-              <a:t>    }</a:t>
-            </a:r>
-          </a:p>
-          <a:p>
-            <a:r>
-              <a:rPr lang="en-US" sz="1400" b="1" dirty="0">
-                <a:latin typeface="Courier New" panose="02070309020205020404" pitchFamily="49" charset="0"/>
-                <a:cs typeface="Courier New" panose="02070309020205020404" pitchFamily="49" charset="0"/>
-              </a:rPr>
-              <a:t>    </a:t>
-            </a:r>
-            <a:r>
-              <a:rPr lang="en-US" sz="1400" b="1" dirty="0" err="1">
-                <a:latin typeface="Courier New" panose="02070309020205020404" pitchFamily="49" charset="0"/>
-                <a:cs typeface="Courier New" panose="02070309020205020404" pitchFamily="49" charset="0"/>
-              </a:rPr>
-              <a:t>iter</a:t>
-            </a:r>
-            <a:r>
-              <a:rPr lang="en-US" sz="1400" b="1" dirty="0">
-                <a:latin typeface="Courier New" panose="02070309020205020404" pitchFamily="49" charset="0"/>
-                <a:cs typeface="Courier New" panose="02070309020205020404" pitchFamily="49" charset="0"/>
-              </a:rPr>
-              <a:t>-&gt;del(</a:t>
-            </a:r>
-            <a:r>
-              <a:rPr lang="en-US" sz="1400" b="1" dirty="0" err="1">
-                <a:latin typeface="Courier New" panose="02070309020205020404" pitchFamily="49" charset="0"/>
-                <a:cs typeface="Courier New" panose="02070309020205020404" pitchFamily="49" charset="0"/>
-              </a:rPr>
-              <a:t>iter</a:t>
-            </a:r>
-            <a:r>
-              <a:rPr lang="en-US" sz="1400" b="1" dirty="0">
-                <a:latin typeface="Courier New" panose="02070309020205020404" pitchFamily="49" charset="0"/>
-                <a:cs typeface="Courier New" panose="02070309020205020404" pitchFamily="49" charset="0"/>
-              </a:rPr>
-              <a:t>);</a:t>
-            </a:r>
-          </a:p>
-        </p:txBody>
-      </p:sp>
-      <p:sp>
-        <p:nvSpPr>
-          <p:cNvPr id="6" name="Title 5">
-            <a:extLst>
-              <a:ext uri="{FF2B5EF4-FFF2-40B4-BE49-F238E27FC236}">
-                <a16:creationId xmlns:a16="http://schemas.microsoft.com/office/drawing/2014/main" id="{E4A81157-F1D0-5130-371D-BA8DD965B654}"/>
-              </a:ext>
-            </a:extLst>
-          </p:cNvPr>
-          <p:cNvSpPr>
-            <a:spLocks noGrp="1"/>
-          </p:cNvSpPr>
-          <p:nvPr>
-            <p:ph type="title"/>
-          </p:nvPr>
-        </p:nvSpPr>
-        <p:spPr>
-          <a:xfrm>
-            <a:off x="838200" y="365125"/>
-            <a:ext cx="5257800" cy="1325563"/>
-          </a:xfrm>
-        </p:spPr>
-        <p:txBody>
-          <a:bodyPr/>
-          <a:lstStyle/>
-          <a:p>
-            <a:r>
-              <a:rPr lang="en-US" dirty="0"/>
-              <a:t>Using an iterator</a:t>
-            </a:r>
-          </a:p>
-        </p:txBody>
-      </p:sp>
-      <p:sp>
-        <p:nvSpPr>
-          <p:cNvPr id="7" name="Content Placeholder 6">
-            <a:extLst>
-              <a:ext uri="{FF2B5EF4-FFF2-40B4-BE49-F238E27FC236}">
-                <a16:creationId xmlns:a16="http://schemas.microsoft.com/office/drawing/2014/main" id="{4D372547-AA0B-35AD-4AD8-30763CE5DF56}"/>
-              </a:ext>
-            </a:extLst>
-          </p:cNvPr>
-          <p:cNvSpPr>
-            <a:spLocks noGrp="1"/>
-          </p:cNvSpPr>
-          <p:nvPr>
-            <p:ph idx="1"/>
-          </p:nvPr>
-        </p:nvSpPr>
-        <p:spPr>
-          <a:xfrm>
-            <a:off x="838200" y="1825625"/>
-            <a:ext cx="3990474" cy="4351338"/>
-          </a:xfrm>
-        </p:spPr>
-        <p:txBody>
-          <a:bodyPr>
-            <a:normAutofit/>
-          </a:bodyPr>
-          <a:lstStyle/>
-          <a:p>
-            <a:r>
-              <a:rPr lang="en-US" dirty="0"/>
               <a:t>You create the iterator</a:t>
             </a:r>
           </a:p>
@@ -18115,7 +16942,7 @@
 </p:sld>
 </file>
 
-<file path=ppt/slides/slide42.xml><?xml version="1.0" encoding="utf-8"?>
+<file path=ppt/slides/slide41.xml><?xml version="1.0" encoding="utf-8"?>
 <p:sld xmlns:a="http://schemas.openxmlformats.org/drawingml/2006/main" xmlns:r="http://schemas.openxmlformats.org/officeDocument/2006/relationships" xmlns:p="http://schemas.openxmlformats.org/presentationml/2006/main">
   <p:cSld>
     <p:spTree>
@@ -18676,7 +17503,7 @@
 </p:sld>
 </file>
 
-<file path=ppt/slides/slide43.xml><?xml version="1.0" encoding="utf-8"?>
+<file path=ppt/slides/slide42.xml><?xml version="1.0" encoding="utf-8"?>
 <p:sld xmlns:a="http://schemas.openxmlformats.org/drawingml/2006/main" xmlns:r="http://schemas.openxmlformats.org/officeDocument/2006/relationships" xmlns:p="http://schemas.openxmlformats.org/presentationml/2006/main">
   <p:cSld>
     <p:spTree>

--- a/lectures/CC-04-Maps.pptx
+++ b/lectures/CC-04-Maps.pptx
@@ -45,8 +45,7 @@
     <p:sldId id="281" r:id="rId39"/>
     <p:sldId id="283" r:id="rId40"/>
     <p:sldId id="284" r:id="rId41"/>
-    <p:sldId id="285" r:id="rId42"/>
-    <p:sldId id="282" r:id="rId43"/>
+    <p:sldId id="282" r:id="rId42"/>
   </p:sldIdLst>
   <p:sldSz cx="12192000" cy="6858000"/>
   <p:notesSz cx="6858000" cy="9144000"/>
@@ -5563,7 +5562,7 @@
           <a:p>
             <a:r>
               <a:rPr lang="en-US" dirty="0"/>
-              <a:t>Lets Define a Contract / Interface</a:t>
+              <a:t>What in a Map?</a:t>
             </a:r>
           </a:p>
         </p:txBody>
@@ -5698,19 +5697,19 @@
             </a:r>
             <a:r>
               <a:rPr lang="en-US" dirty="0"/>
-              <a:t> implementation was just a linked list with a key – we need to have multiple implementations for different performance requirements</a:t>
+              <a:t> implementation was just a linked list with a key – we need to build multiple implementations for different performance requirements</a:t>
             </a:r>
           </a:p>
           <a:p>
             <a:r>
               <a:rPr lang="en-US" dirty="0"/>
-              <a:t>We need to encapsulate our methods in the struct instead of using prefix-style function naming conventions</a:t>
+              <a:t>We need to include our methods in the struct instead of using prefix-style function naming conventions</a:t>
             </a:r>
           </a:p>
           <a:p>
             <a:r>
               <a:rPr lang="en-US" dirty="0"/>
-              <a:t>We need a better abstraction for looping that does not require "peeking" at the class internal data</a:t>
+              <a:t>We need a better abstraction for looping that does not require "peeking" at the class-internal attributes</a:t>
             </a:r>
           </a:p>
           <a:p>
@@ -5804,7 +5803,14 @@
           <a:p>
             <a:r>
               <a:rPr lang="en-US" dirty="0"/>
-              <a:t>"Map" captures the abstract notion of key/value collections</a:t>
+              <a:t>"Map" is a common term we use to describe key/value collections</a:t>
+            </a:r>
+          </a:p>
+          <a:p>
+            <a:pPr lvl="1"/>
+            <a:r>
+              <a:rPr lang="en-US" dirty="0"/>
+              <a:t>C++ map</a:t>
             </a:r>
           </a:p>
           <a:p>
@@ -5818,7 +5824,7 @@
             <a:pPr lvl="1"/>
             <a:r>
               <a:rPr lang="en-US" dirty="0"/>
-              <a:t>Java Map&lt;String, Integer&gt;</a:t>
+              <a:t>Java Map</a:t>
             </a:r>
           </a:p>
           <a:p>
@@ -5829,16 +5835,9 @@
             </a:r>
           </a:p>
           <a:p>
-            <a:pPr lvl="1"/>
             <a:r>
               <a:rPr lang="en-US" dirty="0"/>
-              <a:t>C++ map</a:t>
-            </a:r>
-          </a:p>
-          <a:p>
-            <a:r>
-              <a:rPr lang="en-US" dirty="0"/>
-              <a:t>Iterator Pattern as an abstraction for looping</a:t>
+              <a:t>Iterator Pattern as an abstraction for looping across multiple implementations</a:t>
             </a:r>
           </a:p>
         </p:txBody>
@@ -9840,7 +9839,7 @@
           <a:p>
             <a:r>
               <a:rPr lang="en-US" dirty="0"/>
-              <a:t>Lets build a Map Class in C</a:t>
+              <a:t>A Map Class with encapsulation</a:t>
             </a:r>
           </a:p>
         </p:txBody>
@@ -9868,7 +9867,7 @@
           <a:p>
             <a:r>
               <a:rPr lang="en-US" dirty="0"/>
-              <a:t>(with iterator)</a:t>
+              <a:t>(more encapsulation)</a:t>
             </a:r>
           </a:p>
         </p:txBody>
@@ -10814,7 +10813,7 @@
         <p:spPr>
           <a:xfrm>
             <a:off x="5717628" y="1336119"/>
-            <a:ext cx="5125121" cy="4616648"/>
+            <a:ext cx="5125121" cy="3539430"/>
           </a:xfrm>
           <a:prstGeom prst="rect">
             <a:avLst/>
@@ -11003,107 +11002,6 @@
                 <a:cs typeface="Courier New" panose="02070309020205020404" pitchFamily="49" charset="0"/>
               </a:rPr>
               <a:t>* (*first)(struct Map* self);</a:t>
-            </a:r>
-          </a:p>
-          <a:p>
-            <a:r>
-              <a:rPr lang="en-US" sz="1400" b="1" dirty="0">
-                <a:latin typeface="Courier New" panose="02070309020205020404" pitchFamily="49" charset="0"/>
-                <a:cs typeface="Courier New" panose="02070309020205020404" pitchFamily="49" charset="0"/>
-              </a:rPr>
-              <a:t>   struct </a:t>
-            </a:r>
-            <a:r>
-              <a:rPr lang="en-US" sz="1400" b="1" dirty="0" err="1">
-                <a:latin typeface="Courier New" panose="02070309020205020404" pitchFamily="49" charset="0"/>
-                <a:cs typeface="Courier New" panose="02070309020205020404" pitchFamily="49" charset="0"/>
-              </a:rPr>
-              <a:t>MapIter</a:t>
-            </a:r>
-            <a:r>
-              <a:rPr lang="en-US" sz="1400" b="1" dirty="0">
-                <a:latin typeface="Courier New" panose="02070309020205020404" pitchFamily="49" charset="0"/>
-                <a:cs typeface="Courier New" panose="02070309020205020404" pitchFamily="49" charset="0"/>
-              </a:rPr>
-              <a:t>* (*last)(struct Map* self);</a:t>
-            </a:r>
-          </a:p>
-          <a:p>
-            <a:r>
-              <a:rPr lang="en-US" sz="1400" b="1" dirty="0">
-                <a:latin typeface="Courier New" panose="02070309020205020404" pitchFamily="49" charset="0"/>
-                <a:cs typeface="Courier New" panose="02070309020205020404" pitchFamily="49" charset="0"/>
-              </a:rPr>
-              <a:t>   void (*</a:t>
-            </a:r>
-            <a:r>
-              <a:rPr lang="en-US" sz="1400" b="1" dirty="0" err="1">
-                <a:latin typeface="Courier New" panose="02070309020205020404" pitchFamily="49" charset="0"/>
-                <a:cs typeface="Courier New" panose="02070309020205020404" pitchFamily="49" charset="0"/>
-              </a:rPr>
-              <a:t>asort</a:t>
-            </a:r>
-            <a:r>
-              <a:rPr lang="en-US" sz="1400" b="1" dirty="0">
-                <a:latin typeface="Courier New" panose="02070309020205020404" pitchFamily="49" charset="0"/>
-                <a:cs typeface="Courier New" panose="02070309020205020404" pitchFamily="49" charset="0"/>
-              </a:rPr>
-              <a:t>)(struct Map* self);</a:t>
-            </a:r>
-          </a:p>
-          <a:p>
-            <a:r>
-              <a:rPr lang="en-US" sz="1400" b="1" dirty="0">
-                <a:latin typeface="Courier New" panose="02070309020205020404" pitchFamily="49" charset="0"/>
-                <a:cs typeface="Courier New" panose="02070309020205020404" pitchFamily="49" charset="0"/>
-              </a:rPr>
-              <a:t>   void (*</a:t>
-            </a:r>
-            <a:r>
-              <a:rPr lang="en-US" sz="1400" b="1" dirty="0" err="1">
-                <a:latin typeface="Courier New" panose="02070309020205020404" pitchFamily="49" charset="0"/>
-                <a:cs typeface="Courier New" panose="02070309020205020404" pitchFamily="49" charset="0"/>
-              </a:rPr>
-              <a:t>ksort</a:t>
-            </a:r>
-            <a:r>
-              <a:rPr lang="en-US" sz="1400" b="1" dirty="0">
-                <a:latin typeface="Courier New" panose="02070309020205020404" pitchFamily="49" charset="0"/>
-                <a:cs typeface="Courier New" panose="02070309020205020404" pitchFamily="49" charset="0"/>
-              </a:rPr>
-              <a:t>)(struct Map* self);</a:t>
-            </a:r>
-          </a:p>
-          <a:p>
-            <a:r>
-              <a:rPr lang="en-US" sz="1400" b="1" dirty="0">
-                <a:latin typeface="Courier New" panose="02070309020205020404" pitchFamily="49" charset="0"/>
-                <a:cs typeface="Courier New" panose="02070309020205020404" pitchFamily="49" charset="0"/>
-              </a:rPr>
-              <a:t>   struct </a:t>
-            </a:r>
-            <a:r>
-              <a:rPr lang="en-US" sz="1400" b="1" dirty="0" err="1">
-                <a:latin typeface="Courier New" panose="02070309020205020404" pitchFamily="49" charset="0"/>
-                <a:cs typeface="Courier New" panose="02070309020205020404" pitchFamily="49" charset="0"/>
-              </a:rPr>
-              <a:t>MapEntry</a:t>
-            </a:r>
-            <a:r>
-              <a:rPr lang="en-US" sz="1400" b="1" dirty="0">
-                <a:latin typeface="Courier New" panose="02070309020205020404" pitchFamily="49" charset="0"/>
-                <a:cs typeface="Courier New" panose="02070309020205020404" pitchFamily="49" charset="0"/>
-              </a:rPr>
-              <a:t>* (*index)(struct Map* self,</a:t>
-            </a:r>
-          </a:p>
-          <a:p>
-            <a:r>
-              <a:rPr lang="en-US" sz="1400" b="1" dirty="0">
-                <a:latin typeface="Courier New" panose="02070309020205020404" pitchFamily="49" charset="0"/>
-                <a:cs typeface="Courier New" panose="02070309020205020404" pitchFamily="49" charset="0"/>
-              </a:rPr>
-              <a:t>                             int position);</a:t>
             </a:r>
           </a:p>
           <a:p>
@@ -11178,25 +11076,27 @@
         </p:spPr>
         <p:txBody>
           <a:bodyPr>
-            <a:normAutofit lnSpcReduction="10000"/>
+            <a:normAutofit/>
           </a:bodyPr>
           <a:lstStyle/>
           <a:p>
             <a:r>
               <a:rPr lang="en-US" dirty="0"/>
-              <a:t>This contains the attributes and methods</a:t>
-            </a:r>
-          </a:p>
-          <a:p>
+              <a:t>This contains the attributes </a:t>
+            </a:r>
+            <a:r>
+              <a:rPr lang="en-US" i="1" dirty="0"/>
+              <a:t>and</a:t>
+            </a:r>
             <a:r>
               <a:rPr lang="en-US" dirty="0"/>
-              <a:t>The reverse and current fields will be used to implement the first/next or last/next iterator pattern</a:t>
+              <a:t> methods</a:t>
             </a:r>
           </a:p>
           <a:p>
             <a:r>
               <a:rPr lang="en-US" dirty="0"/>
-              <a:t>We will use the pattern where the pointers to the methods will be in each instance.</a:t>
+              <a:t>We will use pointers to functions to make it so we access the methods from the Map object.</a:t>
             </a:r>
           </a:p>
         </p:txBody>
@@ -11246,7 +11146,7 @@
         <p:spPr>
           <a:xfrm>
             <a:off x="5717628" y="1336119"/>
-            <a:ext cx="4373313" cy="4185761"/>
+            <a:ext cx="4373313" cy="3323987"/>
           </a:xfrm>
           <a:prstGeom prst="rect">
             <a:avLst/>
@@ -11449,126 +11349,6 @@
                 <a:cs typeface="Courier New" panose="02070309020205020404" pitchFamily="49" charset="0"/>
               </a:rPr>
               <a:t>Map_first</a:t>
-            </a:r>
-            <a:r>
-              <a:rPr lang="en-US" sz="1400" b="1" dirty="0">
-                <a:latin typeface="Courier New" panose="02070309020205020404" pitchFamily="49" charset="0"/>
-                <a:cs typeface="Courier New" panose="02070309020205020404" pitchFamily="49" charset="0"/>
-              </a:rPr>
-              <a:t>;</a:t>
-            </a:r>
-          </a:p>
-          <a:p>
-            <a:r>
-              <a:rPr lang="en-US" sz="1400" b="1" dirty="0">
-                <a:latin typeface="Courier New" panose="02070309020205020404" pitchFamily="49" charset="0"/>
-                <a:cs typeface="Courier New" panose="02070309020205020404" pitchFamily="49" charset="0"/>
-              </a:rPr>
-              <a:t>    p-&gt;last = &amp;</a:t>
-            </a:r>
-            <a:r>
-              <a:rPr lang="en-US" sz="1400" b="1" dirty="0" err="1">
-                <a:latin typeface="Courier New" panose="02070309020205020404" pitchFamily="49" charset="0"/>
-                <a:cs typeface="Courier New" panose="02070309020205020404" pitchFamily="49" charset="0"/>
-              </a:rPr>
-              <a:t>Map_last</a:t>
-            </a:r>
-            <a:r>
-              <a:rPr lang="en-US" sz="1400" b="1" dirty="0">
-                <a:latin typeface="Courier New" panose="02070309020205020404" pitchFamily="49" charset="0"/>
-                <a:cs typeface="Courier New" panose="02070309020205020404" pitchFamily="49" charset="0"/>
-              </a:rPr>
-              <a:t>;</a:t>
-            </a:r>
-          </a:p>
-          <a:p>
-            <a:r>
-              <a:rPr lang="en-US" sz="1400" b="1" dirty="0">
-                <a:latin typeface="Courier New" panose="02070309020205020404" pitchFamily="49" charset="0"/>
-                <a:cs typeface="Courier New" panose="02070309020205020404" pitchFamily="49" charset="0"/>
-              </a:rPr>
-              <a:t>    p-&gt;</a:t>
-            </a:r>
-            <a:r>
-              <a:rPr lang="en-US" sz="1400" b="1" dirty="0" err="1">
-                <a:latin typeface="Courier New" panose="02070309020205020404" pitchFamily="49" charset="0"/>
-                <a:cs typeface="Courier New" panose="02070309020205020404" pitchFamily="49" charset="0"/>
-              </a:rPr>
-              <a:t>asort</a:t>
-            </a:r>
-            <a:r>
-              <a:rPr lang="en-US" sz="1400" b="1" dirty="0">
-                <a:latin typeface="Courier New" panose="02070309020205020404" pitchFamily="49" charset="0"/>
-                <a:cs typeface="Courier New" panose="02070309020205020404" pitchFamily="49" charset="0"/>
-              </a:rPr>
-              <a:t> = &amp;</a:t>
-            </a:r>
-            <a:r>
-              <a:rPr lang="en-US" sz="1400" b="1" dirty="0" err="1">
-                <a:latin typeface="Courier New" panose="02070309020205020404" pitchFamily="49" charset="0"/>
-                <a:cs typeface="Courier New" panose="02070309020205020404" pitchFamily="49" charset="0"/>
-              </a:rPr>
-              <a:t>Map_asort</a:t>
-            </a:r>
-            <a:r>
-              <a:rPr lang="en-US" sz="1400" b="1" dirty="0">
-                <a:latin typeface="Courier New" panose="02070309020205020404" pitchFamily="49" charset="0"/>
-                <a:cs typeface="Courier New" panose="02070309020205020404" pitchFamily="49" charset="0"/>
-              </a:rPr>
-              <a:t>;</a:t>
-            </a:r>
-          </a:p>
-          <a:p>
-            <a:r>
-              <a:rPr lang="en-US" sz="1400" b="1" dirty="0">
-                <a:latin typeface="Courier New" panose="02070309020205020404" pitchFamily="49" charset="0"/>
-                <a:cs typeface="Courier New" panose="02070309020205020404" pitchFamily="49" charset="0"/>
-              </a:rPr>
-              <a:t>    p-&gt;</a:t>
-            </a:r>
-            <a:r>
-              <a:rPr lang="en-US" sz="1400" b="1" dirty="0" err="1">
-                <a:latin typeface="Courier New" panose="02070309020205020404" pitchFamily="49" charset="0"/>
-                <a:cs typeface="Courier New" panose="02070309020205020404" pitchFamily="49" charset="0"/>
-              </a:rPr>
-              <a:t>ksort</a:t>
-            </a:r>
-            <a:r>
-              <a:rPr lang="en-US" sz="1400" b="1" dirty="0">
-                <a:latin typeface="Courier New" panose="02070309020205020404" pitchFamily="49" charset="0"/>
-                <a:cs typeface="Courier New" panose="02070309020205020404" pitchFamily="49" charset="0"/>
-              </a:rPr>
-              <a:t> = &amp;</a:t>
-            </a:r>
-            <a:r>
-              <a:rPr lang="en-US" sz="1400" b="1" dirty="0" err="1">
-                <a:latin typeface="Courier New" panose="02070309020205020404" pitchFamily="49" charset="0"/>
-                <a:cs typeface="Courier New" panose="02070309020205020404" pitchFamily="49" charset="0"/>
-              </a:rPr>
-              <a:t>Map_ksort</a:t>
-            </a:r>
-            <a:r>
-              <a:rPr lang="en-US" sz="1400" b="1" dirty="0">
-                <a:latin typeface="Courier New" panose="02070309020205020404" pitchFamily="49" charset="0"/>
-                <a:cs typeface="Courier New" panose="02070309020205020404" pitchFamily="49" charset="0"/>
-              </a:rPr>
-              <a:t>;</a:t>
-            </a:r>
-          </a:p>
-          <a:p>
-            <a:r>
-              <a:rPr lang="en-US" sz="1400" b="1" dirty="0">
-                <a:latin typeface="Courier New" panose="02070309020205020404" pitchFamily="49" charset="0"/>
-                <a:cs typeface="Courier New" panose="02070309020205020404" pitchFamily="49" charset="0"/>
-              </a:rPr>
-              <a:t>    p-&gt;index = &amp;</a:t>
-            </a:r>
-            <a:r>
-              <a:rPr lang="en-US" sz="1400" b="1" dirty="0" err="1">
-                <a:latin typeface="Courier New" panose="02070309020205020404" pitchFamily="49" charset="0"/>
-                <a:cs typeface="Courier New" panose="02070309020205020404" pitchFamily="49" charset="0"/>
-              </a:rPr>
-              <a:t>Map_index</a:t>
             </a:r>
             <a:r>
               <a:rPr lang="en-US" sz="1400" b="1" dirty="0">
@@ -11667,19 +11447,55 @@
         </p:nvSpPr>
         <p:spPr>
           <a:xfrm>
-            <a:off x="838200" y="1825625"/>
-            <a:ext cx="3990474" cy="4351338"/>
+            <a:off x="838199" y="1825625"/>
+            <a:ext cx="4373313" cy="4351338"/>
           </a:xfrm>
         </p:spPr>
         <p:txBody>
           <a:bodyPr>
-            <a:normAutofit/>
+            <a:normAutofit lnSpcReduction="10000"/>
           </a:bodyPr>
           <a:lstStyle/>
           <a:p>
             <a:r>
               <a:rPr lang="en-US" dirty="0"/>
               <a:t>Allocate the Map and fill it with defaults.</a:t>
+            </a:r>
+          </a:p>
+          <a:p>
+            <a:r>
+              <a:rPr lang="en-US" dirty="0"/>
+              <a:t>Yes </a:t>
+            </a:r>
+            <a:r>
+              <a:rPr lang="en-US" dirty="0" err="1"/>
+              <a:t>Map_put</a:t>
+            </a:r>
+            <a:r>
+              <a:rPr lang="en-US" dirty="0"/>
+              <a:t>() is still a global function</a:t>
+            </a:r>
+          </a:p>
+          <a:p>
+            <a:r>
+              <a:rPr lang="en-US" dirty="0"/>
+              <a:t>In a C++ class definition the definition of </a:t>
+            </a:r>
+            <a:r>
+              <a:rPr lang="en-US" dirty="0" err="1"/>
+              <a:t>Map_put</a:t>
+            </a:r>
+            <a:r>
+              <a:rPr lang="en-US" dirty="0"/>
+              <a:t>() and the access to it under put() are in the same source file so the name can be hidden </a:t>
+            </a:r>
+            <a:r>
+              <a:rPr lang="en-US" dirty="0" err="1"/>
+              <a:t>byt</a:t>
+            </a:r>
+            <a:r>
+              <a:rPr lang="en-US" dirty="0"/>
+              <a:t> the C++ compiler</a:t>
             </a:r>
           </a:p>
         </p:txBody>
@@ -12119,7 +11935,7 @@
             <a:pPr lvl="1"/>
             <a:r>
               <a:rPr lang="en-US" dirty="0"/>
-              <a:t>Python Strings are objects that follow the principle of encapsulation</a:t>
+              <a:t>Python strings are objects that follow the principle of encapsulation</a:t>
             </a:r>
           </a:p>
           <a:p>
@@ -13793,7 +13609,10 @@
           <a:bodyPr/>
           <a:lstStyle/>
           <a:p>
-            <a:endParaRPr lang="en-US" dirty="0"/>
+            <a:r>
+              <a:rPr lang="en-US" dirty="0"/>
+              <a:t>Looping without breaking the abstraction boundary</a:t>
+            </a:r>
           </a:p>
         </p:txBody>
       </p:sp>
@@ -13915,13 +13734,29 @@
           <a:p>
             <a:r>
               <a:rPr lang="en-US" dirty="0"/>
-              <a:t>Following the practice or "Separation of concerns", object builders usually make attributes critical to the functioning of the object "private"</a:t>
+              <a:t>Following the practice or "Separation of concerns", object builders make attributes critical to the functioning of the object "private"</a:t>
             </a:r>
           </a:p>
           <a:p>
             <a:r>
               <a:rPr lang="en-US" dirty="0"/>
-              <a:t>They do not want the calling code to look directly at head or count – and even worse the object will break badly if the main program starts messing with these values</a:t>
+              <a:t>They do not want the calling code to look directly at </a:t>
+            </a:r>
+            <a:r>
+              <a:rPr lang="en-US" b="1" dirty="0"/>
+              <a:t>head</a:t>
+            </a:r>
+            <a:r>
+              <a:rPr lang="en-US" dirty="0"/>
+              <a:t> or </a:t>
+            </a:r>
+            <a:r>
+              <a:rPr lang="en-US" b="1" dirty="0"/>
+              <a:t>count</a:t>
+            </a:r>
+            <a:r>
+              <a:rPr lang="en-US" dirty="0"/>
+              <a:t> – and even worse the object will break badly if the main program starts messing with these values</a:t>
             </a:r>
           </a:p>
         </p:txBody>
@@ -14896,7 +14731,7 @@
         <p:spPr>
           <a:xfrm>
             <a:off x="5910133" y="1825625"/>
-            <a:ext cx="5554726" cy="2462213"/>
+            <a:ext cx="5554726" cy="2031325"/>
           </a:xfrm>
           <a:prstGeom prst="rect">
             <a:avLst/>
@@ -15003,21 +14838,6 @@
               </a:rPr>
               <a:t> *current;</a:t>
             </a:r>
-          </a:p>
-          <a:p>
-            <a:r>
-              <a:rPr lang="en-US" sz="1400" b="1" dirty="0">
-                <a:latin typeface="Courier New" panose="02070309020205020404" pitchFamily="49" charset="0"/>
-                <a:cs typeface="Courier New" panose="02070309020205020404" pitchFamily="49" charset="0"/>
-              </a:rPr>
-              <a:t>   int reverse;</a:t>
-            </a:r>
-          </a:p>
-          <a:p>
-            <a:endParaRPr lang="en-US" sz="1400" b="1" dirty="0">
-              <a:latin typeface="Courier New" panose="02070309020205020404" pitchFamily="49" charset="0"/>
-              <a:cs typeface="Courier New" panose="02070309020205020404" pitchFamily="49" charset="0"/>
-            </a:endParaRPr>
           </a:p>
           <a:p>
             <a:r>
@@ -15157,10 +14977,25 @@
           <a:lstStyle/>
           <a:p>
             <a:r>
+              <a:rPr lang="en-US" dirty="0"/>
+              <a:t>The </a:t>
+            </a:r>
+            <a:r>
               <a:rPr lang="en-US" dirty="0" err="1"/>
-              <a:t>ddsds</a:t>
-            </a:r>
-            <a:endParaRPr lang="en-US" dirty="0"/>
+              <a:t>MapIter</a:t>
+            </a:r>
+            <a:r>
+              <a:rPr lang="en-US" dirty="0"/>
+              <a:t> is a "related class" to it can access "protected" values in </a:t>
+            </a:r>
+            <a:r>
+              <a:rPr lang="en-US" dirty="0" err="1"/>
+              <a:t>MapEntry</a:t>
+            </a:r>
+            <a:r>
+              <a:rPr lang="en-US" dirty="0"/>
+              <a:t> without violating the abstraction.</a:t>
+            </a:r>
           </a:p>
         </p:txBody>
       </p:sp>
@@ -15209,7 +15044,7 @@
         <p:spPr>
           <a:xfrm>
             <a:off x="5922165" y="797510"/>
-            <a:ext cx="5769528" cy="5262979"/>
+            <a:ext cx="5769528" cy="5047536"/>
           </a:xfrm>
           <a:prstGeom prst="rect">
             <a:avLst/>
@@ -15381,7 +15216,7 @@
                 <a:latin typeface="Courier New" panose="02070309020205020404" pitchFamily="49" charset="0"/>
                 <a:cs typeface="Courier New" panose="02070309020205020404" pitchFamily="49" charset="0"/>
               </a:rPr>
-              <a:t>Struct </a:t>
+              <a:t>struct </a:t>
             </a:r>
             <a:r>
               <a:rPr lang="en-US" sz="1400" b="1" dirty="0" err="1">
@@ -15507,29 +15342,6 @@
                 <a:cs typeface="Courier New" panose="02070309020205020404" pitchFamily="49" charset="0"/>
               </a:rPr>
               <a:t>-&gt;current = self-&gt;head;</a:t>
-            </a:r>
-          </a:p>
-          <a:p>
-            <a:r>
-              <a:rPr lang="en-US" sz="1400" b="1" dirty="0">
-                <a:latin typeface="Courier New" panose="02070309020205020404" pitchFamily="49" charset="0"/>
-                <a:cs typeface="Courier New" panose="02070309020205020404" pitchFamily="49" charset="0"/>
-              </a:rPr>
-              <a:t>    </a:t>
-            </a:r>
-            <a:r>
-              <a:rPr lang="en-US" sz="1400" b="1" dirty="0" err="1">
-                <a:latin typeface="Courier New" panose="02070309020205020404" pitchFamily="49" charset="0"/>
-                <a:cs typeface="Courier New" panose="02070309020205020404" pitchFamily="49" charset="0"/>
-              </a:rPr>
-              <a:t>iter</a:t>
-            </a:r>
-            <a:r>
-              <a:rPr lang="en-US" sz="1400" b="1" dirty="0">
-                <a:latin typeface="Courier New" panose="02070309020205020404" pitchFamily="49" charset="0"/>
-                <a:cs typeface="Courier New" panose="02070309020205020404" pitchFamily="49" charset="0"/>
-              </a:rPr>
-              <a:t>-&gt;reverse = 0;</a:t>
             </a:r>
           </a:p>
           <a:p>
@@ -15712,9 +15524,31 @@
           <a:lstStyle/>
           <a:p>
             <a:r>
+              <a:rPr lang="en-US" dirty="0"/>
+              <a:t>We allocate a </a:t>
+            </a:r>
+            <a:r>
               <a:rPr lang="en-US" dirty="0" err="1"/>
-              <a:t>ddsds</a:t>
-            </a:r>
+              <a:t>MapIter</a:t>
+            </a:r>
+            <a:r>
+              <a:rPr lang="en-US" dirty="0"/>
+              <a:t> and set it up with initial  </a:t>
+            </a:r>
+          </a:p>
+          <a:p>
+            <a:r>
+              <a:rPr lang="en-US" dirty="0"/>
+              <a:t>If self-&gt;head is NULL, the list is empty.</a:t>
+            </a:r>
+          </a:p>
+          <a:p>
+            <a:r>
+              <a:rPr lang="en-US" dirty="0"/>
+              <a:t>We need a del() method so as to free the memory that we allocated to store the iterator itself.</a:t>
+            </a:r>
+          </a:p>
+          <a:p>
             <a:endParaRPr lang="en-US" dirty="0"/>
           </a:p>
         </p:txBody>
@@ -16119,7 +15953,7 @@
           <a:p>
             <a:r>
               <a:rPr lang="en-US" dirty="0"/>
-              <a:t>This is a method in the Map Iterator</a:t>
+              <a:t>This is a method in the Map Iterator to advance through the list and return the next value or NULL</a:t>
             </a:r>
           </a:p>
         </p:txBody>
@@ -16169,7 +16003,7 @@
         <p:spPr>
           <a:xfrm>
             <a:off x="6726665" y="1977288"/>
-            <a:ext cx="4134465" cy="1569660"/>
+            <a:ext cx="4134465" cy="2554545"/>
           </a:xfrm>
           <a:prstGeom prst="rect">
             <a:avLst/>
@@ -16202,6 +16036,12 @@
             </a:r>
           </a:p>
           <a:p>
+            <a:endParaRPr lang="en-US" sz="1600" b="1" dirty="0">
+              <a:latin typeface="Courier New" panose="02070309020205020404" pitchFamily="49" charset="0"/>
+              <a:cs typeface="Courier New" panose="02070309020205020404" pitchFamily="49" charset="0"/>
+            </a:endParaRPr>
+          </a:p>
+          <a:p>
             <a:r>
               <a:rPr lang="en-US" sz="1600" b="1" dirty="0">
                 <a:latin typeface="Courier New" panose="02070309020205020404" pitchFamily="49" charset="0"/>
@@ -16237,6 +16077,12 @@
               </a:rPr>
               <a:t>')."\n");</a:t>
             </a:r>
+          </a:p>
+          <a:p>
+            <a:endParaRPr lang="en-US" sz="1600" b="1" dirty="0">
+              <a:latin typeface="Courier New" panose="02070309020205020404" pitchFamily="49" charset="0"/>
+              <a:cs typeface="Courier New" panose="02070309020205020404" pitchFamily="49" charset="0"/>
+            </a:endParaRPr>
           </a:p>
           <a:p>
             <a:r>
@@ -16272,6 +16118,12 @@
             </a:r>
           </a:p>
           <a:p>
+            <a:endParaRPr lang="en-US" sz="1600" b="1" dirty="0">
+              <a:latin typeface="Courier New" panose="02070309020205020404" pitchFamily="49" charset="0"/>
+              <a:cs typeface="Courier New" panose="02070309020205020404" pitchFamily="49" charset="0"/>
+            </a:endParaRPr>
+          </a:p>
+          <a:p>
             <a:r>
               <a:rPr lang="en-US" sz="1600" b="1" dirty="0">
                 <a:latin typeface="Courier New" panose="02070309020205020404" pitchFamily="49" charset="0"/>
@@ -16279,6 +16131,12 @@
               </a:rPr>
               <a:t>print($y."\n");</a:t>
             </a:r>
+          </a:p>
+          <a:p>
+            <a:endParaRPr lang="en-US" sz="1600" b="1" dirty="0">
+              <a:latin typeface="Courier New" panose="02070309020205020404" pitchFamily="49" charset="0"/>
+              <a:cs typeface="Courier New" panose="02070309020205020404" pitchFamily="49" charset="0"/>
+            </a:endParaRPr>
           </a:p>
           <a:p>
             <a:r>
@@ -16323,7 +16181,7 @@
         <p:spPr>
           <a:xfrm>
             <a:off x="931478" y="1977288"/>
-            <a:ext cx="3764172" cy="1569660"/>
+            <a:ext cx="3764172" cy="2554545"/>
           </a:xfrm>
           <a:prstGeom prst="rect">
             <a:avLst/>
@@ -16354,6 +16212,12 @@
             </a:r>
           </a:p>
           <a:p>
+            <a:endParaRPr lang="en-US" sz="1600" b="1" dirty="0">
+              <a:latin typeface="Courier New" panose="02070309020205020404" pitchFamily="49" charset="0"/>
+              <a:cs typeface="Courier New" panose="02070309020205020404" pitchFamily="49" charset="0"/>
+            </a:endParaRPr>
+          </a:p>
+          <a:p>
             <a:r>
               <a:rPr lang="en-US" sz="1600" b="1" dirty="0">
                 <a:latin typeface="Courier New" panose="02070309020205020404" pitchFamily="49" charset="0"/>
@@ -16377,6 +16241,12 @@
             </a:r>
           </a:p>
           <a:p>
+            <a:endParaRPr lang="en-US" sz="1600" b="1" dirty="0">
+              <a:latin typeface="Courier New" panose="02070309020205020404" pitchFamily="49" charset="0"/>
+              <a:cs typeface="Courier New" panose="02070309020205020404" pitchFamily="49" charset="0"/>
+            </a:endParaRPr>
+          </a:p>
+          <a:p>
             <a:r>
               <a:rPr lang="en-US" sz="1600" b="1" dirty="0">
                 <a:latin typeface="Courier New" panose="02070309020205020404" pitchFamily="49" charset="0"/>
@@ -16400,6 +16270,12 @@
             </a:r>
           </a:p>
           <a:p>
+            <a:endParaRPr lang="en-US" sz="1600" b="1" dirty="0">
+              <a:latin typeface="Courier New" panose="02070309020205020404" pitchFamily="49" charset="0"/>
+              <a:cs typeface="Courier New" panose="02070309020205020404" pitchFamily="49" charset="0"/>
+            </a:endParaRPr>
+          </a:p>
+          <a:p>
             <a:r>
               <a:rPr lang="en-US" sz="1600" b="1" dirty="0">
                 <a:latin typeface="Courier New" panose="02070309020205020404" pitchFamily="49" charset="0"/>
@@ -16407,6 +16283,12 @@
               </a:rPr>
               <a:t>print(y)</a:t>
             </a:r>
+          </a:p>
+          <a:p>
+            <a:endParaRPr lang="en-US" sz="1600" b="1" dirty="0">
+              <a:latin typeface="Courier New" panose="02070309020205020404" pitchFamily="49" charset="0"/>
+              <a:cs typeface="Courier New" panose="02070309020205020404" pitchFamily="49" charset="0"/>
+            </a:endParaRPr>
           </a:p>
           <a:p>
             <a:r>
@@ -16961,567 +16843,6 @@
       </p:grpSpPr>
       <p:sp>
         <p:nvSpPr>
-          <p:cNvPr id="2" name="TextBox 1">
-            <a:extLst>
-              <a:ext uri="{FF2B5EF4-FFF2-40B4-BE49-F238E27FC236}">
-                <a16:creationId xmlns:a16="http://schemas.microsoft.com/office/drawing/2014/main" id="{FEEE943B-F994-FF91-EC9C-3774C1CD2051}"/>
-              </a:ext>
-            </a:extLst>
-          </p:cNvPr>
-          <p:cNvSpPr txBox="1"/>
-          <p:nvPr/>
-        </p:nvSpPr>
-        <p:spPr>
-          <a:xfrm>
-            <a:off x="5922165" y="797510"/>
-            <a:ext cx="5769528" cy="3754874"/>
-          </a:xfrm>
-          <a:prstGeom prst="rect">
-            <a:avLst/>
-          </a:prstGeom>
-          <a:noFill/>
-        </p:spPr>
-        <p:txBody>
-          <a:bodyPr wrap="none" rtlCol="0">
-            <a:spAutoFit/>
-          </a:bodyPr>
-          <a:lstStyle/>
-          <a:p>
-            <a:r>
-              <a:rPr lang="en-US" sz="1400" b="1" dirty="0">
-                <a:latin typeface="Courier New" panose="02070309020205020404" pitchFamily="49" charset="0"/>
-                <a:cs typeface="Courier New" panose="02070309020205020404" pitchFamily="49" charset="0"/>
-              </a:rPr>
-              <a:t>/**</a:t>
-            </a:r>
-          </a:p>
-          <a:p>
-            <a:r>
-              <a:rPr lang="en-US" sz="1400" b="1" dirty="0">
-                <a:latin typeface="Courier New" panose="02070309020205020404" pitchFamily="49" charset="0"/>
-                <a:cs typeface="Courier New" panose="02070309020205020404" pitchFamily="49" charset="0"/>
-              </a:rPr>
-              <a:t> * </a:t>
-            </a:r>
-            <a:r>
-              <a:rPr lang="en-US" sz="1400" b="1" dirty="0" err="1">
-                <a:latin typeface="Courier New" panose="02070309020205020404" pitchFamily="49" charset="0"/>
-                <a:cs typeface="Courier New" panose="02070309020205020404" pitchFamily="49" charset="0"/>
-              </a:rPr>
-              <a:t>Map_last</a:t>
-            </a:r>
-            <a:r>
-              <a:rPr lang="en-US" sz="1400" b="1" dirty="0">
-                <a:latin typeface="Courier New" panose="02070309020205020404" pitchFamily="49" charset="0"/>
-                <a:cs typeface="Courier New" panose="02070309020205020404" pitchFamily="49" charset="0"/>
-              </a:rPr>
-              <a:t> - Start an iterator at the tail of the</a:t>
-            </a:r>
-          </a:p>
-          <a:p>
-            <a:r>
-              <a:rPr lang="en-US" sz="1400" b="1" dirty="0">
-                <a:latin typeface="Courier New" panose="02070309020205020404" pitchFamily="49" charset="0"/>
-                <a:cs typeface="Courier New" panose="02070309020205020404" pitchFamily="49" charset="0"/>
-              </a:rPr>
-              <a:t> * Map and mark the iterator as "going backwards"</a:t>
-            </a:r>
-          </a:p>
-          <a:p>
-            <a:r>
-              <a:rPr lang="en-US" sz="1400" b="1" dirty="0">
-                <a:latin typeface="Courier New" panose="02070309020205020404" pitchFamily="49" charset="0"/>
-                <a:cs typeface="Courier New" panose="02070309020205020404" pitchFamily="49" charset="0"/>
-              </a:rPr>
-              <a:t> *</a:t>
-            </a:r>
-          </a:p>
-          <a:p>
-            <a:r>
-              <a:rPr lang="en-US" sz="1400" b="1" dirty="0">
-                <a:latin typeface="Courier New" panose="02070309020205020404" pitchFamily="49" charset="0"/>
-                <a:cs typeface="Courier New" panose="02070309020205020404" pitchFamily="49" charset="0"/>
-              </a:rPr>
-              <a:t> * self - The pointer to the instance of this class.</a:t>
-            </a:r>
-          </a:p>
-          <a:p>
-            <a:r>
-              <a:rPr lang="en-US" sz="1400" b="1" dirty="0">
-                <a:latin typeface="Courier New" panose="02070309020205020404" pitchFamily="49" charset="0"/>
-                <a:cs typeface="Courier New" panose="02070309020205020404" pitchFamily="49" charset="0"/>
-              </a:rPr>
-              <a:t> *</a:t>
-            </a:r>
-          </a:p>
-          <a:p>
-            <a:r>
-              <a:rPr lang="en-US" sz="1400" b="1" dirty="0">
-                <a:latin typeface="Courier New" panose="02070309020205020404" pitchFamily="49" charset="0"/>
-                <a:cs typeface="Courier New" panose="02070309020205020404" pitchFamily="49" charset="0"/>
-              </a:rPr>
-              <a:t> * returns NULL when there are no entries in the Map</a:t>
-            </a:r>
-          </a:p>
-          <a:p>
-            <a:r>
-              <a:rPr lang="en-US" sz="1400" b="1" dirty="0">
-                <a:latin typeface="Courier New" panose="02070309020205020404" pitchFamily="49" charset="0"/>
-                <a:cs typeface="Courier New" panose="02070309020205020404" pitchFamily="49" charset="0"/>
-              </a:rPr>
-              <a:t> *</a:t>
-            </a:r>
-          </a:p>
-          <a:p>
-            <a:r>
-              <a:rPr lang="en-US" sz="1400" b="1" dirty="0">
-                <a:latin typeface="Courier New" panose="02070309020205020404" pitchFamily="49" charset="0"/>
-                <a:cs typeface="Courier New" panose="02070309020205020404" pitchFamily="49" charset="0"/>
-              </a:rPr>
-              <a:t> * This is inspired by the following Python code:</a:t>
-            </a:r>
-          </a:p>
-          <a:p>
-            <a:r>
-              <a:rPr lang="en-US" sz="1400" b="1" dirty="0">
-                <a:latin typeface="Courier New" panose="02070309020205020404" pitchFamily="49" charset="0"/>
-                <a:cs typeface="Courier New" panose="02070309020205020404" pitchFamily="49" charset="0"/>
-              </a:rPr>
-              <a:t> *</a:t>
-            </a:r>
-          </a:p>
-          <a:p>
-            <a:r>
-              <a:rPr lang="en-US" sz="1400" b="1" dirty="0">
-                <a:latin typeface="Courier New" panose="02070309020205020404" pitchFamily="49" charset="0"/>
-                <a:cs typeface="Courier New" panose="02070309020205020404" pitchFamily="49" charset="0"/>
-              </a:rPr>
-              <a:t> *     x = {'a': 1, 'b': 2, 'c': 3}</a:t>
-            </a:r>
-          </a:p>
-          <a:p>
-            <a:r>
-              <a:rPr lang="en-US" sz="1400" b="1" dirty="0">
-                <a:latin typeface="Courier New" panose="02070309020205020404" pitchFamily="49" charset="0"/>
-                <a:cs typeface="Courier New" panose="02070309020205020404" pitchFamily="49" charset="0"/>
-              </a:rPr>
-              <a:t> *     it = </a:t>
-            </a:r>
-            <a:r>
-              <a:rPr lang="en-US" sz="1400" b="1" dirty="0" err="1">
-                <a:latin typeface="Courier New" panose="02070309020205020404" pitchFamily="49" charset="0"/>
-                <a:cs typeface="Courier New" panose="02070309020205020404" pitchFamily="49" charset="0"/>
-              </a:rPr>
-              <a:t>iter</a:t>
-            </a:r>
-            <a:r>
-              <a:rPr lang="en-US" sz="1400" b="1" dirty="0">
-                <a:latin typeface="Courier New" panose="02070309020205020404" pitchFamily="49" charset="0"/>
-                <a:cs typeface="Courier New" panose="02070309020205020404" pitchFamily="49" charset="0"/>
-              </a:rPr>
-              <a:t>(reversed(x))</a:t>
-            </a:r>
-          </a:p>
-          <a:p>
-            <a:r>
-              <a:rPr lang="en-US" sz="1400" b="1" dirty="0">
-                <a:latin typeface="Courier New" panose="02070309020205020404" pitchFamily="49" charset="0"/>
-                <a:cs typeface="Courier New" panose="02070309020205020404" pitchFamily="49" charset="0"/>
-              </a:rPr>
-              <a:t> */</a:t>
-            </a:r>
-          </a:p>
-          <a:p>
-            <a:r>
-              <a:rPr lang="en-US" sz="1400" b="1" dirty="0">
-                <a:latin typeface="Courier New" panose="02070309020205020404" pitchFamily="49" charset="0"/>
-                <a:cs typeface="Courier New" panose="02070309020205020404" pitchFamily="49" charset="0"/>
-              </a:rPr>
-              <a:t>struct </a:t>
-            </a:r>
-            <a:r>
-              <a:rPr lang="en-US" sz="1400" b="1" dirty="0" err="1">
-                <a:latin typeface="Courier New" panose="02070309020205020404" pitchFamily="49" charset="0"/>
-                <a:cs typeface="Courier New" panose="02070309020205020404" pitchFamily="49" charset="0"/>
-              </a:rPr>
-              <a:t>MapIter</a:t>
-            </a:r>
-            <a:r>
-              <a:rPr lang="en-US" sz="1400" b="1" dirty="0">
-                <a:latin typeface="Courier New" panose="02070309020205020404" pitchFamily="49" charset="0"/>
-                <a:cs typeface="Courier New" panose="02070309020205020404" pitchFamily="49" charset="0"/>
-              </a:rPr>
-              <a:t>* </a:t>
-            </a:r>
-            <a:r>
-              <a:rPr lang="en-US" sz="1400" b="1" dirty="0" err="1">
-                <a:latin typeface="Courier New" panose="02070309020205020404" pitchFamily="49" charset="0"/>
-                <a:cs typeface="Courier New" panose="02070309020205020404" pitchFamily="49" charset="0"/>
-              </a:rPr>
-              <a:t>Map_last</a:t>
-            </a:r>
-            <a:r>
-              <a:rPr lang="en-US" sz="1400" b="1" dirty="0">
-                <a:latin typeface="Courier New" panose="02070309020205020404" pitchFamily="49" charset="0"/>
-                <a:cs typeface="Courier New" panose="02070309020205020404" pitchFamily="49" charset="0"/>
-              </a:rPr>
-              <a:t>(struct Map* self)</a:t>
-            </a:r>
-          </a:p>
-          <a:p>
-            <a:r>
-              <a:rPr lang="en-US" sz="1400" b="1" dirty="0">
-                <a:latin typeface="Courier New" panose="02070309020205020404" pitchFamily="49" charset="0"/>
-                <a:cs typeface="Courier New" panose="02070309020205020404" pitchFamily="49" charset="0"/>
-              </a:rPr>
-              <a:t>{</a:t>
-            </a:r>
-          </a:p>
-          <a:p>
-            <a:r>
-              <a:rPr lang="en-US" sz="1400" b="1" dirty="0">
-                <a:latin typeface="Courier New" panose="02070309020205020404" pitchFamily="49" charset="0"/>
-                <a:cs typeface="Courier New" panose="02070309020205020404" pitchFamily="49" charset="0"/>
-              </a:rPr>
-              <a:t>   ...</a:t>
-            </a:r>
-          </a:p>
-          <a:p>
-            <a:r>
-              <a:rPr lang="en-US" sz="1400" b="1" dirty="0">
-                <a:latin typeface="Courier New" panose="02070309020205020404" pitchFamily="49" charset="0"/>
-                <a:cs typeface="Courier New" panose="02070309020205020404" pitchFamily="49" charset="0"/>
-              </a:rPr>
-              <a:t>}</a:t>
-            </a:r>
-          </a:p>
-        </p:txBody>
-      </p:sp>
-      <p:sp>
-        <p:nvSpPr>
-          <p:cNvPr id="6" name="Title 5">
-            <a:extLst>
-              <a:ext uri="{FF2B5EF4-FFF2-40B4-BE49-F238E27FC236}">
-                <a16:creationId xmlns:a16="http://schemas.microsoft.com/office/drawing/2014/main" id="{E4A81157-F1D0-5130-371D-BA8DD965B654}"/>
-              </a:ext>
-            </a:extLst>
-          </p:cNvPr>
-          <p:cNvSpPr>
-            <a:spLocks noGrp="1"/>
-          </p:cNvSpPr>
-          <p:nvPr>
-            <p:ph type="title"/>
-          </p:nvPr>
-        </p:nvSpPr>
-        <p:spPr>
-          <a:xfrm>
-            <a:off x="838200" y="365125"/>
-            <a:ext cx="5257800" cy="1325563"/>
-          </a:xfrm>
-        </p:spPr>
-        <p:txBody>
-          <a:bodyPr/>
-          <a:lstStyle/>
-          <a:p>
-            <a:r>
-              <a:rPr lang="en-US" dirty="0" err="1"/>
-              <a:t>Map_last</a:t>
-            </a:r>
-            <a:r>
-              <a:rPr lang="en-US" dirty="0"/>
-              <a:t>()</a:t>
-            </a:r>
-          </a:p>
-        </p:txBody>
-      </p:sp>
-      <p:sp>
-        <p:nvSpPr>
-          <p:cNvPr id="7" name="Content Placeholder 6">
-            <a:extLst>
-              <a:ext uri="{FF2B5EF4-FFF2-40B4-BE49-F238E27FC236}">
-                <a16:creationId xmlns:a16="http://schemas.microsoft.com/office/drawing/2014/main" id="{4D372547-AA0B-35AD-4AD8-30763CE5DF56}"/>
-              </a:ext>
-            </a:extLst>
-          </p:cNvPr>
-          <p:cNvSpPr>
-            <a:spLocks noGrp="1"/>
-          </p:cNvSpPr>
-          <p:nvPr>
-            <p:ph idx="1"/>
-          </p:nvPr>
-        </p:nvSpPr>
-        <p:spPr>
-          <a:xfrm>
-            <a:off x="838200" y="1825625"/>
-            <a:ext cx="3990474" cy="4351338"/>
-          </a:xfrm>
-        </p:spPr>
-        <p:txBody>
-          <a:bodyPr>
-            <a:normAutofit/>
-          </a:bodyPr>
-          <a:lstStyle/>
-          <a:p>
-            <a:r>
-              <a:rPr lang="en-US" dirty="0"/>
-              <a:t>Same as </a:t>
-            </a:r>
-            <a:r>
-              <a:rPr lang="en-US" dirty="0" err="1"/>
-              <a:t>Map_first</a:t>
-            </a:r>
-            <a:r>
-              <a:rPr lang="en-US" dirty="0"/>
-              <a:t> except that we start at tail and indicate we are supposed to go backwards when next() is called..</a:t>
-            </a:r>
-          </a:p>
-        </p:txBody>
-      </p:sp>
-      <p:sp>
-        <p:nvSpPr>
-          <p:cNvPr id="3" name="TextBox 2">
-            <a:extLst>
-              <a:ext uri="{FF2B5EF4-FFF2-40B4-BE49-F238E27FC236}">
-                <a16:creationId xmlns:a16="http://schemas.microsoft.com/office/drawing/2014/main" id="{5D8B57BC-0412-BDF8-3698-BE32582A69CD}"/>
-              </a:ext>
-            </a:extLst>
-          </p:cNvPr>
-          <p:cNvSpPr txBox="1"/>
-          <p:nvPr/>
-        </p:nvSpPr>
-        <p:spPr>
-          <a:xfrm>
-            <a:off x="5922165" y="4763994"/>
-            <a:ext cx="5447325" cy="1815882"/>
-          </a:xfrm>
-          <a:prstGeom prst="rect">
-            <a:avLst/>
-          </a:prstGeom>
-          <a:noFill/>
-        </p:spPr>
-        <p:txBody>
-          <a:bodyPr wrap="none" rtlCol="0">
-            <a:spAutoFit/>
-          </a:bodyPr>
-          <a:lstStyle/>
-          <a:p>
-            <a:r>
-              <a:rPr lang="en-US" sz="1400" b="1" dirty="0">
-                <a:latin typeface="Courier New" panose="02070309020205020404" pitchFamily="49" charset="0"/>
-                <a:cs typeface="Courier New" panose="02070309020205020404" pitchFamily="49" charset="0"/>
-              </a:rPr>
-              <a:t>    </a:t>
-            </a:r>
-            <a:r>
-              <a:rPr lang="en-US" sz="1400" b="1" dirty="0" err="1">
-                <a:latin typeface="Courier New" panose="02070309020205020404" pitchFamily="49" charset="0"/>
-                <a:cs typeface="Courier New" panose="02070309020205020404" pitchFamily="49" charset="0"/>
-              </a:rPr>
-              <a:t>printf</a:t>
-            </a:r>
-            <a:r>
-              <a:rPr lang="en-US" sz="1400" b="1" dirty="0">
-                <a:latin typeface="Courier New" panose="02070309020205020404" pitchFamily="49" charset="0"/>
-                <a:cs typeface="Courier New" panose="02070309020205020404" pitchFamily="49" charset="0"/>
-              </a:rPr>
-              <a:t>("\</a:t>
-            </a:r>
-            <a:r>
-              <a:rPr lang="en-US" sz="1400" b="1" dirty="0" err="1">
-                <a:latin typeface="Courier New" panose="02070309020205020404" pitchFamily="49" charset="0"/>
-                <a:cs typeface="Courier New" panose="02070309020205020404" pitchFamily="49" charset="0"/>
-              </a:rPr>
-              <a:t>nIterate</a:t>
-            </a:r>
-            <a:r>
-              <a:rPr lang="en-US" sz="1400" b="1" dirty="0">
-                <a:latin typeface="Courier New" panose="02070309020205020404" pitchFamily="49" charset="0"/>
-                <a:cs typeface="Courier New" panose="02070309020205020404" pitchFamily="49" charset="0"/>
-              </a:rPr>
-              <a:t> backwards\n");</a:t>
-            </a:r>
-          </a:p>
-          <a:p>
-            <a:r>
-              <a:rPr lang="en-US" sz="1400" b="1" dirty="0">
-                <a:latin typeface="Courier New" panose="02070309020205020404" pitchFamily="49" charset="0"/>
-                <a:cs typeface="Courier New" panose="02070309020205020404" pitchFamily="49" charset="0"/>
-              </a:rPr>
-              <a:t>    </a:t>
-            </a:r>
-            <a:r>
-              <a:rPr lang="en-US" sz="1400" b="1" dirty="0" err="1">
-                <a:latin typeface="Courier New" panose="02070309020205020404" pitchFamily="49" charset="0"/>
-                <a:cs typeface="Courier New" panose="02070309020205020404" pitchFamily="49" charset="0"/>
-              </a:rPr>
-              <a:t>iter</a:t>
-            </a:r>
-            <a:r>
-              <a:rPr lang="en-US" sz="1400" b="1" dirty="0">
-                <a:latin typeface="Courier New" panose="02070309020205020404" pitchFamily="49" charset="0"/>
-                <a:cs typeface="Courier New" panose="02070309020205020404" pitchFamily="49" charset="0"/>
-              </a:rPr>
-              <a:t> = map-&gt;last(map);</a:t>
-            </a:r>
-          </a:p>
-          <a:p>
-            <a:r>
-              <a:rPr lang="en-US" sz="1400" b="1" dirty="0">
-                <a:latin typeface="Courier New" panose="02070309020205020404" pitchFamily="49" charset="0"/>
-                <a:cs typeface="Courier New" panose="02070309020205020404" pitchFamily="49" charset="0"/>
-              </a:rPr>
-              <a:t>    while(1) {</a:t>
-            </a:r>
-          </a:p>
-          <a:p>
-            <a:r>
-              <a:rPr lang="en-US" sz="1400" b="1" dirty="0">
-                <a:latin typeface="Courier New" panose="02070309020205020404" pitchFamily="49" charset="0"/>
-                <a:cs typeface="Courier New" panose="02070309020205020404" pitchFamily="49" charset="0"/>
-              </a:rPr>
-              <a:t>        cur = </a:t>
-            </a:r>
-            <a:r>
-              <a:rPr lang="en-US" sz="1400" b="1" dirty="0" err="1">
-                <a:latin typeface="Courier New" panose="02070309020205020404" pitchFamily="49" charset="0"/>
-                <a:cs typeface="Courier New" panose="02070309020205020404" pitchFamily="49" charset="0"/>
-              </a:rPr>
-              <a:t>iter</a:t>
-            </a:r>
-            <a:r>
-              <a:rPr lang="en-US" sz="1400" b="1" dirty="0">
-                <a:latin typeface="Courier New" panose="02070309020205020404" pitchFamily="49" charset="0"/>
-                <a:cs typeface="Courier New" panose="02070309020205020404" pitchFamily="49" charset="0"/>
-              </a:rPr>
-              <a:t>-&gt;next(</a:t>
-            </a:r>
-            <a:r>
-              <a:rPr lang="en-US" sz="1400" b="1" dirty="0" err="1">
-                <a:latin typeface="Courier New" panose="02070309020205020404" pitchFamily="49" charset="0"/>
-                <a:cs typeface="Courier New" panose="02070309020205020404" pitchFamily="49" charset="0"/>
-              </a:rPr>
-              <a:t>iter</a:t>
-            </a:r>
-            <a:r>
-              <a:rPr lang="en-US" sz="1400" b="1" dirty="0">
-                <a:latin typeface="Courier New" panose="02070309020205020404" pitchFamily="49" charset="0"/>
-                <a:cs typeface="Courier New" panose="02070309020205020404" pitchFamily="49" charset="0"/>
-              </a:rPr>
-              <a:t>);</a:t>
-            </a:r>
-          </a:p>
-          <a:p>
-            <a:r>
-              <a:rPr lang="en-US" sz="1400" b="1" dirty="0">
-                <a:latin typeface="Courier New" panose="02070309020205020404" pitchFamily="49" charset="0"/>
-                <a:cs typeface="Courier New" panose="02070309020205020404" pitchFamily="49" charset="0"/>
-              </a:rPr>
-              <a:t>        if ( cur == NULL ) break;</a:t>
-            </a:r>
-          </a:p>
-          <a:p>
-            <a:r>
-              <a:rPr lang="en-US" sz="1400" b="1" dirty="0">
-                <a:latin typeface="Courier New" panose="02070309020205020404" pitchFamily="49" charset="0"/>
-                <a:cs typeface="Courier New" panose="02070309020205020404" pitchFamily="49" charset="0"/>
-              </a:rPr>
-              <a:t>        </a:t>
-            </a:r>
-            <a:r>
-              <a:rPr lang="en-US" sz="1400" b="1" dirty="0" err="1">
-                <a:latin typeface="Courier New" panose="02070309020205020404" pitchFamily="49" charset="0"/>
-                <a:cs typeface="Courier New" panose="02070309020205020404" pitchFamily="49" charset="0"/>
-              </a:rPr>
-              <a:t>printf</a:t>
-            </a:r>
-            <a:r>
-              <a:rPr lang="en-US" sz="1400" b="1" dirty="0">
-                <a:latin typeface="Courier New" panose="02070309020205020404" pitchFamily="49" charset="0"/>
-                <a:cs typeface="Courier New" panose="02070309020205020404" pitchFamily="49" charset="0"/>
-              </a:rPr>
-              <a:t>(" %s=%d\n", cur-&gt;key, cur-&gt;value);</a:t>
-            </a:r>
-          </a:p>
-          <a:p>
-            <a:r>
-              <a:rPr lang="en-US" sz="1400" b="1" dirty="0">
-                <a:latin typeface="Courier New" panose="02070309020205020404" pitchFamily="49" charset="0"/>
-                <a:cs typeface="Courier New" panose="02070309020205020404" pitchFamily="49" charset="0"/>
-              </a:rPr>
-              <a:t>    }</a:t>
-            </a:r>
-          </a:p>
-          <a:p>
-            <a:r>
-              <a:rPr lang="en-US" sz="1400" b="1" dirty="0">
-                <a:latin typeface="Courier New" panose="02070309020205020404" pitchFamily="49" charset="0"/>
-                <a:cs typeface="Courier New" panose="02070309020205020404" pitchFamily="49" charset="0"/>
-              </a:rPr>
-              <a:t>    </a:t>
-            </a:r>
-            <a:r>
-              <a:rPr lang="en-US" sz="1400" b="1" dirty="0" err="1">
-                <a:latin typeface="Courier New" panose="02070309020205020404" pitchFamily="49" charset="0"/>
-                <a:cs typeface="Courier New" panose="02070309020205020404" pitchFamily="49" charset="0"/>
-              </a:rPr>
-              <a:t>iter</a:t>
-            </a:r>
-            <a:r>
-              <a:rPr lang="en-US" sz="1400" b="1" dirty="0">
-                <a:latin typeface="Courier New" panose="02070309020205020404" pitchFamily="49" charset="0"/>
-                <a:cs typeface="Courier New" panose="02070309020205020404" pitchFamily="49" charset="0"/>
-              </a:rPr>
-              <a:t>-&gt;del(</a:t>
-            </a:r>
-            <a:r>
-              <a:rPr lang="en-US" sz="1400" b="1" dirty="0" err="1">
-                <a:latin typeface="Courier New" panose="02070309020205020404" pitchFamily="49" charset="0"/>
-                <a:cs typeface="Courier New" panose="02070309020205020404" pitchFamily="49" charset="0"/>
-              </a:rPr>
-              <a:t>iter</a:t>
-            </a:r>
-            <a:r>
-              <a:rPr lang="en-US" sz="1400" b="1" dirty="0">
-                <a:latin typeface="Courier New" panose="02070309020205020404" pitchFamily="49" charset="0"/>
-                <a:cs typeface="Courier New" panose="02070309020205020404" pitchFamily="49" charset="0"/>
-              </a:rPr>
-              <a:t>);</a:t>
-            </a:r>
-          </a:p>
-        </p:txBody>
-      </p:sp>
-    </p:spTree>
-    <p:extLst>
-      <p:ext uri="{BB962C8B-B14F-4D97-AF65-F5344CB8AC3E}">
-        <p14:creationId xmlns:p14="http://schemas.microsoft.com/office/powerpoint/2010/main" val="3230195161"/>
-      </p:ext>
-    </p:extLst>
-  </p:cSld>
-  <p:clrMapOvr>
-    <a:masterClrMapping/>
-  </p:clrMapOvr>
-</p:sld>
-</file>
-
-<file path=ppt/slides/slide42.xml><?xml version="1.0" encoding="utf-8"?>
-<p:sld xmlns:a="http://schemas.openxmlformats.org/drawingml/2006/main" xmlns:r="http://schemas.openxmlformats.org/officeDocument/2006/relationships" xmlns:p="http://schemas.openxmlformats.org/presentationml/2006/main">
-  <p:cSld>
-    <p:spTree>
-      <p:nvGrpSpPr>
-        <p:cNvPr id="1" name=""/>
-        <p:cNvGrpSpPr/>
-        <p:nvPr/>
-      </p:nvGrpSpPr>
-      <p:grpSpPr>
-        <a:xfrm>
-          <a:off x="0" y="0"/>
-          <a:ext cx="0" cy="0"/>
-          <a:chOff x="0" y="0"/>
-          <a:chExt cx="0" cy="0"/>
-        </a:xfrm>
-      </p:grpSpPr>
-      <p:sp>
-        <p:nvSpPr>
           <p:cNvPr id="2" name="Title 1">
             <a:extLst>
               <a:ext uri="{FF2B5EF4-FFF2-40B4-BE49-F238E27FC236}">
@@ -17635,7 +16956,7 @@
         <p:spPr>
           <a:xfrm>
             <a:off x="6726665" y="1977288"/>
-            <a:ext cx="4504759" cy="1569660"/>
+            <a:ext cx="4504759" cy="2554545"/>
           </a:xfrm>
           <a:prstGeom prst="rect">
             <a:avLst/>
@@ -17668,6 +16989,12 @@
             </a:r>
           </a:p>
           <a:p>
+            <a:endParaRPr lang="en-US" sz="1600" b="1" dirty="0">
+              <a:latin typeface="Courier New" panose="02070309020205020404" pitchFamily="49" charset="0"/>
+              <a:cs typeface="Courier New" panose="02070309020205020404" pitchFamily="49" charset="0"/>
+            </a:endParaRPr>
+          </a:p>
+          <a:p>
             <a:r>
               <a:rPr lang="en-US" sz="1600" b="1" dirty="0">
                 <a:latin typeface="Courier New" panose="02070309020205020404" pitchFamily="49" charset="0"/>
@@ -17703,6 +17030,12 @@
               </a:rPr>
               <a:t>')."\n");</a:t>
             </a:r>
+          </a:p>
+          <a:p>
+            <a:endParaRPr lang="en-US" sz="1600" b="1" dirty="0">
+              <a:latin typeface="Courier New" panose="02070309020205020404" pitchFamily="49" charset="0"/>
+              <a:cs typeface="Courier New" panose="02070309020205020404" pitchFamily="49" charset="0"/>
+            </a:endParaRPr>
           </a:p>
           <a:p>
             <a:r>
@@ -17745,6 +17078,12 @@
             </a:r>
           </a:p>
           <a:p>
+            <a:endParaRPr lang="en-US" sz="1600" b="1" dirty="0">
+              <a:latin typeface="Courier New" panose="02070309020205020404" pitchFamily="49" charset="0"/>
+              <a:cs typeface="Courier New" panose="02070309020205020404" pitchFamily="49" charset="0"/>
+            </a:endParaRPr>
+          </a:p>
+          <a:p>
             <a:r>
               <a:rPr lang="en-US" sz="1600" b="1" dirty="0">
                 <a:latin typeface="Courier New" panose="02070309020205020404" pitchFamily="49" charset="0"/>
@@ -17752,6 +17091,12 @@
               </a:rPr>
               <a:t>print($y."\n");</a:t>
             </a:r>
+          </a:p>
+          <a:p>
+            <a:endParaRPr lang="en-US" sz="1600" b="1" dirty="0">
+              <a:latin typeface="Courier New" panose="02070309020205020404" pitchFamily="49" charset="0"/>
+              <a:cs typeface="Courier New" panose="02070309020205020404" pitchFamily="49" charset="0"/>
+            </a:endParaRPr>
           </a:p>
           <a:p>
             <a:r>
@@ -17796,7 +17141,7 @@
         <p:spPr>
           <a:xfrm>
             <a:off x="931478" y="1977288"/>
-            <a:ext cx="3764172" cy="1569660"/>
+            <a:ext cx="3764172" cy="2554545"/>
           </a:xfrm>
           <a:prstGeom prst="rect">
             <a:avLst/>
@@ -17827,6 +17172,12 @@
             </a:r>
           </a:p>
           <a:p>
+            <a:endParaRPr lang="en-US" sz="1600" b="1" dirty="0">
+              <a:latin typeface="Courier New" panose="02070309020205020404" pitchFamily="49" charset="0"/>
+              <a:cs typeface="Courier New" panose="02070309020205020404" pitchFamily="49" charset="0"/>
+            </a:endParaRPr>
+          </a:p>
+          <a:p>
             <a:r>
               <a:rPr lang="en-US" sz="1600" b="1" dirty="0">
                 <a:latin typeface="Courier New" panose="02070309020205020404" pitchFamily="49" charset="0"/>
@@ -17850,6 +17201,12 @@
             </a:r>
           </a:p>
           <a:p>
+            <a:endParaRPr lang="en-US" sz="1600" b="1" dirty="0">
+              <a:latin typeface="Courier New" panose="02070309020205020404" pitchFamily="49" charset="0"/>
+              <a:cs typeface="Courier New" panose="02070309020205020404" pitchFamily="49" charset="0"/>
+            </a:endParaRPr>
+          </a:p>
+          <a:p>
             <a:r>
               <a:rPr lang="en-US" sz="1600" b="1" dirty="0">
                 <a:latin typeface="Courier New" panose="02070309020205020404" pitchFamily="49" charset="0"/>
@@ -17873,6 +17230,12 @@
             </a:r>
           </a:p>
           <a:p>
+            <a:endParaRPr lang="en-US" sz="1600" b="1" dirty="0">
+              <a:latin typeface="Courier New" panose="02070309020205020404" pitchFamily="49" charset="0"/>
+              <a:cs typeface="Courier New" panose="02070309020205020404" pitchFamily="49" charset="0"/>
+            </a:endParaRPr>
+          </a:p>
+          <a:p>
             <a:r>
               <a:rPr lang="en-US" sz="1600" b="1" dirty="0">
                 <a:latin typeface="Courier New" panose="02070309020205020404" pitchFamily="49" charset="0"/>
@@ -17880,6 +17243,12 @@
               </a:rPr>
               <a:t>print(y)</a:t>
             </a:r>
+          </a:p>
+          <a:p>
+            <a:endParaRPr lang="en-US" sz="1600" b="1" dirty="0">
+              <a:latin typeface="Courier New" panose="02070309020205020404" pitchFamily="49" charset="0"/>
+              <a:cs typeface="Courier New" panose="02070309020205020404" pitchFamily="49" charset="0"/>
+            </a:endParaRPr>
           </a:p>
           <a:p>
             <a:r>
@@ -18697,7 +18066,7 @@
           <a:p>
             <a:r>
               <a:rPr lang="en-US" dirty="0"/>
-              <a:t>Moving Methods into the Structure</a:t>
+              <a:t>Putting Methods in the Structure</a:t>
             </a:r>
           </a:p>
         </p:txBody>
@@ -18716,7 +18085,7 @@
         </p:nvSpPr>
         <p:spPr>
           <a:xfrm>
-            <a:off x="838200" y="5360276"/>
+            <a:off x="838200" y="5231184"/>
             <a:ext cx="10222125" cy="923330"/>
           </a:xfrm>
           <a:prstGeom prst="rect">
@@ -18732,7 +18101,15 @@
           <a:p>
             <a:r>
               <a:rPr lang="en-US" dirty="0"/>
-              <a:t>Because we are emulation OO patterns in C, moving new() into the structure is possible but adds a layer of complexity at compile and run time.  Similarly we need to have '</a:t>
+              <a:t>Because we are emulating OO patterns in C, moving new() into the structure is possible but adds a layer of complexity at compile </a:t>
+            </a:r>
+            <a:r>
+              <a:rPr lang="en-US" i="1" dirty="0"/>
+              <a:t>and</a:t>
+            </a:r>
+            <a:r>
+              <a:rPr lang="en-US" dirty="0"/>
+              <a:t> run time.  Similarly we need to have '</a:t>
             </a:r>
             <a:r>
               <a:rPr lang="en-US" dirty="0" err="1"/>
@@ -18798,7 +18175,7 @@
           <a:p>
             <a:r>
               <a:rPr lang="en-US" dirty="0"/>
-              <a:t>"Leaky" Abstractions</a:t>
+              <a:t>Access Control / "Leaky" Abstractions</a:t>
             </a:r>
           </a:p>
         </p:txBody>
@@ -18840,7 +18217,7 @@
           <a:p>
             <a:r>
               <a:rPr lang="en-US" dirty="0"/>
-              <a:t>The implementation details within the class are "leaking" out into the calling code.</a:t>
+              <a:t>The implementation details like the choice of an internal variable name within the class are "leaking" out into the calling code.</a:t>
             </a:r>
           </a:p>
           <a:p>
@@ -19546,10 +18923,18 @@
                 <a:latin typeface="Courier New" panose="02070309020205020404" pitchFamily="49" charset="0"/>
                 <a:cs typeface="Courier New" panose="02070309020205020404" pitchFamily="49" charset="0"/>
               </a:rPr>
-              <a:t>-&gt;head; cur != NULL ; cur = cur-&gt;next ) {</a:t>
-            </a:r>
-          </a:p>
-          <a:p>
+              <a:t>-&gt;</a:t>
+            </a:r>
+            <a:r>
+              <a:rPr lang="en-US" sz="1400" b="1" dirty="0">
+                <a:solidFill>
+                  <a:srgbClr val="FF0000"/>
+                </a:solidFill>
+                <a:latin typeface="Courier New" panose="02070309020205020404" pitchFamily="49" charset="0"/>
+                <a:cs typeface="Courier New" panose="02070309020205020404" pitchFamily="49" charset="0"/>
+              </a:rPr>
+              <a:t>head</a:t>
+            </a:r>
             <a:r>
               <a:rPr lang="en-US" sz="1400" b="1" dirty="0">
                 <a:solidFill>
@@ -19560,10 +18945,20 @@
                 <a:latin typeface="Courier New" panose="02070309020205020404" pitchFamily="49" charset="0"/>
                 <a:cs typeface="Courier New" panose="02070309020205020404" pitchFamily="49" charset="0"/>
               </a:rPr>
-              <a:t>        </a:t>
-            </a:r>
-            <a:r>
-              <a:rPr lang="en-US" sz="1400" b="1" dirty="0" err="1">
+              <a:t>; cur != NULL ; cur = cur-&gt;</a:t>
+            </a:r>
+            <a:r>
+              <a:rPr lang="en-US" sz="1400" b="1" dirty="0">
+                <a:solidFill>
+                  <a:srgbClr val="FF0000"/>
+                </a:solidFill>
+                <a:latin typeface="Courier New" panose="02070309020205020404" pitchFamily="49" charset="0"/>
+                <a:cs typeface="Courier New" panose="02070309020205020404" pitchFamily="49" charset="0"/>
+              </a:rPr>
+              <a:t>next</a:t>
+            </a:r>
+            <a:r>
+              <a:rPr lang="en-US" sz="1400" b="1" dirty="0">
                 <a:solidFill>
                   <a:schemeClr val="accent5">
                     <a:lumMod val="50000"/>
@@ -19572,8 +18967,10 @@
                 <a:latin typeface="Courier New" panose="02070309020205020404" pitchFamily="49" charset="0"/>
                 <a:cs typeface="Courier New" panose="02070309020205020404" pitchFamily="49" charset="0"/>
               </a:rPr>
-              <a:t>printf</a:t>
-            </a:r>
+              <a:t> ) {</a:t>
+            </a:r>
+          </a:p>
+          <a:p>
             <a:r>
               <a:rPr lang="en-US" sz="1400" b="1" dirty="0">
                 <a:solidFill>
@@ -19584,7 +18981,75 @@
                 <a:latin typeface="Courier New" panose="02070309020205020404" pitchFamily="49" charset="0"/>
                 <a:cs typeface="Courier New" panose="02070309020205020404" pitchFamily="49" charset="0"/>
               </a:rPr>
-              <a:t>("%s=%s\n", cur-&gt;key, cur-&gt;value);</a:t>
+              <a:t>        </a:t>
+            </a:r>
+            <a:r>
+              <a:rPr lang="en-US" sz="1400" b="1" dirty="0" err="1">
+                <a:solidFill>
+                  <a:schemeClr val="accent5">
+                    <a:lumMod val="50000"/>
+                  </a:schemeClr>
+                </a:solidFill>
+                <a:latin typeface="Courier New" panose="02070309020205020404" pitchFamily="49" charset="0"/>
+                <a:cs typeface="Courier New" panose="02070309020205020404" pitchFamily="49" charset="0"/>
+              </a:rPr>
+              <a:t>printf</a:t>
+            </a:r>
+            <a:r>
+              <a:rPr lang="en-US" sz="1400" b="1" dirty="0">
+                <a:solidFill>
+                  <a:schemeClr val="accent5">
+                    <a:lumMod val="50000"/>
+                  </a:schemeClr>
+                </a:solidFill>
+                <a:latin typeface="Courier New" panose="02070309020205020404" pitchFamily="49" charset="0"/>
+                <a:cs typeface="Courier New" panose="02070309020205020404" pitchFamily="49" charset="0"/>
+              </a:rPr>
+              <a:t>("%s=%s\n", cur-&gt;</a:t>
+            </a:r>
+            <a:r>
+              <a:rPr lang="en-US" sz="1400" b="1" dirty="0">
+                <a:solidFill>
+                  <a:srgbClr val="FF0000"/>
+                </a:solidFill>
+                <a:latin typeface="Courier New" panose="02070309020205020404" pitchFamily="49" charset="0"/>
+                <a:cs typeface="Courier New" panose="02070309020205020404" pitchFamily="49" charset="0"/>
+              </a:rPr>
+              <a:t>key</a:t>
+            </a:r>
+            <a:r>
+              <a:rPr lang="en-US" sz="1400" b="1" dirty="0">
+                <a:solidFill>
+                  <a:schemeClr val="accent5">
+                    <a:lumMod val="50000"/>
+                  </a:schemeClr>
+                </a:solidFill>
+                <a:latin typeface="Courier New" panose="02070309020205020404" pitchFamily="49" charset="0"/>
+                <a:cs typeface="Courier New" panose="02070309020205020404" pitchFamily="49" charset="0"/>
+              </a:rPr>
+              <a:t>, cur-&gt;</a:t>
+            </a:r>
+            <a:r>
+              <a:rPr lang="en-US" sz="1400" b="1" dirty="0">
+                <a:solidFill>
+                  <a:srgbClr val="FF0000"/>
+                </a:solidFill>
+                <a:latin typeface="Courier New" panose="02070309020205020404" pitchFamily="49" charset="0"/>
+                <a:cs typeface="Courier New" panose="02070309020205020404" pitchFamily="49" charset="0"/>
+              </a:rPr>
+              <a:t>value</a:t>
+            </a:r>
+            <a:r>
+              <a:rPr lang="en-US" sz="1400" b="1" dirty="0">
+                <a:solidFill>
+                  <a:schemeClr val="accent5">
+                    <a:lumMod val="50000"/>
+                  </a:schemeClr>
+                </a:solidFill>
+                <a:latin typeface="Courier New" panose="02070309020205020404" pitchFamily="49" charset="0"/>
+                <a:cs typeface="Courier New" panose="02070309020205020404" pitchFamily="49" charset="0"/>
+              </a:rPr>
+              <a:t>);</a:t>
             </a:r>
           </a:p>
           <a:p>
@@ -20019,7 +19484,7 @@
           <a:p>
             <a:r>
               <a:rPr lang="en-US" dirty="0"/>
-              <a:t>In the class definition, we mark attributes and methods with our intended access level</a:t>
+              <a:t>In real OO languages, in the class definition, we mark attributes and methods with our intended access level</a:t>
             </a:r>
           </a:p>
           <a:p>
